--- a/GreatOutdoors-Team A.pptx
+++ b/GreatOutdoors-Team A.pptx
@@ -10,25 +10,38 @@
   <p:sldIdLst>
     <p:sldId id="256" r:id="rId5"/>
     <p:sldId id="257" r:id="rId6"/>
-    <p:sldId id="274" r:id="rId7"/>
-    <p:sldId id="262" r:id="rId8"/>
-    <p:sldId id="258" r:id="rId9"/>
-    <p:sldId id="259" r:id="rId10"/>
-    <p:sldId id="260" r:id="rId11"/>
-    <p:sldId id="263" r:id="rId12"/>
-    <p:sldId id="265" r:id="rId13"/>
-    <p:sldId id="264" r:id="rId14"/>
-    <p:sldId id="266" r:id="rId15"/>
-    <p:sldId id="267" r:id="rId16"/>
-    <p:sldId id="268" r:id="rId17"/>
-    <p:sldId id="269" r:id="rId18"/>
-    <p:sldId id="270" r:id="rId19"/>
-    <p:sldId id="271" r:id="rId20"/>
-    <p:sldId id="272" r:id="rId21"/>
-    <p:sldId id="273" r:id="rId22"/>
-    <p:sldId id="275" r:id="rId23"/>
-    <p:sldId id="276" r:id="rId24"/>
-    <p:sldId id="277" r:id="rId25"/>
+    <p:sldId id="284" r:id="rId7"/>
+    <p:sldId id="258" r:id="rId8"/>
+    <p:sldId id="259" r:id="rId9"/>
+    <p:sldId id="260" r:id="rId10"/>
+    <p:sldId id="285" r:id="rId11"/>
+    <p:sldId id="274" r:id="rId12"/>
+    <p:sldId id="289" r:id="rId13"/>
+    <p:sldId id="263" r:id="rId14"/>
+    <p:sldId id="264" r:id="rId15"/>
+    <p:sldId id="269" r:id="rId16"/>
+    <p:sldId id="277" r:id="rId17"/>
+    <p:sldId id="272" r:id="rId18"/>
+    <p:sldId id="273" r:id="rId19"/>
+    <p:sldId id="290" r:id="rId20"/>
+    <p:sldId id="265" r:id="rId21"/>
+    <p:sldId id="266" r:id="rId22"/>
+    <p:sldId id="276" r:id="rId23"/>
+    <p:sldId id="278" r:id="rId24"/>
+    <p:sldId id="279" r:id="rId25"/>
+    <p:sldId id="287" r:id="rId26"/>
+    <p:sldId id="262" r:id="rId27"/>
+    <p:sldId id="282" r:id="rId28"/>
+    <p:sldId id="283" r:id="rId29"/>
+    <p:sldId id="286" r:id="rId30"/>
+    <p:sldId id="267" r:id="rId31"/>
+    <p:sldId id="268" r:id="rId32"/>
+    <p:sldId id="270" r:id="rId33"/>
+    <p:sldId id="271" r:id="rId34"/>
+    <p:sldId id="275" r:id="rId35"/>
+    <p:sldId id="280" r:id="rId36"/>
+    <p:sldId id="281" r:id="rId37"/>
+    <p:sldId id="288" r:id="rId38"/>
   </p:sldIdLst>
   <p:sldSz cx="12192000" cy="6858000"/>
   <p:notesSz cx="6858000" cy="9144000"/>
@@ -135,6 +148,14 @@
 </p:presentation>
 </file>
 
+<file path=ppt/revisionInfo.xml><?xml version="1.0" encoding="utf-8"?>
+<p1510:revInfo xmlns:a="http://schemas.openxmlformats.org/drawingml/2006/main" xmlns:r="http://schemas.openxmlformats.org/officeDocument/2006/relationships" xmlns:p1510="http://schemas.microsoft.com/office/powerpoint/2015/10/main">
+  <p1510:revLst>
+    <p1510:client id="{48BBC7A6-ED70-4D09-B48A-2E7631EB7523}" v="345" dt="2019-10-16T19:34:16.074"/>
+  </p1510:revLst>
+</p1510:revInfo>
+</file>
+
 <file path=ppt/slideLayouts/slideLayout1.xml><?xml version="1.0" encoding="utf-8"?>
 <p:sldLayout xmlns:a="http://schemas.openxmlformats.org/drawingml/2006/main" xmlns:r="http://schemas.openxmlformats.org/officeDocument/2006/relationships" xmlns:p="http://schemas.openxmlformats.org/presentationml/2006/main" showMasterSp="0" type="title" preserve="1">
   <p:cSld name="Title Slide">
@@ -388,7 +409,7 @@
           </a:lstStyle>
           <a:p>
             <a:r>
-              <a:rPr lang="en-US" smtClean="0"/>
+              <a:rPr lang="en-US"/>
               <a:t>Click to edit Master title style</a:t>
             </a:r>
             <a:endParaRPr lang="en-US" dirty="0"/>
@@ -465,7 +486,7 @@
           </a:lstStyle>
           <a:p>
             <a:r>
-              <a:rPr lang="en-US" smtClean="0"/>
+              <a:rPr lang="en-US"/>
               <a:t>Click to edit Master subtitle style</a:t>
             </a:r>
             <a:endParaRPr lang="en-US" dirty="0"/>
@@ -621,7 +642,7 @@
   <p:clrMapOvr>
     <a:overrideClrMapping bg1="dk1" tx1="lt1" bg2="dk2" tx2="lt2" accent1="accent1" accent2="accent2" accent3="accent3" accent4="accent4" accent5="accent5" accent6="accent6" hlink="hlink" folHlink="folHlink"/>
   </p:clrMapOvr>
-  <p:extLst mod="1">
+  <p:extLst>
     <p:ext uri="{DCECCB84-F9BA-43D5-87BE-67443E8EF086}">
       <p15:sldGuideLst xmlns:p15="http://schemas.microsoft.com/office/powerpoint/2012/main">
         <p15:guide id="1" orient="horz" pos="792">
@@ -668,7 +689,7 @@
           <a:lstStyle/>
           <a:p>
             <a:r>
-              <a:rPr lang="en-US" smtClean="0"/>
+              <a:rPr lang="en-US"/>
               <a:t>Click to edit Master title style</a:t>
             </a:r>
             <a:endParaRPr lang="en-US" dirty="0"/>
@@ -697,35 +718,35 @@
           <a:p>
             <a:pPr lvl="0"/>
             <a:r>
-              <a:rPr lang="en-US" smtClean="0"/>
+              <a:rPr lang="en-US"/>
               <a:t>Click to edit Master text styles</a:t>
             </a:r>
           </a:p>
           <a:p>
             <a:pPr lvl="1"/>
             <a:r>
-              <a:rPr lang="en-US" smtClean="0"/>
+              <a:rPr lang="en-US"/>
               <a:t>Second level</a:t>
             </a:r>
           </a:p>
           <a:p>
             <a:pPr lvl="2"/>
             <a:r>
-              <a:rPr lang="en-US" smtClean="0"/>
+              <a:rPr lang="en-US"/>
               <a:t>Third level</a:t>
             </a:r>
           </a:p>
           <a:p>
             <a:pPr lvl="3"/>
             <a:r>
-              <a:rPr lang="en-US" smtClean="0"/>
+              <a:rPr lang="en-US"/>
               <a:t>Fourth level</a:t>
             </a:r>
           </a:p>
           <a:p>
             <a:pPr lvl="4"/>
             <a:r>
-              <a:rPr lang="en-US" smtClean="0"/>
+              <a:rPr lang="en-US"/>
               <a:t>Fifth level</a:t>
             </a:r>
             <a:endParaRPr lang="en-US" dirty="0"/>
@@ -1049,7 +1070,7 @@
           </a:lstStyle>
           <a:p>
             <a:r>
-              <a:rPr lang="en-US" smtClean="0"/>
+              <a:rPr lang="en-US"/>
               <a:t>Click to edit Master title style</a:t>
             </a:r>
             <a:endParaRPr lang="en-US" dirty="0"/>
@@ -1078,35 +1099,35 @@
           <a:p>
             <a:pPr lvl="0"/>
             <a:r>
-              <a:rPr lang="en-US" smtClean="0"/>
+              <a:rPr lang="en-US"/>
               <a:t>Click to edit Master text styles</a:t>
             </a:r>
           </a:p>
           <a:p>
             <a:pPr lvl="1"/>
             <a:r>
-              <a:rPr lang="en-US" smtClean="0"/>
+              <a:rPr lang="en-US"/>
               <a:t>Second level</a:t>
             </a:r>
           </a:p>
           <a:p>
             <a:pPr lvl="2"/>
             <a:r>
-              <a:rPr lang="en-US" smtClean="0"/>
+              <a:rPr lang="en-US"/>
               <a:t>Third level</a:t>
             </a:r>
           </a:p>
           <a:p>
             <a:pPr lvl="3"/>
             <a:r>
-              <a:rPr lang="en-US" smtClean="0"/>
+              <a:rPr lang="en-US"/>
               <a:t>Fourth level</a:t>
             </a:r>
           </a:p>
           <a:p>
             <a:pPr lvl="4"/>
             <a:r>
-              <a:rPr lang="en-US" smtClean="0"/>
+              <a:rPr lang="en-US"/>
               <a:t>Fifth level</a:t>
             </a:r>
             <a:endParaRPr lang="en-US" dirty="0"/>
@@ -1241,7 +1262,7 @@
   <p:clrMapOvr>
     <a:masterClrMapping/>
   </p:clrMapOvr>
-  <p:extLst mod="1">
+  <p:extLst>
     <p:ext uri="{DCECCB84-F9BA-43D5-87BE-67443E8EF086}">
       <p15:sldGuideLst xmlns:p15="http://schemas.microsoft.com/office/powerpoint/2012/main">
         <p15:guide id="1" pos="6456">
@@ -1316,7 +1337,7 @@
           </a:lstStyle>
           <a:p>
             <a:r>
-              <a:rPr lang="en-US" smtClean="0"/>
+              <a:rPr lang="en-US"/>
               <a:t>Click to edit Master title style</a:t>
             </a:r>
             <a:endParaRPr lang="en-US" dirty="0"/>
@@ -1389,7 +1410,7 @@
           </a:lstStyle>
           <a:p>
             <a:r>
-              <a:rPr lang="en-US" smtClean="0"/>
+              <a:rPr lang="en-US"/>
               <a:t>Click to edit Master subtitle style</a:t>
             </a:r>
             <a:endParaRPr lang="en-US" dirty="0"/>
@@ -1612,7 +1633,7 @@
           <a:lstStyle/>
           <a:p>
             <a:r>
-              <a:rPr lang="en-US" smtClean="0"/>
+              <a:rPr lang="en-US"/>
               <a:t>Click to edit Master title style</a:t>
             </a:r>
             <a:endParaRPr lang="en-US" dirty="0"/>
@@ -1636,35 +1657,35 @@
           <a:p>
             <a:pPr lvl="0"/>
             <a:r>
-              <a:rPr lang="en-US" smtClean="0"/>
+              <a:rPr lang="en-US"/>
               <a:t>Click to edit Master text styles</a:t>
             </a:r>
           </a:p>
           <a:p>
             <a:pPr lvl="1"/>
             <a:r>
-              <a:rPr lang="en-US" smtClean="0"/>
+              <a:rPr lang="en-US"/>
               <a:t>Second level</a:t>
             </a:r>
           </a:p>
           <a:p>
             <a:pPr lvl="2"/>
             <a:r>
-              <a:rPr lang="en-US" smtClean="0"/>
+              <a:rPr lang="en-US"/>
               <a:t>Third level</a:t>
             </a:r>
           </a:p>
           <a:p>
             <a:pPr lvl="3"/>
             <a:r>
-              <a:rPr lang="en-US" smtClean="0"/>
+              <a:rPr lang="en-US"/>
               <a:t>Fourth level</a:t>
             </a:r>
           </a:p>
           <a:p>
             <a:pPr lvl="4"/>
             <a:r>
-              <a:rPr lang="en-US" smtClean="0"/>
+              <a:rPr lang="en-US"/>
               <a:t>Fifth level</a:t>
             </a:r>
             <a:endParaRPr lang="en-US" dirty="0"/>
@@ -1833,7 +1854,7 @@
           </a:lstStyle>
           <a:p>
             <a:r>
-              <a:rPr lang="en-US" smtClean="0"/>
+              <a:rPr lang="en-US"/>
               <a:t>Click to edit Master title style</a:t>
             </a:r>
             <a:endParaRPr lang="en-US" dirty="0"/>
@@ -1956,7 +1977,7 @@
           <a:p>
             <a:pPr lvl="0"/>
             <a:r>
-              <a:rPr lang="en-US" smtClean="0"/>
+              <a:rPr lang="en-US"/>
               <a:t>Click to edit Master text styles</a:t>
             </a:r>
           </a:p>
@@ -2153,7 +2174,7 @@
           <a:lstStyle/>
           <a:p>
             <a:r>
-              <a:rPr lang="en-US" smtClean="0"/>
+              <a:rPr lang="en-US"/>
               <a:t>Click to edit Master title style</a:t>
             </a:r>
             <a:endParaRPr lang="en-US" dirty="0"/>
@@ -2210,35 +2231,35 @@
           <a:p>
             <a:pPr lvl="0"/>
             <a:r>
-              <a:rPr lang="en-US" smtClean="0"/>
+              <a:rPr lang="en-US"/>
               <a:t>Click to edit Master text styles</a:t>
             </a:r>
           </a:p>
           <a:p>
             <a:pPr lvl="1"/>
             <a:r>
-              <a:rPr lang="en-US" smtClean="0"/>
+              <a:rPr lang="en-US"/>
               <a:t>Second level</a:t>
             </a:r>
           </a:p>
           <a:p>
             <a:pPr lvl="2"/>
             <a:r>
-              <a:rPr lang="en-US" smtClean="0"/>
+              <a:rPr lang="en-US"/>
               <a:t>Third level</a:t>
             </a:r>
           </a:p>
           <a:p>
             <a:pPr lvl="3"/>
             <a:r>
-              <a:rPr lang="en-US" smtClean="0"/>
+              <a:rPr lang="en-US"/>
               <a:t>Fourth level</a:t>
             </a:r>
           </a:p>
           <a:p>
             <a:pPr lvl="4"/>
             <a:r>
-              <a:rPr lang="en-US" smtClean="0"/>
+              <a:rPr lang="en-US"/>
               <a:t>Fifth level</a:t>
             </a:r>
             <a:endParaRPr lang="en-US" dirty="0"/>
@@ -2295,35 +2316,35 @@
           <a:p>
             <a:pPr lvl="0"/>
             <a:r>
-              <a:rPr lang="en-US" smtClean="0"/>
+              <a:rPr lang="en-US"/>
               <a:t>Click to edit Master text styles</a:t>
             </a:r>
           </a:p>
           <a:p>
             <a:pPr lvl="1"/>
             <a:r>
-              <a:rPr lang="en-US" smtClean="0"/>
+              <a:rPr lang="en-US"/>
               <a:t>Second level</a:t>
             </a:r>
           </a:p>
           <a:p>
             <a:pPr lvl="2"/>
             <a:r>
-              <a:rPr lang="en-US" smtClean="0"/>
+              <a:rPr lang="en-US"/>
               <a:t>Third level</a:t>
             </a:r>
           </a:p>
           <a:p>
             <a:pPr lvl="3"/>
             <a:r>
-              <a:rPr lang="en-US" smtClean="0"/>
+              <a:rPr lang="en-US"/>
               <a:t>Fourth level</a:t>
             </a:r>
           </a:p>
           <a:p>
             <a:pPr lvl="4"/>
             <a:r>
-              <a:rPr lang="en-US" smtClean="0"/>
+              <a:rPr lang="en-US"/>
               <a:t>Fifth level</a:t>
             </a:r>
             <a:endParaRPr lang="en-US" dirty="0"/>
@@ -2478,7 +2499,7 @@
           <a:lstStyle/>
           <a:p>
             <a:r>
-              <a:rPr lang="en-US" smtClean="0"/>
+              <a:rPr lang="en-US"/>
               <a:t>Click to edit Master title style</a:t>
             </a:r>
             <a:endParaRPr lang="en-US" dirty="0"/>
@@ -2553,7 +2574,7 @@
           <a:p>
             <a:pPr lvl="0"/>
             <a:r>
-              <a:rPr lang="en-US" smtClean="0"/>
+              <a:rPr lang="en-US"/>
               <a:t>Click to edit Master text styles</a:t>
             </a:r>
           </a:p>
@@ -2609,35 +2630,35 @@
           <a:p>
             <a:pPr lvl="0"/>
             <a:r>
-              <a:rPr lang="en-US" smtClean="0"/>
+              <a:rPr lang="en-US"/>
               <a:t>Click to edit Master text styles</a:t>
             </a:r>
           </a:p>
           <a:p>
             <a:pPr lvl="1"/>
             <a:r>
-              <a:rPr lang="en-US" smtClean="0"/>
+              <a:rPr lang="en-US"/>
               <a:t>Second level</a:t>
             </a:r>
           </a:p>
           <a:p>
             <a:pPr lvl="2"/>
             <a:r>
-              <a:rPr lang="en-US" smtClean="0"/>
+              <a:rPr lang="en-US"/>
               <a:t>Third level</a:t>
             </a:r>
           </a:p>
           <a:p>
             <a:pPr lvl="3"/>
             <a:r>
-              <a:rPr lang="en-US" smtClean="0"/>
+              <a:rPr lang="en-US"/>
               <a:t>Fourth level</a:t>
             </a:r>
           </a:p>
           <a:p>
             <a:pPr lvl="4"/>
             <a:r>
-              <a:rPr lang="en-US" smtClean="0"/>
+              <a:rPr lang="en-US"/>
               <a:t>Fifth level</a:t>
             </a:r>
             <a:endParaRPr lang="en-US" dirty="0"/>
@@ -2727,7 +2748,7 @@
               <a:buNone/>
             </a:pPr>
             <a:r>
-              <a:rPr lang="en-US" smtClean="0"/>
+              <a:rPr lang="en-US"/>
               <a:t>Click to edit Master text styles</a:t>
             </a:r>
           </a:p>
@@ -2783,35 +2804,35 @@
           <a:p>
             <a:pPr lvl="0"/>
             <a:r>
-              <a:rPr lang="en-US" smtClean="0"/>
+              <a:rPr lang="en-US"/>
               <a:t>Click to edit Master text styles</a:t>
             </a:r>
           </a:p>
           <a:p>
             <a:pPr lvl="1"/>
             <a:r>
-              <a:rPr lang="en-US" smtClean="0"/>
+              <a:rPr lang="en-US"/>
               <a:t>Second level</a:t>
             </a:r>
           </a:p>
           <a:p>
             <a:pPr lvl="2"/>
             <a:r>
-              <a:rPr lang="en-US" smtClean="0"/>
+              <a:rPr lang="en-US"/>
               <a:t>Third level</a:t>
             </a:r>
           </a:p>
           <a:p>
             <a:pPr lvl="3"/>
             <a:r>
-              <a:rPr lang="en-US" smtClean="0"/>
+              <a:rPr lang="en-US"/>
               <a:t>Fourth level</a:t>
             </a:r>
           </a:p>
           <a:p>
             <a:pPr lvl="4"/>
             <a:r>
-              <a:rPr lang="en-US" smtClean="0"/>
+              <a:rPr lang="en-US"/>
               <a:t>Fifth level</a:t>
             </a:r>
             <a:endParaRPr lang="en-US" dirty="0"/>
@@ -2966,7 +2987,7 @@
           <a:lstStyle/>
           <a:p>
             <a:r>
-              <a:rPr lang="en-US" smtClean="0"/>
+              <a:rPr lang="en-US"/>
               <a:t>Click to edit Master title style</a:t>
             </a:r>
             <a:endParaRPr lang="en-US" dirty="0"/>
@@ -3264,7 +3285,7 @@
           </a:lstStyle>
           <a:p>
             <a:r>
-              <a:rPr lang="en-US" smtClean="0"/>
+              <a:rPr lang="en-US"/>
               <a:t>Click to edit Master title style</a:t>
             </a:r>
             <a:endParaRPr lang="en-US" dirty="0"/>
@@ -3321,35 +3342,35 @@
           <a:p>
             <a:pPr lvl="0"/>
             <a:r>
-              <a:rPr lang="en-US" smtClean="0"/>
+              <a:rPr lang="en-US"/>
               <a:t>Click to edit Master text styles</a:t>
             </a:r>
           </a:p>
           <a:p>
             <a:pPr lvl="1"/>
             <a:r>
-              <a:rPr lang="en-US" smtClean="0"/>
+              <a:rPr lang="en-US"/>
               <a:t>Second level</a:t>
             </a:r>
           </a:p>
           <a:p>
             <a:pPr lvl="2"/>
             <a:r>
-              <a:rPr lang="en-US" smtClean="0"/>
+              <a:rPr lang="en-US"/>
               <a:t>Third level</a:t>
             </a:r>
           </a:p>
           <a:p>
             <a:pPr lvl="3"/>
             <a:r>
-              <a:rPr lang="en-US" smtClean="0"/>
+              <a:rPr lang="en-US"/>
               <a:t>Fourth level</a:t>
             </a:r>
           </a:p>
           <a:p>
             <a:pPr lvl="4"/>
             <a:r>
-              <a:rPr lang="en-US" smtClean="0"/>
+              <a:rPr lang="en-US"/>
               <a:t>Fifth level</a:t>
             </a:r>
             <a:endParaRPr lang="en-US" dirty="0"/>
@@ -3423,7 +3444,7 @@
           <a:p>
             <a:pPr lvl="0"/>
             <a:r>
-              <a:rPr lang="en-US" smtClean="0"/>
+              <a:rPr lang="en-US"/>
               <a:t>Click to edit Master text styles</a:t>
             </a:r>
           </a:p>
@@ -3577,7 +3598,7 @@
           <a:lstStyle/>
           <a:p>
             <a:r>
-              <a:rPr lang="en-US" smtClean="0"/>
+              <a:rPr lang="en-US"/>
               <a:t>Click to edit Master title style</a:t>
             </a:r>
             <a:endParaRPr lang="en-US" dirty="0"/>
@@ -3601,35 +3622,35 @@
           <a:p>
             <a:pPr lvl="0"/>
             <a:r>
-              <a:rPr lang="en-US" smtClean="0"/>
+              <a:rPr lang="en-US"/>
               <a:t>Click to edit Master text styles</a:t>
             </a:r>
           </a:p>
           <a:p>
             <a:pPr lvl="1"/>
             <a:r>
-              <a:rPr lang="en-US" smtClean="0"/>
+              <a:rPr lang="en-US"/>
               <a:t>Second level</a:t>
             </a:r>
           </a:p>
           <a:p>
             <a:pPr lvl="2"/>
             <a:r>
-              <a:rPr lang="en-US" smtClean="0"/>
+              <a:rPr lang="en-US"/>
               <a:t>Third level</a:t>
             </a:r>
           </a:p>
           <a:p>
             <a:pPr lvl="3"/>
             <a:r>
-              <a:rPr lang="en-US" smtClean="0"/>
+              <a:rPr lang="en-US"/>
               <a:t>Fourth level</a:t>
             </a:r>
           </a:p>
           <a:p>
             <a:pPr lvl="4"/>
             <a:r>
-              <a:rPr lang="en-US" smtClean="0"/>
+              <a:rPr lang="en-US"/>
               <a:t>Fifth level</a:t>
             </a:r>
             <a:endParaRPr lang="en-US" dirty="0"/>
@@ -3800,7 +3821,7 @@
           </a:lstStyle>
           <a:p>
             <a:r>
-              <a:rPr lang="en-US" smtClean="0"/>
+              <a:rPr lang="en-US"/>
               <a:t>Click to edit Master title style</a:t>
             </a:r>
             <a:endParaRPr lang="en-US" dirty="0"/>
@@ -3872,7 +3893,7 @@
           </a:lstStyle>
           <a:p>
             <a:r>
-              <a:rPr lang="en-US" smtClean="0"/>
+              <a:rPr lang="en-US"/>
               <a:t>Click icon to add picture</a:t>
             </a:r>
             <a:endParaRPr lang="en-US" dirty="0"/>
@@ -3952,7 +3973,7 @@
           <a:p>
             <a:pPr lvl="0"/>
             <a:r>
-              <a:rPr lang="en-US" smtClean="0"/>
+              <a:rPr lang="en-US"/>
               <a:t>Click to edit Master text styles</a:t>
             </a:r>
           </a:p>
@@ -4106,7 +4127,7 @@
           <a:lstStyle/>
           <a:p>
             <a:r>
-              <a:rPr lang="en-US" smtClean="0"/>
+              <a:rPr lang="en-US"/>
               <a:t>Click to edit Master title style</a:t>
             </a:r>
             <a:endParaRPr lang="en-US" dirty="0"/>
@@ -4130,35 +4151,35 @@
           <a:p>
             <a:pPr lvl="0"/>
             <a:r>
-              <a:rPr lang="en-US" smtClean="0"/>
+              <a:rPr lang="en-US"/>
               <a:t>Click to edit Master text styles</a:t>
             </a:r>
           </a:p>
           <a:p>
             <a:pPr lvl="1"/>
             <a:r>
-              <a:rPr lang="en-US" smtClean="0"/>
+              <a:rPr lang="en-US"/>
               <a:t>Second level</a:t>
             </a:r>
           </a:p>
           <a:p>
             <a:pPr lvl="2"/>
             <a:r>
-              <a:rPr lang="en-US" smtClean="0"/>
+              <a:rPr lang="en-US"/>
               <a:t>Third level</a:t>
             </a:r>
           </a:p>
           <a:p>
             <a:pPr lvl="3"/>
             <a:r>
-              <a:rPr lang="en-US" smtClean="0"/>
+              <a:rPr lang="en-US"/>
               <a:t>Fourth level</a:t>
             </a:r>
           </a:p>
           <a:p>
             <a:pPr lvl="4"/>
             <a:r>
-              <a:rPr lang="en-US" smtClean="0"/>
+              <a:rPr lang="en-US"/>
               <a:t>Fifth level</a:t>
             </a:r>
             <a:endParaRPr lang="en-US" dirty="0"/>
@@ -4318,7 +4339,7 @@
           <a:lstStyle/>
           <a:p>
             <a:r>
-              <a:rPr lang="en-US" smtClean="0"/>
+              <a:rPr lang="en-US"/>
               <a:t>Click to edit Master title style</a:t>
             </a:r>
             <a:endParaRPr lang="en-US" dirty="0"/>
@@ -4347,35 +4368,35 @@
           <a:p>
             <a:pPr lvl="0"/>
             <a:r>
-              <a:rPr lang="en-US" smtClean="0"/>
+              <a:rPr lang="en-US"/>
               <a:t>Click to edit Master text styles</a:t>
             </a:r>
           </a:p>
           <a:p>
             <a:pPr lvl="1"/>
             <a:r>
-              <a:rPr lang="en-US" smtClean="0"/>
+              <a:rPr lang="en-US"/>
               <a:t>Second level</a:t>
             </a:r>
           </a:p>
           <a:p>
             <a:pPr lvl="2"/>
             <a:r>
-              <a:rPr lang="en-US" smtClean="0"/>
+              <a:rPr lang="en-US"/>
               <a:t>Third level</a:t>
             </a:r>
           </a:p>
           <a:p>
             <a:pPr lvl="3"/>
             <a:r>
-              <a:rPr lang="en-US" smtClean="0"/>
+              <a:rPr lang="en-US"/>
               <a:t>Fourth level</a:t>
             </a:r>
           </a:p>
           <a:p>
             <a:pPr lvl="4"/>
             <a:r>
-              <a:rPr lang="en-US" smtClean="0"/>
+              <a:rPr lang="en-US"/>
               <a:t>Fifth level</a:t>
             </a:r>
             <a:endParaRPr lang="en-US" dirty="0"/>
@@ -4563,7 +4584,7 @@
           </a:lstStyle>
           <a:p>
             <a:r>
-              <a:rPr lang="en-US" smtClean="0"/>
+              <a:rPr lang="en-US"/>
               <a:t>Click to edit Master title style</a:t>
             </a:r>
             <a:endParaRPr lang="en-US" dirty="0"/>
@@ -4636,7 +4657,7 @@
           </a:lstStyle>
           <a:p>
             <a:r>
-              <a:rPr lang="en-US" smtClean="0"/>
+              <a:rPr lang="en-US"/>
               <a:t>Click to edit Master subtitle style</a:t>
             </a:r>
             <a:endParaRPr lang="en-US" dirty="0"/>
@@ -4859,7 +4880,7 @@
           <a:lstStyle/>
           <a:p>
             <a:r>
-              <a:rPr lang="en-US" smtClean="0"/>
+              <a:rPr lang="en-US"/>
               <a:t>Click to edit Master title style</a:t>
             </a:r>
             <a:endParaRPr lang="en-US" dirty="0"/>
@@ -4883,35 +4904,35 @@
           <a:p>
             <a:pPr lvl="0"/>
             <a:r>
-              <a:rPr lang="en-US" smtClean="0"/>
+              <a:rPr lang="en-US"/>
               <a:t>Click to edit Master text styles</a:t>
             </a:r>
           </a:p>
           <a:p>
             <a:pPr lvl="1"/>
             <a:r>
-              <a:rPr lang="en-US" smtClean="0"/>
+              <a:rPr lang="en-US"/>
               <a:t>Second level</a:t>
             </a:r>
           </a:p>
           <a:p>
             <a:pPr lvl="2"/>
             <a:r>
-              <a:rPr lang="en-US" smtClean="0"/>
+              <a:rPr lang="en-US"/>
               <a:t>Third level</a:t>
             </a:r>
           </a:p>
           <a:p>
             <a:pPr lvl="3"/>
             <a:r>
-              <a:rPr lang="en-US" smtClean="0"/>
+              <a:rPr lang="en-US"/>
               <a:t>Fourth level</a:t>
             </a:r>
           </a:p>
           <a:p>
             <a:pPr lvl="4"/>
             <a:r>
-              <a:rPr lang="en-US" smtClean="0"/>
+              <a:rPr lang="en-US"/>
               <a:t>Fifth level</a:t>
             </a:r>
             <a:endParaRPr lang="en-US" dirty="0"/>
@@ -5080,7 +5101,7 @@
           </a:lstStyle>
           <a:p>
             <a:r>
-              <a:rPr lang="en-US" smtClean="0"/>
+              <a:rPr lang="en-US"/>
               <a:t>Click to edit Master title style</a:t>
             </a:r>
             <a:endParaRPr lang="en-US" dirty="0"/>
@@ -5203,7 +5224,7 @@
           <a:p>
             <a:pPr lvl="0"/>
             <a:r>
-              <a:rPr lang="en-US" smtClean="0"/>
+              <a:rPr lang="en-US"/>
               <a:t>Click to edit Master text styles</a:t>
             </a:r>
           </a:p>
@@ -5400,7 +5421,7 @@
           <a:lstStyle/>
           <a:p>
             <a:r>
-              <a:rPr lang="en-US" smtClean="0"/>
+              <a:rPr lang="en-US"/>
               <a:t>Click to edit Master title style</a:t>
             </a:r>
             <a:endParaRPr lang="en-US" dirty="0"/>
@@ -5457,35 +5478,35 @@
           <a:p>
             <a:pPr lvl="0"/>
             <a:r>
-              <a:rPr lang="en-US" smtClean="0"/>
+              <a:rPr lang="en-US"/>
               <a:t>Click to edit Master text styles</a:t>
             </a:r>
           </a:p>
           <a:p>
             <a:pPr lvl="1"/>
             <a:r>
-              <a:rPr lang="en-US" smtClean="0"/>
+              <a:rPr lang="en-US"/>
               <a:t>Second level</a:t>
             </a:r>
           </a:p>
           <a:p>
             <a:pPr lvl="2"/>
             <a:r>
-              <a:rPr lang="en-US" smtClean="0"/>
+              <a:rPr lang="en-US"/>
               <a:t>Third level</a:t>
             </a:r>
           </a:p>
           <a:p>
             <a:pPr lvl="3"/>
             <a:r>
-              <a:rPr lang="en-US" smtClean="0"/>
+              <a:rPr lang="en-US"/>
               <a:t>Fourth level</a:t>
             </a:r>
           </a:p>
           <a:p>
             <a:pPr lvl="4"/>
             <a:r>
-              <a:rPr lang="en-US" smtClean="0"/>
+              <a:rPr lang="en-US"/>
               <a:t>Fifth level</a:t>
             </a:r>
             <a:endParaRPr lang="en-US" dirty="0"/>
@@ -5542,35 +5563,35 @@
           <a:p>
             <a:pPr lvl="0"/>
             <a:r>
-              <a:rPr lang="en-US" smtClean="0"/>
+              <a:rPr lang="en-US"/>
               <a:t>Click to edit Master text styles</a:t>
             </a:r>
           </a:p>
           <a:p>
             <a:pPr lvl="1"/>
             <a:r>
-              <a:rPr lang="en-US" smtClean="0"/>
+              <a:rPr lang="en-US"/>
               <a:t>Second level</a:t>
             </a:r>
           </a:p>
           <a:p>
             <a:pPr lvl="2"/>
             <a:r>
-              <a:rPr lang="en-US" smtClean="0"/>
+              <a:rPr lang="en-US"/>
               <a:t>Third level</a:t>
             </a:r>
           </a:p>
           <a:p>
             <a:pPr lvl="3"/>
             <a:r>
-              <a:rPr lang="en-US" smtClean="0"/>
+              <a:rPr lang="en-US"/>
               <a:t>Fourth level</a:t>
             </a:r>
           </a:p>
           <a:p>
             <a:pPr lvl="4"/>
             <a:r>
-              <a:rPr lang="en-US" smtClean="0"/>
+              <a:rPr lang="en-US"/>
               <a:t>Fifth level</a:t>
             </a:r>
             <a:endParaRPr lang="en-US" dirty="0"/>
@@ -5725,7 +5746,7 @@
           <a:lstStyle/>
           <a:p>
             <a:r>
-              <a:rPr lang="en-US" smtClean="0"/>
+              <a:rPr lang="en-US"/>
               <a:t>Click to edit Master title style</a:t>
             </a:r>
             <a:endParaRPr lang="en-US" dirty="0"/>
@@ -5800,7 +5821,7 @@
           <a:p>
             <a:pPr lvl="0"/>
             <a:r>
-              <a:rPr lang="en-US" smtClean="0"/>
+              <a:rPr lang="en-US"/>
               <a:t>Click to edit Master text styles</a:t>
             </a:r>
           </a:p>
@@ -5856,35 +5877,35 @@
           <a:p>
             <a:pPr lvl="0"/>
             <a:r>
-              <a:rPr lang="en-US" smtClean="0"/>
+              <a:rPr lang="en-US"/>
               <a:t>Click to edit Master text styles</a:t>
             </a:r>
           </a:p>
           <a:p>
             <a:pPr lvl="1"/>
             <a:r>
-              <a:rPr lang="en-US" smtClean="0"/>
+              <a:rPr lang="en-US"/>
               <a:t>Second level</a:t>
             </a:r>
           </a:p>
           <a:p>
             <a:pPr lvl="2"/>
             <a:r>
-              <a:rPr lang="en-US" smtClean="0"/>
+              <a:rPr lang="en-US"/>
               <a:t>Third level</a:t>
             </a:r>
           </a:p>
           <a:p>
             <a:pPr lvl="3"/>
             <a:r>
-              <a:rPr lang="en-US" smtClean="0"/>
+              <a:rPr lang="en-US"/>
               <a:t>Fourth level</a:t>
             </a:r>
           </a:p>
           <a:p>
             <a:pPr lvl="4"/>
             <a:r>
-              <a:rPr lang="en-US" smtClean="0"/>
+              <a:rPr lang="en-US"/>
               <a:t>Fifth level</a:t>
             </a:r>
             <a:endParaRPr lang="en-US" dirty="0"/>
@@ -5974,7 +5995,7 @@
               <a:buNone/>
             </a:pPr>
             <a:r>
-              <a:rPr lang="en-US" smtClean="0"/>
+              <a:rPr lang="en-US"/>
               <a:t>Click to edit Master text styles</a:t>
             </a:r>
           </a:p>
@@ -6030,35 +6051,35 @@
           <a:p>
             <a:pPr lvl="0"/>
             <a:r>
-              <a:rPr lang="en-US" smtClean="0"/>
+              <a:rPr lang="en-US"/>
               <a:t>Click to edit Master text styles</a:t>
             </a:r>
           </a:p>
           <a:p>
             <a:pPr lvl="1"/>
             <a:r>
-              <a:rPr lang="en-US" smtClean="0"/>
+              <a:rPr lang="en-US"/>
               <a:t>Second level</a:t>
             </a:r>
           </a:p>
           <a:p>
             <a:pPr lvl="2"/>
             <a:r>
-              <a:rPr lang="en-US" smtClean="0"/>
+              <a:rPr lang="en-US"/>
               <a:t>Third level</a:t>
             </a:r>
           </a:p>
           <a:p>
             <a:pPr lvl="3"/>
             <a:r>
-              <a:rPr lang="en-US" smtClean="0"/>
+              <a:rPr lang="en-US"/>
               <a:t>Fourth level</a:t>
             </a:r>
           </a:p>
           <a:p>
             <a:pPr lvl="4"/>
             <a:r>
-              <a:rPr lang="en-US" smtClean="0"/>
+              <a:rPr lang="en-US"/>
               <a:t>Fifth level</a:t>
             </a:r>
             <a:endParaRPr lang="en-US" dirty="0"/>
@@ -6213,7 +6234,7 @@
           <a:lstStyle/>
           <a:p>
             <a:r>
-              <a:rPr lang="en-US" smtClean="0"/>
+              <a:rPr lang="en-US"/>
               <a:t>Click to edit Master title style</a:t>
             </a:r>
             <a:endParaRPr lang="en-US" dirty="0"/>
@@ -6729,7 +6750,7 @@
           </a:lstStyle>
           <a:p>
             <a:r>
-              <a:rPr lang="en-US" smtClean="0"/>
+              <a:rPr lang="en-US"/>
               <a:t>Click to edit Master title style</a:t>
             </a:r>
             <a:endParaRPr lang="en-US" dirty="0"/>
@@ -6858,7 +6879,7 @@
           <a:p>
             <a:pPr lvl="0"/>
             <a:r>
-              <a:rPr lang="en-US" smtClean="0"/>
+              <a:rPr lang="en-US"/>
               <a:t>Click to edit Master text styles</a:t>
             </a:r>
           </a:p>
@@ -7022,7 +7043,7 @@
   <p:clrMapOvr>
     <a:masterClrMapping/>
   </p:clrMapOvr>
-  <p:extLst mod="1">
+  <p:extLst>
     <p:ext uri="{DCECCB84-F9BA-43D5-87BE-67443E8EF086}">
       <p15:sldGuideLst xmlns:p15="http://schemas.microsoft.com/office/powerpoint/2012/main">
         <p15:guide id="1" pos="6456">
@@ -7080,7 +7101,7 @@
           </a:lstStyle>
           <a:p>
             <a:r>
-              <a:rPr lang="en-US" smtClean="0"/>
+              <a:rPr lang="en-US"/>
               <a:t>Click to edit Master title style</a:t>
             </a:r>
             <a:endParaRPr lang="en-US" dirty="0"/>
@@ -7137,35 +7158,35 @@
           <a:p>
             <a:pPr lvl="0"/>
             <a:r>
-              <a:rPr lang="en-US" smtClean="0"/>
+              <a:rPr lang="en-US"/>
               <a:t>Click to edit Master text styles</a:t>
             </a:r>
           </a:p>
           <a:p>
             <a:pPr lvl="1"/>
             <a:r>
-              <a:rPr lang="en-US" smtClean="0"/>
+              <a:rPr lang="en-US"/>
               <a:t>Second level</a:t>
             </a:r>
           </a:p>
           <a:p>
             <a:pPr lvl="2"/>
             <a:r>
-              <a:rPr lang="en-US" smtClean="0"/>
+              <a:rPr lang="en-US"/>
               <a:t>Third level</a:t>
             </a:r>
           </a:p>
           <a:p>
             <a:pPr lvl="3"/>
             <a:r>
-              <a:rPr lang="en-US" smtClean="0"/>
+              <a:rPr lang="en-US"/>
               <a:t>Fourth level</a:t>
             </a:r>
           </a:p>
           <a:p>
             <a:pPr lvl="4"/>
             <a:r>
-              <a:rPr lang="en-US" smtClean="0"/>
+              <a:rPr lang="en-US"/>
               <a:t>Fifth level</a:t>
             </a:r>
             <a:endParaRPr lang="en-US" dirty="0"/>
@@ -7239,7 +7260,7 @@
           <a:p>
             <a:pPr lvl="0"/>
             <a:r>
-              <a:rPr lang="en-US" smtClean="0"/>
+              <a:rPr lang="en-US"/>
               <a:t>Click to edit Master text styles</a:t>
             </a:r>
           </a:p>
@@ -7446,7 +7467,7 @@
           </a:lstStyle>
           <a:p>
             <a:r>
-              <a:rPr lang="en-US" smtClean="0"/>
+              <a:rPr lang="en-US"/>
               <a:t>Click to edit Master title style</a:t>
             </a:r>
             <a:endParaRPr lang="en-US" dirty="0"/>
@@ -7518,7 +7539,7 @@
           </a:lstStyle>
           <a:p>
             <a:r>
-              <a:rPr lang="en-US" smtClean="0"/>
+              <a:rPr lang="en-US"/>
               <a:t>Click icon to add picture</a:t>
             </a:r>
             <a:endParaRPr lang="en-US" dirty="0"/>
@@ -7598,7 +7619,7 @@
           <a:p>
             <a:pPr lvl="0"/>
             <a:r>
-              <a:rPr lang="en-US" smtClean="0"/>
+              <a:rPr lang="en-US"/>
               <a:t>Click to edit Master text styles</a:t>
             </a:r>
           </a:p>
@@ -7752,7 +7773,7 @@
           <a:lstStyle/>
           <a:p>
             <a:r>
-              <a:rPr lang="en-US" smtClean="0"/>
+              <a:rPr lang="en-US"/>
               <a:t>Click to edit Master title style</a:t>
             </a:r>
             <a:endParaRPr lang="en-US" dirty="0"/>
@@ -7776,35 +7797,35 @@
           <a:p>
             <a:pPr lvl="0"/>
             <a:r>
-              <a:rPr lang="en-US" smtClean="0"/>
+              <a:rPr lang="en-US"/>
               <a:t>Click to edit Master text styles</a:t>
             </a:r>
           </a:p>
           <a:p>
             <a:pPr lvl="1"/>
             <a:r>
-              <a:rPr lang="en-US" smtClean="0"/>
+              <a:rPr lang="en-US"/>
               <a:t>Second level</a:t>
             </a:r>
           </a:p>
           <a:p>
             <a:pPr lvl="2"/>
             <a:r>
-              <a:rPr lang="en-US" smtClean="0"/>
+              <a:rPr lang="en-US"/>
               <a:t>Third level</a:t>
             </a:r>
           </a:p>
           <a:p>
             <a:pPr lvl="3"/>
             <a:r>
-              <a:rPr lang="en-US" smtClean="0"/>
+              <a:rPr lang="en-US"/>
               <a:t>Fourth level</a:t>
             </a:r>
           </a:p>
           <a:p>
             <a:pPr lvl="4"/>
             <a:r>
-              <a:rPr lang="en-US" smtClean="0"/>
+              <a:rPr lang="en-US"/>
               <a:t>Fifth level</a:t>
             </a:r>
             <a:endParaRPr lang="en-US" dirty="0"/>
@@ -7964,7 +7985,7 @@
           <a:lstStyle/>
           <a:p>
             <a:r>
-              <a:rPr lang="en-US" smtClean="0"/>
+              <a:rPr lang="en-US"/>
               <a:t>Click to edit Master title style</a:t>
             </a:r>
             <a:endParaRPr lang="en-US" dirty="0"/>
@@ -7993,35 +8014,35 @@
           <a:p>
             <a:pPr lvl="0"/>
             <a:r>
-              <a:rPr lang="en-US" smtClean="0"/>
+              <a:rPr lang="en-US"/>
               <a:t>Click to edit Master text styles</a:t>
             </a:r>
           </a:p>
           <a:p>
             <a:pPr lvl="1"/>
             <a:r>
-              <a:rPr lang="en-US" smtClean="0"/>
+              <a:rPr lang="en-US"/>
               <a:t>Second level</a:t>
             </a:r>
           </a:p>
           <a:p>
             <a:pPr lvl="2"/>
             <a:r>
-              <a:rPr lang="en-US" smtClean="0"/>
+              <a:rPr lang="en-US"/>
               <a:t>Third level</a:t>
             </a:r>
           </a:p>
           <a:p>
             <a:pPr lvl="3"/>
             <a:r>
-              <a:rPr lang="en-US" smtClean="0"/>
+              <a:rPr lang="en-US"/>
               <a:t>Fourth level</a:t>
             </a:r>
           </a:p>
           <a:p>
             <a:pPr lvl="4"/>
             <a:r>
-              <a:rPr lang="en-US" smtClean="0"/>
+              <a:rPr lang="en-US"/>
               <a:t>Fifth level</a:t>
             </a:r>
             <a:endParaRPr lang="en-US" dirty="0"/>
@@ -8209,7 +8230,7 @@
           </a:lstStyle>
           <a:p>
             <a:r>
-              <a:rPr lang="en-US" smtClean="0"/>
+              <a:rPr lang="en-US"/>
               <a:t>Click to edit Master title style</a:t>
             </a:r>
             <a:endParaRPr lang="en-US" dirty="0"/>
@@ -8282,7 +8303,7 @@
           </a:lstStyle>
           <a:p>
             <a:r>
-              <a:rPr lang="en-US" smtClean="0"/>
+              <a:rPr lang="en-US"/>
               <a:t>Click to edit Master subtitle style</a:t>
             </a:r>
             <a:endParaRPr lang="en-US" dirty="0"/>
@@ -8505,7 +8526,7 @@
           <a:lstStyle/>
           <a:p>
             <a:r>
-              <a:rPr lang="en-US" smtClean="0"/>
+              <a:rPr lang="en-US"/>
               <a:t>Click to edit Master title style</a:t>
             </a:r>
             <a:endParaRPr lang="en-US" dirty="0"/>
@@ -8529,35 +8550,35 @@
           <a:p>
             <a:pPr lvl="0"/>
             <a:r>
-              <a:rPr lang="en-US" smtClean="0"/>
+              <a:rPr lang="en-US"/>
               <a:t>Click to edit Master text styles</a:t>
             </a:r>
           </a:p>
           <a:p>
             <a:pPr lvl="1"/>
             <a:r>
-              <a:rPr lang="en-US" smtClean="0"/>
+              <a:rPr lang="en-US"/>
               <a:t>Second level</a:t>
             </a:r>
           </a:p>
           <a:p>
             <a:pPr lvl="2"/>
             <a:r>
-              <a:rPr lang="en-US" smtClean="0"/>
+              <a:rPr lang="en-US"/>
               <a:t>Third level</a:t>
             </a:r>
           </a:p>
           <a:p>
             <a:pPr lvl="3"/>
             <a:r>
-              <a:rPr lang="en-US" smtClean="0"/>
+              <a:rPr lang="en-US"/>
               <a:t>Fourth level</a:t>
             </a:r>
           </a:p>
           <a:p>
             <a:pPr lvl="4"/>
             <a:r>
-              <a:rPr lang="en-US" smtClean="0"/>
+              <a:rPr lang="en-US"/>
               <a:t>Fifth level</a:t>
             </a:r>
             <a:endParaRPr lang="en-US" dirty="0"/>
@@ -8726,7 +8747,7 @@
           </a:lstStyle>
           <a:p>
             <a:r>
-              <a:rPr lang="en-US" smtClean="0"/>
+              <a:rPr lang="en-US"/>
               <a:t>Click to edit Master title style</a:t>
             </a:r>
             <a:endParaRPr lang="en-US" dirty="0"/>
@@ -8849,7 +8870,7 @@
           <a:p>
             <a:pPr lvl="0"/>
             <a:r>
-              <a:rPr lang="en-US" smtClean="0"/>
+              <a:rPr lang="en-US"/>
               <a:t>Click to edit Master text styles</a:t>
             </a:r>
           </a:p>
@@ -9046,7 +9067,7 @@
           <a:lstStyle/>
           <a:p>
             <a:r>
-              <a:rPr lang="en-US" smtClean="0"/>
+              <a:rPr lang="en-US"/>
               <a:t>Click to edit Master title style</a:t>
             </a:r>
             <a:endParaRPr lang="en-US" dirty="0"/>
@@ -9103,35 +9124,35 @@
           <a:p>
             <a:pPr lvl="0"/>
             <a:r>
-              <a:rPr lang="en-US" smtClean="0"/>
+              <a:rPr lang="en-US"/>
               <a:t>Click to edit Master text styles</a:t>
             </a:r>
           </a:p>
           <a:p>
             <a:pPr lvl="1"/>
             <a:r>
-              <a:rPr lang="en-US" smtClean="0"/>
+              <a:rPr lang="en-US"/>
               <a:t>Second level</a:t>
             </a:r>
           </a:p>
           <a:p>
             <a:pPr lvl="2"/>
             <a:r>
-              <a:rPr lang="en-US" smtClean="0"/>
+              <a:rPr lang="en-US"/>
               <a:t>Third level</a:t>
             </a:r>
           </a:p>
           <a:p>
             <a:pPr lvl="3"/>
             <a:r>
-              <a:rPr lang="en-US" smtClean="0"/>
+              <a:rPr lang="en-US"/>
               <a:t>Fourth level</a:t>
             </a:r>
           </a:p>
           <a:p>
             <a:pPr lvl="4"/>
             <a:r>
-              <a:rPr lang="en-US" smtClean="0"/>
+              <a:rPr lang="en-US"/>
               <a:t>Fifth level</a:t>
             </a:r>
             <a:endParaRPr lang="en-US" dirty="0"/>
@@ -9188,35 +9209,35 @@
           <a:p>
             <a:pPr lvl="0"/>
             <a:r>
-              <a:rPr lang="en-US" smtClean="0"/>
+              <a:rPr lang="en-US"/>
               <a:t>Click to edit Master text styles</a:t>
             </a:r>
           </a:p>
           <a:p>
             <a:pPr lvl="1"/>
             <a:r>
-              <a:rPr lang="en-US" smtClean="0"/>
+              <a:rPr lang="en-US"/>
               <a:t>Second level</a:t>
             </a:r>
           </a:p>
           <a:p>
             <a:pPr lvl="2"/>
             <a:r>
-              <a:rPr lang="en-US" smtClean="0"/>
+              <a:rPr lang="en-US"/>
               <a:t>Third level</a:t>
             </a:r>
           </a:p>
           <a:p>
             <a:pPr lvl="3"/>
             <a:r>
-              <a:rPr lang="en-US" smtClean="0"/>
+              <a:rPr lang="en-US"/>
               <a:t>Fourth level</a:t>
             </a:r>
           </a:p>
           <a:p>
             <a:pPr lvl="4"/>
             <a:r>
-              <a:rPr lang="en-US" smtClean="0"/>
+              <a:rPr lang="en-US"/>
               <a:t>Fifth level</a:t>
             </a:r>
             <a:endParaRPr lang="en-US" dirty="0"/>
@@ -9371,7 +9392,7 @@
           <a:lstStyle/>
           <a:p>
             <a:r>
-              <a:rPr lang="en-US" smtClean="0"/>
+              <a:rPr lang="en-US"/>
               <a:t>Click to edit Master title style</a:t>
             </a:r>
             <a:endParaRPr lang="en-US" dirty="0"/>
@@ -9446,7 +9467,7 @@
           <a:p>
             <a:pPr lvl="0"/>
             <a:r>
-              <a:rPr lang="en-US" smtClean="0"/>
+              <a:rPr lang="en-US"/>
               <a:t>Click to edit Master text styles</a:t>
             </a:r>
           </a:p>
@@ -9502,35 +9523,35 @@
           <a:p>
             <a:pPr lvl="0"/>
             <a:r>
-              <a:rPr lang="en-US" smtClean="0"/>
+              <a:rPr lang="en-US"/>
               <a:t>Click to edit Master text styles</a:t>
             </a:r>
           </a:p>
           <a:p>
             <a:pPr lvl="1"/>
             <a:r>
-              <a:rPr lang="en-US" smtClean="0"/>
+              <a:rPr lang="en-US"/>
               <a:t>Second level</a:t>
             </a:r>
           </a:p>
           <a:p>
             <a:pPr lvl="2"/>
             <a:r>
-              <a:rPr lang="en-US" smtClean="0"/>
+              <a:rPr lang="en-US"/>
               <a:t>Third level</a:t>
             </a:r>
           </a:p>
           <a:p>
             <a:pPr lvl="3"/>
             <a:r>
-              <a:rPr lang="en-US" smtClean="0"/>
+              <a:rPr lang="en-US"/>
               <a:t>Fourth level</a:t>
             </a:r>
           </a:p>
           <a:p>
             <a:pPr lvl="4"/>
             <a:r>
-              <a:rPr lang="en-US" smtClean="0"/>
+              <a:rPr lang="en-US"/>
               <a:t>Fifth level</a:t>
             </a:r>
             <a:endParaRPr lang="en-US" dirty="0"/>
@@ -9620,7 +9641,7 @@
               <a:buNone/>
             </a:pPr>
             <a:r>
-              <a:rPr lang="en-US" smtClean="0"/>
+              <a:rPr lang="en-US"/>
               <a:t>Click to edit Master text styles</a:t>
             </a:r>
           </a:p>
@@ -9676,35 +9697,35 @@
           <a:p>
             <a:pPr lvl="0"/>
             <a:r>
-              <a:rPr lang="en-US" smtClean="0"/>
+              <a:rPr lang="en-US"/>
               <a:t>Click to edit Master text styles</a:t>
             </a:r>
           </a:p>
           <a:p>
             <a:pPr lvl="1"/>
             <a:r>
-              <a:rPr lang="en-US" smtClean="0"/>
+              <a:rPr lang="en-US"/>
               <a:t>Second level</a:t>
             </a:r>
           </a:p>
           <a:p>
             <a:pPr lvl="2"/>
             <a:r>
-              <a:rPr lang="en-US" smtClean="0"/>
+              <a:rPr lang="en-US"/>
               <a:t>Third level</a:t>
             </a:r>
           </a:p>
           <a:p>
             <a:pPr lvl="3"/>
             <a:r>
-              <a:rPr lang="en-US" smtClean="0"/>
+              <a:rPr lang="en-US"/>
               <a:t>Fourth level</a:t>
             </a:r>
           </a:p>
           <a:p>
             <a:pPr lvl="4"/>
             <a:r>
-              <a:rPr lang="en-US" smtClean="0"/>
+              <a:rPr lang="en-US"/>
               <a:t>Fifth level</a:t>
             </a:r>
             <a:endParaRPr lang="en-US" dirty="0"/>
@@ -9859,7 +9880,7 @@
           <a:lstStyle/>
           <a:p>
             <a:r>
-              <a:rPr lang="en-US" smtClean="0"/>
+              <a:rPr lang="en-US"/>
               <a:t>Click to edit Master title style</a:t>
             </a:r>
             <a:endParaRPr lang="en-US" dirty="0"/>
@@ -10014,7 +10035,7 @@
           <a:lstStyle/>
           <a:p>
             <a:r>
-              <a:rPr lang="en-US" smtClean="0"/>
+              <a:rPr lang="en-US"/>
               <a:t>Click to edit Master title style</a:t>
             </a:r>
             <a:endParaRPr lang="en-US" dirty="0"/>
@@ -10043,35 +10064,35 @@
           <a:p>
             <a:pPr lvl="0"/>
             <a:r>
-              <a:rPr lang="en-US" smtClean="0"/>
+              <a:rPr lang="en-US"/>
               <a:t>Click to edit Master text styles</a:t>
             </a:r>
           </a:p>
           <a:p>
             <a:pPr lvl="1"/>
             <a:r>
-              <a:rPr lang="en-US" smtClean="0"/>
+              <a:rPr lang="en-US"/>
               <a:t>Second level</a:t>
             </a:r>
           </a:p>
           <a:p>
             <a:pPr lvl="2"/>
             <a:r>
-              <a:rPr lang="en-US" smtClean="0"/>
+              <a:rPr lang="en-US"/>
               <a:t>Third level</a:t>
             </a:r>
           </a:p>
           <a:p>
             <a:pPr lvl="3"/>
             <a:r>
-              <a:rPr lang="en-US" smtClean="0"/>
+              <a:rPr lang="en-US"/>
               <a:t>Fourth level</a:t>
             </a:r>
           </a:p>
           <a:p>
             <a:pPr lvl="4"/>
             <a:r>
-              <a:rPr lang="en-US" smtClean="0"/>
+              <a:rPr lang="en-US"/>
               <a:t>Fifth level</a:t>
             </a:r>
             <a:endParaRPr lang="en-US" dirty="0"/>
@@ -10100,35 +10121,35 @@
           <a:p>
             <a:pPr lvl="0"/>
             <a:r>
-              <a:rPr lang="en-US" smtClean="0"/>
+              <a:rPr lang="en-US"/>
               <a:t>Click to edit Master text styles</a:t>
             </a:r>
           </a:p>
           <a:p>
             <a:pPr lvl="1"/>
             <a:r>
-              <a:rPr lang="en-US" smtClean="0"/>
+              <a:rPr lang="en-US"/>
               <a:t>Second level</a:t>
             </a:r>
           </a:p>
           <a:p>
             <a:pPr lvl="2"/>
             <a:r>
-              <a:rPr lang="en-US" smtClean="0"/>
+              <a:rPr lang="en-US"/>
               <a:t>Third level</a:t>
             </a:r>
           </a:p>
           <a:p>
             <a:pPr lvl="3"/>
             <a:r>
-              <a:rPr lang="en-US" smtClean="0"/>
+              <a:rPr lang="en-US"/>
               <a:t>Fourth level</a:t>
             </a:r>
           </a:p>
           <a:p>
             <a:pPr lvl="4"/>
             <a:r>
-              <a:rPr lang="en-US" smtClean="0"/>
+              <a:rPr lang="en-US"/>
               <a:t>Fifth level</a:t>
             </a:r>
             <a:endParaRPr lang="en-US" dirty="0"/>
@@ -10389,7 +10410,7 @@
           </a:lstStyle>
           <a:p>
             <a:r>
-              <a:rPr lang="en-US" smtClean="0"/>
+              <a:rPr lang="en-US"/>
               <a:t>Click to edit Master title style</a:t>
             </a:r>
             <a:endParaRPr lang="en-US" dirty="0"/>
@@ -10446,35 +10467,35 @@
           <a:p>
             <a:pPr lvl="0"/>
             <a:r>
-              <a:rPr lang="en-US" smtClean="0"/>
+              <a:rPr lang="en-US"/>
               <a:t>Click to edit Master text styles</a:t>
             </a:r>
           </a:p>
           <a:p>
             <a:pPr lvl="1"/>
             <a:r>
-              <a:rPr lang="en-US" smtClean="0"/>
+              <a:rPr lang="en-US"/>
               <a:t>Second level</a:t>
             </a:r>
           </a:p>
           <a:p>
             <a:pPr lvl="2"/>
             <a:r>
-              <a:rPr lang="en-US" smtClean="0"/>
+              <a:rPr lang="en-US"/>
               <a:t>Third level</a:t>
             </a:r>
           </a:p>
           <a:p>
             <a:pPr lvl="3"/>
             <a:r>
-              <a:rPr lang="en-US" smtClean="0"/>
+              <a:rPr lang="en-US"/>
               <a:t>Fourth level</a:t>
             </a:r>
           </a:p>
           <a:p>
             <a:pPr lvl="4"/>
             <a:r>
-              <a:rPr lang="en-US" smtClean="0"/>
+              <a:rPr lang="en-US"/>
               <a:t>Fifth level</a:t>
             </a:r>
             <a:endParaRPr lang="en-US" dirty="0"/>
@@ -10548,7 +10569,7 @@
           <a:p>
             <a:pPr lvl="0"/>
             <a:r>
-              <a:rPr lang="en-US" smtClean="0"/>
+              <a:rPr lang="en-US"/>
               <a:t>Click to edit Master text styles</a:t>
             </a:r>
           </a:p>
@@ -10755,7 +10776,7 @@
           </a:lstStyle>
           <a:p>
             <a:r>
-              <a:rPr lang="en-US" smtClean="0"/>
+              <a:rPr lang="en-US"/>
               <a:t>Click to edit Master title style</a:t>
             </a:r>
             <a:endParaRPr lang="en-US" dirty="0"/>
@@ -10827,7 +10848,7 @@
           </a:lstStyle>
           <a:p>
             <a:r>
-              <a:rPr lang="en-US" smtClean="0"/>
+              <a:rPr lang="en-US"/>
               <a:t>Click icon to add picture</a:t>
             </a:r>
             <a:endParaRPr lang="en-US" dirty="0"/>
@@ -10907,7 +10928,7 @@
           <a:p>
             <a:pPr lvl="0"/>
             <a:r>
-              <a:rPr lang="en-US" smtClean="0"/>
+              <a:rPr lang="en-US"/>
               <a:t>Click to edit Master text styles</a:t>
             </a:r>
           </a:p>
@@ -11061,7 +11082,7 @@
           <a:lstStyle/>
           <a:p>
             <a:r>
-              <a:rPr lang="en-US" smtClean="0"/>
+              <a:rPr lang="en-US"/>
               <a:t>Click to edit Master title style</a:t>
             </a:r>
             <a:endParaRPr lang="en-US" dirty="0"/>
@@ -11085,35 +11106,35 @@
           <a:p>
             <a:pPr lvl="0"/>
             <a:r>
-              <a:rPr lang="en-US" smtClean="0"/>
+              <a:rPr lang="en-US"/>
               <a:t>Click to edit Master text styles</a:t>
             </a:r>
           </a:p>
           <a:p>
             <a:pPr lvl="1"/>
             <a:r>
-              <a:rPr lang="en-US" smtClean="0"/>
+              <a:rPr lang="en-US"/>
               <a:t>Second level</a:t>
             </a:r>
           </a:p>
           <a:p>
             <a:pPr lvl="2"/>
             <a:r>
-              <a:rPr lang="en-US" smtClean="0"/>
+              <a:rPr lang="en-US"/>
               <a:t>Third level</a:t>
             </a:r>
           </a:p>
           <a:p>
             <a:pPr lvl="3"/>
             <a:r>
-              <a:rPr lang="en-US" smtClean="0"/>
+              <a:rPr lang="en-US"/>
               <a:t>Fourth level</a:t>
             </a:r>
           </a:p>
           <a:p>
             <a:pPr lvl="4"/>
             <a:r>
-              <a:rPr lang="en-US" smtClean="0"/>
+              <a:rPr lang="en-US"/>
               <a:t>Fifth level</a:t>
             </a:r>
             <a:endParaRPr lang="en-US" dirty="0"/>
@@ -11273,7 +11294,7 @@
           <a:lstStyle/>
           <a:p>
             <a:r>
-              <a:rPr lang="en-US" smtClean="0"/>
+              <a:rPr lang="en-US"/>
               <a:t>Click to edit Master title style</a:t>
             </a:r>
             <a:endParaRPr lang="en-US" dirty="0"/>
@@ -11302,35 +11323,35 @@
           <a:p>
             <a:pPr lvl="0"/>
             <a:r>
-              <a:rPr lang="en-US" smtClean="0"/>
+              <a:rPr lang="en-US"/>
               <a:t>Click to edit Master text styles</a:t>
             </a:r>
           </a:p>
           <a:p>
             <a:pPr lvl="1"/>
             <a:r>
-              <a:rPr lang="en-US" smtClean="0"/>
+              <a:rPr lang="en-US"/>
               <a:t>Second level</a:t>
             </a:r>
           </a:p>
           <a:p>
             <a:pPr lvl="2"/>
             <a:r>
-              <a:rPr lang="en-US" smtClean="0"/>
+              <a:rPr lang="en-US"/>
               <a:t>Third level</a:t>
             </a:r>
           </a:p>
           <a:p>
             <a:pPr lvl="3"/>
             <a:r>
-              <a:rPr lang="en-US" smtClean="0"/>
+              <a:rPr lang="en-US"/>
               <a:t>Fourth level</a:t>
             </a:r>
           </a:p>
           <a:p>
             <a:pPr lvl="4"/>
             <a:r>
-              <a:rPr lang="en-US" smtClean="0"/>
+              <a:rPr lang="en-US"/>
               <a:t>Fifth level</a:t>
             </a:r>
             <a:endParaRPr lang="en-US" dirty="0"/>
@@ -11495,7 +11516,7 @@
           <a:lstStyle/>
           <a:p>
             <a:r>
-              <a:rPr lang="en-US" smtClean="0"/>
+              <a:rPr lang="en-US"/>
               <a:t>Click to edit Master title style</a:t>
             </a:r>
             <a:endParaRPr lang="en-US" dirty="0"/>
@@ -11576,7 +11597,7 @@
           <a:p>
             <a:pPr lvl="0"/>
             <a:r>
-              <a:rPr lang="en-US" smtClean="0"/>
+              <a:rPr lang="en-US"/>
               <a:t>Click to edit Master text styles</a:t>
             </a:r>
           </a:p>
@@ -11604,35 +11625,35 @@
           <a:p>
             <a:pPr lvl="0"/>
             <a:r>
-              <a:rPr lang="en-US" smtClean="0"/>
+              <a:rPr lang="en-US"/>
               <a:t>Click to edit Master text styles</a:t>
             </a:r>
           </a:p>
           <a:p>
             <a:pPr lvl="1"/>
             <a:r>
-              <a:rPr lang="en-US" smtClean="0"/>
+              <a:rPr lang="en-US"/>
               <a:t>Second level</a:t>
             </a:r>
           </a:p>
           <a:p>
             <a:pPr lvl="2"/>
             <a:r>
-              <a:rPr lang="en-US" smtClean="0"/>
+              <a:rPr lang="en-US"/>
               <a:t>Third level</a:t>
             </a:r>
           </a:p>
           <a:p>
             <a:pPr lvl="3"/>
             <a:r>
-              <a:rPr lang="en-US" smtClean="0"/>
+              <a:rPr lang="en-US"/>
               <a:t>Fourth level</a:t>
             </a:r>
           </a:p>
           <a:p>
             <a:pPr lvl="4"/>
             <a:r>
-              <a:rPr lang="en-US" smtClean="0"/>
+              <a:rPr lang="en-US"/>
               <a:t>Fifth level</a:t>
             </a:r>
             <a:endParaRPr lang="en-US" dirty="0"/>
@@ -11707,7 +11728,7 @@
           <a:p>
             <a:pPr lvl="0"/>
             <a:r>
-              <a:rPr lang="en-US" smtClean="0"/>
+              <a:rPr lang="en-US"/>
               <a:t>Click to edit Master text styles</a:t>
             </a:r>
           </a:p>
@@ -11735,35 +11756,35 @@
           <a:p>
             <a:pPr lvl="0"/>
             <a:r>
-              <a:rPr lang="en-US" smtClean="0"/>
+              <a:rPr lang="en-US"/>
               <a:t>Click to edit Master text styles</a:t>
             </a:r>
           </a:p>
           <a:p>
             <a:pPr lvl="1"/>
             <a:r>
-              <a:rPr lang="en-US" smtClean="0"/>
+              <a:rPr lang="en-US"/>
               <a:t>Second level</a:t>
             </a:r>
           </a:p>
           <a:p>
             <a:pPr lvl="2"/>
             <a:r>
-              <a:rPr lang="en-US" smtClean="0"/>
+              <a:rPr lang="en-US"/>
               <a:t>Third level</a:t>
             </a:r>
           </a:p>
           <a:p>
             <a:pPr lvl="3"/>
             <a:r>
-              <a:rPr lang="en-US" smtClean="0"/>
+              <a:rPr lang="en-US"/>
               <a:t>Fourth level</a:t>
             </a:r>
           </a:p>
           <a:p>
             <a:pPr lvl="4"/>
             <a:r>
-              <a:rPr lang="en-US" smtClean="0"/>
+              <a:rPr lang="en-US"/>
               <a:t>Fifth level</a:t>
             </a:r>
             <a:endParaRPr lang="en-US" dirty="0"/>
@@ -11881,7 +11902,7 @@
           <a:lstStyle/>
           <a:p>
             <a:r>
-              <a:rPr lang="en-US" smtClean="0"/>
+              <a:rPr lang="en-US"/>
               <a:t>Click to edit Master title style</a:t>
             </a:r>
             <a:endParaRPr lang="en-US" dirty="0"/>
@@ -12108,7 +12129,7 @@
           </a:lstStyle>
           <a:p>
             <a:r>
-              <a:rPr lang="en-US" smtClean="0"/>
+              <a:rPr lang="en-US"/>
               <a:t>Click to edit Master title style</a:t>
             </a:r>
             <a:endParaRPr lang="en-US" dirty="0"/>
@@ -12180,35 +12201,35 @@
           <a:p>
             <a:pPr lvl="0"/>
             <a:r>
-              <a:rPr lang="en-US" smtClean="0"/>
+              <a:rPr lang="en-US"/>
               <a:t>Click to edit Master text styles</a:t>
             </a:r>
           </a:p>
           <a:p>
             <a:pPr lvl="1"/>
             <a:r>
-              <a:rPr lang="en-US" smtClean="0"/>
+              <a:rPr lang="en-US"/>
               <a:t>Second level</a:t>
             </a:r>
           </a:p>
           <a:p>
             <a:pPr lvl="2"/>
             <a:r>
-              <a:rPr lang="en-US" smtClean="0"/>
+              <a:rPr lang="en-US"/>
               <a:t>Third level</a:t>
             </a:r>
           </a:p>
           <a:p>
             <a:pPr lvl="3"/>
             <a:r>
-              <a:rPr lang="en-US" smtClean="0"/>
+              <a:rPr lang="en-US"/>
               <a:t>Fourth level</a:t>
             </a:r>
           </a:p>
           <a:p>
             <a:pPr lvl="4"/>
             <a:r>
-              <a:rPr lang="en-US" smtClean="0"/>
+              <a:rPr lang="en-US"/>
               <a:t>Fifth level</a:t>
             </a:r>
             <a:endParaRPr lang="en-US" dirty="0"/>
@@ -12277,7 +12298,7 @@
           <a:p>
             <a:pPr lvl="0"/>
             <a:r>
-              <a:rPr lang="en-US" smtClean="0"/>
+              <a:rPr lang="en-US"/>
               <a:t>Click to edit Master text styles</a:t>
             </a:r>
           </a:p>
@@ -12408,7 +12429,7 @@
           </a:lstStyle>
           <a:p>
             <a:r>
-              <a:rPr lang="en-US" smtClean="0"/>
+              <a:rPr lang="en-US"/>
               <a:t>Click to edit Master title style</a:t>
             </a:r>
             <a:endParaRPr lang="en-US" dirty="0"/>
@@ -12473,7 +12494,7 @@
           </a:lstStyle>
           <a:p>
             <a:r>
-              <a:rPr lang="en-US" smtClean="0"/>
+              <a:rPr lang="en-US"/>
               <a:t>Click icon to add picture</a:t>
             </a:r>
             <a:endParaRPr lang="en-US" dirty="0"/>
@@ -12542,7 +12563,7 @@
           <a:p>
             <a:pPr lvl="0"/>
             <a:r>
-              <a:rPr lang="en-US" smtClean="0"/>
+              <a:rPr lang="en-US"/>
               <a:t>Click to edit Master text styles</a:t>
             </a:r>
           </a:p>
@@ -12877,7 +12898,7 @@
           <a:lstStyle/>
           <a:p>
             <a:r>
-              <a:rPr lang="en-US" smtClean="0"/>
+              <a:rPr lang="en-US"/>
               <a:t>Click to edit Master title style</a:t>
             </a:r>
             <a:endParaRPr lang="en-US" dirty="0"/>
@@ -12911,35 +12932,35 @@
           <a:p>
             <a:pPr lvl="0"/>
             <a:r>
-              <a:rPr lang="en-US" smtClean="0"/>
+              <a:rPr lang="en-US"/>
               <a:t>Click to edit Master text styles</a:t>
             </a:r>
           </a:p>
           <a:p>
             <a:pPr lvl="1"/>
             <a:r>
-              <a:rPr lang="en-US" smtClean="0"/>
+              <a:rPr lang="en-US"/>
               <a:t>Second level</a:t>
             </a:r>
           </a:p>
           <a:p>
             <a:pPr lvl="2"/>
             <a:r>
-              <a:rPr lang="en-US" smtClean="0"/>
+              <a:rPr lang="en-US"/>
               <a:t>Third level</a:t>
             </a:r>
           </a:p>
           <a:p>
             <a:pPr lvl="3"/>
             <a:r>
-              <a:rPr lang="en-US" smtClean="0"/>
+              <a:rPr lang="en-US"/>
               <a:t>Fourth level</a:t>
             </a:r>
           </a:p>
           <a:p>
             <a:pPr lvl="4"/>
             <a:r>
-              <a:rPr lang="en-US" smtClean="0"/>
+              <a:rPr lang="en-US"/>
               <a:t>Fifth level</a:t>
             </a:r>
             <a:endParaRPr lang="en-US" dirty="0"/>
@@ -13437,7 +13458,7 @@
       </a:lvl9pPr>
     </p:otherStyle>
   </p:txStyles>
-  <p:extLst mod="1">
+  <p:extLst>
     <p:ext uri="{27BBF7A9-308A-43DC-89C8-2F10F3537804}">
       <p15:sldGuideLst xmlns:p15="http://schemas.microsoft.com/office/powerpoint/2012/main">
         <p15:guide id="1" pos="2832">
@@ -13559,7 +13580,7 @@
           <a:lstStyle/>
           <a:p>
             <a:r>
-              <a:rPr lang="en-US" smtClean="0"/>
+              <a:rPr lang="en-US"/>
               <a:t>Click to edit Master title style</a:t>
             </a:r>
             <a:endParaRPr lang="en-US" dirty="0"/>
@@ -13593,35 +13614,35 @@
           <a:p>
             <a:pPr lvl="0"/>
             <a:r>
-              <a:rPr lang="en-US" smtClean="0"/>
+              <a:rPr lang="en-US"/>
               <a:t>Click to edit Master text styles</a:t>
             </a:r>
           </a:p>
           <a:p>
             <a:pPr lvl="1"/>
             <a:r>
-              <a:rPr lang="en-US" smtClean="0"/>
+              <a:rPr lang="en-US"/>
               <a:t>Second level</a:t>
             </a:r>
           </a:p>
           <a:p>
             <a:pPr lvl="2"/>
             <a:r>
-              <a:rPr lang="en-US" smtClean="0"/>
+              <a:rPr lang="en-US"/>
               <a:t>Third level</a:t>
             </a:r>
           </a:p>
           <a:p>
             <a:pPr lvl="3"/>
             <a:r>
-              <a:rPr lang="en-US" smtClean="0"/>
+              <a:rPr lang="en-US"/>
               <a:t>Fourth level</a:t>
             </a:r>
           </a:p>
           <a:p>
             <a:pPr lvl="4"/>
             <a:r>
-              <a:rPr lang="en-US" smtClean="0"/>
+              <a:rPr lang="en-US"/>
               <a:t>Fifth level</a:t>
             </a:r>
             <a:endParaRPr lang="en-US" dirty="0"/>
@@ -14265,7 +14286,7 @@
           <a:lstStyle/>
           <a:p>
             <a:r>
-              <a:rPr lang="en-US" smtClean="0"/>
+              <a:rPr lang="en-US"/>
               <a:t>Click to edit Master title style</a:t>
             </a:r>
             <a:endParaRPr lang="en-US" dirty="0"/>
@@ -14299,35 +14320,35 @@
           <a:p>
             <a:pPr lvl="0"/>
             <a:r>
-              <a:rPr lang="en-US" smtClean="0"/>
+              <a:rPr lang="en-US"/>
               <a:t>Click to edit Master text styles</a:t>
             </a:r>
           </a:p>
           <a:p>
             <a:pPr lvl="1"/>
             <a:r>
-              <a:rPr lang="en-US" smtClean="0"/>
+              <a:rPr lang="en-US"/>
               <a:t>Second level</a:t>
             </a:r>
           </a:p>
           <a:p>
             <a:pPr lvl="2"/>
             <a:r>
-              <a:rPr lang="en-US" smtClean="0"/>
+              <a:rPr lang="en-US"/>
               <a:t>Third level</a:t>
             </a:r>
           </a:p>
           <a:p>
             <a:pPr lvl="3"/>
             <a:r>
-              <a:rPr lang="en-US" smtClean="0"/>
+              <a:rPr lang="en-US"/>
               <a:t>Fourth level</a:t>
             </a:r>
           </a:p>
           <a:p>
             <a:pPr lvl="4"/>
             <a:r>
-              <a:rPr lang="en-US" smtClean="0"/>
+              <a:rPr lang="en-US"/>
               <a:t>Fifth level</a:t>
             </a:r>
             <a:endParaRPr lang="en-US" dirty="0"/>
@@ -14971,7 +14992,7 @@
           <a:lstStyle/>
           <a:p>
             <a:r>
-              <a:rPr lang="en-US" smtClean="0"/>
+              <a:rPr lang="en-US"/>
               <a:t>Click to edit Master title style</a:t>
             </a:r>
             <a:endParaRPr lang="en-US" dirty="0"/>
@@ -15005,35 +15026,35 @@
           <a:p>
             <a:pPr lvl="0"/>
             <a:r>
-              <a:rPr lang="en-US" smtClean="0"/>
+              <a:rPr lang="en-US"/>
               <a:t>Click to edit Master text styles</a:t>
             </a:r>
           </a:p>
           <a:p>
             <a:pPr lvl="1"/>
             <a:r>
-              <a:rPr lang="en-US" smtClean="0"/>
+              <a:rPr lang="en-US"/>
               <a:t>Second level</a:t>
             </a:r>
           </a:p>
           <a:p>
             <a:pPr lvl="2"/>
             <a:r>
-              <a:rPr lang="en-US" smtClean="0"/>
+              <a:rPr lang="en-US"/>
               <a:t>Third level</a:t>
             </a:r>
           </a:p>
           <a:p>
             <a:pPr lvl="3"/>
             <a:r>
-              <a:rPr lang="en-US" smtClean="0"/>
+              <a:rPr lang="en-US"/>
               <a:t>Fourth level</a:t>
             </a:r>
           </a:p>
           <a:p>
             <a:pPr lvl="4"/>
             <a:r>
-              <a:rPr lang="en-US" smtClean="0"/>
+              <a:rPr lang="en-US"/>
               <a:t>Fifth level</a:t>
             </a:r>
             <a:endParaRPr lang="en-US" dirty="0"/>
@@ -15627,7 +15648,7 @@
           <a:lstStyle/>
           <a:p>
             <a:r>
-              <a:rPr lang="en-US" dirty="0" smtClean="0"/>
+              <a:rPr lang="en-US" dirty="0"/>
               <a:t>GREAT OUTDOORS</a:t>
             </a:r>
             <a:endParaRPr lang="en-IN" dirty="0"/>
@@ -15657,21 +15678,17 @@
           <a:lstStyle/>
           <a:p>
             <a:r>
-              <a:rPr lang="en-US" dirty="0" smtClean="0"/>
+              <a:rPr lang="en-US" dirty="0"/>
               <a:t>								</a:t>
             </a:r>
           </a:p>
           <a:p>
             <a:r>
               <a:rPr lang="en-US" dirty="0"/>
-              <a:t>	</a:t>
-            </a:r>
-            <a:r>
-              <a:rPr lang="en-US" dirty="0" smtClean="0"/>
-              <a:t>							</a:t>
-            </a:r>
-            <a:r>
-              <a:rPr lang="en-US" sz="10100" dirty="0" smtClean="0"/>
+              <a:t>								</a:t>
+            </a:r>
+            <a:r>
+              <a:rPr lang="en-US" sz="10100" dirty="0"/>
               <a:t>TEAM - A</a:t>
             </a:r>
             <a:endParaRPr lang="en-IN" sz="10100" dirty="0"/>
@@ -15688,13 +15705,6 @@
   <p:clrMapOvr>
     <a:masterClrMapping/>
   </p:clrMapOvr>
-  <p:timing>
-    <p:tnLst>
-      <p:par>
-        <p:cTn id="1" dur="indefinite" restart="never" nodeType="tmRoot"/>
-      </p:par>
-    </p:tnLst>
-  </p:timing>
 </p:sld>
 </file>
 
@@ -15737,8 +15747,8 @@
         </p:blipFill>
         <p:spPr>
           <a:xfrm>
-            <a:off x="1337482" y="1317009"/>
-            <a:ext cx="9935570" cy="5540991"/>
+            <a:off x="573206" y="926756"/>
+            <a:ext cx="9608025" cy="5931244"/>
           </a:xfrm>
           <a:prstGeom prst="rect">
             <a:avLst/>
@@ -15755,23 +15765,30 @@
             <p:ph type="title"/>
           </p:nvPr>
         </p:nvSpPr>
-        <p:spPr/>
-        <p:txBody>
-          <a:bodyPr/>
+        <p:spPr>
+          <a:xfrm>
+            <a:off x="1261872" y="365760"/>
+            <a:ext cx="8196027" cy="726061"/>
+          </a:xfrm>
+        </p:spPr>
+        <p:txBody>
+          <a:bodyPr>
+            <a:noAutofit/>
+          </a:bodyPr>
           <a:lstStyle/>
           <a:p>
             <a:r>
-              <a:rPr lang="en-US" dirty="0" smtClean="0"/>
-              <a:t>Sequence diagram to add product</a:t>
-            </a:r>
-            <a:endParaRPr lang="en-IN" dirty="0"/>
+              <a:rPr lang="en-US" sz="3600" dirty="0"/>
+              <a:t>Sequence diagram to upload offline order</a:t>
+            </a:r>
+            <a:endParaRPr lang="en-IN" sz="3600" dirty="0"/>
           </a:p>
         </p:txBody>
       </p:sp>
     </p:spTree>
     <p:extLst>
       <p:ext uri="{BB962C8B-B14F-4D97-AF65-F5344CB8AC3E}">
-        <p14:creationId xmlns:p14="http://schemas.microsoft.com/office/powerpoint/2010/main" val="3422363662"/>
+        <p14:creationId xmlns:p14="http://schemas.microsoft.com/office/powerpoint/2010/main" val="4163016142"/>
       </p:ext>
     </p:extLst>
   </p:cSld>
@@ -15820,6 +15837,612 @@
         </p:blipFill>
         <p:spPr>
           <a:xfrm>
+            <a:off x="1337482" y="1317009"/>
+            <a:ext cx="9935570" cy="5540991"/>
+          </a:xfrm>
+          <a:prstGeom prst="rect">
+            <a:avLst/>
+          </a:prstGeom>
+        </p:spPr>
+      </p:pic>
+      <p:sp>
+        <p:nvSpPr>
+          <p:cNvPr id="3" name="Title 2"/>
+          <p:cNvSpPr>
+            <a:spLocks noGrp="1"/>
+          </p:cNvSpPr>
+          <p:nvPr>
+            <p:ph type="title"/>
+          </p:nvPr>
+        </p:nvSpPr>
+        <p:spPr/>
+        <p:txBody>
+          <a:bodyPr/>
+          <a:lstStyle/>
+          <a:p>
+            <a:r>
+              <a:rPr lang="en-US" dirty="0"/>
+              <a:t>Sequence diagram to add product</a:t>
+            </a:r>
+            <a:endParaRPr lang="en-IN" dirty="0"/>
+          </a:p>
+        </p:txBody>
+      </p:sp>
+    </p:spTree>
+    <p:extLst>
+      <p:ext uri="{BB962C8B-B14F-4D97-AF65-F5344CB8AC3E}">
+        <p14:creationId xmlns:p14="http://schemas.microsoft.com/office/powerpoint/2010/main" val="3422363662"/>
+      </p:ext>
+    </p:extLst>
+  </p:cSld>
+  <p:clrMapOvr>
+    <a:masterClrMapping/>
+  </p:clrMapOvr>
+</p:sld>
+</file>
+
+<file path=ppt/slides/slide12.xml><?xml version="1.0" encoding="utf-8"?>
+<p:sld xmlns:a="http://schemas.openxmlformats.org/drawingml/2006/main" xmlns:r="http://schemas.openxmlformats.org/officeDocument/2006/relationships" xmlns:p="http://schemas.openxmlformats.org/presentationml/2006/main">
+  <p:cSld>
+    <p:spTree>
+      <p:nvGrpSpPr>
+        <p:cNvPr id="1" name=""/>
+        <p:cNvGrpSpPr/>
+        <p:nvPr/>
+      </p:nvGrpSpPr>
+      <p:grpSpPr>
+        <a:xfrm>
+          <a:off x="0" y="0"/>
+          <a:ext cx="0" cy="0"/>
+          <a:chOff x="0" y="0"/>
+          <a:chExt cx="0" cy="0"/>
+        </a:xfrm>
+      </p:grpSpPr>
+      <p:pic>
+        <p:nvPicPr>
+          <p:cNvPr id="2" name="Picture 1"/>
+          <p:cNvPicPr>
+            <a:picLocks noChangeAspect="1"/>
+          </p:cNvPicPr>
+          <p:nvPr/>
+        </p:nvPicPr>
+        <p:blipFill>
+          <a:blip r:embed="rId2">
+            <a:extLst>
+              <a:ext uri="{28A0092B-C50C-407E-A947-70E740481C1C}">
+                <a14:useLocalDpi xmlns:a14="http://schemas.microsoft.com/office/drawing/2010/main" val="0"/>
+              </a:ext>
+            </a:extLst>
+          </a:blip>
+          <a:stretch>
+            <a:fillRect/>
+          </a:stretch>
+        </p:blipFill>
+        <p:spPr>
+          <a:xfrm>
+            <a:off x="0" y="1501140"/>
+            <a:ext cx="11041039" cy="5356860"/>
+          </a:xfrm>
+          <a:prstGeom prst="rect">
+            <a:avLst/>
+          </a:prstGeom>
+        </p:spPr>
+      </p:pic>
+      <p:sp>
+        <p:nvSpPr>
+          <p:cNvPr id="3" name="Title 2"/>
+          <p:cNvSpPr>
+            <a:spLocks noGrp="1"/>
+          </p:cNvSpPr>
+          <p:nvPr>
+            <p:ph type="title"/>
+          </p:nvPr>
+        </p:nvSpPr>
+        <p:spPr>
+          <a:xfrm>
+            <a:off x="497597" y="137364"/>
+            <a:ext cx="9692640" cy="1363776"/>
+          </a:xfrm>
+        </p:spPr>
+        <p:txBody>
+          <a:bodyPr/>
+          <a:lstStyle/>
+          <a:p>
+            <a:r>
+              <a:rPr lang="en-US" dirty="0"/>
+              <a:t>Sequence Diagram to add new address</a:t>
+            </a:r>
+            <a:endParaRPr lang="en-IN" dirty="0"/>
+          </a:p>
+        </p:txBody>
+      </p:sp>
+    </p:spTree>
+    <p:extLst>
+      <p:ext uri="{BB962C8B-B14F-4D97-AF65-F5344CB8AC3E}">
+        <p14:creationId xmlns:p14="http://schemas.microsoft.com/office/powerpoint/2010/main" val="2838350420"/>
+      </p:ext>
+    </p:extLst>
+  </p:cSld>
+  <p:clrMapOvr>
+    <a:masterClrMapping/>
+  </p:clrMapOvr>
+</p:sld>
+</file>
+
+<file path=ppt/slides/slide13.xml><?xml version="1.0" encoding="utf-8"?>
+<p:sld xmlns:a="http://schemas.openxmlformats.org/drawingml/2006/main" xmlns:r="http://schemas.openxmlformats.org/officeDocument/2006/relationships" xmlns:p="http://schemas.openxmlformats.org/presentationml/2006/main">
+  <p:cSld>
+    <p:spTree>
+      <p:nvGrpSpPr>
+        <p:cNvPr id="1" name=""/>
+        <p:cNvGrpSpPr/>
+        <p:nvPr/>
+      </p:nvGrpSpPr>
+      <p:grpSpPr>
+        <a:xfrm>
+          <a:off x="0" y="0"/>
+          <a:ext cx="0" cy="0"/>
+          <a:chOff x="0" y="0"/>
+          <a:chExt cx="0" cy="0"/>
+        </a:xfrm>
+      </p:grpSpPr>
+      <p:sp>
+        <p:nvSpPr>
+          <p:cNvPr id="2" name="Title 1"/>
+          <p:cNvSpPr>
+            <a:spLocks noGrp="1"/>
+          </p:cNvSpPr>
+          <p:nvPr>
+            <p:ph type="title"/>
+          </p:nvPr>
+        </p:nvSpPr>
+        <p:spPr>
+          <a:xfrm>
+            <a:off x="552189" y="270226"/>
+            <a:ext cx="8946653" cy="999016"/>
+          </a:xfrm>
+        </p:spPr>
+        <p:txBody>
+          <a:bodyPr>
+            <a:normAutofit fontScale="90000"/>
+          </a:bodyPr>
+          <a:lstStyle/>
+          <a:p>
+            <a:r>
+              <a:rPr lang="en-US" dirty="0"/>
+              <a:t>Sequence diagram to update retailer</a:t>
+            </a:r>
+            <a:endParaRPr lang="en-IN" dirty="0"/>
+          </a:p>
+        </p:txBody>
+      </p:sp>
+      <p:pic>
+        <p:nvPicPr>
+          <p:cNvPr id="1026" name="Picture 2" descr="https://raw.githubusercontent.com/gitbestsou/Great-Outdoors/master/UpdateSequenceRetailer.png"/>
+          <p:cNvPicPr>
+            <a:picLocks noChangeAspect="1" noChangeArrowheads="1"/>
+          </p:cNvPicPr>
+          <p:nvPr/>
+        </p:nvPicPr>
+        <p:blipFill>
+          <a:blip r:embed="rId2">
+            <a:extLst>
+              <a:ext uri="{28A0092B-C50C-407E-A947-70E740481C1C}">
+                <a14:useLocalDpi xmlns:a14="http://schemas.microsoft.com/office/drawing/2010/main" val="0"/>
+              </a:ext>
+            </a:extLst>
+          </a:blip>
+          <a:srcRect/>
+          <a:stretch>
+            <a:fillRect/>
+          </a:stretch>
+        </p:blipFill>
+        <p:spPr bwMode="auto">
+          <a:xfrm>
+            <a:off x="1411169" y="1691322"/>
+            <a:ext cx="7737823" cy="4777717"/>
+          </a:xfrm>
+          <a:prstGeom prst="rect">
+            <a:avLst/>
+          </a:prstGeom>
+          <a:noFill/>
+          <a:extLst>
+            <a:ext uri="{909E8E84-426E-40DD-AFC4-6F175D3DCCD1}">
+              <a14:hiddenFill xmlns:a14="http://schemas.microsoft.com/office/drawing/2010/main">
+                <a:solidFill>
+                  <a:srgbClr val="FFFFFF"/>
+                </a:solidFill>
+              </a14:hiddenFill>
+            </a:ext>
+          </a:extLst>
+        </p:spPr>
+      </p:pic>
+    </p:spTree>
+    <p:extLst>
+      <p:ext uri="{BB962C8B-B14F-4D97-AF65-F5344CB8AC3E}">
+        <p14:creationId xmlns:p14="http://schemas.microsoft.com/office/powerpoint/2010/main" val="78674341"/>
+      </p:ext>
+    </p:extLst>
+  </p:cSld>
+  <p:clrMapOvr>
+    <a:masterClrMapping/>
+  </p:clrMapOvr>
+</p:sld>
+</file>
+
+<file path=ppt/slides/slide14.xml><?xml version="1.0" encoding="utf-8"?>
+<p:sld xmlns:a="http://schemas.openxmlformats.org/drawingml/2006/main" xmlns:r="http://schemas.openxmlformats.org/officeDocument/2006/relationships" xmlns:p="http://schemas.openxmlformats.org/presentationml/2006/main">
+  <p:cSld>
+    <p:spTree>
+      <p:nvGrpSpPr>
+        <p:cNvPr id="1" name=""/>
+        <p:cNvGrpSpPr/>
+        <p:nvPr/>
+      </p:nvGrpSpPr>
+      <p:grpSpPr>
+        <a:xfrm>
+          <a:off x="0" y="0"/>
+          <a:ext cx="0" cy="0"/>
+          <a:chOff x="0" y="0"/>
+          <a:chExt cx="0" cy="0"/>
+        </a:xfrm>
+      </p:grpSpPr>
+      <p:sp>
+        <p:nvSpPr>
+          <p:cNvPr id="2" name="Title 1"/>
+          <p:cNvSpPr>
+            <a:spLocks noGrp="1"/>
+          </p:cNvSpPr>
+          <p:nvPr>
+            <p:ph type="title"/>
+          </p:nvPr>
+        </p:nvSpPr>
+        <p:spPr>
+          <a:xfrm>
+            <a:off x="1016212" y="0"/>
+            <a:ext cx="8619107" cy="985368"/>
+          </a:xfrm>
+        </p:spPr>
+        <p:txBody>
+          <a:bodyPr>
+            <a:normAutofit fontScale="90000"/>
+          </a:bodyPr>
+          <a:lstStyle/>
+          <a:p>
+            <a:r>
+              <a:rPr lang="en-US" dirty="0"/>
+              <a:t>Sequence diagram for return order</a:t>
+            </a:r>
+            <a:endParaRPr lang="en-IN" dirty="0"/>
+          </a:p>
+        </p:txBody>
+      </p:sp>
+      <p:pic>
+        <p:nvPicPr>
+          <p:cNvPr id="3" name="Picture 2"/>
+          <p:cNvPicPr>
+            <a:picLocks noChangeAspect="1"/>
+          </p:cNvPicPr>
+          <p:nvPr/>
+        </p:nvPicPr>
+        <p:blipFill>
+          <a:blip r:embed="rId2">
+            <a:extLst>
+              <a:ext uri="{28A0092B-C50C-407E-A947-70E740481C1C}">
+                <a14:useLocalDpi xmlns:a14="http://schemas.microsoft.com/office/drawing/2010/main" val="0"/>
+              </a:ext>
+            </a:extLst>
+          </a:blip>
+          <a:stretch>
+            <a:fillRect/>
+          </a:stretch>
+        </p:blipFill>
+        <p:spPr>
+          <a:xfrm>
+            <a:off x="2399233" y="1351128"/>
+            <a:ext cx="7236086" cy="5609799"/>
+          </a:xfrm>
+          <a:prstGeom prst="rect">
+            <a:avLst/>
+          </a:prstGeom>
+        </p:spPr>
+      </p:pic>
+    </p:spTree>
+    <p:extLst>
+      <p:ext uri="{BB962C8B-B14F-4D97-AF65-F5344CB8AC3E}">
+        <p14:creationId xmlns:p14="http://schemas.microsoft.com/office/powerpoint/2010/main" val="2900698681"/>
+      </p:ext>
+    </p:extLst>
+  </p:cSld>
+  <p:clrMapOvr>
+    <a:masterClrMapping/>
+  </p:clrMapOvr>
+</p:sld>
+</file>
+
+<file path=ppt/slides/slide15.xml><?xml version="1.0" encoding="utf-8"?>
+<p:sld xmlns:a="http://schemas.openxmlformats.org/drawingml/2006/main" xmlns:r="http://schemas.openxmlformats.org/officeDocument/2006/relationships" xmlns:p="http://schemas.openxmlformats.org/presentationml/2006/main">
+  <p:cSld>
+    <p:spTree>
+      <p:nvGrpSpPr>
+        <p:cNvPr id="1" name=""/>
+        <p:cNvGrpSpPr/>
+        <p:nvPr/>
+      </p:nvGrpSpPr>
+      <p:grpSpPr>
+        <a:xfrm>
+          <a:off x="0" y="0"/>
+          <a:ext cx="0" cy="0"/>
+          <a:chOff x="0" y="0"/>
+          <a:chExt cx="0" cy="0"/>
+        </a:xfrm>
+      </p:grpSpPr>
+      <p:sp>
+        <p:nvSpPr>
+          <p:cNvPr id="2" name="Title 1"/>
+          <p:cNvSpPr>
+            <a:spLocks noGrp="1"/>
+          </p:cNvSpPr>
+          <p:nvPr>
+            <p:ph type="title"/>
+          </p:nvPr>
+        </p:nvSpPr>
+        <p:spPr>
+          <a:xfrm>
+            <a:off x="524893" y="0"/>
+            <a:ext cx="9014892" cy="914400"/>
+          </a:xfrm>
+        </p:spPr>
+        <p:txBody>
+          <a:bodyPr/>
+          <a:lstStyle/>
+          <a:p>
+            <a:r>
+              <a:rPr lang="en-US" dirty="0"/>
+              <a:t>Sequence diagram to cancel order</a:t>
+            </a:r>
+            <a:endParaRPr lang="en-IN" dirty="0"/>
+          </a:p>
+        </p:txBody>
+      </p:sp>
+      <p:pic>
+        <p:nvPicPr>
+          <p:cNvPr id="3" name="Picture 2"/>
+          <p:cNvPicPr>
+            <a:picLocks noChangeAspect="1"/>
+          </p:cNvPicPr>
+          <p:nvPr/>
+        </p:nvPicPr>
+        <p:blipFill>
+          <a:blip r:embed="rId2">
+            <a:extLst>
+              <a:ext uri="{28A0092B-C50C-407E-A947-70E740481C1C}">
+                <a14:useLocalDpi xmlns:a14="http://schemas.microsoft.com/office/drawing/2010/main" val="0"/>
+              </a:ext>
+            </a:extLst>
+          </a:blip>
+          <a:stretch>
+            <a:fillRect/>
+          </a:stretch>
+        </p:blipFill>
+        <p:spPr>
+          <a:xfrm>
+            <a:off x="2510975" y="1323975"/>
+            <a:ext cx="6105525" cy="5534025"/>
+          </a:xfrm>
+          <a:prstGeom prst="rect">
+            <a:avLst/>
+          </a:prstGeom>
+        </p:spPr>
+      </p:pic>
+    </p:spTree>
+    <p:extLst>
+      <p:ext uri="{BB962C8B-B14F-4D97-AF65-F5344CB8AC3E}">
+        <p14:creationId xmlns:p14="http://schemas.microsoft.com/office/powerpoint/2010/main" val="1163380870"/>
+      </p:ext>
+    </p:extLst>
+  </p:cSld>
+  <p:clrMapOvr>
+    <a:masterClrMapping/>
+  </p:clrMapOvr>
+</p:sld>
+</file>
+
+<file path=ppt/slides/slide16.xml><?xml version="1.0" encoding="utf-8"?>
+<p:sld xmlns:a="http://schemas.openxmlformats.org/drawingml/2006/main" xmlns:r="http://schemas.openxmlformats.org/officeDocument/2006/relationships" xmlns:p="http://schemas.openxmlformats.org/presentationml/2006/main">
+  <p:cSld>
+    <p:spTree>
+      <p:nvGrpSpPr>
+        <p:cNvPr id="1" name=""/>
+        <p:cNvGrpSpPr/>
+        <p:nvPr/>
+      </p:nvGrpSpPr>
+      <p:grpSpPr>
+        <a:xfrm>
+          <a:off x="0" y="0"/>
+          <a:ext cx="0" cy="0"/>
+          <a:chOff x="0" y="0"/>
+          <a:chExt cx="0" cy="0"/>
+        </a:xfrm>
+      </p:grpSpPr>
+      <p:sp>
+        <p:nvSpPr>
+          <p:cNvPr id="3" name="TextBox 2">
+            <a:extLst>
+              <a:ext uri="{FF2B5EF4-FFF2-40B4-BE49-F238E27FC236}">
+                <a16:creationId xmlns:a16="http://schemas.microsoft.com/office/drawing/2014/main" id="{93E5992D-5482-43B8-8070-DD982CFE0DF3}"/>
+              </a:ext>
+            </a:extLst>
+          </p:cNvPr>
+          <p:cNvSpPr txBox="1"/>
+          <p:nvPr/>
+        </p:nvSpPr>
+        <p:spPr>
+          <a:xfrm>
+            <a:off x="2840965" y="3142891"/>
+            <a:ext cx="5489275" cy="769441"/>
+          </a:xfrm>
+          <a:prstGeom prst="rect">
+            <a:avLst/>
+          </a:prstGeom>
+          <a:noFill/>
+        </p:spPr>
+        <p:txBody>
+          <a:bodyPr rot="0" spcFirstLastPara="0" vertOverflow="overflow" horzOverflow="overflow" vert="horz" wrap="square" lIns="91440" tIns="45720" rIns="91440" bIns="45720" numCol="1" spcCol="0" rtlCol="0" fromWordArt="0" anchor="t" anchorCtr="0" forceAA="0" compatLnSpc="1">
+            <a:prstTxWarp prst="textNoShape">
+              <a:avLst/>
+            </a:prstTxWarp>
+            <a:spAutoFit/>
+          </a:bodyPr>
+          <a:lstStyle/>
+          <a:p>
+            <a:pPr algn="ctr"/>
+            <a:r>
+              <a:rPr lang="en-US" sz="4400" dirty="0">
+                <a:latin typeface="Century Schoolbook"/>
+                <a:ea typeface="+mj-lt"/>
+                <a:cs typeface="+mj-lt"/>
+              </a:rPr>
+              <a:t>Activity Diagrams</a:t>
+            </a:r>
+          </a:p>
+        </p:txBody>
+      </p:sp>
+    </p:spTree>
+    <p:extLst>
+      <p:ext uri="{BB962C8B-B14F-4D97-AF65-F5344CB8AC3E}">
+        <p14:creationId xmlns:p14="http://schemas.microsoft.com/office/powerpoint/2010/main" val="157925293"/>
+      </p:ext>
+    </p:extLst>
+  </p:cSld>
+  <p:clrMapOvr>
+    <a:masterClrMapping/>
+  </p:clrMapOvr>
+</p:sld>
+</file>
+
+<file path=ppt/slides/slide17.xml><?xml version="1.0" encoding="utf-8"?>
+<p:sld xmlns:a="http://schemas.openxmlformats.org/drawingml/2006/main" xmlns:r="http://schemas.openxmlformats.org/officeDocument/2006/relationships" xmlns:p="http://schemas.openxmlformats.org/presentationml/2006/main">
+  <p:cSld>
+    <p:spTree>
+      <p:nvGrpSpPr>
+        <p:cNvPr id="1" name=""/>
+        <p:cNvGrpSpPr/>
+        <p:nvPr/>
+      </p:nvGrpSpPr>
+      <p:grpSpPr>
+        <a:xfrm>
+          <a:off x="0" y="0"/>
+          <a:ext cx="0" cy="0"/>
+          <a:chOff x="0" y="0"/>
+          <a:chExt cx="0" cy="0"/>
+        </a:xfrm>
+      </p:grpSpPr>
+      <p:pic>
+        <p:nvPicPr>
+          <p:cNvPr id="2" name="Picture 1"/>
+          <p:cNvPicPr>
+            <a:picLocks noChangeAspect="1"/>
+          </p:cNvPicPr>
+          <p:nvPr/>
+        </p:nvPicPr>
+        <p:blipFill>
+          <a:blip r:embed="rId2">
+            <a:extLst>
+              <a:ext uri="{28A0092B-C50C-407E-A947-70E740481C1C}">
+                <a14:useLocalDpi xmlns:a14="http://schemas.microsoft.com/office/drawing/2010/main" val="0"/>
+              </a:ext>
+            </a:extLst>
+          </a:blip>
+          <a:stretch>
+            <a:fillRect/>
+          </a:stretch>
+        </p:blipFill>
+        <p:spPr>
+          <a:xfrm>
+            <a:off x="360006" y="1261271"/>
+            <a:ext cx="10653120" cy="4772186"/>
+          </a:xfrm>
+          <a:prstGeom prst="rect">
+            <a:avLst/>
+          </a:prstGeom>
+        </p:spPr>
+      </p:pic>
+      <p:sp>
+        <p:nvSpPr>
+          <p:cNvPr id="3" name="Title 2"/>
+          <p:cNvSpPr>
+            <a:spLocks noGrp="1"/>
+          </p:cNvSpPr>
+          <p:nvPr>
+            <p:ph type="title"/>
+          </p:nvPr>
+        </p:nvSpPr>
+        <p:spPr/>
+        <p:txBody>
+          <a:bodyPr/>
+          <a:lstStyle/>
+          <a:p>
+            <a:r>
+              <a:rPr lang="en-US" dirty="0"/>
+              <a:t>Activity diagram to upload offline order</a:t>
+            </a:r>
+            <a:endParaRPr lang="en-IN" dirty="0"/>
+          </a:p>
+        </p:txBody>
+      </p:sp>
+    </p:spTree>
+    <p:extLst>
+      <p:ext uri="{BB962C8B-B14F-4D97-AF65-F5344CB8AC3E}">
+        <p14:creationId xmlns:p14="http://schemas.microsoft.com/office/powerpoint/2010/main" val="984437915"/>
+      </p:ext>
+    </p:extLst>
+  </p:cSld>
+  <p:clrMapOvr>
+    <a:masterClrMapping/>
+  </p:clrMapOvr>
+</p:sld>
+</file>
+
+<file path=ppt/slides/slide18.xml><?xml version="1.0" encoding="utf-8"?>
+<p:sld xmlns:a="http://schemas.openxmlformats.org/drawingml/2006/main" xmlns:r="http://schemas.openxmlformats.org/officeDocument/2006/relationships" xmlns:p="http://schemas.openxmlformats.org/presentationml/2006/main">
+  <p:cSld>
+    <p:spTree>
+      <p:nvGrpSpPr>
+        <p:cNvPr id="1" name=""/>
+        <p:cNvGrpSpPr/>
+        <p:nvPr/>
+      </p:nvGrpSpPr>
+      <p:grpSpPr>
+        <a:xfrm>
+          <a:off x="0" y="0"/>
+          <a:ext cx="0" cy="0"/>
+          <a:chOff x="0" y="0"/>
+          <a:chExt cx="0" cy="0"/>
+        </a:xfrm>
+      </p:grpSpPr>
+      <p:pic>
+        <p:nvPicPr>
+          <p:cNvPr id="2" name="Picture 1"/>
+          <p:cNvPicPr>
+            <a:picLocks noChangeAspect="1"/>
+          </p:cNvPicPr>
+          <p:nvPr/>
+        </p:nvPicPr>
+        <p:blipFill>
+          <a:blip r:embed="rId2">
+            <a:extLst>
+              <a:ext uri="{28A0092B-C50C-407E-A947-70E740481C1C}">
+                <a14:useLocalDpi xmlns:a14="http://schemas.microsoft.com/office/drawing/2010/main" val="0"/>
+              </a:ext>
+            </a:extLst>
+          </a:blip>
+          <a:stretch>
+            <a:fillRect/>
+          </a:stretch>
+        </p:blipFill>
+        <p:spPr>
+          <a:xfrm>
             <a:off x="1176686" y="1173707"/>
             <a:ext cx="8801397" cy="5296478"/>
           </a:xfrm>
@@ -15844,12 +16467,8 @@
           <a:lstStyle/>
           <a:p>
             <a:r>
-              <a:rPr lang="en-US" dirty="0" smtClean="0"/>
-              <a:t>Activity </a:t>
-            </a:r>
-            <a:r>
               <a:rPr lang="en-US" dirty="0"/>
-              <a:t>diagram to add product</a:t>
+              <a:t>Activity diagram to add product</a:t>
             </a:r>
             <a:endParaRPr lang="en-IN" dirty="0"/>
           </a:p>
@@ -15868,7 +16487,816 @@
 </p:sld>
 </file>
 
-<file path=ppt/slides/slide12.xml><?xml version="1.0" encoding="utf-8"?>
+<file path=ppt/slides/slide19.xml><?xml version="1.0" encoding="utf-8"?>
+<p:sld xmlns:a="http://schemas.openxmlformats.org/drawingml/2006/main" xmlns:r="http://schemas.openxmlformats.org/officeDocument/2006/relationships" xmlns:p="http://schemas.openxmlformats.org/presentationml/2006/main">
+  <p:cSld>
+    <p:spTree>
+      <p:nvGrpSpPr>
+        <p:cNvPr id="1" name=""/>
+        <p:cNvGrpSpPr/>
+        <p:nvPr/>
+      </p:nvGrpSpPr>
+      <p:grpSpPr>
+        <a:xfrm>
+          <a:off x="0" y="0"/>
+          <a:ext cx="0" cy="0"/>
+          <a:chOff x="0" y="0"/>
+          <a:chExt cx="0" cy="0"/>
+        </a:xfrm>
+      </p:grpSpPr>
+      <p:sp>
+        <p:nvSpPr>
+          <p:cNvPr id="2" name="Title 1"/>
+          <p:cNvSpPr>
+            <a:spLocks noGrp="1"/>
+          </p:cNvSpPr>
+          <p:nvPr>
+            <p:ph type="title"/>
+          </p:nvPr>
+        </p:nvSpPr>
+        <p:spPr>
+          <a:xfrm>
+            <a:off x="0" y="0"/>
+            <a:ext cx="9692640" cy="1325562"/>
+          </a:xfrm>
+        </p:spPr>
+        <p:txBody>
+          <a:bodyPr/>
+          <a:lstStyle/>
+          <a:p>
+            <a:r>
+              <a:rPr lang="en-US" dirty="0"/>
+              <a:t>Activity diagram to update retailer</a:t>
+            </a:r>
+            <a:endParaRPr lang="en-IN" dirty="0"/>
+          </a:p>
+        </p:txBody>
+      </p:sp>
+      <p:pic>
+        <p:nvPicPr>
+          <p:cNvPr id="3" name="Picture 2"/>
+          <p:cNvPicPr>
+            <a:picLocks noChangeAspect="1"/>
+          </p:cNvPicPr>
+          <p:nvPr/>
+        </p:nvPicPr>
+        <p:blipFill>
+          <a:blip r:embed="rId2">
+            <a:extLst>
+              <a:ext uri="{28A0092B-C50C-407E-A947-70E740481C1C}">
+                <a14:useLocalDpi xmlns:a14="http://schemas.microsoft.com/office/drawing/2010/main" val="0"/>
+              </a:ext>
+            </a:extLst>
+          </a:blip>
+          <a:stretch>
+            <a:fillRect/>
+          </a:stretch>
+        </p:blipFill>
+        <p:spPr>
+          <a:xfrm>
+            <a:off x="2832714" y="1364776"/>
+            <a:ext cx="6526572" cy="5493224"/>
+          </a:xfrm>
+          <a:prstGeom prst="rect">
+            <a:avLst/>
+          </a:prstGeom>
+        </p:spPr>
+      </p:pic>
+    </p:spTree>
+    <p:extLst>
+      <p:ext uri="{BB962C8B-B14F-4D97-AF65-F5344CB8AC3E}">
+        <p14:creationId xmlns:p14="http://schemas.microsoft.com/office/powerpoint/2010/main" val="2143256067"/>
+      </p:ext>
+    </p:extLst>
+  </p:cSld>
+  <p:clrMapOvr>
+    <a:masterClrMapping/>
+  </p:clrMapOvr>
+</p:sld>
+</file>
+
+<file path=ppt/slides/slide2.xml><?xml version="1.0" encoding="utf-8"?>
+<p:sld xmlns:a="http://schemas.openxmlformats.org/drawingml/2006/main" xmlns:r="http://schemas.openxmlformats.org/officeDocument/2006/relationships" xmlns:p="http://schemas.openxmlformats.org/presentationml/2006/main">
+  <p:cSld>
+    <p:spTree>
+      <p:nvGrpSpPr>
+        <p:cNvPr id="1" name=""/>
+        <p:cNvGrpSpPr/>
+        <p:nvPr/>
+      </p:nvGrpSpPr>
+      <p:grpSpPr>
+        <a:xfrm>
+          <a:off x="0" y="0"/>
+          <a:ext cx="0" cy="0"/>
+          <a:chOff x="0" y="0"/>
+          <a:chExt cx="0" cy="0"/>
+        </a:xfrm>
+      </p:grpSpPr>
+      <p:sp>
+        <p:nvSpPr>
+          <p:cNvPr id="2" name="Title 1"/>
+          <p:cNvSpPr>
+            <a:spLocks noGrp="1"/>
+          </p:cNvSpPr>
+          <p:nvPr>
+            <p:ph type="title"/>
+          </p:nvPr>
+        </p:nvSpPr>
+        <p:spPr/>
+        <p:txBody>
+          <a:bodyPr/>
+          <a:lstStyle/>
+          <a:p>
+            <a:r>
+              <a:rPr lang="en-US" dirty="0"/>
+              <a:t>TEAM A</a:t>
+            </a:r>
+            <a:endParaRPr lang="en-IN" dirty="0"/>
+          </a:p>
+        </p:txBody>
+      </p:sp>
+      <p:sp>
+        <p:nvSpPr>
+          <p:cNvPr id="3" name="Content Placeholder 2"/>
+          <p:cNvSpPr>
+            <a:spLocks noGrp="1"/>
+          </p:cNvSpPr>
+          <p:nvPr>
+            <p:ph idx="1"/>
+          </p:nvPr>
+        </p:nvSpPr>
+        <p:spPr>
+          <a:xfrm>
+            <a:off x="5943602" y="1581940"/>
+            <a:ext cx="6248398" cy="5655156"/>
+          </a:xfrm>
+        </p:spPr>
+        <p:txBody>
+          <a:bodyPr/>
+          <a:lstStyle/>
+          <a:p>
+            <a:r>
+              <a:rPr lang="en-US" dirty="0"/>
+              <a:t>Madhuri Vemulapaty</a:t>
+            </a:r>
+          </a:p>
+          <a:p>
+            <a:r>
+              <a:rPr lang="en-US" dirty="0"/>
+              <a:t>Ankush Agrawal</a:t>
+            </a:r>
+          </a:p>
+          <a:p>
+            <a:r>
+              <a:rPr lang="en-US" dirty="0"/>
+              <a:t>Shreyash Pandey</a:t>
+            </a:r>
+          </a:p>
+          <a:p>
+            <a:r>
+              <a:rPr lang="en-US" dirty="0"/>
+              <a:t>Sourav Maji</a:t>
+            </a:r>
+          </a:p>
+          <a:p>
+            <a:r>
+              <a:rPr lang="en-US" dirty="0"/>
+              <a:t>Sarthak Lav</a:t>
+            </a:r>
+            <a:endParaRPr lang="en-IN" dirty="0"/>
+          </a:p>
+        </p:txBody>
+      </p:sp>
+    </p:spTree>
+    <p:extLst>
+      <p:ext uri="{BB962C8B-B14F-4D97-AF65-F5344CB8AC3E}">
+        <p14:creationId xmlns:p14="http://schemas.microsoft.com/office/powerpoint/2010/main" val="2059928269"/>
+      </p:ext>
+    </p:extLst>
+  </p:cSld>
+  <p:clrMapOvr>
+    <a:masterClrMapping/>
+  </p:clrMapOvr>
+</p:sld>
+</file>
+
+<file path=ppt/slides/slide20.xml><?xml version="1.0" encoding="utf-8"?>
+<p:sld xmlns:a="http://schemas.openxmlformats.org/drawingml/2006/main" xmlns:r="http://schemas.openxmlformats.org/officeDocument/2006/relationships" xmlns:p="http://schemas.openxmlformats.org/presentationml/2006/main">
+  <p:cSld>
+    <p:spTree>
+      <p:nvGrpSpPr>
+        <p:cNvPr id="1" name=""/>
+        <p:cNvGrpSpPr/>
+        <p:nvPr/>
+      </p:nvGrpSpPr>
+      <p:grpSpPr>
+        <a:xfrm>
+          <a:off x="0" y="0"/>
+          <a:ext cx="0" cy="0"/>
+          <a:chOff x="0" y="0"/>
+          <a:chExt cx="0" cy="0"/>
+        </a:xfrm>
+      </p:grpSpPr>
+      <p:sp>
+        <p:nvSpPr>
+          <p:cNvPr id="3" name="Title 1">
+            <a:extLst>
+              <a:ext uri="{FF2B5EF4-FFF2-40B4-BE49-F238E27FC236}">
+                <a16:creationId xmlns:a16="http://schemas.microsoft.com/office/drawing/2014/main" id="{CBCA1DCA-5ECA-4512-B999-5AC5FAB9D672}"/>
+              </a:ext>
+            </a:extLst>
+          </p:cNvPr>
+          <p:cNvSpPr txBox="1">
+            <a:spLocks/>
+          </p:cNvSpPr>
+          <p:nvPr/>
+        </p:nvSpPr>
+        <p:spPr>
+          <a:xfrm>
+            <a:off x="552189" y="270226"/>
+            <a:ext cx="8946653" cy="999016"/>
+          </a:xfrm>
+          <a:prstGeom prst="rect">
+            <a:avLst/>
+          </a:prstGeom>
+        </p:spPr>
+        <p:txBody>
+          <a:bodyPr anchor="t">
+            <a:normAutofit fontScale="97500"/>
+          </a:bodyPr>
+          <a:lstStyle>
+            <a:lvl1pPr algn="l" defTabSz="914400" rtl="0" eaLnBrk="1" latinLnBrk="0" hangingPunct="1">
+              <a:lnSpc>
+                <a:spcPct val="90000"/>
+              </a:lnSpc>
+              <a:spcBef>
+                <a:spcPct val="0"/>
+              </a:spcBef>
+              <a:buNone/>
+              <a:defRPr sz="4400" kern="1200" spc="-50" baseline="0">
+                <a:solidFill>
+                  <a:schemeClr val="tx1"/>
+                </a:solidFill>
+                <a:latin typeface="+mj-lt"/>
+                <a:ea typeface="+mj-ea"/>
+                <a:cs typeface="+mj-cs"/>
+              </a:defRPr>
+            </a:lvl1pPr>
+          </a:lstStyle>
+          <a:p>
+            <a:r>
+              <a:rPr lang="en-US" dirty="0"/>
+              <a:t>Activity Diagram to Return Order</a:t>
+            </a:r>
+            <a:endParaRPr lang="en-IN" dirty="0"/>
+          </a:p>
+        </p:txBody>
+      </p:sp>
+      <p:pic>
+        <p:nvPicPr>
+          <p:cNvPr id="4" name="Picture 4" descr="A close up of text on a white background&#10;&#10;Description generated with very high confidence">
+            <a:extLst>
+              <a:ext uri="{FF2B5EF4-FFF2-40B4-BE49-F238E27FC236}">
+                <a16:creationId xmlns:a16="http://schemas.microsoft.com/office/drawing/2014/main" id="{DBC5AE8A-3A78-49B0-86E4-6B3281F28332}"/>
+              </a:ext>
+            </a:extLst>
+          </p:cNvPr>
+          <p:cNvPicPr>
+            <a:picLocks noChangeAspect="1"/>
+          </p:cNvPicPr>
+          <p:nvPr/>
+        </p:nvPicPr>
+        <p:blipFill>
+          <a:blip r:embed="rId2"/>
+          <a:stretch>
+            <a:fillRect/>
+          </a:stretch>
+        </p:blipFill>
+        <p:spPr>
+          <a:xfrm>
+            <a:off x="195533" y="1030818"/>
+            <a:ext cx="10852027" cy="5831528"/>
+          </a:xfrm>
+          <a:prstGeom prst="rect">
+            <a:avLst/>
+          </a:prstGeom>
+        </p:spPr>
+      </p:pic>
+    </p:spTree>
+    <p:extLst>
+      <p:ext uri="{BB962C8B-B14F-4D97-AF65-F5344CB8AC3E}">
+        <p14:creationId xmlns:p14="http://schemas.microsoft.com/office/powerpoint/2010/main" val="2617831453"/>
+      </p:ext>
+    </p:extLst>
+  </p:cSld>
+  <p:clrMapOvr>
+    <a:masterClrMapping/>
+  </p:clrMapOvr>
+</p:sld>
+</file>
+
+<file path=ppt/slides/slide21.xml><?xml version="1.0" encoding="utf-8"?>
+<p:sld xmlns:a="http://schemas.openxmlformats.org/drawingml/2006/main" xmlns:r="http://schemas.openxmlformats.org/officeDocument/2006/relationships" xmlns:p="http://schemas.openxmlformats.org/presentationml/2006/main">
+  <p:cSld>
+    <p:spTree>
+      <p:nvGrpSpPr>
+        <p:cNvPr id="1" name=""/>
+        <p:cNvGrpSpPr/>
+        <p:nvPr/>
+      </p:nvGrpSpPr>
+      <p:grpSpPr>
+        <a:xfrm>
+          <a:off x="0" y="0"/>
+          <a:ext cx="0" cy="0"/>
+          <a:chOff x="0" y="0"/>
+          <a:chExt cx="0" cy="0"/>
+        </a:xfrm>
+      </p:grpSpPr>
+      <p:sp>
+        <p:nvSpPr>
+          <p:cNvPr id="3" name="Title 1">
+            <a:extLst>
+              <a:ext uri="{FF2B5EF4-FFF2-40B4-BE49-F238E27FC236}">
+                <a16:creationId xmlns:a16="http://schemas.microsoft.com/office/drawing/2014/main" id="{63388C9C-8A9F-4C27-AE8F-B95FC5F21D4B}"/>
+              </a:ext>
+            </a:extLst>
+          </p:cNvPr>
+          <p:cNvSpPr txBox="1">
+            <a:spLocks/>
+          </p:cNvSpPr>
+          <p:nvPr/>
+        </p:nvSpPr>
+        <p:spPr>
+          <a:xfrm>
+            <a:off x="552189" y="270226"/>
+            <a:ext cx="8946653" cy="999016"/>
+          </a:xfrm>
+          <a:prstGeom prst="rect">
+            <a:avLst/>
+          </a:prstGeom>
+        </p:spPr>
+        <p:txBody>
+          <a:bodyPr anchor="t">
+            <a:normAutofit fontScale="97500"/>
+          </a:bodyPr>
+          <a:lstStyle>
+            <a:lvl1pPr algn="l" defTabSz="914400" rtl="0" eaLnBrk="1" latinLnBrk="0" hangingPunct="1">
+              <a:lnSpc>
+                <a:spcPct val="90000"/>
+              </a:lnSpc>
+              <a:spcBef>
+                <a:spcPct val="0"/>
+              </a:spcBef>
+              <a:buNone/>
+              <a:defRPr sz="4400" kern="1200" spc="-50" baseline="0">
+                <a:solidFill>
+                  <a:schemeClr val="tx1"/>
+                </a:solidFill>
+                <a:latin typeface="+mj-lt"/>
+                <a:ea typeface="+mj-ea"/>
+                <a:cs typeface="+mj-cs"/>
+              </a:defRPr>
+            </a:lvl1pPr>
+          </a:lstStyle>
+          <a:p>
+            <a:r>
+              <a:rPr lang="en-US" dirty="0"/>
+              <a:t>Activity Diagram to Cancel Order</a:t>
+            </a:r>
+            <a:endParaRPr lang="en-IN" dirty="0"/>
+          </a:p>
+        </p:txBody>
+      </p:sp>
+      <p:pic>
+        <p:nvPicPr>
+          <p:cNvPr id="4" name="Picture 4" descr="A close up of text on a white background&#10;&#10;Description generated with very high confidence">
+            <a:extLst>
+              <a:ext uri="{FF2B5EF4-FFF2-40B4-BE49-F238E27FC236}">
+                <a16:creationId xmlns:a16="http://schemas.microsoft.com/office/drawing/2014/main" id="{18A35A48-1868-46ED-8152-7888870594F2}"/>
+              </a:ext>
+            </a:extLst>
+          </p:cNvPr>
+          <p:cNvPicPr>
+            <a:picLocks noChangeAspect="1"/>
+          </p:cNvPicPr>
+          <p:nvPr/>
+        </p:nvPicPr>
+        <p:blipFill>
+          <a:blip r:embed="rId2"/>
+          <a:stretch>
+            <a:fillRect/>
+          </a:stretch>
+        </p:blipFill>
+        <p:spPr>
+          <a:xfrm>
+            <a:off x="181155" y="960272"/>
+            <a:ext cx="10909538" cy="5742587"/>
+          </a:xfrm>
+          <a:prstGeom prst="rect">
+            <a:avLst/>
+          </a:prstGeom>
+        </p:spPr>
+      </p:pic>
+    </p:spTree>
+    <p:extLst>
+      <p:ext uri="{BB962C8B-B14F-4D97-AF65-F5344CB8AC3E}">
+        <p14:creationId xmlns:p14="http://schemas.microsoft.com/office/powerpoint/2010/main" val="550072158"/>
+      </p:ext>
+    </p:extLst>
+  </p:cSld>
+  <p:clrMapOvr>
+    <a:masterClrMapping/>
+  </p:clrMapOvr>
+</p:sld>
+</file>
+
+<file path=ppt/slides/slide22.xml><?xml version="1.0" encoding="utf-8"?>
+<p:sld xmlns:a="http://schemas.openxmlformats.org/drawingml/2006/main" xmlns:r="http://schemas.openxmlformats.org/officeDocument/2006/relationships" xmlns:p="http://schemas.openxmlformats.org/presentationml/2006/main">
+  <p:cSld>
+    <p:spTree>
+      <p:nvGrpSpPr>
+        <p:cNvPr id="1" name=""/>
+        <p:cNvGrpSpPr/>
+        <p:nvPr/>
+      </p:nvGrpSpPr>
+      <p:grpSpPr>
+        <a:xfrm>
+          <a:off x="0" y="0"/>
+          <a:ext cx="0" cy="0"/>
+          <a:chOff x="0" y="0"/>
+          <a:chExt cx="0" cy="0"/>
+        </a:xfrm>
+      </p:grpSpPr>
+      <p:sp>
+        <p:nvSpPr>
+          <p:cNvPr id="3" name="TextBox 2">
+            <a:extLst>
+              <a:ext uri="{FF2B5EF4-FFF2-40B4-BE49-F238E27FC236}">
+                <a16:creationId xmlns:a16="http://schemas.microsoft.com/office/drawing/2014/main" id="{4C6B9CF3-3A46-456F-9815-D51548C30D73}"/>
+              </a:ext>
+            </a:extLst>
+          </p:cNvPr>
+          <p:cNvSpPr txBox="1"/>
+          <p:nvPr/>
+        </p:nvSpPr>
+        <p:spPr>
+          <a:xfrm>
+            <a:off x="1431984" y="1805797"/>
+            <a:ext cx="8220972" cy="769441"/>
+          </a:xfrm>
+          <a:prstGeom prst="rect">
+            <a:avLst/>
+          </a:prstGeom>
+          <a:noFill/>
+        </p:spPr>
+        <p:txBody>
+          <a:bodyPr rot="0" spcFirstLastPara="0" vertOverflow="overflow" horzOverflow="overflow" vert="horz" wrap="square" lIns="91440" tIns="45720" rIns="91440" bIns="45720" numCol="1" spcCol="0" rtlCol="0" fromWordArt="0" anchor="t" anchorCtr="0" forceAA="0" compatLnSpc="1">
+            <a:prstTxWarp prst="textNoShape">
+              <a:avLst/>
+            </a:prstTxWarp>
+            <a:spAutoFit/>
+          </a:bodyPr>
+          <a:lstStyle/>
+          <a:p>
+            <a:pPr algn="ctr"/>
+            <a:r>
+              <a:rPr lang="en-US" sz="4400" dirty="0">
+                <a:latin typeface="Century Schoolbook"/>
+                <a:ea typeface="+mj-lt"/>
+                <a:cs typeface="+mj-lt"/>
+              </a:rPr>
+              <a:t>Epic and User Stories</a:t>
+            </a:r>
+            <a:endParaRPr lang="en-US" dirty="0"/>
+          </a:p>
+        </p:txBody>
+      </p:sp>
+    </p:spTree>
+    <p:extLst>
+      <p:ext uri="{BB962C8B-B14F-4D97-AF65-F5344CB8AC3E}">
+        <p14:creationId xmlns:p14="http://schemas.microsoft.com/office/powerpoint/2010/main" val="1800083496"/>
+      </p:ext>
+    </p:extLst>
+  </p:cSld>
+  <p:clrMapOvr>
+    <a:masterClrMapping/>
+  </p:clrMapOvr>
+</p:sld>
+</file>
+
+<file path=ppt/slides/slide23.xml><?xml version="1.0" encoding="utf-8"?>
+<p:sld xmlns:a="http://schemas.openxmlformats.org/drawingml/2006/main" xmlns:r="http://schemas.openxmlformats.org/officeDocument/2006/relationships" xmlns:p="http://schemas.openxmlformats.org/presentationml/2006/main">
+  <p:cSld>
+    <p:spTree>
+      <p:nvGrpSpPr>
+        <p:cNvPr id="1" name=""/>
+        <p:cNvGrpSpPr/>
+        <p:nvPr/>
+      </p:nvGrpSpPr>
+      <p:grpSpPr>
+        <a:xfrm>
+          <a:off x="0" y="0"/>
+          <a:ext cx="0" cy="0"/>
+          <a:chOff x="0" y="0"/>
+          <a:chExt cx="0" cy="0"/>
+        </a:xfrm>
+      </p:grpSpPr>
+      <p:sp>
+        <p:nvSpPr>
+          <p:cNvPr id="2" name="Title 1"/>
+          <p:cNvSpPr>
+            <a:spLocks noGrp="1"/>
+          </p:cNvSpPr>
+          <p:nvPr>
+            <p:ph type="title"/>
+          </p:nvPr>
+        </p:nvSpPr>
+        <p:spPr/>
+        <p:txBody>
+          <a:bodyPr>
+            <a:normAutofit/>
+          </a:bodyPr>
+          <a:lstStyle/>
+          <a:p>
+            <a:pPr algn="ctr"/>
+            <a:r>
+              <a:rPr lang="en-IN" dirty="0">
+                <a:latin typeface="Times New Roman" panose="02020603050405020304" pitchFamily="18" charset="0"/>
+                <a:cs typeface="Times New Roman" panose="02020603050405020304" pitchFamily="18" charset="0"/>
+              </a:rPr>
+              <a:t>EPIC – Salesman should upload offline orders</a:t>
+            </a:r>
+          </a:p>
+        </p:txBody>
+      </p:sp>
+      <p:sp>
+        <p:nvSpPr>
+          <p:cNvPr id="3" name="Content Placeholder 2"/>
+          <p:cNvSpPr>
+            <a:spLocks noGrp="1"/>
+          </p:cNvSpPr>
+          <p:nvPr>
+            <p:ph idx="1"/>
+          </p:nvPr>
+        </p:nvSpPr>
+        <p:spPr/>
+        <p:txBody>
+          <a:bodyPr>
+            <a:normAutofit/>
+          </a:bodyPr>
+          <a:lstStyle/>
+          <a:p>
+            <a:pPr marL="0" indent="0">
+              <a:buNone/>
+            </a:pPr>
+            <a:endParaRPr lang="en-IN" dirty="0">
+              <a:latin typeface="Times New Roman" panose="02020603050405020304" pitchFamily="18" charset="0"/>
+              <a:cs typeface="Times New Roman" panose="02020603050405020304" pitchFamily="18" charset="0"/>
+            </a:endParaRPr>
+          </a:p>
+          <a:p>
+            <a:pPr marL="0" indent="0">
+              <a:buNone/>
+            </a:pPr>
+            <a:r>
+              <a:rPr lang="en-IN" u="sng" dirty="0">
+                <a:latin typeface="Times New Roman" panose="02020603050405020304" pitchFamily="18" charset="0"/>
+                <a:cs typeface="Times New Roman" panose="02020603050405020304" pitchFamily="18" charset="0"/>
+              </a:rPr>
+              <a:t>User Stories:</a:t>
+            </a:r>
+            <a:endParaRPr lang="en-IN" dirty="0">
+              <a:latin typeface="Times New Roman" panose="02020603050405020304" pitchFamily="18" charset="0"/>
+              <a:cs typeface="Times New Roman" panose="02020603050405020304" pitchFamily="18" charset="0"/>
+            </a:endParaRPr>
+          </a:p>
+          <a:p>
+            <a:r>
+              <a:rPr lang="en-IN" dirty="0">
+                <a:latin typeface="Times New Roman" panose="02020603050405020304" pitchFamily="18" charset="0"/>
+                <a:cs typeface="Times New Roman" panose="02020603050405020304" pitchFamily="18" charset="0"/>
+              </a:rPr>
+              <a:t>Salesman should be able to upload order details like product ID, name and quantity along with discount and total price.</a:t>
+            </a:r>
+          </a:p>
+          <a:p>
+            <a:r>
+              <a:rPr lang="en-IN" dirty="0">
+                <a:latin typeface="Times New Roman" panose="02020603050405020304" pitchFamily="18" charset="0"/>
+                <a:cs typeface="Times New Roman" panose="02020603050405020304" pitchFamily="18" charset="0"/>
+              </a:rPr>
+              <a:t>Salesman should be able to view uploaded sales.</a:t>
+            </a:r>
+          </a:p>
+        </p:txBody>
+      </p:sp>
+    </p:spTree>
+    <p:extLst>
+      <p:ext uri="{BB962C8B-B14F-4D97-AF65-F5344CB8AC3E}">
+        <p14:creationId xmlns:p14="http://schemas.microsoft.com/office/powerpoint/2010/main" val="2617270424"/>
+      </p:ext>
+    </p:extLst>
+  </p:cSld>
+  <p:clrMapOvr>
+    <a:masterClrMapping/>
+  </p:clrMapOvr>
+</p:sld>
+</file>
+
+<file path=ppt/slides/slide24.xml><?xml version="1.0" encoding="utf-8"?>
+<p:sld xmlns:a="http://schemas.openxmlformats.org/drawingml/2006/main" xmlns:r="http://schemas.openxmlformats.org/officeDocument/2006/relationships" xmlns:p="http://schemas.openxmlformats.org/presentationml/2006/main">
+  <p:cSld>
+    <p:spTree>
+      <p:nvGrpSpPr>
+        <p:cNvPr id="1" name=""/>
+        <p:cNvGrpSpPr/>
+        <p:nvPr/>
+      </p:nvGrpSpPr>
+      <p:grpSpPr>
+        <a:xfrm>
+          <a:off x="0" y="0"/>
+          <a:ext cx="0" cy="0"/>
+          <a:chOff x="0" y="0"/>
+          <a:chExt cx="0" cy="0"/>
+        </a:xfrm>
+      </p:grpSpPr>
+      <p:pic>
+        <p:nvPicPr>
+          <p:cNvPr id="2" name="Picture 2" descr="A picture containing bird, flower&#10;&#10;Description generated with very high confidence">
+            <a:extLst>
+              <a:ext uri="{FF2B5EF4-FFF2-40B4-BE49-F238E27FC236}">
+                <a16:creationId xmlns:a16="http://schemas.microsoft.com/office/drawing/2014/main" id="{0BF01BCC-F54A-451F-B79C-758CA5B6F04E}"/>
+              </a:ext>
+            </a:extLst>
+          </p:cNvPr>
+          <p:cNvPicPr>
+            <a:picLocks noChangeAspect="1"/>
+          </p:cNvPicPr>
+          <p:nvPr/>
+        </p:nvPicPr>
+        <p:blipFill>
+          <a:blip r:embed="rId2"/>
+          <a:stretch>
+            <a:fillRect/>
+          </a:stretch>
+        </p:blipFill>
+        <p:spPr>
+          <a:xfrm>
+            <a:off x="209910" y="570546"/>
+            <a:ext cx="10104405" cy="4839885"/>
+          </a:xfrm>
+          <a:prstGeom prst="rect">
+            <a:avLst/>
+          </a:prstGeom>
+        </p:spPr>
+      </p:pic>
+    </p:spTree>
+    <p:extLst>
+      <p:ext uri="{BB962C8B-B14F-4D97-AF65-F5344CB8AC3E}">
+        <p14:creationId xmlns:p14="http://schemas.microsoft.com/office/powerpoint/2010/main" val="3030526841"/>
+      </p:ext>
+    </p:extLst>
+  </p:cSld>
+  <p:clrMapOvr>
+    <a:masterClrMapping/>
+  </p:clrMapOvr>
+</p:sld>
+</file>
+
+<file path=ppt/slides/slide25.xml><?xml version="1.0" encoding="utf-8"?>
+<p:sld xmlns:a="http://schemas.openxmlformats.org/drawingml/2006/main" xmlns:r="http://schemas.openxmlformats.org/officeDocument/2006/relationships" xmlns:p="http://schemas.openxmlformats.org/presentationml/2006/main">
+  <p:cSld>
+    <p:spTree>
+      <p:nvGrpSpPr>
+        <p:cNvPr id="1" name=""/>
+        <p:cNvGrpSpPr/>
+        <p:nvPr/>
+      </p:nvGrpSpPr>
+      <p:grpSpPr>
+        <a:xfrm>
+          <a:off x="0" y="0"/>
+          <a:ext cx="0" cy="0"/>
+          <a:chOff x="0" y="0"/>
+          <a:chExt cx="0" cy="0"/>
+        </a:xfrm>
+      </p:grpSpPr>
+      <p:pic>
+        <p:nvPicPr>
+          <p:cNvPr id="2" name="Picture 2" descr="A picture containing bird&#10;&#10;Description generated with very high confidence">
+            <a:extLst>
+              <a:ext uri="{FF2B5EF4-FFF2-40B4-BE49-F238E27FC236}">
+                <a16:creationId xmlns:a16="http://schemas.microsoft.com/office/drawing/2014/main" id="{89C675D7-8EAB-49FC-8BC0-201564F83071}"/>
+              </a:ext>
+            </a:extLst>
+          </p:cNvPr>
+          <p:cNvPicPr>
+            <a:picLocks noChangeAspect="1"/>
+          </p:cNvPicPr>
+          <p:nvPr/>
+        </p:nvPicPr>
+        <p:blipFill>
+          <a:blip r:embed="rId2"/>
+          <a:stretch>
+            <a:fillRect/>
+          </a:stretch>
+        </p:blipFill>
+        <p:spPr>
+          <a:xfrm>
+            <a:off x="-5751" y="465835"/>
+            <a:ext cx="10967049" cy="5351234"/>
+          </a:xfrm>
+          <a:prstGeom prst="rect">
+            <a:avLst/>
+          </a:prstGeom>
+        </p:spPr>
+      </p:pic>
+    </p:spTree>
+    <p:extLst>
+      <p:ext uri="{BB962C8B-B14F-4D97-AF65-F5344CB8AC3E}">
+        <p14:creationId xmlns:p14="http://schemas.microsoft.com/office/powerpoint/2010/main" val="999513637"/>
+      </p:ext>
+    </p:extLst>
+  </p:cSld>
+  <p:clrMapOvr>
+    <a:masterClrMapping/>
+  </p:clrMapOvr>
+</p:sld>
+</file>
+
+<file path=ppt/slides/slide26.xml><?xml version="1.0" encoding="utf-8"?>
+<p:sld xmlns:a="http://schemas.openxmlformats.org/drawingml/2006/main" xmlns:r="http://schemas.openxmlformats.org/officeDocument/2006/relationships" xmlns:p="http://schemas.openxmlformats.org/presentationml/2006/main">
+  <p:cSld>
+    <p:spTree>
+      <p:nvGrpSpPr>
+        <p:cNvPr id="1" name=""/>
+        <p:cNvGrpSpPr/>
+        <p:nvPr/>
+      </p:nvGrpSpPr>
+      <p:grpSpPr>
+        <a:xfrm>
+          <a:off x="0" y="0"/>
+          <a:ext cx="0" cy="0"/>
+          <a:chOff x="0" y="0"/>
+          <a:chExt cx="0" cy="0"/>
+        </a:xfrm>
+      </p:grpSpPr>
+      <p:sp>
+        <p:nvSpPr>
+          <p:cNvPr id="3" name="TextBox 2">
+            <a:extLst>
+              <a:ext uri="{FF2B5EF4-FFF2-40B4-BE49-F238E27FC236}">
+                <a16:creationId xmlns:a16="http://schemas.microsoft.com/office/drawing/2014/main" id="{93E5992D-5482-43B8-8070-DD982CFE0DF3}"/>
+              </a:ext>
+            </a:extLst>
+          </p:cNvPr>
+          <p:cNvSpPr txBox="1"/>
+          <p:nvPr/>
+        </p:nvSpPr>
+        <p:spPr>
+          <a:xfrm>
+            <a:off x="2840965" y="3142891"/>
+            <a:ext cx="5489275" cy="769441"/>
+          </a:xfrm>
+          <a:prstGeom prst="rect">
+            <a:avLst/>
+          </a:prstGeom>
+          <a:noFill/>
+        </p:spPr>
+        <p:txBody>
+          <a:bodyPr rot="0" spcFirstLastPara="0" vertOverflow="overflow" horzOverflow="overflow" vert="horz" wrap="square" lIns="91440" tIns="45720" rIns="91440" bIns="45720" numCol="1" spcCol="0" rtlCol="0" fromWordArt="0" anchor="t" anchorCtr="0" forceAA="0" compatLnSpc="1">
+            <a:prstTxWarp prst="textNoShape">
+              <a:avLst/>
+            </a:prstTxWarp>
+            <a:spAutoFit/>
+          </a:bodyPr>
+          <a:lstStyle/>
+          <a:p>
+            <a:pPr algn="ctr"/>
+            <a:r>
+              <a:rPr lang="en-US" sz="4400" dirty="0">
+                <a:latin typeface="Century Schoolbook"/>
+                <a:ea typeface="+mj-lt"/>
+                <a:cs typeface="+mj-lt"/>
+              </a:rPr>
+              <a:t>Class Diagrams</a:t>
+            </a:r>
+          </a:p>
+        </p:txBody>
+      </p:sp>
+    </p:spTree>
+    <p:extLst>
+      <p:ext uri="{BB962C8B-B14F-4D97-AF65-F5344CB8AC3E}">
+        <p14:creationId xmlns:p14="http://schemas.microsoft.com/office/powerpoint/2010/main" val="3622778750"/>
+      </p:ext>
+    </p:extLst>
+  </p:cSld>
+  <p:clrMapOvr>
+    <a:masterClrMapping/>
+  </p:clrMapOvr>
+</p:sld>
+</file>
+
+<file path=ppt/slides/slide27.xml><?xml version="1.0" encoding="utf-8"?>
 <p:sld xmlns:a="http://schemas.openxmlformats.org/drawingml/2006/main" xmlns:r="http://schemas.openxmlformats.org/officeDocument/2006/relationships" xmlns:p="http://schemas.openxmlformats.org/presentationml/2006/main">
   <p:cSld>
     <p:spTree>
@@ -15928,7 +17356,7 @@
 </p:sld>
 </file>
 
-<file path=ppt/slides/slide13.xml><?xml version="1.0" encoding="utf-8"?>
+<file path=ppt/slides/slide28.xml><?xml version="1.0" encoding="utf-8"?>
 <p:sld xmlns:a="http://schemas.openxmlformats.org/drawingml/2006/main" xmlns:r="http://schemas.openxmlformats.org/officeDocument/2006/relationships" xmlns:p="http://schemas.openxmlformats.org/presentationml/2006/main">
   <p:cSld>
     <p:spTree>
@@ -15988,95 +17416,7 @@
 </p:sld>
 </file>
 
-<file path=ppt/slides/slide14.xml><?xml version="1.0" encoding="utf-8"?>
-<p:sld xmlns:a="http://schemas.openxmlformats.org/drawingml/2006/main" xmlns:r="http://schemas.openxmlformats.org/officeDocument/2006/relationships" xmlns:p="http://schemas.openxmlformats.org/presentationml/2006/main">
-  <p:cSld>
-    <p:spTree>
-      <p:nvGrpSpPr>
-        <p:cNvPr id="1" name=""/>
-        <p:cNvGrpSpPr/>
-        <p:nvPr/>
-      </p:nvGrpSpPr>
-      <p:grpSpPr>
-        <a:xfrm>
-          <a:off x="0" y="0"/>
-          <a:ext cx="0" cy="0"/>
-          <a:chOff x="0" y="0"/>
-          <a:chExt cx="0" cy="0"/>
-        </a:xfrm>
-      </p:grpSpPr>
-      <p:pic>
-        <p:nvPicPr>
-          <p:cNvPr id="2" name="Picture 1"/>
-          <p:cNvPicPr>
-            <a:picLocks noChangeAspect="1"/>
-          </p:cNvPicPr>
-          <p:nvPr/>
-        </p:nvPicPr>
-        <p:blipFill>
-          <a:blip r:embed="rId2">
-            <a:extLst>
-              <a:ext uri="{28A0092B-C50C-407E-A947-70E740481C1C}">
-                <a14:useLocalDpi xmlns:a14="http://schemas.microsoft.com/office/drawing/2010/main" val="0"/>
-              </a:ext>
-            </a:extLst>
-          </a:blip>
-          <a:stretch>
-            <a:fillRect/>
-          </a:stretch>
-        </p:blipFill>
-        <p:spPr>
-          <a:xfrm>
-            <a:off x="0" y="1501140"/>
-            <a:ext cx="11041039" cy="5356860"/>
-          </a:xfrm>
-          <a:prstGeom prst="rect">
-            <a:avLst/>
-          </a:prstGeom>
-        </p:spPr>
-      </p:pic>
-      <p:sp>
-        <p:nvSpPr>
-          <p:cNvPr id="3" name="Title 2"/>
-          <p:cNvSpPr>
-            <a:spLocks noGrp="1"/>
-          </p:cNvSpPr>
-          <p:nvPr>
-            <p:ph type="title"/>
-          </p:nvPr>
-        </p:nvSpPr>
-        <p:spPr>
-          <a:xfrm>
-            <a:off x="497597" y="137364"/>
-            <a:ext cx="9692640" cy="1363776"/>
-          </a:xfrm>
-        </p:spPr>
-        <p:txBody>
-          <a:bodyPr/>
-          <a:lstStyle/>
-          <a:p>
-            <a:r>
-              <a:rPr lang="en-US" dirty="0" smtClean="0"/>
-              <a:t>Sequence Diagram to add new address</a:t>
-            </a:r>
-            <a:endParaRPr lang="en-IN" dirty="0"/>
-          </a:p>
-        </p:txBody>
-      </p:sp>
-    </p:spTree>
-    <p:extLst>
-      <p:ext uri="{BB962C8B-B14F-4D97-AF65-F5344CB8AC3E}">
-        <p14:creationId xmlns:p14="http://schemas.microsoft.com/office/powerpoint/2010/main" val="2838350420"/>
-      </p:ext>
-    </p:extLst>
-  </p:cSld>
-  <p:clrMapOvr>
-    <a:masterClrMapping/>
-  </p:clrMapOvr>
-</p:sld>
-</file>
-
-<file path=ppt/slides/slide15.xml><?xml version="1.0" encoding="utf-8"?>
+<file path=ppt/slides/slide29.xml><?xml version="1.0" encoding="utf-8"?>
 <p:sld xmlns:a="http://schemas.openxmlformats.org/drawingml/2006/main" xmlns:r="http://schemas.openxmlformats.org/officeDocument/2006/relationships" xmlns:p="http://schemas.openxmlformats.org/presentationml/2006/main">
   <p:cSld>
     <p:spTree>
@@ -16136,7 +17476,80 @@
 </p:sld>
 </file>
 
-<file path=ppt/slides/slide16.xml><?xml version="1.0" encoding="utf-8"?>
+<file path=ppt/slides/slide3.xml><?xml version="1.0" encoding="utf-8"?>
+<p:sld xmlns:a="http://schemas.openxmlformats.org/drawingml/2006/main" xmlns:r="http://schemas.openxmlformats.org/officeDocument/2006/relationships" xmlns:p="http://schemas.openxmlformats.org/presentationml/2006/main">
+  <p:cSld>
+    <p:spTree>
+      <p:nvGrpSpPr>
+        <p:cNvPr id="1" name=""/>
+        <p:cNvGrpSpPr/>
+        <p:nvPr/>
+      </p:nvGrpSpPr>
+      <p:grpSpPr>
+        <a:xfrm>
+          <a:off x="0" y="0"/>
+          <a:ext cx="0" cy="0"/>
+          <a:chOff x="0" y="0"/>
+          <a:chExt cx="0" cy="0"/>
+        </a:xfrm>
+      </p:grpSpPr>
+      <p:sp>
+        <p:nvSpPr>
+          <p:cNvPr id="2" name="TextBox 1">
+            <a:extLst>
+              <a:ext uri="{FF2B5EF4-FFF2-40B4-BE49-F238E27FC236}">
+                <a16:creationId xmlns:a16="http://schemas.microsoft.com/office/drawing/2014/main" id="{F6892899-9A08-41DE-89A3-B541ED5B3284}"/>
+              </a:ext>
+            </a:extLst>
+          </p:cNvPr>
+          <p:cNvSpPr txBox="1"/>
+          <p:nvPr/>
+        </p:nvSpPr>
+        <p:spPr>
+          <a:xfrm>
+            <a:off x="2840965" y="3142891"/>
+            <a:ext cx="5489275" cy="769441"/>
+          </a:xfrm>
+          <a:prstGeom prst="rect">
+            <a:avLst/>
+          </a:prstGeom>
+          <a:noFill/>
+        </p:spPr>
+        <p:txBody>
+          <a:bodyPr rot="0" spcFirstLastPara="0" vertOverflow="overflow" horzOverflow="overflow" vert="horz" wrap="square" lIns="91440" tIns="45720" rIns="91440" bIns="45720" numCol="1" spcCol="0" rtlCol="0" fromWordArt="0" anchor="t" anchorCtr="0" forceAA="0" compatLnSpc="1">
+            <a:prstTxWarp prst="textNoShape">
+              <a:avLst/>
+            </a:prstTxWarp>
+            <a:spAutoFit/>
+          </a:bodyPr>
+          <a:lstStyle/>
+          <a:p>
+            <a:pPr algn="ctr"/>
+            <a:r>
+              <a:rPr lang="en-US" sz="4400" dirty="0">
+                <a:latin typeface="Century Schoolbook"/>
+                <a:ea typeface="+mj-lt"/>
+                <a:cs typeface="+mj-lt"/>
+              </a:rPr>
+              <a:t>Use Case Diagrams</a:t>
+            </a:r>
+          </a:p>
+        </p:txBody>
+      </p:sp>
+    </p:spTree>
+    <p:extLst>
+      <p:ext uri="{BB962C8B-B14F-4D97-AF65-F5344CB8AC3E}">
+        <p14:creationId xmlns:p14="http://schemas.microsoft.com/office/powerpoint/2010/main" val="4248889000"/>
+      </p:ext>
+    </p:extLst>
+  </p:cSld>
+  <p:clrMapOvr>
+    <a:masterClrMapping/>
+  </p:clrMapOvr>
+</p:sld>
+</file>
+
+<file path=ppt/slides/slide30.xml><?xml version="1.0" encoding="utf-8"?>
 <p:sld xmlns:a="http://schemas.openxmlformats.org/drawingml/2006/main" xmlns:r="http://schemas.openxmlformats.org/officeDocument/2006/relationships" xmlns:p="http://schemas.openxmlformats.org/presentationml/2006/main">
   <p:cSld>
     <p:spTree>
@@ -16196,185 +17609,7 @@
 </p:sld>
 </file>
 
-<file path=ppt/slides/slide17.xml><?xml version="1.0" encoding="utf-8"?>
-<p:sld xmlns:a="http://schemas.openxmlformats.org/drawingml/2006/main" xmlns:r="http://schemas.openxmlformats.org/officeDocument/2006/relationships" xmlns:p="http://schemas.openxmlformats.org/presentationml/2006/main">
-  <p:cSld>
-    <p:spTree>
-      <p:nvGrpSpPr>
-        <p:cNvPr id="1" name=""/>
-        <p:cNvGrpSpPr/>
-        <p:nvPr/>
-      </p:nvGrpSpPr>
-      <p:grpSpPr>
-        <a:xfrm>
-          <a:off x="0" y="0"/>
-          <a:ext cx="0" cy="0"/>
-          <a:chOff x="0" y="0"/>
-          <a:chExt cx="0" cy="0"/>
-        </a:xfrm>
-      </p:grpSpPr>
-      <p:sp>
-        <p:nvSpPr>
-          <p:cNvPr id="2" name="Title 1"/>
-          <p:cNvSpPr>
-            <a:spLocks noGrp="1"/>
-          </p:cNvSpPr>
-          <p:nvPr>
-            <p:ph type="title"/>
-          </p:nvPr>
-        </p:nvSpPr>
-        <p:spPr>
-          <a:xfrm>
-            <a:off x="1016212" y="0"/>
-            <a:ext cx="8619107" cy="985368"/>
-          </a:xfrm>
-        </p:spPr>
-        <p:txBody>
-          <a:bodyPr>
-            <a:normAutofit fontScale="90000"/>
-          </a:bodyPr>
-          <a:lstStyle/>
-          <a:p>
-            <a:r>
-              <a:rPr lang="en-US" dirty="0" smtClean="0"/>
-              <a:t>Sequence diagram for return order</a:t>
-            </a:r>
-            <a:endParaRPr lang="en-IN" dirty="0"/>
-          </a:p>
-        </p:txBody>
-      </p:sp>
-      <p:pic>
-        <p:nvPicPr>
-          <p:cNvPr id="3" name="Picture 2"/>
-          <p:cNvPicPr>
-            <a:picLocks noChangeAspect="1"/>
-          </p:cNvPicPr>
-          <p:nvPr/>
-        </p:nvPicPr>
-        <p:blipFill>
-          <a:blip r:embed="rId2">
-            <a:extLst>
-              <a:ext uri="{28A0092B-C50C-407E-A947-70E740481C1C}">
-                <a14:useLocalDpi xmlns:a14="http://schemas.microsoft.com/office/drawing/2010/main" val="0"/>
-              </a:ext>
-            </a:extLst>
-          </a:blip>
-          <a:stretch>
-            <a:fillRect/>
-          </a:stretch>
-        </p:blipFill>
-        <p:spPr>
-          <a:xfrm>
-            <a:off x="2399233" y="1351128"/>
-            <a:ext cx="7236086" cy="5609799"/>
-          </a:xfrm>
-          <a:prstGeom prst="rect">
-            <a:avLst/>
-          </a:prstGeom>
-        </p:spPr>
-      </p:pic>
-    </p:spTree>
-    <p:extLst>
-      <p:ext uri="{BB962C8B-B14F-4D97-AF65-F5344CB8AC3E}">
-        <p14:creationId xmlns:p14="http://schemas.microsoft.com/office/powerpoint/2010/main" val="2900698681"/>
-      </p:ext>
-    </p:extLst>
-  </p:cSld>
-  <p:clrMapOvr>
-    <a:masterClrMapping/>
-  </p:clrMapOvr>
-</p:sld>
-</file>
-
-<file path=ppt/slides/slide18.xml><?xml version="1.0" encoding="utf-8"?>
-<p:sld xmlns:a="http://schemas.openxmlformats.org/drawingml/2006/main" xmlns:r="http://schemas.openxmlformats.org/officeDocument/2006/relationships" xmlns:p="http://schemas.openxmlformats.org/presentationml/2006/main">
-  <p:cSld>
-    <p:spTree>
-      <p:nvGrpSpPr>
-        <p:cNvPr id="1" name=""/>
-        <p:cNvGrpSpPr/>
-        <p:nvPr/>
-      </p:nvGrpSpPr>
-      <p:grpSpPr>
-        <a:xfrm>
-          <a:off x="0" y="0"/>
-          <a:ext cx="0" cy="0"/>
-          <a:chOff x="0" y="0"/>
-          <a:chExt cx="0" cy="0"/>
-        </a:xfrm>
-      </p:grpSpPr>
-      <p:sp>
-        <p:nvSpPr>
-          <p:cNvPr id="2" name="Title 1"/>
-          <p:cNvSpPr>
-            <a:spLocks noGrp="1"/>
-          </p:cNvSpPr>
-          <p:nvPr>
-            <p:ph type="title"/>
-          </p:nvPr>
-        </p:nvSpPr>
-        <p:spPr>
-          <a:xfrm>
-            <a:off x="524893" y="0"/>
-            <a:ext cx="9014892" cy="914400"/>
-          </a:xfrm>
-        </p:spPr>
-        <p:txBody>
-          <a:bodyPr/>
-          <a:lstStyle/>
-          <a:p>
-            <a:r>
-              <a:rPr lang="en-US" dirty="0" smtClean="0"/>
-              <a:t>Sequence diagram to cancel order</a:t>
-            </a:r>
-            <a:endParaRPr lang="en-IN" dirty="0"/>
-          </a:p>
-        </p:txBody>
-      </p:sp>
-      <p:pic>
-        <p:nvPicPr>
-          <p:cNvPr id="3" name="Picture 2"/>
-          <p:cNvPicPr>
-            <a:picLocks noChangeAspect="1"/>
-          </p:cNvPicPr>
-          <p:nvPr/>
-        </p:nvPicPr>
-        <p:blipFill>
-          <a:blip r:embed="rId2">
-            <a:extLst>
-              <a:ext uri="{28A0092B-C50C-407E-A947-70E740481C1C}">
-                <a14:useLocalDpi xmlns:a14="http://schemas.microsoft.com/office/drawing/2010/main" val="0"/>
-              </a:ext>
-            </a:extLst>
-          </a:blip>
-          <a:stretch>
-            <a:fillRect/>
-          </a:stretch>
-        </p:blipFill>
-        <p:spPr>
-          <a:xfrm>
-            <a:off x="2510975" y="1323975"/>
-            <a:ext cx="6105525" cy="5534025"/>
-          </a:xfrm>
-          <a:prstGeom prst="rect">
-            <a:avLst/>
-          </a:prstGeom>
-        </p:spPr>
-      </p:pic>
-    </p:spTree>
-    <p:extLst>
-      <p:ext uri="{BB962C8B-B14F-4D97-AF65-F5344CB8AC3E}">
-        <p14:creationId xmlns:p14="http://schemas.microsoft.com/office/powerpoint/2010/main" val="1163380870"/>
-      </p:ext>
-    </p:extLst>
-  </p:cSld>
-  <p:clrMapOvr>
-    <a:masterClrMapping/>
-  </p:clrMapOvr>
-</p:sld>
-</file>
-
-<file path=ppt/slides/slide19.xml><?xml version="1.0" encoding="utf-8"?>
+<file path=ppt/slides/slide31.xml><?xml version="1.0" encoding="utf-8"?>
 <p:sld xmlns:a="http://schemas.openxmlformats.org/drawingml/2006/main" xmlns:r="http://schemas.openxmlformats.org/officeDocument/2006/relationships" xmlns:p="http://schemas.openxmlformats.org/presentationml/2006/main">
   <p:cSld>
     <p:spTree>
@@ -16419,7 +17654,6 @@
             <a:avLst/>
           </a:prstGeom>
           <a:noFill/>
-          <a:extLst/>
         </p:spPr>
       </p:pic>
     </p:spTree>
@@ -16435,7 +17669,7 @@
 </p:sld>
 </file>
 
-<file path=ppt/slides/slide2.xml><?xml version="1.0" encoding="utf-8"?>
+<file path=ppt/slides/slide32.xml><?xml version="1.0" encoding="utf-8"?>
 <p:sld xmlns:a="http://schemas.openxmlformats.org/drawingml/2006/main" xmlns:r="http://schemas.openxmlformats.org/officeDocument/2006/relationships" xmlns:p="http://schemas.openxmlformats.org/presentationml/2006/main">
   <p:cSld>
     <p:spTree>
@@ -16454,100 +17688,102 @@
       </p:grpSpPr>
       <p:sp>
         <p:nvSpPr>
-          <p:cNvPr id="2" name="Title 1"/>
-          <p:cNvSpPr>
-            <a:spLocks noGrp="1"/>
-          </p:cNvSpPr>
-          <p:nvPr>
-            <p:ph type="title"/>
-          </p:nvPr>
-        </p:nvSpPr>
-        <p:spPr/>
-        <p:txBody>
-          <a:bodyPr/>
-          <a:lstStyle/>
-          <a:p>
-            <a:r>
-              <a:rPr lang="en-US" dirty="0" smtClean="0"/>
-              <a:t>TEAM A</a:t>
-            </a:r>
-            <a:endParaRPr lang="en-IN" dirty="0"/>
-          </a:p>
-        </p:txBody>
-      </p:sp>
-      <p:sp>
-        <p:nvSpPr>
-          <p:cNvPr id="3" name="Content Placeholder 2"/>
-          <p:cNvSpPr>
-            <a:spLocks noGrp="1"/>
-          </p:cNvSpPr>
-          <p:nvPr>
-            <p:ph idx="1"/>
-          </p:nvPr>
+          <p:cNvPr id="3" name="Title 1">
+            <a:extLst>
+              <a:ext uri="{FF2B5EF4-FFF2-40B4-BE49-F238E27FC236}">
+                <a16:creationId xmlns:a16="http://schemas.microsoft.com/office/drawing/2014/main" id="{37253347-6ADB-46A0-9DBF-4039C14CE576}"/>
+              </a:ext>
+            </a:extLst>
+          </p:cNvPr>
+          <p:cNvSpPr txBox="1">
+            <a:spLocks/>
+          </p:cNvSpPr>
+          <p:nvPr/>
         </p:nvSpPr>
         <p:spPr>
           <a:xfrm>
-            <a:off x="5943602" y="1581940"/>
-            <a:ext cx="6248398" cy="5655156"/>
+            <a:off x="552189" y="270226"/>
+            <a:ext cx="8946653" cy="999016"/>
           </a:xfrm>
+          <a:prstGeom prst="rect">
+            <a:avLst/>
+          </a:prstGeom>
         </p:spPr>
         <p:txBody>
-          <a:bodyPr/>
-          <a:lstStyle/>
-          <a:p>
-            <a:r>
-              <a:rPr lang="en-US" dirty="0" smtClean="0"/>
-              <a:t>Madhuri Vemulapaty</a:t>
-            </a:r>
-          </a:p>
-          <a:p>
-            <a:r>
-              <a:rPr lang="en-US" dirty="0" smtClean="0"/>
-              <a:t>Ankush Agrawal</a:t>
-            </a:r>
-          </a:p>
-          <a:p>
-            <a:r>
-              <a:rPr lang="en-US" dirty="0" smtClean="0"/>
-              <a:t>Shreyash Pandey</a:t>
-            </a:r>
-          </a:p>
-          <a:p>
-            <a:r>
-              <a:rPr lang="en-US" dirty="0" smtClean="0"/>
-              <a:t>Sourav Maji</a:t>
-            </a:r>
-          </a:p>
-          <a:p>
-            <a:r>
-              <a:rPr lang="en-US" dirty="0" smtClean="0"/>
-              <a:t>Sarthak Lav</a:t>
-            </a:r>
-            <a:endParaRPr lang="en-IN" dirty="0"/>
-          </a:p>
-        </p:txBody>
-      </p:sp>
+          <a:bodyPr anchor="t">
+            <a:normAutofit fontScale="97500"/>
+          </a:bodyPr>
+          <a:lstStyle>
+            <a:lvl1pPr algn="l" defTabSz="914400" rtl="0" eaLnBrk="1" latinLnBrk="0" hangingPunct="1">
+              <a:lnSpc>
+                <a:spcPct val="90000"/>
+              </a:lnSpc>
+              <a:spcBef>
+                <a:spcPct val="0"/>
+              </a:spcBef>
+              <a:buNone/>
+              <a:defRPr sz="4400" kern="1200" spc="-50" baseline="0">
+                <a:solidFill>
+                  <a:schemeClr val="tx1"/>
+                </a:solidFill>
+                <a:latin typeface="+mj-lt"/>
+                <a:ea typeface="+mj-ea"/>
+                <a:cs typeface="+mj-cs"/>
+              </a:defRPr>
+            </a:lvl1pPr>
+          </a:lstStyle>
+          <a:p>
+            <a:r>
+              <a:rPr lang="en-US" dirty="0"/>
+              <a:t>Class Diagram - Return</a:t>
+            </a:r>
+          </a:p>
+        </p:txBody>
+      </p:sp>
+      <p:pic>
+        <p:nvPicPr>
+          <p:cNvPr id="4" name="Picture 4" descr="A screenshot of a cell phone&#10;&#10;Description generated with very high confidence">
+            <a:extLst>
+              <a:ext uri="{FF2B5EF4-FFF2-40B4-BE49-F238E27FC236}">
+                <a16:creationId xmlns:a16="http://schemas.microsoft.com/office/drawing/2014/main" id="{7CFE43C7-7BBF-4D48-A4B3-BCEC16F6A32D}"/>
+              </a:ext>
+            </a:extLst>
+          </p:cNvPr>
+          <p:cNvPicPr>
+            <a:picLocks noChangeAspect="1"/>
+          </p:cNvPicPr>
+          <p:nvPr/>
+        </p:nvPicPr>
+        <p:blipFill>
+          <a:blip r:embed="rId2"/>
+          <a:stretch>
+            <a:fillRect/>
+          </a:stretch>
+        </p:blipFill>
+        <p:spPr>
+          <a:xfrm>
+            <a:off x="1043796" y="1526310"/>
+            <a:ext cx="9759350" cy="5199980"/>
+          </a:xfrm>
+          <a:prstGeom prst="rect">
+            <a:avLst/>
+          </a:prstGeom>
+        </p:spPr>
+      </p:pic>
     </p:spTree>
     <p:extLst>
       <p:ext uri="{BB962C8B-B14F-4D97-AF65-F5344CB8AC3E}">
-        <p14:creationId xmlns:p14="http://schemas.microsoft.com/office/powerpoint/2010/main" val="2059928269"/>
+        <p14:creationId xmlns:p14="http://schemas.microsoft.com/office/powerpoint/2010/main" val="101269459"/>
       </p:ext>
     </p:extLst>
   </p:cSld>
   <p:clrMapOvr>
     <a:masterClrMapping/>
   </p:clrMapOvr>
-  <p:timing>
-    <p:tnLst>
-      <p:par>
-        <p:cTn id="1" dur="indefinite" restart="never" nodeType="tmRoot"/>
-      </p:par>
-    </p:tnLst>
-  </p:timing>
 </p:sld>
 </file>
 
-<file path=ppt/slides/slide20.xml><?xml version="1.0" encoding="utf-8"?>
+<file path=ppt/slides/slide33.xml><?xml version="1.0" encoding="utf-8"?>
 <p:sld xmlns:a="http://schemas.openxmlformats.org/drawingml/2006/main" xmlns:r="http://schemas.openxmlformats.org/officeDocument/2006/relationships" xmlns:p="http://schemas.openxmlformats.org/presentationml/2006/main">
   <p:cSld>
     <p:spTree>
@@ -16566,56 +17802,82 @@
       </p:grpSpPr>
       <p:sp>
         <p:nvSpPr>
-          <p:cNvPr id="2" name="Title 1"/>
-          <p:cNvSpPr>
-            <a:spLocks noGrp="1"/>
-          </p:cNvSpPr>
-          <p:nvPr>
-            <p:ph type="title"/>
-          </p:nvPr>
+          <p:cNvPr id="3" name="Title 1">
+            <a:extLst>
+              <a:ext uri="{FF2B5EF4-FFF2-40B4-BE49-F238E27FC236}">
+                <a16:creationId xmlns:a16="http://schemas.microsoft.com/office/drawing/2014/main" id="{0D1D2A9B-5639-4E99-9B07-EB0E03928507}"/>
+              </a:ext>
+            </a:extLst>
+          </p:cNvPr>
+          <p:cNvSpPr txBox="1">
+            <a:spLocks/>
+          </p:cNvSpPr>
+          <p:nvPr/>
         </p:nvSpPr>
         <p:spPr>
           <a:xfrm>
-            <a:off x="0" y="0"/>
-            <a:ext cx="9692640" cy="1325562"/>
+            <a:off x="552189" y="270226"/>
+            <a:ext cx="8946653" cy="999016"/>
           </a:xfrm>
+          <a:prstGeom prst="rect">
+            <a:avLst/>
+          </a:prstGeom>
         </p:spPr>
         <p:txBody>
-          <a:bodyPr/>
-          <a:lstStyle/>
-          <a:p>
-            <a:r>
-              <a:rPr lang="en-US" dirty="0" smtClean="0"/>
-              <a:t>Activity diagram to update retailer</a:t>
-            </a:r>
-            <a:endParaRPr lang="en-IN" dirty="0"/>
+          <a:bodyPr anchor="t">
+            <a:normAutofit fontScale="97500"/>
+          </a:bodyPr>
+          <a:lstStyle>
+            <a:lvl1pPr algn="l" defTabSz="914400" rtl="0" eaLnBrk="1" latinLnBrk="0" hangingPunct="1">
+              <a:lnSpc>
+                <a:spcPct val="90000"/>
+              </a:lnSpc>
+              <a:spcBef>
+                <a:spcPct val="0"/>
+              </a:spcBef>
+              <a:buNone/>
+              <a:defRPr sz="4400" kern="1200" spc="-50" baseline="0">
+                <a:solidFill>
+                  <a:schemeClr val="tx1"/>
+                </a:solidFill>
+                <a:latin typeface="+mj-lt"/>
+                <a:ea typeface="+mj-ea"/>
+                <a:cs typeface="+mj-cs"/>
+              </a:defRPr>
+            </a:lvl1pPr>
+          </a:lstStyle>
+          <a:p>
+            <a:r>
+              <a:rPr lang="en-US" dirty="0"/>
+              <a:t>Class Diagram – Return Details</a:t>
+            </a:r>
           </a:p>
         </p:txBody>
       </p:sp>
       <p:pic>
         <p:nvPicPr>
-          <p:cNvPr id="3" name="Picture 2"/>
+          <p:cNvPr id="4" name="Picture 4" descr="A screenshot of a cell phone&#10;&#10;Description generated with very high confidence">
+            <a:extLst>
+              <a:ext uri="{FF2B5EF4-FFF2-40B4-BE49-F238E27FC236}">
+                <a16:creationId xmlns:a16="http://schemas.microsoft.com/office/drawing/2014/main" id="{F3755189-6D96-4A8C-8A57-23EEB7695F27}"/>
+              </a:ext>
+            </a:extLst>
+          </p:cNvPr>
           <p:cNvPicPr>
             <a:picLocks noChangeAspect="1"/>
           </p:cNvPicPr>
           <p:nvPr/>
         </p:nvPicPr>
         <p:blipFill>
-          <a:blip r:embed="rId2">
-            <a:extLst>
-              <a:ext uri="{28A0092B-C50C-407E-A947-70E740481C1C}">
-                <a14:useLocalDpi xmlns:a14="http://schemas.microsoft.com/office/drawing/2010/main" val="0"/>
-              </a:ext>
-            </a:extLst>
-          </a:blip>
+          <a:blip r:embed="rId2"/>
           <a:stretch>
             <a:fillRect/>
           </a:stretch>
         </p:blipFill>
         <p:spPr>
           <a:xfrm>
-            <a:off x="2832714" y="1364776"/>
-            <a:ext cx="6526572" cy="5493224"/>
+            <a:off x="342900" y="1176647"/>
+            <a:ext cx="10693879" cy="5431206"/>
           </a:xfrm>
           <a:prstGeom prst="rect">
             <a:avLst/>
@@ -16625,7 +17887,7 @@
     </p:spTree>
     <p:extLst>
       <p:ext uri="{BB962C8B-B14F-4D97-AF65-F5344CB8AC3E}">
-        <p14:creationId xmlns:p14="http://schemas.microsoft.com/office/powerpoint/2010/main" val="2143256067"/>
+        <p14:creationId xmlns:p14="http://schemas.microsoft.com/office/powerpoint/2010/main" val="2765753398"/>
       </p:ext>
     </p:extLst>
   </p:cSld>
@@ -16635,7 +17897,7 @@
 </p:sld>
 </file>
 
-<file path=ppt/slides/slide21.xml><?xml version="1.0" encoding="utf-8"?>
+<file path=ppt/slides/slide34.xml><?xml version="1.0" encoding="utf-8"?>
 <p:sld xmlns:a="http://schemas.openxmlformats.org/drawingml/2006/main" xmlns:r="http://schemas.openxmlformats.org/officeDocument/2006/relationships" xmlns:p="http://schemas.openxmlformats.org/presentationml/2006/main">
   <p:cSld>
     <p:spTree>
@@ -16652,85 +17914,10 @@
           <a:chExt cx="0" cy="0"/>
         </a:xfrm>
       </p:grpSpPr>
-      <p:sp>
-        <p:nvSpPr>
-          <p:cNvPr id="2" name="Title 1"/>
-          <p:cNvSpPr>
-            <a:spLocks noGrp="1"/>
-          </p:cNvSpPr>
-          <p:nvPr>
-            <p:ph type="title"/>
-          </p:nvPr>
-        </p:nvSpPr>
-        <p:spPr>
-          <a:xfrm>
-            <a:off x="552189" y="270226"/>
-            <a:ext cx="8946653" cy="999016"/>
-          </a:xfrm>
-        </p:spPr>
-        <p:txBody>
-          <a:bodyPr>
-            <a:normAutofit fontScale="90000"/>
-          </a:bodyPr>
-          <a:lstStyle/>
-          <a:p>
-            <a:r>
-              <a:rPr lang="en-US" dirty="0" smtClean="0"/>
-              <a:t>Sequence diagram </a:t>
-            </a:r>
-            <a:r>
-              <a:rPr lang="en-US" dirty="0"/>
-              <a:t>to update retailer</a:t>
-            </a:r>
-            <a:endParaRPr lang="en-IN" dirty="0"/>
-          </a:p>
-        </p:txBody>
-      </p:sp>
-      <p:pic>
-        <p:nvPicPr>
-          <p:cNvPr id="1026" name="Picture 2" descr="https://raw.githubusercontent.com/gitbestsou/Great-Outdoors/master/UpdateSequenceRetailer.png"/>
-          <p:cNvPicPr>
-            <a:picLocks noChangeAspect="1" noChangeArrowheads="1"/>
-          </p:cNvPicPr>
-          <p:nvPr/>
-        </p:nvPicPr>
-        <p:blipFill>
-          <a:blip r:embed="rId2">
-            <a:extLst>
-              <a:ext uri="{28A0092B-C50C-407E-A947-70E740481C1C}">
-                <a14:useLocalDpi xmlns:a14="http://schemas.microsoft.com/office/drawing/2010/main" val="0"/>
-              </a:ext>
-            </a:extLst>
-          </a:blip>
-          <a:srcRect/>
-          <a:stretch>
-            <a:fillRect/>
-          </a:stretch>
-        </p:blipFill>
-        <p:spPr bwMode="auto">
-          <a:xfrm>
-            <a:off x="1411169" y="1691322"/>
-            <a:ext cx="7737823" cy="4777717"/>
-          </a:xfrm>
-          <a:prstGeom prst="rect">
-            <a:avLst/>
-          </a:prstGeom>
-          <a:noFill/>
-          <a:extLst>
-            <a:ext uri="{909E8E84-426E-40DD-AFC4-6F175D3DCCD1}">
-              <a14:hiddenFill xmlns:a14="http://schemas.microsoft.com/office/drawing/2010/main">
-                <a:solidFill>
-                  <a:srgbClr val="FFFFFF"/>
-                </a:solidFill>
-              </a14:hiddenFill>
-            </a:ext>
-          </a:extLst>
-        </p:spPr>
-      </p:pic>
     </p:spTree>
     <p:extLst>
       <p:ext uri="{BB962C8B-B14F-4D97-AF65-F5344CB8AC3E}">
-        <p14:creationId xmlns:p14="http://schemas.microsoft.com/office/powerpoint/2010/main" val="78674341"/>
+        <p14:creationId xmlns:p14="http://schemas.microsoft.com/office/powerpoint/2010/main" val="3203061967"/>
       </p:ext>
     </p:extLst>
   </p:cSld>
@@ -16740,7 +17927,347 @@
 </p:sld>
 </file>
 
-<file path=ppt/slides/slide3.xml><?xml version="1.0" encoding="utf-8"?>
+<file path=ppt/slides/slide4.xml><?xml version="1.0" encoding="utf-8"?>
+<p:sld xmlns:a="http://schemas.openxmlformats.org/drawingml/2006/main" xmlns:r="http://schemas.openxmlformats.org/officeDocument/2006/relationships" xmlns:p="http://schemas.openxmlformats.org/presentationml/2006/main">
+  <p:cSld>
+    <p:spTree>
+      <p:nvGrpSpPr>
+        <p:cNvPr id="1" name=""/>
+        <p:cNvGrpSpPr/>
+        <p:nvPr/>
+      </p:nvGrpSpPr>
+      <p:grpSpPr>
+        <a:xfrm>
+          <a:off x="0" y="0"/>
+          <a:ext cx="0" cy="0"/>
+          <a:chOff x="0" y="0"/>
+          <a:chExt cx="0" cy="0"/>
+        </a:xfrm>
+      </p:grpSpPr>
+      <p:pic>
+        <p:nvPicPr>
+          <p:cNvPr id="2" name="Picture 1" descr="A close up of a map&#10;&#10;Description generated with high confidence">
+            <a:extLst>
+              <a:ext uri="{FF2B5EF4-FFF2-40B4-BE49-F238E27FC236}">
+                <a16:creationId xmlns:a16="http://schemas.microsoft.com/office/drawing/2014/main" id="{2CBA1176-2A8C-4BE9-99DB-2AE56931C657}"/>
+              </a:ext>
+            </a:extLst>
+          </p:cNvPr>
+          <p:cNvPicPr>
+            <a:picLocks noChangeAspect="1"/>
+          </p:cNvPicPr>
+          <p:nvPr/>
+        </p:nvPicPr>
+        <p:blipFill>
+          <a:blip r:embed="rId2"/>
+          <a:stretch>
+            <a:fillRect/>
+          </a:stretch>
+        </p:blipFill>
+        <p:spPr>
+          <a:xfrm>
+            <a:off x="1777366" y="592700"/>
+            <a:ext cx="7890294" cy="6265300"/>
+          </a:xfrm>
+          <a:prstGeom prst="rect">
+            <a:avLst/>
+          </a:prstGeom>
+        </p:spPr>
+      </p:pic>
+      <p:sp>
+        <p:nvSpPr>
+          <p:cNvPr id="11" name="Title 10"/>
+          <p:cNvSpPr>
+            <a:spLocks noGrp="1"/>
+          </p:cNvSpPr>
+          <p:nvPr>
+            <p:ph type="title"/>
+          </p:nvPr>
+        </p:nvSpPr>
+        <p:spPr>
+          <a:xfrm>
+            <a:off x="-24980" y="0"/>
+            <a:ext cx="9692640" cy="642982"/>
+          </a:xfrm>
+        </p:spPr>
+        <p:txBody>
+          <a:bodyPr>
+            <a:normAutofit fontScale="90000"/>
+          </a:bodyPr>
+          <a:lstStyle/>
+          <a:p>
+            <a:r>
+              <a:rPr lang="en-IN" dirty="0"/>
+              <a:t>Use Case Diagram - Admin</a:t>
+            </a:r>
+          </a:p>
+        </p:txBody>
+      </p:sp>
+    </p:spTree>
+    <p:extLst>
+      <p:ext uri="{BB962C8B-B14F-4D97-AF65-F5344CB8AC3E}">
+        <p14:creationId xmlns:p14="http://schemas.microsoft.com/office/powerpoint/2010/main" val="2792168885"/>
+      </p:ext>
+    </p:extLst>
+  </p:cSld>
+  <p:clrMapOvr>
+    <a:masterClrMapping/>
+  </p:clrMapOvr>
+</p:sld>
+</file>
+
+<file path=ppt/slides/slide5.xml><?xml version="1.0" encoding="utf-8"?>
+<p:sld xmlns:a="http://schemas.openxmlformats.org/drawingml/2006/main" xmlns:r="http://schemas.openxmlformats.org/officeDocument/2006/relationships" xmlns:p="http://schemas.openxmlformats.org/presentationml/2006/main">
+  <p:cSld>
+    <p:spTree>
+      <p:nvGrpSpPr>
+        <p:cNvPr id="1" name=""/>
+        <p:cNvGrpSpPr/>
+        <p:nvPr/>
+      </p:nvGrpSpPr>
+      <p:grpSpPr>
+        <a:xfrm>
+          <a:off x="0" y="0"/>
+          <a:ext cx="0" cy="0"/>
+          <a:chOff x="0" y="0"/>
+          <a:chExt cx="0" cy="0"/>
+        </a:xfrm>
+      </p:grpSpPr>
+      <p:pic>
+        <p:nvPicPr>
+          <p:cNvPr id="2" name="Picture 1" descr="A close up of a map&#10;&#10;Description generated with high confidence">
+            <a:extLst>
+              <a:ext uri="{FF2B5EF4-FFF2-40B4-BE49-F238E27FC236}">
+                <a16:creationId xmlns:a16="http://schemas.microsoft.com/office/drawing/2014/main" id="{262376CC-5C18-41A2-8E11-40AD854DFE4C}"/>
+              </a:ext>
+            </a:extLst>
+          </p:cNvPr>
+          <p:cNvPicPr>
+            <a:picLocks noChangeAspect="1"/>
+          </p:cNvPicPr>
+          <p:nvPr/>
+        </p:nvPicPr>
+        <p:blipFill>
+          <a:blip r:embed="rId2"/>
+          <a:stretch>
+            <a:fillRect/>
+          </a:stretch>
+        </p:blipFill>
+        <p:spPr>
+          <a:xfrm>
+            <a:off x="2107722" y="602786"/>
+            <a:ext cx="7976556" cy="5652429"/>
+          </a:xfrm>
+          <a:prstGeom prst="rect">
+            <a:avLst/>
+          </a:prstGeom>
+        </p:spPr>
+      </p:pic>
+      <p:sp>
+        <p:nvSpPr>
+          <p:cNvPr id="3" name="Title 2"/>
+          <p:cNvSpPr>
+            <a:spLocks noGrp="1"/>
+          </p:cNvSpPr>
+          <p:nvPr>
+            <p:ph type="title"/>
+          </p:nvPr>
+        </p:nvSpPr>
+        <p:spPr>
+          <a:xfrm>
+            <a:off x="0" y="44805"/>
+            <a:ext cx="9692640" cy="557981"/>
+          </a:xfrm>
+        </p:spPr>
+        <p:txBody>
+          <a:bodyPr>
+            <a:normAutofit fontScale="90000"/>
+          </a:bodyPr>
+          <a:lstStyle/>
+          <a:p>
+            <a:r>
+              <a:rPr lang="en-IN" dirty="0"/>
+              <a:t>Use Case Diagram – Salesperson</a:t>
+            </a:r>
+          </a:p>
+        </p:txBody>
+      </p:sp>
+    </p:spTree>
+    <p:extLst>
+      <p:ext uri="{BB962C8B-B14F-4D97-AF65-F5344CB8AC3E}">
+        <p14:creationId xmlns:p14="http://schemas.microsoft.com/office/powerpoint/2010/main" val="115615782"/>
+      </p:ext>
+    </p:extLst>
+  </p:cSld>
+  <p:clrMapOvr>
+    <a:masterClrMapping/>
+  </p:clrMapOvr>
+</p:sld>
+</file>
+
+<file path=ppt/slides/slide6.xml><?xml version="1.0" encoding="utf-8"?>
+<p:sld xmlns:a="http://schemas.openxmlformats.org/drawingml/2006/main" xmlns:r="http://schemas.openxmlformats.org/officeDocument/2006/relationships" xmlns:p="http://schemas.openxmlformats.org/presentationml/2006/main">
+  <p:cSld>
+    <p:spTree>
+      <p:nvGrpSpPr>
+        <p:cNvPr id="1" name=""/>
+        <p:cNvGrpSpPr/>
+        <p:nvPr/>
+      </p:nvGrpSpPr>
+      <p:grpSpPr>
+        <a:xfrm>
+          <a:off x="0" y="0"/>
+          <a:ext cx="0" cy="0"/>
+          <a:chOff x="0" y="0"/>
+          <a:chExt cx="0" cy="0"/>
+        </a:xfrm>
+      </p:grpSpPr>
+      <p:pic>
+        <p:nvPicPr>
+          <p:cNvPr id="2" name="Picture 1" descr="A close up of a map&#10;&#10;Description generated with high confidence">
+            <a:extLst>
+              <a:ext uri="{FF2B5EF4-FFF2-40B4-BE49-F238E27FC236}">
+                <a16:creationId xmlns:a16="http://schemas.microsoft.com/office/drawing/2014/main" id="{99EDCDC5-0C2B-4A72-AC70-4FBC0D1550DC}"/>
+              </a:ext>
+            </a:extLst>
+          </p:cNvPr>
+          <p:cNvPicPr>
+            <a:picLocks noChangeAspect="1"/>
+          </p:cNvPicPr>
+          <p:nvPr/>
+        </p:nvPicPr>
+        <p:blipFill>
+          <a:blip r:embed="rId2"/>
+          <a:stretch>
+            <a:fillRect/>
+          </a:stretch>
+        </p:blipFill>
+        <p:spPr>
+          <a:xfrm>
+            <a:off x="2467155" y="622825"/>
+            <a:ext cx="7257690" cy="5612350"/>
+          </a:xfrm>
+          <a:prstGeom prst="rect">
+            <a:avLst/>
+          </a:prstGeom>
+        </p:spPr>
+      </p:pic>
+      <p:sp>
+        <p:nvSpPr>
+          <p:cNvPr id="4" name="Title 3"/>
+          <p:cNvSpPr>
+            <a:spLocks noGrp="1"/>
+          </p:cNvSpPr>
+          <p:nvPr>
+            <p:ph type="title"/>
+          </p:nvPr>
+        </p:nvSpPr>
+        <p:spPr>
+          <a:xfrm>
+            <a:off x="0" y="0"/>
+            <a:ext cx="9692640" cy="673891"/>
+          </a:xfrm>
+        </p:spPr>
+        <p:txBody>
+          <a:bodyPr>
+            <a:normAutofit fontScale="90000"/>
+          </a:bodyPr>
+          <a:lstStyle/>
+          <a:p>
+            <a:r>
+              <a:rPr lang="en-IN" dirty="0"/>
+              <a:t>Use Case Diagram - Retailer</a:t>
+            </a:r>
+          </a:p>
+        </p:txBody>
+      </p:sp>
+    </p:spTree>
+    <p:extLst>
+      <p:ext uri="{BB962C8B-B14F-4D97-AF65-F5344CB8AC3E}">
+        <p14:creationId xmlns:p14="http://schemas.microsoft.com/office/powerpoint/2010/main" val="1290007998"/>
+      </p:ext>
+    </p:extLst>
+  </p:cSld>
+  <p:clrMapOvr>
+    <a:masterClrMapping/>
+  </p:clrMapOvr>
+</p:sld>
+</file>
+
+<file path=ppt/slides/slide7.xml><?xml version="1.0" encoding="utf-8"?>
+<p:sld xmlns:a="http://schemas.openxmlformats.org/drawingml/2006/main" xmlns:r="http://schemas.openxmlformats.org/officeDocument/2006/relationships" xmlns:p="http://schemas.openxmlformats.org/presentationml/2006/main">
+  <p:cSld>
+    <p:spTree>
+      <p:nvGrpSpPr>
+        <p:cNvPr id="1" name=""/>
+        <p:cNvGrpSpPr/>
+        <p:nvPr/>
+      </p:nvGrpSpPr>
+      <p:grpSpPr>
+        <a:xfrm>
+          <a:off x="0" y="0"/>
+          <a:ext cx="0" cy="0"/>
+          <a:chOff x="0" y="0"/>
+          <a:chExt cx="0" cy="0"/>
+        </a:xfrm>
+      </p:grpSpPr>
+      <p:sp>
+        <p:nvSpPr>
+          <p:cNvPr id="3" name="TextBox 2">
+            <a:extLst>
+              <a:ext uri="{FF2B5EF4-FFF2-40B4-BE49-F238E27FC236}">
+                <a16:creationId xmlns:a16="http://schemas.microsoft.com/office/drawing/2014/main" id="{EB026274-A7E9-48F4-AE1D-2E0C75F0F709}"/>
+              </a:ext>
+            </a:extLst>
+          </p:cNvPr>
+          <p:cNvSpPr txBox="1"/>
+          <p:nvPr/>
+        </p:nvSpPr>
+        <p:spPr>
+          <a:xfrm>
+            <a:off x="2840965" y="3142891"/>
+            <a:ext cx="5489275" cy="769441"/>
+          </a:xfrm>
+          <a:prstGeom prst="rect">
+            <a:avLst/>
+          </a:prstGeom>
+          <a:noFill/>
+        </p:spPr>
+        <p:txBody>
+          <a:bodyPr rot="0" spcFirstLastPara="0" vertOverflow="overflow" horzOverflow="overflow" vert="horz" wrap="square" lIns="91440" tIns="45720" rIns="91440" bIns="45720" numCol="1" spcCol="0" rtlCol="0" fromWordArt="0" anchor="t" anchorCtr="0" forceAA="0" compatLnSpc="1">
+            <a:prstTxWarp prst="textNoShape">
+              <a:avLst/>
+            </a:prstTxWarp>
+            <a:spAutoFit/>
+          </a:bodyPr>
+          <a:lstStyle/>
+          <a:p>
+            <a:pPr algn="ctr"/>
+            <a:r>
+              <a:rPr lang="en-US" sz="4400" dirty="0">
+                <a:latin typeface="Century Schoolbook"/>
+                <a:ea typeface="+mj-lt"/>
+                <a:cs typeface="+mj-lt"/>
+              </a:rPr>
+              <a:t>ER Diagram</a:t>
+            </a:r>
+          </a:p>
+        </p:txBody>
+      </p:sp>
+    </p:spTree>
+    <p:extLst>
+      <p:ext uri="{BB962C8B-B14F-4D97-AF65-F5344CB8AC3E}">
+        <p14:creationId xmlns:p14="http://schemas.microsoft.com/office/powerpoint/2010/main" val="2131089455"/>
+      </p:ext>
+    </p:extLst>
+  </p:cSld>
+  <p:clrMapOvr>
+    <a:masterClrMapping/>
+  </p:clrMapOvr>
+</p:sld>
+</file>
+
+<file path=ppt/slides/slide8.xml><?xml version="1.0" encoding="utf-8"?>
 <p:sld xmlns:a="http://schemas.openxmlformats.org/drawingml/2006/main" xmlns:r="http://schemas.openxmlformats.org/officeDocument/2006/relationships" xmlns:p="http://schemas.openxmlformats.org/presentationml/2006/main">
   <p:cSld>
     <p:spTree>
@@ -16800,537 +18327,6 @@
 </p:sld>
 </file>
 
-<file path=ppt/slides/slide4.xml><?xml version="1.0" encoding="utf-8"?>
-<p:sld xmlns:a="http://schemas.openxmlformats.org/drawingml/2006/main" xmlns:r="http://schemas.openxmlformats.org/officeDocument/2006/relationships" xmlns:p="http://schemas.openxmlformats.org/presentationml/2006/main">
-  <p:cSld>
-    <p:spTree>
-      <p:nvGrpSpPr>
-        <p:cNvPr id="1" name=""/>
-        <p:cNvGrpSpPr/>
-        <p:nvPr/>
-      </p:nvGrpSpPr>
-      <p:grpSpPr>
-        <a:xfrm>
-          <a:off x="0" y="0"/>
-          <a:ext cx="0" cy="0"/>
-          <a:chOff x="0" y="0"/>
-          <a:chExt cx="0" cy="0"/>
-        </a:xfrm>
-      </p:grpSpPr>
-      <p:sp>
-        <p:nvSpPr>
-          <p:cNvPr id="2" name="Title 1"/>
-          <p:cNvSpPr>
-            <a:spLocks noGrp="1"/>
-          </p:cNvSpPr>
-          <p:nvPr>
-            <p:ph type="title"/>
-          </p:nvPr>
-        </p:nvSpPr>
-        <p:spPr/>
-        <p:txBody>
-          <a:bodyPr>
-            <a:normAutofit/>
-          </a:bodyPr>
-          <a:lstStyle/>
-          <a:p>
-            <a:pPr algn="ctr"/>
-            <a:r>
-              <a:rPr lang="en-IN" dirty="0" smtClean="0">
-                <a:latin typeface="Times New Roman" panose="02020603050405020304" pitchFamily="18" charset="0"/>
-                <a:cs typeface="Times New Roman" panose="02020603050405020304" pitchFamily="18" charset="0"/>
-              </a:rPr>
-              <a:t>EPIC – Salesman should upload offline orders</a:t>
-            </a:r>
-            <a:endParaRPr lang="en-IN" dirty="0">
-              <a:latin typeface="Times New Roman" panose="02020603050405020304" pitchFamily="18" charset="0"/>
-              <a:cs typeface="Times New Roman" panose="02020603050405020304" pitchFamily="18" charset="0"/>
-            </a:endParaRPr>
-          </a:p>
-        </p:txBody>
-      </p:sp>
-      <p:sp>
-        <p:nvSpPr>
-          <p:cNvPr id="3" name="Content Placeholder 2"/>
-          <p:cNvSpPr>
-            <a:spLocks noGrp="1"/>
-          </p:cNvSpPr>
-          <p:nvPr>
-            <p:ph idx="1"/>
-          </p:nvPr>
-        </p:nvSpPr>
-        <p:spPr/>
-        <p:txBody>
-          <a:bodyPr>
-            <a:normAutofit/>
-          </a:bodyPr>
-          <a:lstStyle/>
-          <a:p>
-            <a:pPr marL="0" indent="0">
-              <a:buNone/>
-            </a:pPr>
-            <a:endParaRPr lang="en-IN" dirty="0">
-              <a:latin typeface="Times New Roman" panose="02020603050405020304" pitchFamily="18" charset="0"/>
-              <a:cs typeface="Times New Roman" panose="02020603050405020304" pitchFamily="18" charset="0"/>
-            </a:endParaRPr>
-          </a:p>
-          <a:p>
-            <a:pPr marL="0" indent="0">
-              <a:buNone/>
-            </a:pPr>
-            <a:r>
-              <a:rPr lang="en-IN" u="sng" dirty="0" smtClean="0">
-                <a:latin typeface="Times New Roman" panose="02020603050405020304" pitchFamily="18" charset="0"/>
-                <a:cs typeface="Times New Roman" panose="02020603050405020304" pitchFamily="18" charset="0"/>
-              </a:rPr>
-              <a:t>User Stories:</a:t>
-            </a:r>
-            <a:endParaRPr lang="en-IN" dirty="0">
-              <a:latin typeface="Times New Roman" panose="02020603050405020304" pitchFamily="18" charset="0"/>
-              <a:cs typeface="Times New Roman" panose="02020603050405020304" pitchFamily="18" charset="0"/>
-            </a:endParaRPr>
-          </a:p>
-          <a:p>
-            <a:r>
-              <a:rPr lang="en-IN" dirty="0" smtClean="0">
-                <a:latin typeface="Times New Roman" panose="02020603050405020304" pitchFamily="18" charset="0"/>
-                <a:cs typeface="Times New Roman" panose="02020603050405020304" pitchFamily="18" charset="0"/>
-              </a:rPr>
-              <a:t>Salesman should be able to upload order details like product ID, name and quantity along with discount and total price.</a:t>
-            </a:r>
-          </a:p>
-          <a:p>
-            <a:r>
-              <a:rPr lang="en-IN" dirty="0" smtClean="0">
-                <a:latin typeface="Times New Roman" panose="02020603050405020304" pitchFamily="18" charset="0"/>
-                <a:cs typeface="Times New Roman" panose="02020603050405020304" pitchFamily="18" charset="0"/>
-              </a:rPr>
-              <a:t>Salesman should be able to view uploaded sales.</a:t>
-            </a:r>
-            <a:endParaRPr lang="en-IN" dirty="0">
-              <a:latin typeface="Times New Roman" panose="02020603050405020304" pitchFamily="18" charset="0"/>
-              <a:cs typeface="Times New Roman" panose="02020603050405020304" pitchFamily="18" charset="0"/>
-            </a:endParaRPr>
-          </a:p>
-        </p:txBody>
-      </p:sp>
-    </p:spTree>
-    <p:extLst>
-      <p:ext uri="{BB962C8B-B14F-4D97-AF65-F5344CB8AC3E}">
-        <p14:creationId xmlns:p14="http://schemas.microsoft.com/office/powerpoint/2010/main" val="2617270424"/>
-      </p:ext>
-    </p:extLst>
-  </p:cSld>
-  <p:clrMapOvr>
-    <a:masterClrMapping/>
-  </p:clrMapOvr>
-  <p:timing>
-    <p:tnLst>
-      <p:par>
-        <p:cTn id="1" dur="indefinite" restart="never" nodeType="tmRoot"/>
-      </p:par>
-    </p:tnLst>
-  </p:timing>
-</p:sld>
-</file>
-
-<file path=ppt/slides/slide5.xml><?xml version="1.0" encoding="utf-8"?>
-<p:sld xmlns:a="http://schemas.openxmlformats.org/drawingml/2006/main" xmlns:r="http://schemas.openxmlformats.org/officeDocument/2006/relationships" xmlns:p="http://schemas.openxmlformats.org/presentationml/2006/main">
-  <p:cSld>
-    <p:spTree>
-      <p:nvGrpSpPr>
-        <p:cNvPr id="1" name=""/>
-        <p:cNvGrpSpPr/>
-        <p:nvPr/>
-      </p:nvGrpSpPr>
-      <p:grpSpPr>
-        <a:xfrm>
-          <a:off x="0" y="0"/>
-          <a:ext cx="0" cy="0"/>
-          <a:chOff x="0" y="0"/>
-          <a:chExt cx="0" cy="0"/>
-        </a:xfrm>
-      </p:grpSpPr>
-      <p:pic>
-        <p:nvPicPr>
-          <p:cNvPr id="2" name="Picture 1" descr="A close up of a map&#10;&#10;Description generated with high confidence">
-            <a:extLst>
-              <a:ext uri="{FF2B5EF4-FFF2-40B4-BE49-F238E27FC236}">
-                <a16:creationId xmlns="" xmlns:a16="http://schemas.microsoft.com/office/drawing/2014/main" xmlns:lc="http://schemas.openxmlformats.org/drawingml/2006/lockedCanvas" id="{2CBA1176-2A8C-4BE9-99DB-2AE56931C657}"/>
-              </a:ext>
-            </a:extLst>
-          </p:cNvPr>
-          <p:cNvPicPr>
-            <a:picLocks noChangeAspect="1"/>
-          </p:cNvPicPr>
-          <p:nvPr/>
-        </p:nvPicPr>
-        <p:blipFill>
-          <a:blip r:embed="rId2"/>
-          <a:stretch>
-            <a:fillRect/>
-          </a:stretch>
-        </p:blipFill>
-        <p:spPr>
-          <a:xfrm>
-            <a:off x="1777366" y="592700"/>
-            <a:ext cx="7890294" cy="6265300"/>
-          </a:xfrm>
-          <a:prstGeom prst="rect">
-            <a:avLst/>
-          </a:prstGeom>
-        </p:spPr>
-      </p:pic>
-      <p:sp>
-        <p:nvSpPr>
-          <p:cNvPr id="11" name="Title 10"/>
-          <p:cNvSpPr>
-            <a:spLocks noGrp="1"/>
-          </p:cNvSpPr>
-          <p:nvPr>
-            <p:ph type="title"/>
-          </p:nvPr>
-        </p:nvSpPr>
-        <p:spPr>
-          <a:xfrm>
-            <a:off x="-24980" y="0"/>
-            <a:ext cx="9692640" cy="642982"/>
-          </a:xfrm>
-        </p:spPr>
-        <p:txBody>
-          <a:bodyPr>
-            <a:normAutofit fontScale="90000"/>
-          </a:bodyPr>
-          <a:lstStyle/>
-          <a:p>
-            <a:r>
-              <a:rPr lang="en-IN" dirty="0" smtClean="0"/>
-              <a:t>Use Case Diagram - Admin</a:t>
-            </a:r>
-            <a:endParaRPr lang="en-IN" dirty="0"/>
-          </a:p>
-        </p:txBody>
-      </p:sp>
-    </p:spTree>
-    <p:extLst>
-      <p:ext uri="{BB962C8B-B14F-4D97-AF65-F5344CB8AC3E}">
-        <p14:creationId xmlns:p14="http://schemas.microsoft.com/office/powerpoint/2010/main" val="2792168885"/>
-      </p:ext>
-    </p:extLst>
-  </p:cSld>
-  <p:clrMapOvr>
-    <a:masterClrMapping/>
-  </p:clrMapOvr>
-  <p:timing>
-    <p:tnLst>
-      <p:par>
-        <p:cTn id="1" dur="indefinite" restart="never" nodeType="tmRoot"/>
-      </p:par>
-    </p:tnLst>
-  </p:timing>
-</p:sld>
-</file>
-
-<file path=ppt/slides/slide6.xml><?xml version="1.0" encoding="utf-8"?>
-<p:sld xmlns:a="http://schemas.openxmlformats.org/drawingml/2006/main" xmlns:r="http://schemas.openxmlformats.org/officeDocument/2006/relationships" xmlns:p="http://schemas.openxmlformats.org/presentationml/2006/main">
-  <p:cSld>
-    <p:spTree>
-      <p:nvGrpSpPr>
-        <p:cNvPr id="1" name=""/>
-        <p:cNvGrpSpPr/>
-        <p:nvPr/>
-      </p:nvGrpSpPr>
-      <p:grpSpPr>
-        <a:xfrm>
-          <a:off x="0" y="0"/>
-          <a:ext cx="0" cy="0"/>
-          <a:chOff x="0" y="0"/>
-          <a:chExt cx="0" cy="0"/>
-        </a:xfrm>
-      </p:grpSpPr>
-      <p:pic>
-        <p:nvPicPr>
-          <p:cNvPr id="2" name="Picture 1" descr="A close up of a map&#10;&#10;Description generated with high confidence">
-            <a:extLst>
-              <a:ext uri="{FF2B5EF4-FFF2-40B4-BE49-F238E27FC236}">
-                <a16:creationId xmlns="" xmlns:a16="http://schemas.microsoft.com/office/drawing/2014/main" xmlns:lc="http://schemas.openxmlformats.org/drawingml/2006/lockedCanvas" id="{262376CC-5C18-41A2-8E11-40AD854DFE4C}"/>
-              </a:ext>
-            </a:extLst>
-          </p:cNvPr>
-          <p:cNvPicPr>
-            <a:picLocks noChangeAspect="1"/>
-          </p:cNvPicPr>
-          <p:nvPr/>
-        </p:nvPicPr>
-        <p:blipFill>
-          <a:blip r:embed="rId2"/>
-          <a:stretch>
-            <a:fillRect/>
-          </a:stretch>
-        </p:blipFill>
-        <p:spPr>
-          <a:xfrm>
-            <a:off x="2107722" y="602786"/>
-            <a:ext cx="7976556" cy="5652429"/>
-          </a:xfrm>
-          <a:prstGeom prst="rect">
-            <a:avLst/>
-          </a:prstGeom>
-        </p:spPr>
-      </p:pic>
-      <p:sp>
-        <p:nvSpPr>
-          <p:cNvPr id="3" name="Title 2"/>
-          <p:cNvSpPr>
-            <a:spLocks noGrp="1"/>
-          </p:cNvSpPr>
-          <p:nvPr>
-            <p:ph type="title"/>
-          </p:nvPr>
-        </p:nvSpPr>
-        <p:spPr>
-          <a:xfrm>
-            <a:off x="0" y="44805"/>
-            <a:ext cx="9692640" cy="557981"/>
-          </a:xfrm>
-        </p:spPr>
-        <p:txBody>
-          <a:bodyPr>
-            <a:normAutofit fontScale="90000"/>
-          </a:bodyPr>
-          <a:lstStyle/>
-          <a:p>
-            <a:r>
-              <a:rPr lang="en-IN" dirty="0" smtClean="0"/>
-              <a:t>Use Case </a:t>
-            </a:r>
-            <a:r>
-              <a:rPr lang="en-IN" dirty="0"/>
-              <a:t>D</a:t>
-            </a:r>
-            <a:r>
-              <a:rPr lang="en-IN" dirty="0" smtClean="0"/>
-              <a:t>iagram – Salesperson</a:t>
-            </a:r>
-            <a:endParaRPr lang="en-IN" dirty="0"/>
-          </a:p>
-        </p:txBody>
-      </p:sp>
-    </p:spTree>
-    <p:extLst>
-      <p:ext uri="{BB962C8B-B14F-4D97-AF65-F5344CB8AC3E}">
-        <p14:creationId xmlns:p14="http://schemas.microsoft.com/office/powerpoint/2010/main" val="115615782"/>
-      </p:ext>
-    </p:extLst>
-  </p:cSld>
-  <p:clrMapOvr>
-    <a:masterClrMapping/>
-  </p:clrMapOvr>
-  <p:timing>
-    <p:tnLst>
-      <p:par>
-        <p:cTn id="1" dur="indefinite" restart="never" nodeType="tmRoot"/>
-      </p:par>
-    </p:tnLst>
-  </p:timing>
-</p:sld>
-</file>
-
-<file path=ppt/slides/slide7.xml><?xml version="1.0" encoding="utf-8"?>
-<p:sld xmlns:a="http://schemas.openxmlformats.org/drawingml/2006/main" xmlns:r="http://schemas.openxmlformats.org/officeDocument/2006/relationships" xmlns:p="http://schemas.openxmlformats.org/presentationml/2006/main">
-  <p:cSld>
-    <p:spTree>
-      <p:nvGrpSpPr>
-        <p:cNvPr id="1" name=""/>
-        <p:cNvGrpSpPr/>
-        <p:nvPr/>
-      </p:nvGrpSpPr>
-      <p:grpSpPr>
-        <a:xfrm>
-          <a:off x="0" y="0"/>
-          <a:ext cx="0" cy="0"/>
-          <a:chOff x="0" y="0"/>
-          <a:chExt cx="0" cy="0"/>
-        </a:xfrm>
-      </p:grpSpPr>
-      <p:pic>
-        <p:nvPicPr>
-          <p:cNvPr id="2" name="Picture 1" descr="A close up of a map&#10;&#10;Description generated with high confidence">
-            <a:extLst>
-              <a:ext uri="{FF2B5EF4-FFF2-40B4-BE49-F238E27FC236}">
-                <a16:creationId xmlns="" xmlns:a16="http://schemas.microsoft.com/office/drawing/2014/main" xmlns:lc="http://schemas.openxmlformats.org/drawingml/2006/lockedCanvas" id="{99EDCDC5-0C2B-4A72-AC70-4FBC0D1550DC}"/>
-              </a:ext>
-            </a:extLst>
-          </p:cNvPr>
-          <p:cNvPicPr>
-            <a:picLocks noChangeAspect="1"/>
-          </p:cNvPicPr>
-          <p:nvPr/>
-        </p:nvPicPr>
-        <p:blipFill>
-          <a:blip r:embed="rId2"/>
-          <a:stretch>
-            <a:fillRect/>
-          </a:stretch>
-        </p:blipFill>
-        <p:spPr>
-          <a:xfrm>
-            <a:off x="2467155" y="622825"/>
-            <a:ext cx="7257690" cy="5612350"/>
-          </a:xfrm>
-          <a:prstGeom prst="rect">
-            <a:avLst/>
-          </a:prstGeom>
-        </p:spPr>
-      </p:pic>
-      <p:sp>
-        <p:nvSpPr>
-          <p:cNvPr id="4" name="Title 3"/>
-          <p:cNvSpPr>
-            <a:spLocks noGrp="1"/>
-          </p:cNvSpPr>
-          <p:nvPr>
-            <p:ph type="title"/>
-          </p:nvPr>
-        </p:nvSpPr>
-        <p:spPr>
-          <a:xfrm>
-            <a:off x="0" y="0"/>
-            <a:ext cx="9692640" cy="673891"/>
-          </a:xfrm>
-        </p:spPr>
-        <p:txBody>
-          <a:bodyPr>
-            <a:normAutofit fontScale="90000"/>
-          </a:bodyPr>
-          <a:lstStyle/>
-          <a:p>
-            <a:r>
-              <a:rPr lang="en-IN" dirty="0" smtClean="0"/>
-              <a:t>Use Case </a:t>
-            </a:r>
-            <a:r>
-              <a:rPr lang="en-IN" dirty="0"/>
-              <a:t>D</a:t>
-            </a:r>
-            <a:r>
-              <a:rPr lang="en-IN" dirty="0" smtClean="0"/>
-              <a:t>iagram - Retailer</a:t>
-            </a:r>
-            <a:endParaRPr lang="en-IN" dirty="0"/>
-          </a:p>
-        </p:txBody>
-      </p:sp>
-    </p:spTree>
-    <p:extLst>
-      <p:ext uri="{BB962C8B-B14F-4D97-AF65-F5344CB8AC3E}">
-        <p14:creationId xmlns:p14="http://schemas.microsoft.com/office/powerpoint/2010/main" val="1290007998"/>
-      </p:ext>
-    </p:extLst>
-  </p:cSld>
-  <p:clrMapOvr>
-    <a:masterClrMapping/>
-  </p:clrMapOvr>
-  <p:timing>
-    <p:tnLst>
-      <p:par>
-        <p:cTn id="1" dur="indefinite" restart="never" nodeType="tmRoot"/>
-      </p:par>
-    </p:tnLst>
-  </p:timing>
-</p:sld>
-</file>
-
-<file path=ppt/slides/slide8.xml><?xml version="1.0" encoding="utf-8"?>
-<p:sld xmlns:a="http://schemas.openxmlformats.org/drawingml/2006/main" xmlns:r="http://schemas.openxmlformats.org/officeDocument/2006/relationships" xmlns:p="http://schemas.openxmlformats.org/presentationml/2006/main">
-  <p:cSld>
-    <p:spTree>
-      <p:nvGrpSpPr>
-        <p:cNvPr id="1" name=""/>
-        <p:cNvGrpSpPr/>
-        <p:nvPr/>
-      </p:nvGrpSpPr>
-      <p:grpSpPr>
-        <a:xfrm>
-          <a:off x="0" y="0"/>
-          <a:ext cx="0" cy="0"/>
-          <a:chOff x="0" y="0"/>
-          <a:chExt cx="0" cy="0"/>
-        </a:xfrm>
-      </p:grpSpPr>
-      <p:pic>
-        <p:nvPicPr>
-          <p:cNvPr id="2" name="Picture 1"/>
-          <p:cNvPicPr>
-            <a:picLocks noChangeAspect="1"/>
-          </p:cNvPicPr>
-          <p:nvPr/>
-        </p:nvPicPr>
-        <p:blipFill>
-          <a:blip r:embed="rId2">
-            <a:extLst>
-              <a:ext uri="{28A0092B-C50C-407E-A947-70E740481C1C}">
-                <a14:useLocalDpi xmlns:a14="http://schemas.microsoft.com/office/drawing/2010/main" val="0"/>
-              </a:ext>
-            </a:extLst>
-          </a:blip>
-          <a:stretch>
-            <a:fillRect/>
-          </a:stretch>
-        </p:blipFill>
-        <p:spPr>
-          <a:xfrm>
-            <a:off x="573206" y="926756"/>
-            <a:ext cx="9608025" cy="5931244"/>
-          </a:xfrm>
-          <a:prstGeom prst="rect">
-            <a:avLst/>
-          </a:prstGeom>
-        </p:spPr>
-      </p:pic>
-      <p:sp>
-        <p:nvSpPr>
-          <p:cNvPr id="3" name="Title 2"/>
-          <p:cNvSpPr>
-            <a:spLocks noGrp="1"/>
-          </p:cNvSpPr>
-          <p:nvPr>
-            <p:ph type="title"/>
-          </p:nvPr>
-        </p:nvSpPr>
-        <p:spPr>
-          <a:xfrm>
-            <a:off x="1261872" y="365760"/>
-            <a:ext cx="8196027" cy="726061"/>
-          </a:xfrm>
-        </p:spPr>
-        <p:txBody>
-          <a:bodyPr>
-            <a:noAutofit/>
-          </a:bodyPr>
-          <a:lstStyle/>
-          <a:p>
-            <a:r>
-              <a:rPr lang="en-US" sz="3600" dirty="0" smtClean="0"/>
-              <a:t>Sequence diagram to upload offline order</a:t>
-            </a:r>
-            <a:endParaRPr lang="en-IN" sz="3600" dirty="0"/>
-          </a:p>
-        </p:txBody>
-      </p:sp>
-    </p:spTree>
-    <p:extLst>
-      <p:ext uri="{BB962C8B-B14F-4D97-AF65-F5344CB8AC3E}">
-        <p14:creationId xmlns:p14="http://schemas.microsoft.com/office/powerpoint/2010/main" val="4163016142"/>
-      </p:ext>
-    </p:extLst>
-  </p:cSld>
-  <p:clrMapOvr>
-    <a:masterClrMapping/>
-  </p:clrMapOvr>
-</p:sld>
-</file>
-
 <file path=ppt/slides/slide9.xml><?xml version="1.0" encoding="utf-8"?>
 <p:sld xmlns:a="http://schemas.openxmlformats.org/drawingml/2006/main" xmlns:r="http://schemas.openxmlformats.org/officeDocument/2006/relationships" xmlns:p="http://schemas.openxmlformats.org/presentationml/2006/main">
   <p:cSld>
@@ -17348,63 +18344,53 @@
           <a:chExt cx="0" cy="0"/>
         </a:xfrm>
       </p:grpSpPr>
-      <p:pic>
-        <p:nvPicPr>
-          <p:cNvPr id="2" name="Picture 1"/>
-          <p:cNvPicPr>
-            <a:picLocks noChangeAspect="1"/>
-          </p:cNvPicPr>
-          <p:nvPr/>
-        </p:nvPicPr>
-        <p:blipFill>
-          <a:blip r:embed="rId2">
+      <p:sp>
+        <p:nvSpPr>
+          <p:cNvPr id="3" name="TextBox 2">
             <a:extLst>
-              <a:ext uri="{28A0092B-C50C-407E-A947-70E740481C1C}">
-                <a14:useLocalDpi xmlns:a14="http://schemas.microsoft.com/office/drawing/2010/main" val="0"/>
+              <a:ext uri="{FF2B5EF4-FFF2-40B4-BE49-F238E27FC236}">
+                <a16:creationId xmlns:a16="http://schemas.microsoft.com/office/drawing/2014/main" id="{93E5992D-5482-43B8-8070-DD982CFE0DF3}"/>
               </a:ext>
             </a:extLst>
-          </a:blip>
-          <a:stretch>
-            <a:fillRect/>
-          </a:stretch>
-        </p:blipFill>
+          </p:cNvPr>
+          <p:cNvSpPr txBox="1"/>
+          <p:nvPr/>
+        </p:nvSpPr>
         <p:spPr>
           <a:xfrm>
-            <a:off x="360006" y="1261271"/>
-            <a:ext cx="10653120" cy="4772186"/>
+            <a:off x="2840965" y="3142891"/>
+            <a:ext cx="5489275" cy="769441"/>
           </a:xfrm>
           <a:prstGeom prst="rect">
             <a:avLst/>
           </a:prstGeom>
+          <a:noFill/>
         </p:spPr>
-      </p:pic>
-      <p:sp>
-        <p:nvSpPr>
-          <p:cNvPr id="3" name="Title 2"/>
-          <p:cNvSpPr>
-            <a:spLocks noGrp="1"/>
-          </p:cNvSpPr>
-          <p:nvPr>
-            <p:ph type="title"/>
-          </p:nvPr>
-        </p:nvSpPr>
-        <p:spPr/>
-        <p:txBody>
-          <a:bodyPr/>
+        <p:txBody>
+          <a:bodyPr rot="0" spcFirstLastPara="0" vertOverflow="overflow" horzOverflow="overflow" vert="horz" wrap="square" lIns="91440" tIns="45720" rIns="91440" bIns="45720" numCol="1" spcCol="0" rtlCol="0" fromWordArt="0" anchor="t" anchorCtr="0" forceAA="0" compatLnSpc="1">
+            <a:prstTxWarp prst="textNoShape">
+              <a:avLst/>
+            </a:prstTxWarp>
+            <a:spAutoFit/>
+          </a:bodyPr>
           <a:lstStyle/>
           <a:p>
-            <a:r>
-              <a:rPr lang="en-US" dirty="0" smtClean="0"/>
-              <a:t>Activity diagram to upload offline order</a:t>
-            </a:r>
-            <a:endParaRPr lang="en-IN" dirty="0"/>
+            <a:pPr algn="ctr"/>
+            <a:r>
+              <a:rPr lang="en-US" sz="4400" dirty="0">
+                <a:latin typeface="Century Schoolbook"/>
+                <a:ea typeface="+mj-lt"/>
+                <a:cs typeface="+mj-lt"/>
+              </a:rPr>
+              <a:t>Sequence Diagrams</a:t>
+            </a:r>
           </a:p>
         </p:txBody>
       </p:sp>
     </p:spTree>
     <p:extLst>
       <p:ext uri="{BB962C8B-B14F-4D97-AF65-F5344CB8AC3E}">
-        <p14:creationId xmlns:p14="http://schemas.microsoft.com/office/powerpoint/2010/main" val="984437915"/>
+        <p14:creationId xmlns:p14="http://schemas.microsoft.com/office/powerpoint/2010/main" val="3018130974"/>
       </p:ext>
     </p:extLst>
   </p:cSld>

--- a/GreatOutdoors-Team A.pptx
+++ b/GreatOutdoors-Team A.pptx
@@ -10,38 +10,46 @@
   <p:sldIdLst>
     <p:sldId id="256" r:id="rId5"/>
     <p:sldId id="257" r:id="rId6"/>
-    <p:sldId id="284" r:id="rId7"/>
+    <p:sldId id="289" r:id="rId7"/>
     <p:sldId id="258" r:id="rId8"/>
     <p:sldId id="259" r:id="rId9"/>
     <p:sldId id="260" r:id="rId10"/>
-    <p:sldId id="285" r:id="rId11"/>
+    <p:sldId id="288" r:id="rId11"/>
     <p:sldId id="274" r:id="rId12"/>
-    <p:sldId id="289" r:id="rId13"/>
-    <p:sldId id="263" r:id="rId14"/>
-    <p:sldId id="264" r:id="rId15"/>
-    <p:sldId id="269" r:id="rId16"/>
-    <p:sldId id="277" r:id="rId17"/>
-    <p:sldId id="272" r:id="rId18"/>
-    <p:sldId id="273" r:id="rId19"/>
-    <p:sldId id="290" r:id="rId20"/>
-    <p:sldId id="265" r:id="rId21"/>
-    <p:sldId id="266" r:id="rId22"/>
-    <p:sldId id="276" r:id="rId23"/>
-    <p:sldId id="278" r:id="rId24"/>
-    <p:sldId id="279" r:id="rId25"/>
-    <p:sldId id="287" r:id="rId26"/>
-    <p:sldId id="262" r:id="rId27"/>
-    <p:sldId id="282" r:id="rId28"/>
-    <p:sldId id="283" r:id="rId29"/>
-    <p:sldId id="286" r:id="rId30"/>
-    <p:sldId id="267" r:id="rId31"/>
-    <p:sldId id="268" r:id="rId32"/>
-    <p:sldId id="270" r:id="rId33"/>
-    <p:sldId id="271" r:id="rId34"/>
-    <p:sldId id="275" r:id="rId35"/>
-    <p:sldId id="280" r:id="rId36"/>
-    <p:sldId id="281" r:id="rId37"/>
-    <p:sldId id="288" r:id="rId38"/>
+    <p:sldId id="291" r:id="rId13"/>
+    <p:sldId id="262" r:id="rId14"/>
+    <p:sldId id="263" r:id="rId15"/>
+    <p:sldId id="265" r:id="rId16"/>
+    <p:sldId id="278" r:id="rId17"/>
+    <p:sldId id="264" r:id="rId18"/>
+    <p:sldId id="266" r:id="rId19"/>
+    <p:sldId id="267" r:id="rId20"/>
+    <p:sldId id="268" r:id="rId21"/>
+    <p:sldId id="292" r:id="rId22"/>
+    <p:sldId id="279" r:id="rId23"/>
+    <p:sldId id="300" r:id="rId24"/>
+    <p:sldId id="269" r:id="rId25"/>
+    <p:sldId id="297" r:id="rId26"/>
+    <p:sldId id="270" r:id="rId27"/>
+    <p:sldId id="271" r:id="rId28"/>
+    <p:sldId id="293" r:id="rId29"/>
+    <p:sldId id="280" r:id="rId30"/>
+    <p:sldId id="272" r:id="rId31"/>
+    <p:sldId id="284" r:id="rId32"/>
+    <p:sldId id="281" r:id="rId33"/>
+    <p:sldId id="273" r:id="rId34"/>
+    <p:sldId id="285" r:id="rId35"/>
+    <p:sldId id="287" r:id="rId36"/>
+    <p:sldId id="286" r:id="rId37"/>
+    <p:sldId id="294" r:id="rId38"/>
+    <p:sldId id="282" r:id="rId39"/>
+    <p:sldId id="276" r:id="rId40"/>
+    <p:sldId id="277" r:id="rId41"/>
+    <p:sldId id="275" r:id="rId42"/>
+    <p:sldId id="298" r:id="rId43"/>
+    <p:sldId id="301" r:id="rId44"/>
+    <p:sldId id="299" r:id="rId45"/>
+    <p:sldId id="295" r:id="rId46"/>
   </p:sldIdLst>
   <p:sldSz cx="12192000" cy="6858000"/>
   <p:notesSz cx="6858000" cy="9144000"/>
@@ -148,14 +156,6 @@
 </p:presentation>
 </file>
 
-<file path=ppt/revisionInfo.xml><?xml version="1.0" encoding="utf-8"?>
-<p1510:revInfo xmlns:a="http://schemas.openxmlformats.org/drawingml/2006/main" xmlns:r="http://schemas.openxmlformats.org/officeDocument/2006/relationships" xmlns:p1510="http://schemas.microsoft.com/office/powerpoint/2015/10/main">
-  <p1510:revLst>
-    <p1510:client id="{48BBC7A6-ED70-4D09-B48A-2E7631EB7523}" v="345" dt="2019-10-16T19:34:16.074"/>
-  </p1510:revLst>
-</p1510:revInfo>
-</file>
-
 <file path=ppt/slideLayouts/slideLayout1.xml><?xml version="1.0" encoding="utf-8"?>
 <p:sldLayout xmlns:a="http://schemas.openxmlformats.org/drawingml/2006/main" xmlns:r="http://schemas.openxmlformats.org/officeDocument/2006/relationships" xmlns:p="http://schemas.openxmlformats.org/presentationml/2006/main" showMasterSp="0" type="title" preserve="1">
   <p:cSld name="Title Slide">
@@ -409,7 +409,7 @@
           </a:lstStyle>
           <a:p>
             <a:r>
-              <a:rPr lang="en-US"/>
+              <a:rPr lang="en-US" smtClean="0"/>
               <a:t>Click to edit Master title style</a:t>
             </a:r>
             <a:endParaRPr lang="en-US" dirty="0"/>
@@ -486,7 +486,7 @@
           </a:lstStyle>
           <a:p>
             <a:r>
-              <a:rPr lang="en-US"/>
+              <a:rPr lang="en-US" smtClean="0"/>
               <a:t>Click to edit Master subtitle style</a:t>
             </a:r>
             <a:endParaRPr lang="en-US" dirty="0"/>
@@ -523,7 +523,7 @@
           <a:p>
             <a:fld id="{098A657A-EBD1-4E77-8896-55A16BF08872}" type="datetimeFigureOut">
               <a:rPr lang="en-IN" smtClean="0"/>
-              <a:t>16-10-2019</a:t>
+              <a:t>17-10-2019</a:t>
             </a:fld>
             <a:endParaRPr lang="en-IN"/>
           </a:p>
@@ -642,7 +642,7 @@
   <p:clrMapOvr>
     <a:overrideClrMapping bg1="dk1" tx1="lt1" bg2="dk2" tx2="lt2" accent1="accent1" accent2="accent2" accent3="accent3" accent4="accent4" accent5="accent5" accent6="accent6" hlink="hlink" folHlink="folHlink"/>
   </p:clrMapOvr>
-  <p:extLst>
+  <p:extLst mod="1">
     <p:ext uri="{DCECCB84-F9BA-43D5-87BE-67443E8EF086}">
       <p15:sldGuideLst xmlns:p15="http://schemas.microsoft.com/office/powerpoint/2012/main">
         <p15:guide id="1" orient="horz" pos="792">
@@ -689,7 +689,7 @@
           <a:lstStyle/>
           <a:p>
             <a:r>
-              <a:rPr lang="en-US"/>
+              <a:rPr lang="en-US" smtClean="0"/>
               <a:t>Click to edit Master title style</a:t>
             </a:r>
             <a:endParaRPr lang="en-US" dirty="0"/>
@@ -718,35 +718,35 @@
           <a:p>
             <a:pPr lvl="0"/>
             <a:r>
-              <a:rPr lang="en-US"/>
+              <a:rPr lang="en-US" smtClean="0"/>
               <a:t>Click to edit Master text styles</a:t>
             </a:r>
           </a:p>
           <a:p>
             <a:pPr lvl="1"/>
             <a:r>
-              <a:rPr lang="en-US"/>
+              <a:rPr lang="en-US" smtClean="0"/>
               <a:t>Second level</a:t>
             </a:r>
           </a:p>
           <a:p>
             <a:pPr lvl="2"/>
             <a:r>
-              <a:rPr lang="en-US"/>
+              <a:rPr lang="en-US" smtClean="0"/>
               <a:t>Third level</a:t>
             </a:r>
           </a:p>
           <a:p>
             <a:pPr lvl="3"/>
             <a:r>
-              <a:rPr lang="en-US"/>
+              <a:rPr lang="en-US" smtClean="0"/>
               <a:t>Fourth level</a:t>
             </a:r>
           </a:p>
           <a:p>
             <a:pPr lvl="4"/>
             <a:r>
-              <a:rPr lang="en-US"/>
+              <a:rPr lang="en-US" smtClean="0"/>
               <a:t>Fifth level</a:t>
             </a:r>
             <a:endParaRPr lang="en-US" dirty="0"/>
@@ -770,7 +770,7 @@
           <a:p>
             <a:fld id="{098A657A-EBD1-4E77-8896-55A16BF08872}" type="datetimeFigureOut">
               <a:rPr lang="en-IN" smtClean="0"/>
-              <a:t>16-10-2019</a:t>
+              <a:t>17-10-2019</a:t>
             </a:fld>
             <a:endParaRPr lang="en-IN"/>
           </a:p>
@@ -1070,7 +1070,7 @@
           </a:lstStyle>
           <a:p>
             <a:r>
-              <a:rPr lang="en-US"/>
+              <a:rPr lang="en-US" smtClean="0"/>
               <a:t>Click to edit Master title style</a:t>
             </a:r>
             <a:endParaRPr lang="en-US" dirty="0"/>
@@ -1099,35 +1099,35 @@
           <a:p>
             <a:pPr lvl="0"/>
             <a:r>
-              <a:rPr lang="en-US"/>
+              <a:rPr lang="en-US" smtClean="0"/>
               <a:t>Click to edit Master text styles</a:t>
             </a:r>
           </a:p>
           <a:p>
             <a:pPr lvl="1"/>
             <a:r>
-              <a:rPr lang="en-US"/>
+              <a:rPr lang="en-US" smtClean="0"/>
               <a:t>Second level</a:t>
             </a:r>
           </a:p>
           <a:p>
             <a:pPr lvl="2"/>
             <a:r>
-              <a:rPr lang="en-US"/>
+              <a:rPr lang="en-US" smtClean="0"/>
               <a:t>Third level</a:t>
             </a:r>
           </a:p>
           <a:p>
             <a:pPr lvl="3"/>
             <a:r>
-              <a:rPr lang="en-US"/>
+              <a:rPr lang="en-US" smtClean="0"/>
               <a:t>Fourth level</a:t>
             </a:r>
           </a:p>
           <a:p>
             <a:pPr lvl="4"/>
             <a:r>
-              <a:rPr lang="en-US"/>
+              <a:rPr lang="en-US" smtClean="0"/>
               <a:t>Fifth level</a:t>
             </a:r>
             <a:endParaRPr lang="en-US" dirty="0"/>
@@ -1156,7 +1156,7 @@
           <a:p>
             <a:fld id="{098A657A-EBD1-4E77-8896-55A16BF08872}" type="datetimeFigureOut">
               <a:rPr lang="en-IN" smtClean="0"/>
-              <a:t>16-10-2019</a:t>
+              <a:t>17-10-2019</a:t>
             </a:fld>
             <a:endParaRPr lang="en-IN"/>
           </a:p>
@@ -1262,7 +1262,7 @@
   <p:clrMapOvr>
     <a:masterClrMapping/>
   </p:clrMapOvr>
-  <p:extLst>
+  <p:extLst mod="1">
     <p:ext uri="{DCECCB84-F9BA-43D5-87BE-67443E8EF086}">
       <p15:sldGuideLst xmlns:p15="http://schemas.microsoft.com/office/powerpoint/2012/main">
         <p15:guide id="1" pos="6456">
@@ -1337,7 +1337,7 @@
           </a:lstStyle>
           <a:p>
             <a:r>
-              <a:rPr lang="en-US"/>
+              <a:rPr lang="en-US" smtClean="0"/>
               <a:t>Click to edit Master title style</a:t>
             </a:r>
             <a:endParaRPr lang="en-US" dirty="0"/>
@@ -1410,7 +1410,7 @@
           </a:lstStyle>
           <a:p>
             <a:r>
-              <a:rPr lang="en-US"/>
+              <a:rPr lang="en-US" smtClean="0"/>
               <a:t>Click to edit Master subtitle style</a:t>
             </a:r>
             <a:endParaRPr lang="en-US" dirty="0"/>
@@ -1451,7 +1451,7 @@
                 </a:solidFill>
               </a:rPr>
               <a:pPr/>
-              <a:t>16-10-2019</a:t>
+              <a:t>17-10-2019</a:t>
             </a:fld>
             <a:endParaRPr lang="en-IN">
               <a:solidFill>
@@ -1633,7 +1633,7 @@
           <a:lstStyle/>
           <a:p>
             <a:r>
-              <a:rPr lang="en-US"/>
+              <a:rPr lang="en-US" smtClean="0"/>
               <a:t>Click to edit Master title style</a:t>
             </a:r>
             <a:endParaRPr lang="en-US" dirty="0"/>
@@ -1657,35 +1657,35 @@
           <a:p>
             <a:pPr lvl="0"/>
             <a:r>
-              <a:rPr lang="en-US"/>
+              <a:rPr lang="en-US" smtClean="0"/>
               <a:t>Click to edit Master text styles</a:t>
             </a:r>
           </a:p>
           <a:p>
             <a:pPr lvl="1"/>
             <a:r>
-              <a:rPr lang="en-US"/>
+              <a:rPr lang="en-US" smtClean="0"/>
               <a:t>Second level</a:t>
             </a:r>
           </a:p>
           <a:p>
             <a:pPr lvl="2"/>
             <a:r>
-              <a:rPr lang="en-US"/>
+              <a:rPr lang="en-US" smtClean="0"/>
               <a:t>Third level</a:t>
             </a:r>
           </a:p>
           <a:p>
             <a:pPr lvl="3"/>
             <a:r>
-              <a:rPr lang="en-US"/>
+              <a:rPr lang="en-US" smtClean="0"/>
               <a:t>Fourth level</a:t>
             </a:r>
           </a:p>
           <a:p>
             <a:pPr lvl="4"/>
             <a:r>
-              <a:rPr lang="en-US"/>
+              <a:rPr lang="en-US" smtClean="0"/>
               <a:t>Fifth level</a:t>
             </a:r>
             <a:endParaRPr lang="en-US" dirty="0"/>
@@ -1717,7 +1717,7 @@
                 </a:solidFill>
               </a:rPr>
               <a:pPr/>
-              <a:t>16-10-2019</a:t>
+              <a:t>17-10-2019</a:t>
             </a:fld>
             <a:endParaRPr lang="en-IN">
               <a:solidFill>
@@ -1854,7 +1854,7 @@
           </a:lstStyle>
           <a:p>
             <a:r>
-              <a:rPr lang="en-US"/>
+              <a:rPr lang="en-US" smtClean="0"/>
               <a:t>Click to edit Master title style</a:t>
             </a:r>
             <a:endParaRPr lang="en-US" dirty="0"/>
@@ -1977,7 +1977,7 @@
           <a:p>
             <a:pPr lvl="0"/>
             <a:r>
-              <a:rPr lang="en-US"/>
+              <a:rPr lang="en-US" smtClean="0"/>
               <a:t>Click to edit Master text styles</a:t>
             </a:r>
           </a:p>
@@ -2008,7 +2008,7 @@
                 </a:solidFill>
               </a:rPr>
               <a:pPr/>
-              <a:t>16-10-2019</a:t>
+              <a:t>17-10-2019</a:t>
             </a:fld>
             <a:endParaRPr lang="en-IN">
               <a:solidFill>
@@ -2174,7 +2174,7 @@
           <a:lstStyle/>
           <a:p>
             <a:r>
-              <a:rPr lang="en-US"/>
+              <a:rPr lang="en-US" smtClean="0"/>
               <a:t>Click to edit Master title style</a:t>
             </a:r>
             <a:endParaRPr lang="en-US" dirty="0"/>
@@ -2231,35 +2231,35 @@
           <a:p>
             <a:pPr lvl="0"/>
             <a:r>
-              <a:rPr lang="en-US"/>
+              <a:rPr lang="en-US" smtClean="0"/>
               <a:t>Click to edit Master text styles</a:t>
             </a:r>
           </a:p>
           <a:p>
             <a:pPr lvl="1"/>
             <a:r>
-              <a:rPr lang="en-US"/>
+              <a:rPr lang="en-US" smtClean="0"/>
               <a:t>Second level</a:t>
             </a:r>
           </a:p>
           <a:p>
             <a:pPr lvl="2"/>
             <a:r>
-              <a:rPr lang="en-US"/>
+              <a:rPr lang="en-US" smtClean="0"/>
               <a:t>Third level</a:t>
             </a:r>
           </a:p>
           <a:p>
             <a:pPr lvl="3"/>
             <a:r>
-              <a:rPr lang="en-US"/>
+              <a:rPr lang="en-US" smtClean="0"/>
               <a:t>Fourth level</a:t>
             </a:r>
           </a:p>
           <a:p>
             <a:pPr lvl="4"/>
             <a:r>
-              <a:rPr lang="en-US"/>
+              <a:rPr lang="en-US" smtClean="0"/>
               <a:t>Fifth level</a:t>
             </a:r>
             <a:endParaRPr lang="en-US" dirty="0"/>
@@ -2316,35 +2316,35 @@
           <a:p>
             <a:pPr lvl="0"/>
             <a:r>
-              <a:rPr lang="en-US"/>
+              <a:rPr lang="en-US" smtClean="0"/>
               <a:t>Click to edit Master text styles</a:t>
             </a:r>
           </a:p>
           <a:p>
             <a:pPr lvl="1"/>
             <a:r>
-              <a:rPr lang="en-US"/>
+              <a:rPr lang="en-US" smtClean="0"/>
               <a:t>Second level</a:t>
             </a:r>
           </a:p>
           <a:p>
             <a:pPr lvl="2"/>
             <a:r>
-              <a:rPr lang="en-US"/>
+              <a:rPr lang="en-US" smtClean="0"/>
               <a:t>Third level</a:t>
             </a:r>
           </a:p>
           <a:p>
             <a:pPr lvl="3"/>
             <a:r>
-              <a:rPr lang="en-US"/>
+              <a:rPr lang="en-US" smtClean="0"/>
               <a:t>Fourth level</a:t>
             </a:r>
           </a:p>
           <a:p>
             <a:pPr lvl="4"/>
             <a:r>
-              <a:rPr lang="en-US"/>
+              <a:rPr lang="en-US" smtClean="0"/>
               <a:t>Fifth level</a:t>
             </a:r>
             <a:endParaRPr lang="en-US" dirty="0"/>
@@ -2376,7 +2376,7 @@
                 </a:solidFill>
               </a:rPr>
               <a:pPr/>
-              <a:t>16-10-2019</a:t>
+              <a:t>17-10-2019</a:t>
             </a:fld>
             <a:endParaRPr lang="en-IN">
               <a:solidFill>
@@ -2499,7 +2499,7 @@
           <a:lstStyle/>
           <a:p>
             <a:r>
-              <a:rPr lang="en-US"/>
+              <a:rPr lang="en-US" smtClean="0"/>
               <a:t>Click to edit Master title style</a:t>
             </a:r>
             <a:endParaRPr lang="en-US" dirty="0"/>
@@ -2574,7 +2574,7 @@
           <a:p>
             <a:pPr lvl="0"/>
             <a:r>
-              <a:rPr lang="en-US"/>
+              <a:rPr lang="en-US" smtClean="0"/>
               <a:t>Click to edit Master text styles</a:t>
             </a:r>
           </a:p>
@@ -2630,35 +2630,35 @@
           <a:p>
             <a:pPr lvl="0"/>
             <a:r>
-              <a:rPr lang="en-US"/>
+              <a:rPr lang="en-US" smtClean="0"/>
               <a:t>Click to edit Master text styles</a:t>
             </a:r>
           </a:p>
           <a:p>
             <a:pPr lvl="1"/>
             <a:r>
-              <a:rPr lang="en-US"/>
+              <a:rPr lang="en-US" smtClean="0"/>
               <a:t>Second level</a:t>
             </a:r>
           </a:p>
           <a:p>
             <a:pPr lvl="2"/>
             <a:r>
-              <a:rPr lang="en-US"/>
+              <a:rPr lang="en-US" smtClean="0"/>
               <a:t>Third level</a:t>
             </a:r>
           </a:p>
           <a:p>
             <a:pPr lvl="3"/>
             <a:r>
-              <a:rPr lang="en-US"/>
+              <a:rPr lang="en-US" smtClean="0"/>
               <a:t>Fourth level</a:t>
             </a:r>
           </a:p>
           <a:p>
             <a:pPr lvl="4"/>
             <a:r>
-              <a:rPr lang="en-US"/>
+              <a:rPr lang="en-US" smtClean="0"/>
               <a:t>Fifth level</a:t>
             </a:r>
             <a:endParaRPr lang="en-US" dirty="0"/>
@@ -2748,7 +2748,7 @@
               <a:buNone/>
             </a:pPr>
             <a:r>
-              <a:rPr lang="en-US"/>
+              <a:rPr lang="en-US" smtClean="0"/>
               <a:t>Click to edit Master text styles</a:t>
             </a:r>
           </a:p>
@@ -2804,35 +2804,35 @@
           <a:p>
             <a:pPr lvl="0"/>
             <a:r>
-              <a:rPr lang="en-US"/>
+              <a:rPr lang="en-US" smtClean="0"/>
               <a:t>Click to edit Master text styles</a:t>
             </a:r>
           </a:p>
           <a:p>
             <a:pPr lvl="1"/>
             <a:r>
-              <a:rPr lang="en-US"/>
+              <a:rPr lang="en-US" smtClean="0"/>
               <a:t>Second level</a:t>
             </a:r>
           </a:p>
           <a:p>
             <a:pPr lvl="2"/>
             <a:r>
-              <a:rPr lang="en-US"/>
+              <a:rPr lang="en-US" smtClean="0"/>
               <a:t>Third level</a:t>
             </a:r>
           </a:p>
           <a:p>
             <a:pPr lvl="3"/>
             <a:r>
-              <a:rPr lang="en-US"/>
+              <a:rPr lang="en-US" smtClean="0"/>
               <a:t>Fourth level</a:t>
             </a:r>
           </a:p>
           <a:p>
             <a:pPr lvl="4"/>
             <a:r>
-              <a:rPr lang="en-US"/>
+              <a:rPr lang="en-US" smtClean="0"/>
               <a:t>Fifth level</a:t>
             </a:r>
             <a:endParaRPr lang="en-US" dirty="0"/>
@@ -2864,7 +2864,7 @@
                 </a:solidFill>
               </a:rPr>
               <a:pPr/>
-              <a:t>16-10-2019</a:t>
+              <a:t>17-10-2019</a:t>
             </a:fld>
             <a:endParaRPr lang="en-IN">
               <a:solidFill>
@@ -2987,7 +2987,7 @@
           <a:lstStyle/>
           <a:p>
             <a:r>
-              <a:rPr lang="en-US"/>
+              <a:rPr lang="en-US" smtClean="0"/>
               <a:t>Click to edit Master title style</a:t>
             </a:r>
             <a:endParaRPr lang="en-US" dirty="0"/>
@@ -3019,7 +3019,7 @@
                 </a:solidFill>
               </a:rPr>
               <a:pPr/>
-              <a:t>16-10-2019</a:t>
+              <a:t>17-10-2019</a:t>
             </a:fld>
             <a:endParaRPr lang="en-IN">
               <a:solidFill>
@@ -3151,7 +3151,7 @@
                 </a:solidFill>
               </a:rPr>
               <a:pPr/>
-              <a:t>16-10-2019</a:t>
+              <a:t>17-10-2019</a:t>
             </a:fld>
             <a:endParaRPr lang="en-IN">
               <a:solidFill>
@@ -3285,7 +3285,7 @@
           </a:lstStyle>
           <a:p>
             <a:r>
-              <a:rPr lang="en-US"/>
+              <a:rPr lang="en-US" smtClean="0"/>
               <a:t>Click to edit Master title style</a:t>
             </a:r>
             <a:endParaRPr lang="en-US" dirty="0"/>
@@ -3342,35 +3342,35 @@
           <a:p>
             <a:pPr lvl="0"/>
             <a:r>
-              <a:rPr lang="en-US"/>
+              <a:rPr lang="en-US" smtClean="0"/>
               <a:t>Click to edit Master text styles</a:t>
             </a:r>
           </a:p>
           <a:p>
             <a:pPr lvl="1"/>
             <a:r>
-              <a:rPr lang="en-US"/>
+              <a:rPr lang="en-US" smtClean="0"/>
               <a:t>Second level</a:t>
             </a:r>
           </a:p>
           <a:p>
             <a:pPr lvl="2"/>
             <a:r>
-              <a:rPr lang="en-US"/>
+              <a:rPr lang="en-US" smtClean="0"/>
               <a:t>Third level</a:t>
             </a:r>
           </a:p>
           <a:p>
             <a:pPr lvl="3"/>
             <a:r>
-              <a:rPr lang="en-US"/>
+              <a:rPr lang="en-US" smtClean="0"/>
               <a:t>Fourth level</a:t>
             </a:r>
           </a:p>
           <a:p>
             <a:pPr lvl="4"/>
             <a:r>
-              <a:rPr lang="en-US"/>
+              <a:rPr lang="en-US" smtClean="0"/>
               <a:t>Fifth level</a:t>
             </a:r>
             <a:endParaRPr lang="en-US" dirty="0"/>
@@ -3444,7 +3444,7 @@
           <a:p>
             <a:pPr lvl="0"/>
             <a:r>
-              <a:rPr lang="en-US"/>
+              <a:rPr lang="en-US" smtClean="0"/>
               <a:t>Click to edit Master text styles</a:t>
             </a:r>
           </a:p>
@@ -3475,7 +3475,7 @@
                 </a:solidFill>
               </a:rPr>
               <a:pPr/>
-              <a:t>16-10-2019</a:t>
+              <a:t>17-10-2019</a:t>
             </a:fld>
             <a:endParaRPr lang="en-IN">
               <a:solidFill>
@@ -3598,7 +3598,7 @@
           <a:lstStyle/>
           <a:p>
             <a:r>
-              <a:rPr lang="en-US"/>
+              <a:rPr lang="en-US" smtClean="0"/>
               <a:t>Click to edit Master title style</a:t>
             </a:r>
             <a:endParaRPr lang="en-US" dirty="0"/>
@@ -3622,35 +3622,35 @@
           <a:p>
             <a:pPr lvl="0"/>
             <a:r>
-              <a:rPr lang="en-US"/>
+              <a:rPr lang="en-US" smtClean="0"/>
               <a:t>Click to edit Master text styles</a:t>
             </a:r>
           </a:p>
           <a:p>
             <a:pPr lvl="1"/>
             <a:r>
-              <a:rPr lang="en-US"/>
+              <a:rPr lang="en-US" smtClean="0"/>
               <a:t>Second level</a:t>
             </a:r>
           </a:p>
           <a:p>
             <a:pPr lvl="2"/>
             <a:r>
-              <a:rPr lang="en-US"/>
+              <a:rPr lang="en-US" smtClean="0"/>
               <a:t>Third level</a:t>
             </a:r>
           </a:p>
           <a:p>
             <a:pPr lvl="3"/>
             <a:r>
-              <a:rPr lang="en-US"/>
+              <a:rPr lang="en-US" smtClean="0"/>
               <a:t>Fourth level</a:t>
             </a:r>
           </a:p>
           <a:p>
             <a:pPr lvl="4"/>
             <a:r>
-              <a:rPr lang="en-US"/>
+              <a:rPr lang="en-US" smtClean="0"/>
               <a:t>Fifth level</a:t>
             </a:r>
             <a:endParaRPr lang="en-US" dirty="0"/>
@@ -3674,7 +3674,7 @@
           <a:p>
             <a:fld id="{098A657A-EBD1-4E77-8896-55A16BF08872}" type="datetimeFigureOut">
               <a:rPr lang="en-IN" smtClean="0"/>
-              <a:t>16-10-2019</a:t>
+              <a:t>17-10-2019</a:t>
             </a:fld>
             <a:endParaRPr lang="en-IN"/>
           </a:p>
@@ -3821,7 +3821,7 @@
           </a:lstStyle>
           <a:p>
             <a:r>
-              <a:rPr lang="en-US"/>
+              <a:rPr lang="en-US" smtClean="0"/>
               <a:t>Click to edit Master title style</a:t>
             </a:r>
             <a:endParaRPr lang="en-US" dirty="0"/>
@@ -3893,7 +3893,7 @@
           </a:lstStyle>
           <a:p>
             <a:r>
-              <a:rPr lang="en-US"/>
+              <a:rPr lang="en-US" smtClean="0"/>
               <a:t>Click icon to add picture</a:t>
             </a:r>
             <a:endParaRPr lang="en-US" dirty="0"/>
@@ -3973,7 +3973,7 @@
           <a:p>
             <a:pPr lvl="0"/>
             <a:r>
-              <a:rPr lang="en-US"/>
+              <a:rPr lang="en-US" smtClean="0"/>
               <a:t>Click to edit Master text styles</a:t>
             </a:r>
           </a:p>
@@ -4004,7 +4004,7 @@
                 </a:solidFill>
               </a:rPr>
               <a:pPr/>
-              <a:t>16-10-2019</a:t>
+              <a:t>17-10-2019</a:t>
             </a:fld>
             <a:endParaRPr lang="en-IN">
               <a:solidFill>
@@ -4127,7 +4127,7 @@
           <a:lstStyle/>
           <a:p>
             <a:r>
-              <a:rPr lang="en-US"/>
+              <a:rPr lang="en-US" smtClean="0"/>
               <a:t>Click to edit Master title style</a:t>
             </a:r>
             <a:endParaRPr lang="en-US" dirty="0"/>
@@ -4151,35 +4151,35 @@
           <a:p>
             <a:pPr lvl="0"/>
             <a:r>
-              <a:rPr lang="en-US"/>
+              <a:rPr lang="en-US" smtClean="0"/>
               <a:t>Click to edit Master text styles</a:t>
             </a:r>
           </a:p>
           <a:p>
             <a:pPr lvl="1"/>
             <a:r>
-              <a:rPr lang="en-US"/>
+              <a:rPr lang="en-US" smtClean="0"/>
               <a:t>Second level</a:t>
             </a:r>
           </a:p>
           <a:p>
             <a:pPr lvl="2"/>
             <a:r>
-              <a:rPr lang="en-US"/>
+              <a:rPr lang="en-US" smtClean="0"/>
               <a:t>Third level</a:t>
             </a:r>
           </a:p>
           <a:p>
             <a:pPr lvl="3"/>
             <a:r>
-              <a:rPr lang="en-US"/>
+              <a:rPr lang="en-US" smtClean="0"/>
               <a:t>Fourth level</a:t>
             </a:r>
           </a:p>
           <a:p>
             <a:pPr lvl="4"/>
             <a:r>
-              <a:rPr lang="en-US"/>
+              <a:rPr lang="en-US" smtClean="0"/>
               <a:t>Fifth level</a:t>
             </a:r>
             <a:endParaRPr lang="en-US" dirty="0"/>
@@ -4211,7 +4211,7 @@
                 </a:solidFill>
               </a:rPr>
               <a:pPr/>
-              <a:t>16-10-2019</a:t>
+              <a:t>17-10-2019</a:t>
             </a:fld>
             <a:endParaRPr lang="en-IN">
               <a:solidFill>
@@ -4339,7 +4339,7 @@
           <a:lstStyle/>
           <a:p>
             <a:r>
-              <a:rPr lang="en-US"/>
+              <a:rPr lang="en-US" smtClean="0"/>
               <a:t>Click to edit Master title style</a:t>
             </a:r>
             <a:endParaRPr lang="en-US" dirty="0"/>
@@ -4368,35 +4368,35 @@
           <a:p>
             <a:pPr lvl="0"/>
             <a:r>
-              <a:rPr lang="en-US"/>
+              <a:rPr lang="en-US" smtClean="0"/>
               <a:t>Click to edit Master text styles</a:t>
             </a:r>
           </a:p>
           <a:p>
             <a:pPr lvl="1"/>
             <a:r>
-              <a:rPr lang="en-US"/>
+              <a:rPr lang="en-US" smtClean="0"/>
               <a:t>Second level</a:t>
             </a:r>
           </a:p>
           <a:p>
             <a:pPr lvl="2"/>
             <a:r>
-              <a:rPr lang="en-US"/>
+              <a:rPr lang="en-US" smtClean="0"/>
               <a:t>Third level</a:t>
             </a:r>
           </a:p>
           <a:p>
             <a:pPr lvl="3"/>
             <a:r>
-              <a:rPr lang="en-US"/>
+              <a:rPr lang="en-US" smtClean="0"/>
               <a:t>Fourth level</a:t>
             </a:r>
           </a:p>
           <a:p>
             <a:pPr lvl="4"/>
             <a:r>
-              <a:rPr lang="en-US"/>
+              <a:rPr lang="en-US" smtClean="0"/>
               <a:t>Fifth level</a:t>
             </a:r>
             <a:endParaRPr lang="en-US" dirty="0"/>
@@ -4428,7 +4428,7 @@
                 </a:solidFill>
               </a:rPr>
               <a:pPr/>
-              <a:t>16-10-2019</a:t>
+              <a:t>17-10-2019</a:t>
             </a:fld>
             <a:endParaRPr lang="en-IN">
               <a:solidFill>
@@ -4584,7 +4584,7 @@
           </a:lstStyle>
           <a:p>
             <a:r>
-              <a:rPr lang="en-US"/>
+              <a:rPr lang="en-US" smtClean="0"/>
               <a:t>Click to edit Master title style</a:t>
             </a:r>
             <a:endParaRPr lang="en-US" dirty="0"/>
@@ -4657,7 +4657,7 @@
           </a:lstStyle>
           <a:p>
             <a:r>
-              <a:rPr lang="en-US"/>
+              <a:rPr lang="en-US" smtClean="0"/>
               <a:t>Click to edit Master subtitle style</a:t>
             </a:r>
             <a:endParaRPr lang="en-US" dirty="0"/>
@@ -4698,7 +4698,7 @@
                 </a:solidFill>
               </a:rPr>
               <a:pPr/>
-              <a:t>16-10-2019</a:t>
+              <a:t>17-10-2019</a:t>
             </a:fld>
             <a:endParaRPr lang="en-IN">
               <a:solidFill>
@@ -4880,7 +4880,7 @@
           <a:lstStyle/>
           <a:p>
             <a:r>
-              <a:rPr lang="en-US"/>
+              <a:rPr lang="en-US" smtClean="0"/>
               <a:t>Click to edit Master title style</a:t>
             </a:r>
             <a:endParaRPr lang="en-US" dirty="0"/>
@@ -4904,35 +4904,35 @@
           <a:p>
             <a:pPr lvl="0"/>
             <a:r>
-              <a:rPr lang="en-US"/>
+              <a:rPr lang="en-US" smtClean="0"/>
               <a:t>Click to edit Master text styles</a:t>
             </a:r>
           </a:p>
           <a:p>
             <a:pPr lvl="1"/>
             <a:r>
-              <a:rPr lang="en-US"/>
+              <a:rPr lang="en-US" smtClean="0"/>
               <a:t>Second level</a:t>
             </a:r>
           </a:p>
           <a:p>
             <a:pPr lvl="2"/>
             <a:r>
-              <a:rPr lang="en-US"/>
+              <a:rPr lang="en-US" smtClean="0"/>
               <a:t>Third level</a:t>
             </a:r>
           </a:p>
           <a:p>
             <a:pPr lvl="3"/>
             <a:r>
-              <a:rPr lang="en-US"/>
+              <a:rPr lang="en-US" smtClean="0"/>
               <a:t>Fourth level</a:t>
             </a:r>
           </a:p>
           <a:p>
             <a:pPr lvl="4"/>
             <a:r>
-              <a:rPr lang="en-US"/>
+              <a:rPr lang="en-US" smtClean="0"/>
               <a:t>Fifth level</a:t>
             </a:r>
             <a:endParaRPr lang="en-US" dirty="0"/>
@@ -4964,7 +4964,7 @@
                 </a:solidFill>
               </a:rPr>
               <a:pPr/>
-              <a:t>16-10-2019</a:t>
+              <a:t>17-10-2019</a:t>
             </a:fld>
             <a:endParaRPr lang="en-IN">
               <a:solidFill>
@@ -5101,7 +5101,7 @@
           </a:lstStyle>
           <a:p>
             <a:r>
-              <a:rPr lang="en-US"/>
+              <a:rPr lang="en-US" smtClean="0"/>
               <a:t>Click to edit Master title style</a:t>
             </a:r>
             <a:endParaRPr lang="en-US" dirty="0"/>
@@ -5224,7 +5224,7 @@
           <a:p>
             <a:pPr lvl="0"/>
             <a:r>
-              <a:rPr lang="en-US"/>
+              <a:rPr lang="en-US" smtClean="0"/>
               <a:t>Click to edit Master text styles</a:t>
             </a:r>
           </a:p>
@@ -5255,7 +5255,7 @@
                 </a:solidFill>
               </a:rPr>
               <a:pPr/>
-              <a:t>16-10-2019</a:t>
+              <a:t>17-10-2019</a:t>
             </a:fld>
             <a:endParaRPr lang="en-IN">
               <a:solidFill>
@@ -5421,7 +5421,7 @@
           <a:lstStyle/>
           <a:p>
             <a:r>
-              <a:rPr lang="en-US"/>
+              <a:rPr lang="en-US" smtClean="0"/>
               <a:t>Click to edit Master title style</a:t>
             </a:r>
             <a:endParaRPr lang="en-US" dirty="0"/>
@@ -5478,35 +5478,35 @@
           <a:p>
             <a:pPr lvl="0"/>
             <a:r>
-              <a:rPr lang="en-US"/>
+              <a:rPr lang="en-US" smtClean="0"/>
               <a:t>Click to edit Master text styles</a:t>
             </a:r>
           </a:p>
           <a:p>
             <a:pPr lvl="1"/>
             <a:r>
-              <a:rPr lang="en-US"/>
+              <a:rPr lang="en-US" smtClean="0"/>
               <a:t>Second level</a:t>
             </a:r>
           </a:p>
           <a:p>
             <a:pPr lvl="2"/>
             <a:r>
-              <a:rPr lang="en-US"/>
+              <a:rPr lang="en-US" smtClean="0"/>
               <a:t>Third level</a:t>
             </a:r>
           </a:p>
           <a:p>
             <a:pPr lvl="3"/>
             <a:r>
-              <a:rPr lang="en-US"/>
+              <a:rPr lang="en-US" smtClean="0"/>
               <a:t>Fourth level</a:t>
             </a:r>
           </a:p>
           <a:p>
             <a:pPr lvl="4"/>
             <a:r>
-              <a:rPr lang="en-US"/>
+              <a:rPr lang="en-US" smtClean="0"/>
               <a:t>Fifth level</a:t>
             </a:r>
             <a:endParaRPr lang="en-US" dirty="0"/>
@@ -5563,35 +5563,35 @@
           <a:p>
             <a:pPr lvl="0"/>
             <a:r>
-              <a:rPr lang="en-US"/>
+              <a:rPr lang="en-US" smtClean="0"/>
               <a:t>Click to edit Master text styles</a:t>
             </a:r>
           </a:p>
           <a:p>
             <a:pPr lvl="1"/>
             <a:r>
-              <a:rPr lang="en-US"/>
+              <a:rPr lang="en-US" smtClean="0"/>
               <a:t>Second level</a:t>
             </a:r>
           </a:p>
           <a:p>
             <a:pPr lvl="2"/>
             <a:r>
-              <a:rPr lang="en-US"/>
+              <a:rPr lang="en-US" smtClean="0"/>
               <a:t>Third level</a:t>
             </a:r>
           </a:p>
           <a:p>
             <a:pPr lvl="3"/>
             <a:r>
-              <a:rPr lang="en-US"/>
+              <a:rPr lang="en-US" smtClean="0"/>
               <a:t>Fourth level</a:t>
             </a:r>
           </a:p>
           <a:p>
             <a:pPr lvl="4"/>
             <a:r>
-              <a:rPr lang="en-US"/>
+              <a:rPr lang="en-US" smtClean="0"/>
               <a:t>Fifth level</a:t>
             </a:r>
             <a:endParaRPr lang="en-US" dirty="0"/>
@@ -5623,7 +5623,7 @@
                 </a:solidFill>
               </a:rPr>
               <a:pPr/>
-              <a:t>16-10-2019</a:t>
+              <a:t>17-10-2019</a:t>
             </a:fld>
             <a:endParaRPr lang="en-IN">
               <a:solidFill>
@@ -5746,7 +5746,7 @@
           <a:lstStyle/>
           <a:p>
             <a:r>
-              <a:rPr lang="en-US"/>
+              <a:rPr lang="en-US" smtClean="0"/>
               <a:t>Click to edit Master title style</a:t>
             </a:r>
             <a:endParaRPr lang="en-US" dirty="0"/>
@@ -5821,7 +5821,7 @@
           <a:p>
             <a:pPr lvl="0"/>
             <a:r>
-              <a:rPr lang="en-US"/>
+              <a:rPr lang="en-US" smtClean="0"/>
               <a:t>Click to edit Master text styles</a:t>
             </a:r>
           </a:p>
@@ -5877,35 +5877,35 @@
           <a:p>
             <a:pPr lvl="0"/>
             <a:r>
-              <a:rPr lang="en-US"/>
+              <a:rPr lang="en-US" smtClean="0"/>
               <a:t>Click to edit Master text styles</a:t>
             </a:r>
           </a:p>
           <a:p>
             <a:pPr lvl="1"/>
             <a:r>
-              <a:rPr lang="en-US"/>
+              <a:rPr lang="en-US" smtClean="0"/>
               <a:t>Second level</a:t>
             </a:r>
           </a:p>
           <a:p>
             <a:pPr lvl="2"/>
             <a:r>
-              <a:rPr lang="en-US"/>
+              <a:rPr lang="en-US" smtClean="0"/>
               <a:t>Third level</a:t>
             </a:r>
           </a:p>
           <a:p>
             <a:pPr lvl="3"/>
             <a:r>
-              <a:rPr lang="en-US"/>
+              <a:rPr lang="en-US" smtClean="0"/>
               <a:t>Fourth level</a:t>
             </a:r>
           </a:p>
           <a:p>
             <a:pPr lvl="4"/>
             <a:r>
-              <a:rPr lang="en-US"/>
+              <a:rPr lang="en-US" smtClean="0"/>
               <a:t>Fifth level</a:t>
             </a:r>
             <a:endParaRPr lang="en-US" dirty="0"/>
@@ -5995,7 +5995,7 @@
               <a:buNone/>
             </a:pPr>
             <a:r>
-              <a:rPr lang="en-US"/>
+              <a:rPr lang="en-US" smtClean="0"/>
               <a:t>Click to edit Master text styles</a:t>
             </a:r>
           </a:p>
@@ -6051,35 +6051,35 @@
           <a:p>
             <a:pPr lvl="0"/>
             <a:r>
-              <a:rPr lang="en-US"/>
+              <a:rPr lang="en-US" smtClean="0"/>
               <a:t>Click to edit Master text styles</a:t>
             </a:r>
           </a:p>
           <a:p>
             <a:pPr lvl="1"/>
             <a:r>
-              <a:rPr lang="en-US"/>
+              <a:rPr lang="en-US" smtClean="0"/>
               <a:t>Second level</a:t>
             </a:r>
           </a:p>
           <a:p>
             <a:pPr lvl="2"/>
             <a:r>
-              <a:rPr lang="en-US"/>
+              <a:rPr lang="en-US" smtClean="0"/>
               <a:t>Third level</a:t>
             </a:r>
           </a:p>
           <a:p>
             <a:pPr lvl="3"/>
             <a:r>
-              <a:rPr lang="en-US"/>
+              <a:rPr lang="en-US" smtClean="0"/>
               <a:t>Fourth level</a:t>
             </a:r>
           </a:p>
           <a:p>
             <a:pPr lvl="4"/>
             <a:r>
-              <a:rPr lang="en-US"/>
+              <a:rPr lang="en-US" smtClean="0"/>
               <a:t>Fifth level</a:t>
             </a:r>
             <a:endParaRPr lang="en-US" dirty="0"/>
@@ -6111,7 +6111,7 @@
                 </a:solidFill>
               </a:rPr>
               <a:pPr/>
-              <a:t>16-10-2019</a:t>
+              <a:t>17-10-2019</a:t>
             </a:fld>
             <a:endParaRPr lang="en-IN">
               <a:solidFill>
@@ -6234,7 +6234,7 @@
           <a:lstStyle/>
           <a:p>
             <a:r>
-              <a:rPr lang="en-US"/>
+              <a:rPr lang="en-US" smtClean="0"/>
               <a:t>Click to edit Master title style</a:t>
             </a:r>
             <a:endParaRPr lang="en-US" dirty="0"/>
@@ -6266,7 +6266,7 @@
                 </a:solidFill>
               </a:rPr>
               <a:pPr/>
-              <a:t>16-10-2019</a:t>
+              <a:t>17-10-2019</a:t>
             </a:fld>
             <a:endParaRPr lang="en-IN">
               <a:solidFill>
@@ -6398,7 +6398,7 @@
                 </a:solidFill>
               </a:rPr>
               <a:pPr/>
-              <a:t>16-10-2019</a:t>
+              <a:t>17-10-2019</a:t>
             </a:fld>
             <a:endParaRPr lang="en-IN">
               <a:solidFill>
@@ -6750,7 +6750,7 @@
           </a:lstStyle>
           <a:p>
             <a:r>
-              <a:rPr lang="en-US"/>
+              <a:rPr lang="en-US" smtClean="0"/>
               <a:t>Click to edit Master title style</a:t>
             </a:r>
             <a:endParaRPr lang="en-US" dirty="0"/>
@@ -6879,7 +6879,7 @@
           <a:p>
             <a:pPr lvl="0"/>
             <a:r>
-              <a:rPr lang="en-US"/>
+              <a:rPr lang="en-US" smtClean="0"/>
               <a:t>Click to edit Master text styles</a:t>
             </a:r>
           </a:p>
@@ -6918,7 +6918,7 @@
           <a:p>
             <a:fld id="{098A657A-EBD1-4E77-8896-55A16BF08872}" type="datetimeFigureOut">
               <a:rPr lang="en-IN" smtClean="0"/>
-              <a:t>16-10-2019</a:t>
+              <a:t>17-10-2019</a:t>
             </a:fld>
             <a:endParaRPr lang="en-IN"/>
           </a:p>
@@ -7043,7 +7043,7 @@
   <p:clrMapOvr>
     <a:masterClrMapping/>
   </p:clrMapOvr>
-  <p:extLst>
+  <p:extLst mod="1">
     <p:ext uri="{DCECCB84-F9BA-43D5-87BE-67443E8EF086}">
       <p15:sldGuideLst xmlns:p15="http://schemas.microsoft.com/office/powerpoint/2012/main">
         <p15:guide id="1" pos="6456">
@@ -7101,7 +7101,7 @@
           </a:lstStyle>
           <a:p>
             <a:r>
-              <a:rPr lang="en-US"/>
+              <a:rPr lang="en-US" smtClean="0"/>
               <a:t>Click to edit Master title style</a:t>
             </a:r>
             <a:endParaRPr lang="en-US" dirty="0"/>
@@ -7158,35 +7158,35 @@
           <a:p>
             <a:pPr lvl="0"/>
             <a:r>
-              <a:rPr lang="en-US"/>
+              <a:rPr lang="en-US" smtClean="0"/>
               <a:t>Click to edit Master text styles</a:t>
             </a:r>
           </a:p>
           <a:p>
             <a:pPr lvl="1"/>
             <a:r>
-              <a:rPr lang="en-US"/>
+              <a:rPr lang="en-US" smtClean="0"/>
               <a:t>Second level</a:t>
             </a:r>
           </a:p>
           <a:p>
             <a:pPr lvl="2"/>
             <a:r>
-              <a:rPr lang="en-US"/>
+              <a:rPr lang="en-US" smtClean="0"/>
               <a:t>Third level</a:t>
             </a:r>
           </a:p>
           <a:p>
             <a:pPr lvl="3"/>
             <a:r>
-              <a:rPr lang="en-US"/>
+              <a:rPr lang="en-US" smtClean="0"/>
               <a:t>Fourth level</a:t>
             </a:r>
           </a:p>
           <a:p>
             <a:pPr lvl="4"/>
             <a:r>
-              <a:rPr lang="en-US"/>
+              <a:rPr lang="en-US" smtClean="0"/>
               <a:t>Fifth level</a:t>
             </a:r>
             <a:endParaRPr lang="en-US" dirty="0"/>
@@ -7260,7 +7260,7 @@
           <a:p>
             <a:pPr lvl="0"/>
             <a:r>
-              <a:rPr lang="en-US"/>
+              <a:rPr lang="en-US" smtClean="0"/>
               <a:t>Click to edit Master text styles</a:t>
             </a:r>
           </a:p>
@@ -7291,7 +7291,7 @@
                 </a:solidFill>
               </a:rPr>
               <a:pPr/>
-              <a:t>16-10-2019</a:t>
+              <a:t>17-10-2019</a:t>
             </a:fld>
             <a:endParaRPr lang="en-IN">
               <a:solidFill>
@@ -7467,7 +7467,7 @@
           </a:lstStyle>
           <a:p>
             <a:r>
-              <a:rPr lang="en-US"/>
+              <a:rPr lang="en-US" smtClean="0"/>
               <a:t>Click to edit Master title style</a:t>
             </a:r>
             <a:endParaRPr lang="en-US" dirty="0"/>
@@ -7539,7 +7539,7 @@
           </a:lstStyle>
           <a:p>
             <a:r>
-              <a:rPr lang="en-US"/>
+              <a:rPr lang="en-US" smtClean="0"/>
               <a:t>Click icon to add picture</a:t>
             </a:r>
             <a:endParaRPr lang="en-US" dirty="0"/>
@@ -7619,7 +7619,7 @@
           <a:p>
             <a:pPr lvl="0"/>
             <a:r>
-              <a:rPr lang="en-US"/>
+              <a:rPr lang="en-US" smtClean="0"/>
               <a:t>Click to edit Master text styles</a:t>
             </a:r>
           </a:p>
@@ -7650,7 +7650,7 @@
                 </a:solidFill>
               </a:rPr>
               <a:pPr/>
-              <a:t>16-10-2019</a:t>
+              <a:t>17-10-2019</a:t>
             </a:fld>
             <a:endParaRPr lang="en-IN">
               <a:solidFill>
@@ -7773,7 +7773,7 @@
           <a:lstStyle/>
           <a:p>
             <a:r>
-              <a:rPr lang="en-US"/>
+              <a:rPr lang="en-US" smtClean="0"/>
               <a:t>Click to edit Master title style</a:t>
             </a:r>
             <a:endParaRPr lang="en-US" dirty="0"/>
@@ -7797,35 +7797,35 @@
           <a:p>
             <a:pPr lvl="0"/>
             <a:r>
-              <a:rPr lang="en-US"/>
+              <a:rPr lang="en-US" smtClean="0"/>
               <a:t>Click to edit Master text styles</a:t>
             </a:r>
           </a:p>
           <a:p>
             <a:pPr lvl="1"/>
             <a:r>
-              <a:rPr lang="en-US"/>
+              <a:rPr lang="en-US" smtClean="0"/>
               <a:t>Second level</a:t>
             </a:r>
           </a:p>
           <a:p>
             <a:pPr lvl="2"/>
             <a:r>
-              <a:rPr lang="en-US"/>
+              <a:rPr lang="en-US" smtClean="0"/>
               <a:t>Third level</a:t>
             </a:r>
           </a:p>
           <a:p>
             <a:pPr lvl="3"/>
             <a:r>
-              <a:rPr lang="en-US"/>
+              <a:rPr lang="en-US" smtClean="0"/>
               <a:t>Fourth level</a:t>
             </a:r>
           </a:p>
           <a:p>
             <a:pPr lvl="4"/>
             <a:r>
-              <a:rPr lang="en-US"/>
+              <a:rPr lang="en-US" smtClean="0"/>
               <a:t>Fifth level</a:t>
             </a:r>
             <a:endParaRPr lang="en-US" dirty="0"/>
@@ -7857,7 +7857,7 @@
                 </a:solidFill>
               </a:rPr>
               <a:pPr/>
-              <a:t>16-10-2019</a:t>
+              <a:t>17-10-2019</a:t>
             </a:fld>
             <a:endParaRPr lang="en-IN">
               <a:solidFill>
@@ -7985,7 +7985,7 @@
           <a:lstStyle/>
           <a:p>
             <a:r>
-              <a:rPr lang="en-US"/>
+              <a:rPr lang="en-US" smtClean="0"/>
               <a:t>Click to edit Master title style</a:t>
             </a:r>
             <a:endParaRPr lang="en-US" dirty="0"/>
@@ -8014,35 +8014,35 @@
           <a:p>
             <a:pPr lvl="0"/>
             <a:r>
-              <a:rPr lang="en-US"/>
+              <a:rPr lang="en-US" smtClean="0"/>
               <a:t>Click to edit Master text styles</a:t>
             </a:r>
           </a:p>
           <a:p>
             <a:pPr lvl="1"/>
             <a:r>
-              <a:rPr lang="en-US"/>
+              <a:rPr lang="en-US" smtClean="0"/>
               <a:t>Second level</a:t>
             </a:r>
           </a:p>
           <a:p>
             <a:pPr lvl="2"/>
             <a:r>
-              <a:rPr lang="en-US"/>
+              <a:rPr lang="en-US" smtClean="0"/>
               <a:t>Third level</a:t>
             </a:r>
           </a:p>
           <a:p>
             <a:pPr lvl="3"/>
             <a:r>
-              <a:rPr lang="en-US"/>
+              <a:rPr lang="en-US" smtClean="0"/>
               <a:t>Fourth level</a:t>
             </a:r>
           </a:p>
           <a:p>
             <a:pPr lvl="4"/>
             <a:r>
-              <a:rPr lang="en-US"/>
+              <a:rPr lang="en-US" smtClean="0"/>
               <a:t>Fifth level</a:t>
             </a:r>
             <a:endParaRPr lang="en-US" dirty="0"/>
@@ -8074,7 +8074,7 @@
                 </a:solidFill>
               </a:rPr>
               <a:pPr/>
-              <a:t>16-10-2019</a:t>
+              <a:t>17-10-2019</a:t>
             </a:fld>
             <a:endParaRPr lang="en-IN">
               <a:solidFill>
@@ -8230,7 +8230,7 @@
           </a:lstStyle>
           <a:p>
             <a:r>
-              <a:rPr lang="en-US"/>
+              <a:rPr lang="en-US" smtClean="0"/>
               <a:t>Click to edit Master title style</a:t>
             </a:r>
             <a:endParaRPr lang="en-US" dirty="0"/>
@@ -8303,7 +8303,7 @@
           </a:lstStyle>
           <a:p>
             <a:r>
-              <a:rPr lang="en-US"/>
+              <a:rPr lang="en-US" smtClean="0"/>
               <a:t>Click to edit Master subtitle style</a:t>
             </a:r>
             <a:endParaRPr lang="en-US" dirty="0"/>
@@ -8344,7 +8344,7 @@
                 </a:solidFill>
               </a:rPr>
               <a:pPr/>
-              <a:t>16-10-2019</a:t>
+              <a:t>17-10-2019</a:t>
             </a:fld>
             <a:endParaRPr lang="en-IN">
               <a:solidFill>
@@ -8526,7 +8526,7 @@
           <a:lstStyle/>
           <a:p>
             <a:r>
-              <a:rPr lang="en-US"/>
+              <a:rPr lang="en-US" smtClean="0"/>
               <a:t>Click to edit Master title style</a:t>
             </a:r>
             <a:endParaRPr lang="en-US" dirty="0"/>
@@ -8550,35 +8550,35 @@
           <a:p>
             <a:pPr lvl="0"/>
             <a:r>
-              <a:rPr lang="en-US"/>
+              <a:rPr lang="en-US" smtClean="0"/>
               <a:t>Click to edit Master text styles</a:t>
             </a:r>
           </a:p>
           <a:p>
             <a:pPr lvl="1"/>
             <a:r>
-              <a:rPr lang="en-US"/>
+              <a:rPr lang="en-US" smtClean="0"/>
               <a:t>Second level</a:t>
             </a:r>
           </a:p>
           <a:p>
             <a:pPr lvl="2"/>
             <a:r>
-              <a:rPr lang="en-US"/>
+              <a:rPr lang="en-US" smtClean="0"/>
               <a:t>Third level</a:t>
             </a:r>
           </a:p>
           <a:p>
             <a:pPr lvl="3"/>
             <a:r>
-              <a:rPr lang="en-US"/>
+              <a:rPr lang="en-US" smtClean="0"/>
               <a:t>Fourth level</a:t>
             </a:r>
           </a:p>
           <a:p>
             <a:pPr lvl="4"/>
             <a:r>
-              <a:rPr lang="en-US"/>
+              <a:rPr lang="en-US" smtClean="0"/>
               <a:t>Fifth level</a:t>
             </a:r>
             <a:endParaRPr lang="en-US" dirty="0"/>
@@ -8610,7 +8610,7 @@
                 </a:solidFill>
               </a:rPr>
               <a:pPr/>
-              <a:t>16-10-2019</a:t>
+              <a:t>17-10-2019</a:t>
             </a:fld>
             <a:endParaRPr lang="en-IN">
               <a:solidFill>
@@ -8747,7 +8747,7 @@
           </a:lstStyle>
           <a:p>
             <a:r>
-              <a:rPr lang="en-US"/>
+              <a:rPr lang="en-US" smtClean="0"/>
               <a:t>Click to edit Master title style</a:t>
             </a:r>
             <a:endParaRPr lang="en-US" dirty="0"/>
@@ -8870,7 +8870,7 @@
           <a:p>
             <a:pPr lvl="0"/>
             <a:r>
-              <a:rPr lang="en-US"/>
+              <a:rPr lang="en-US" smtClean="0"/>
               <a:t>Click to edit Master text styles</a:t>
             </a:r>
           </a:p>
@@ -8901,7 +8901,7 @@
                 </a:solidFill>
               </a:rPr>
               <a:pPr/>
-              <a:t>16-10-2019</a:t>
+              <a:t>17-10-2019</a:t>
             </a:fld>
             <a:endParaRPr lang="en-IN">
               <a:solidFill>
@@ -9067,7 +9067,7 @@
           <a:lstStyle/>
           <a:p>
             <a:r>
-              <a:rPr lang="en-US"/>
+              <a:rPr lang="en-US" smtClean="0"/>
               <a:t>Click to edit Master title style</a:t>
             </a:r>
             <a:endParaRPr lang="en-US" dirty="0"/>
@@ -9124,35 +9124,35 @@
           <a:p>
             <a:pPr lvl="0"/>
             <a:r>
-              <a:rPr lang="en-US"/>
+              <a:rPr lang="en-US" smtClean="0"/>
               <a:t>Click to edit Master text styles</a:t>
             </a:r>
           </a:p>
           <a:p>
             <a:pPr lvl="1"/>
             <a:r>
-              <a:rPr lang="en-US"/>
+              <a:rPr lang="en-US" smtClean="0"/>
               <a:t>Second level</a:t>
             </a:r>
           </a:p>
           <a:p>
             <a:pPr lvl="2"/>
             <a:r>
-              <a:rPr lang="en-US"/>
+              <a:rPr lang="en-US" smtClean="0"/>
               <a:t>Third level</a:t>
             </a:r>
           </a:p>
           <a:p>
             <a:pPr lvl="3"/>
             <a:r>
-              <a:rPr lang="en-US"/>
+              <a:rPr lang="en-US" smtClean="0"/>
               <a:t>Fourth level</a:t>
             </a:r>
           </a:p>
           <a:p>
             <a:pPr lvl="4"/>
             <a:r>
-              <a:rPr lang="en-US"/>
+              <a:rPr lang="en-US" smtClean="0"/>
               <a:t>Fifth level</a:t>
             </a:r>
             <a:endParaRPr lang="en-US" dirty="0"/>
@@ -9209,35 +9209,35 @@
           <a:p>
             <a:pPr lvl="0"/>
             <a:r>
-              <a:rPr lang="en-US"/>
+              <a:rPr lang="en-US" smtClean="0"/>
               <a:t>Click to edit Master text styles</a:t>
             </a:r>
           </a:p>
           <a:p>
             <a:pPr lvl="1"/>
             <a:r>
-              <a:rPr lang="en-US"/>
+              <a:rPr lang="en-US" smtClean="0"/>
               <a:t>Second level</a:t>
             </a:r>
           </a:p>
           <a:p>
             <a:pPr lvl="2"/>
             <a:r>
-              <a:rPr lang="en-US"/>
+              <a:rPr lang="en-US" smtClean="0"/>
               <a:t>Third level</a:t>
             </a:r>
           </a:p>
           <a:p>
             <a:pPr lvl="3"/>
             <a:r>
-              <a:rPr lang="en-US"/>
+              <a:rPr lang="en-US" smtClean="0"/>
               <a:t>Fourth level</a:t>
             </a:r>
           </a:p>
           <a:p>
             <a:pPr lvl="4"/>
             <a:r>
-              <a:rPr lang="en-US"/>
+              <a:rPr lang="en-US" smtClean="0"/>
               <a:t>Fifth level</a:t>
             </a:r>
             <a:endParaRPr lang="en-US" dirty="0"/>
@@ -9269,7 +9269,7 @@
                 </a:solidFill>
               </a:rPr>
               <a:pPr/>
-              <a:t>16-10-2019</a:t>
+              <a:t>17-10-2019</a:t>
             </a:fld>
             <a:endParaRPr lang="en-IN">
               <a:solidFill>
@@ -9392,7 +9392,7 @@
           <a:lstStyle/>
           <a:p>
             <a:r>
-              <a:rPr lang="en-US"/>
+              <a:rPr lang="en-US" smtClean="0"/>
               <a:t>Click to edit Master title style</a:t>
             </a:r>
             <a:endParaRPr lang="en-US" dirty="0"/>
@@ -9467,7 +9467,7 @@
           <a:p>
             <a:pPr lvl="0"/>
             <a:r>
-              <a:rPr lang="en-US"/>
+              <a:rPr lang="en-US" smtClean="0"/>
               <a:t>Click to edit Master text styles</a:t>
             </a:r>
           </a:p>
@@ -9523,35 +9523,35 @@
           <a:p>
             <a:pPr lvl="0"/>
             <a:r>
-              <a:rPr lang="en-US"/>
+              <a:rPr lang="en-US" smtClean="0"/>
               <a:t>Click to edit Master text styles</a:t>
             </a:r>
           </a:p>
           <a:p>
             <a:pPr lvl="1"/>
             <a:r>
-              <a:rPr lang="en-US"/>
+              <a:rPr lang="en-US" smtClean="0"/>
               <a:t>Second level</a:t>
             </a:r>
           </a:p>
           <a:p>
             <a:pPr lvl="2"/>
             <a:r>
-              <a:rPr lang="en-US"/>
+              <a:rPr lang="en-US" smtClean="0"/>
               <a:t>Third level</a:t>
             </a:r>
           </a:p>
           <a:p>
             <a:pPr lvl="3"/>
             <a:r>
-              <a:rPr lang="en-US"/>
+              <a:rPr lang="en-US" smtClean="0"/>
               <a:t>Fourth level</a:t>
             </a:r>
           </a:p>
           <a:p>
             <a:pPr lvl="4"/>
             <a:r>
-              <a:rPr lang="en-US"/>
+              <a:rPr lang="en-US" smtClean="0"/>
               <a:t>Fifth level</a:t>
             </a:r>
             <a:endParaRPr lang="en-US" dirty="0"/>
@@ -9641,7 +9641,7 @@
               <a:buNone/>
             </a:pPr>
             <a:r>
-              <a:rPr lang="en-US"/>
+              <a:rPr lang="en-US" smtClean="0"/>
               <a:t>Click to edit Master text styles</a:t>
             </a:r>
           </a:p>
@@ -9697,35 +9697,35 @@
           <a:p>
             <a:pPr lvl="0"/>
             <a:r>
-              <a:rPr lang="en-US"/>
+              <a:rPr lang="en-US" smtClean="0"/>
               <a:t>Click to edit Master text styles</a:t>
             </a:r>
           </a:p>
           <a:p>
             <a:pPr lvl="1"/>
             <a:r>
-              <a:rPr lang="en-US"/>
+              <a:rPr lang="en-US" smtClean="0"/>
               <a:t>Second level</a:t>
             </a:r>
           </a:p>
           <a:p>
             <a:pPr lvl="2"/>
             <a:r>
-              <a:rPr lang="en-US"/>
+              <a:rPr lang="en-US" smtClean="0"/>
               <a:t>Third level</a:t>
             </a:r>
           </a:p>
           <a:p>
             <a:pPr lvl="3"/>
             <a:r>
-              <a:rPr lang="en-US"/>
+              <a:rPr lang="en-US" smtClean="0"/>
               <a:t>Fourth level</a:t>
             </a:r>
           </a:p>
           <a:p>
             <a:pPr lvl="4"/>
             <a:r>
-              <a:rPr lang="en-US"/>
+              <a:rPr lang="en-US" smtClean="0"/>
               <a:t>Fifth level</a:t>
             </a:r>
             <a:endParaRPr lang="en-US" dirty="0"/>
@@ -9757,7 +9757,7 @@
                 </a:solidFill>
               </a:rPr>
               <a:pPr/>
-              <a:t>16-10-2019</a:t>
+              <a:t>17-10-2019</a:t>
             </a:fld>
             <a:endParaRPr lang="en-IN">
               <a:solidFill>
@@ -9880,7 +9880,7 @@
           <a:lstStyle/>
           <a:p>
             <a:r>
-              <a:rPr lang="en-US"/>
+              <a:rPr lang="en-US" smtClean="0"/>
               <a:t>Click to edit Master title style</a:t>
             </a:r>
             <a:endParaRPr lang="en-US" dirty="0"/>
@@ -9912,7 +9912,7 @@
                 </a:solidFill>
               </a:rPr>
               <a:pPr/>
-              <a:t>16-10-2019</a:t>
+              <a:t>17-10-2019</a:t>
             </a:fld>
             <a:endParaRPr lang="en-IN">
               <a:solidFill>
@@ -10035,7 +10035,7 @@
           <a:lstStyle/>
           <a:p>
             <a:r>
-              <a:rPr lang="en-US"/>
+              <a:rPr lang="en-US" smtClean="0"/>
               <a:t>Click to edit Master title style</a:t>
             </a:r>
             <a:endParaRPr lang="en-US" dirty="0"/>
@@ -10064,35 +10064,35 @@
           <a:p>
             <a:pPr lvl="0"/>
             <a:r>
-              <a:rPr lang="en-US"/>
+              <a:rPr lang="en-US" smtClean="0"/>
               <a:t>Click to edit Master text styles</a:t>
             </a:r>
           </a:p>
           <a:p>
             <a:pPr lvl="1"/>
             <a:r>
-              <a:rPr lang="en-US"/>
+              <a:rPr lang="en-US" smtClean="0"/>
               <a:t>Second level</a:t>
             </a:r>
           </a:p>
           <a:p>
             <a:pPr lvl="2"/>
             <a:r>
-              <a:rPr lang="en-US"/>
+              <a:rPr lang="en-US" smtClean="0"/>
               <a:t>Third level</a:t>
             </a:r>
           </a:p>
           <a:p>
             <a:pPr lvl="3"/>
             <a:r>
-              <a:rPr lang="en-US"/>
+              <a:rPr lang="en-US" smtClean="0"/>
               <a:t>Fourth level</a:t>
             </a:r>
           </a:p>
           <a:p>
             <a:pPr lvl="4"/>
             <a:r>
-              <a:rPr lang="en-US"/>
+              <a:rPr lang="en-US" smtClean="0"/>
               <a:t>Fifth level</a:t>
             </a:r>
             <a:endParaRPr lang="en-US" dirty="0"/>
@@ -10121,35 +10121,35 @@
           <a:p>
             <a:pPr lvl="0"/>
             <a:r>
-              <a:rPr lang="en-US"/>
+              <a:rPr lang="en-US" smtClean="0"/>
               <a:t>Click to edit Master text styles</a:t>
             </a:r>
           </a:p>
           <a:p>
             <a:pPr lvl="1"/>
             <a:r>
-              <a:rPr lang="en-US"/>
+              <a:rPr lang="en-US" smtClean="0"/>
               <a:t>Second level</a:t>
             </a:r>
           </a:p>
           <a:p>
             <a:pPr lvl="2"/>
             <a:r>
-              <a:rPr lang="en-US"/>
+              <a:rPr lang="en-US" smtClean="0"/>
               <a:t>Third level</a:t>
             </a:r>
           </a:p>
           <a:p>
             <a:pPr lvl="3"/>
             <a:r>
-              <a:rPr lang="en-US"/>
+              <a:rPr lang="en-US" smtClean="0"/>
               <a:t>Fourth level</a:t>
             </a:r>
           </a:p>
           <a:p>
             <a:pPr lvl="4"/>
             <a:r>
-              <a:rPr lang="en-US"/>
+              <a:rPr lang="en-US" smtClean="0"/>
               <a:t>Fifth level</a:t>
             </a:r>
             <a:endParaRPr lang="en-US" dirty="0"/>
@@ -10173,7 +10173,7 @@
           <a:p>
             <a:fld id="{098A657A-EBD1-4E77-8896-55A16BF08872}" type="datetimeFigureOut">
               <a:rPr lang="en-IN" smtClean="0"/>
-              <a:t>16-10-2019</a:t>
+              <a:t>17-10-2019</a:t>
             </a:fld>
             <a:endParaRPr lang="en-IN"/>
           </a:p>
@@ -10276,7 +10276,7 @@
                 </a:solidFill>
               </a:rPr>
               <a:pPr/>
-              <a:t>16-10-2019</a:t>
+              <a:t>17-10-2019</a:t>
             </a:fld>
             <a:endParaRPr lang="en-IN">
               <a:solidFill>
@@ -10410,7 +10410,7 @@
           </a:lstStyle>
           <a:p>
             <a:r>
-              <a:rPr lang="en-US"/>
+              <a:rPr lang="en-US" smtClean="0"/>
               <a:t>Click to edit Master title style</a:t>
             </a:r>
             <a:endParaRPr lang="en-US" dirty="0"/>
@@ -10467,35 +10467,35 @@
           <a:p>
             <a:pPr lvl="0"/>
             <a:r>
-              <a:rPr lang="en-US"/>
+              <a:rPr lang="en-US" smtClean="0"/>
               <a:t>Click to edit Master text styles</a:t>
             </a:r>
           </a:p>
           <a:p>
             <a:pPr lvl="1"/>
             <a:r>
-              <a:rPr lang="en-US"/>
+              <a:rPr lang="en-US" smtClean="0"/>
               <a:t>Second level</a:t>
             </a:r>
           </a:p>
           <a:p>
             <a:pPr lvl="2"/>
             <a:r>
-              <a:rPr lang="en-US"/>
+              <a:rPr lang="en-US" smtClean="0"/>
               <a:t>Third level</a:t>
             </a:r>
           </a:p>
           <a:p>
             <a:pPr lvl="3"/>
             <a:r>
-              <a:rPr lang="en-US"/>
+              <a:rPr lang="en-US" smtClean="0"/>
               <a:t>Fourth level</a:t>
             </a:r>
           </a:p>
           <a:p>
             <a:pPr lvl="4"/>
             <a:r>
-              <a:rPr lang="en-US"/>
+              <a:rPr lang="en-US" smtClean="0"/>
               <a:t>Fifth level</a:t>
             </a:r>
             <a:endParaRPr lang="en-US" dirty="0"/>
@@ -10569,7 +10569,7 @@
           <a:p>
             <a:pPr lvl="0"/>
             <a:r>
-              <a:rPr lang="en-US"/>
+              <a:rPr lang="en-US" smtClean="0"/>
               <a:t>Click to edit Master text styles</a:t>
             </a:r>
           </a:p>
@@ -10600,7 +10600,7 @@
                 </a:solidFill>
               </a:rPr>
               <a:pPr/>
-              <a:t>16-10-2019</a:t>
+              <a:t>17-10-2019</a:t>
             </a:fld>
             <a:endParaRPr lang="en-IN">
               <a:solidFill>
@@ -10776,7 +10776,7 @@
           </a:lstStyle>
           <a:p>
             <a:r>
-              <a:rPr lang="en-US"/>
+              <a:rPr lang="en-US" smtClean="0"/>
               <a:t>Click to edit Master title style</a:t>
             </a:r>
             <a:endParaRPr lang="en-US" dirty="0"/>
@@ -10848,7 +10848,7 @@
           </a:lstStyle>
           <a:p>
             <a:r>
-              <a:rPr lang="en-US"/>
+              <a:rPr lang="en-US" smtClean="0"/>
               <a:t>Click icon to add picture</a:t>
             </a:r>
             <a:endParaRPr lang="en-US" dirty="0"/>
@@ -10928,7 +10928,7 @@
           <a:p>
             <a:pPr lvl="0"/>
             <a:r>
-              <a:rPr lang="en-US"/>
+              <a:rPr lang="en-US" smtClean="0"/>
               <a:t>Click to edit Master text styles</a:t>
             </a:r>
           </a:p>
@@ -10959,7 +10959,7 @@
                 </a:solidFill>
               </a:rPr>
               <a:pPr/>
-              <a:t>16-10-2019</a:t>
+              <a:t>17-10-2019</a:t>
             </a:fld>
             <a:endParaRPr lang="en-IN">
               <a:solidFill>
@@ -11082,7 +11082,7 @@
           <a:lstStyle/>
           <a:p>
             <a:r>
-              <a:rPr lang="en-US"/>
+              <a:rPr lang="en-US" smtClean="0"/>
               <a:t>Click to edit Master title style</a:t>
             </a:r>
             <a:endParaRPr lang="en-US" dirty="0"/>
@@ -11106,35 +11106,35 @@
           <a:p>
             <a:pPr lvl="0"/>
             <a:r>
-              <a:rPr lang="en-US"/>
+              <a:rPr lang="en-US" smtClean="0"/>
               <a:t>Click to edit Master text styles</a:t>
             </a:r>
           </a:p>
           <a:p>
             <a:pPr lvl="1"/>
             <a:r>
-              <a:rPr lang="en-US"/>
+              <a:rPr lang="en-US" smtClean="0"/>
               <a:t>Second level</a:t>
             </a:r>
           </a:p>
           <a:p>
             <a:pPr lvl="2"/>
             <a:r>
-              <a:rPr lang="en-US"/>
+              <a:rPr lang="en-US" smtClean="0"/>
               <a:t>Third level</a:t>
             </a:r>
           </a:p>
           <a:p>
             <a:pPr lvl="3"/>
             <a:r>
-              <a:rPr lang="en-US"/>
+              <a:rPr lang="en-US" smtClean="0"/>
               <a:t>Fourth level</a:t>
             </a:r>
           </a:p>
           <a:p>
             <a:pPr lvl="4"/>
             <a:r>
-              <a:rPr lang="en-US"/>
+              <a:rPr lang="en-US" smtClean="0"/>
               <a:t>Fifth level</a:t>
             </a:r>
             <a:endParaRPr lang="en-US" dirty="0"/>
@@ -11166,7 +11166,7 @@
                 </a:solidFill>
               </a:rPr>
               <a:pPr/>
-              <a:t>16-10-2019</a:t>
+              <a:t>17-10-2019</a:t>
             </a:fld>
             <a:endParaRPr lang="en-IN">
               <a:solidFill>
@@ -11294,7 +11294,7 @@
           <a:lstStyle/>
           <a:p>
             <a:r>
-              <a:rPr lang="en-US"/>
+              <a:rPr lang="en-US" smtClean="0"/>
               <a:t>Click to edit Master title style</a:t>
             </a:r>
             <a:endParaRPr lang="en-US" dirty="0"/>
@@ -11323,35 +11323,35 @@
           <a:p>
             <a:pPr lvl="0"/>
             <a:r>
-              <a:rPr lang="en-US"/>
+              <a:rPr lang="en-US" smtClean="0"/>
               <a:t>Click to edit Master text styles</a:t>
             </a:r>
           </a:p>
           <a:p>
             <a:pPr lvl="1"/>
             <a:r>
-              <a:rPr lang="en-US"/>
+              <a:rPr lang="en-US" smtClean="0"/>
               <a:t>Second level</a:t>
             </a:r>
           </a:p>
           <a:p>
             <a:pPr lvl="2"/>
             <a:r>
-              <a:rPr lang="en-US"/>
+              <a:rPr lang="en-US" smtClean="0"/>
               <a:t>Third level</a:t>
             </a:r>
           </a:p>
           <a:p>
             <a:pPr lvl="3"/>
             <a:r>
-              <a:rPr lang="en-US"/>
+              <a:rPr lang="en-US" smtClean="0"/>
               <a:t>Fourth level</a:t>
             </a:r>
           </a:p>
           <a:p>
             <a:pPr lvl="4"/>
             <a:r>
-              <a:rPr lang="en-US"/>
+              <a:rPr lang="en-US" smtClean="0"/>
               <a:t>Fifth level</a:t>
             </a:r>
             <a:endParaRPr lang="en-US" dirty="0"/>
@@ -11383,7 +11383,7 @@
                 </a:solidFill>
               </a:rPr>
               <a:pPr/>
-              <a:t>16-10-2019</a:t>
+              <a:t>17-10-2019</a:t>
             </a:fld>
             <a:endParaRPr lang="en-IN">
               <a:solidFill>
@@ -11516,7 +11516,7 @@
           <a:lstStyle/>
           <a:p>
             <a:r>
-              <a:rPr lang="en-US"/>
+              <a:rPr lang="en-US" smtClean="0"/>
               <a:t>Click to edit Master title style</a:t>
             </a:r>
             <a:endParaRPr lang="en-US" dirty="0"/>
@@ -11597,7 +11597,7 @@
           <a:p>
             <a:pPr lvl="0"/>
             <a:r>
-              <a:rPr lang="en-US"/>
+              <a:rPr lang="en-US" smtClean="0"/>
               <a:t>Click to edit Master text styles</a:t>
             </a:r>
           </a:p>
@@ -11625,35 +11625,35 @@
           <a:p>
             <a:pPr lvl="0"/>
             <a:r>
-              <a:rPr lang="en-US"/>
+              <a:rPr lang="en-US" smtClean="0"/>
               <a:t>Click to edit Master text styles</a:t>
             </a:r>
           </a:p>
           <a:p>
             <a:pPr lvl="1"/>
             <a:r>
-              <a:rPr lang="en-US"/>
+              <a:rPr lang="en-US" smtClean="0"/>
               <a:t>Second level</a:t>
             </a:r>
           </a:p>
           <a:p>
             <a:pPr lvl="2"/>
             <a:r>
-              <a:rPr lang="en-US"/>
+              <a:rPr lang="en-US" smtClean="0"/>
               <a:t>Third level</a:t>
             </a:r>
           </a:p>
           <a:p>
             <a:pPr lvl="3"/>
             <a:r>
-              <a:rPr lang="en-US"/>
+              <a:rPr lang="en-US" smtClean="0"/>
               <a:t>Fourth level</a:t>
             </a:r>
           </a:p>
           <a:p>
             <a:pPr lvl="4"/>
             <a:r>
-              <a:rPr lang="en-US"/>
+              <a:rPr lang="en-US" smtClean="0"/>
               <a:t>Fifth level</a:t>
             </a:r>
             <a:endParaRPr lang="en-US" dirty="0"/>
@@ -11728,7 +11728,7 @@
           <a:p>
             <a:pPr lvl="0"/>
             <a:r>
-              <a:rPr lang="en-US"/>
+              <a:rPr lang="en-US" smtClean="0"/>
               <a:t>Click to edit Master text styles</a:t>
             </a:r>
           </a:p>
@@ -11756,35 +11756,35 @@
           <a:p>
             <a:pPr lvl="0"/>
             <a:r>
-              <a:rPr lang="en-US"/>
+              <a:rPr lang="en-US" smtClean="0"/>
               <a:t>Click to edit Master text styles</a:t>
             </a:r>
           </a:p>
           <a:p>
             <a:pPr lvl="1"/>
             <a:r>
-              <a:rPr lang="en-US"/>
+              <a:rPr lang="en-US" smtClean="0"/>
               <a:t>Second level</a:t>
             </a:r>
           </a:p>
           <a:p>
             <a:pPr lvl="2"/>
             <a:r>
-              <a:rPr lang="en-US"/>
+              <a:rPr lang="en-US" smtClean="0"/>
               <a:t>Third level</a:t>
             </a:r>
           </a:p>
           <a:p>
             <a:pPr lvl="3"/>
             <a:r>
-              <a:rPr lang="en-US"/>
+              <a:rPr lang="en-US" smtClean="0"/>
               <a:t>Fourth level</a:t>
             </a:r>
           </a:p>
           <a:p>
             <a:pPr lvl="4"/>
             <a:r>
-              <a:rPr lang="en-US"/>
+              <a:rPr lang="en-US" smtClean="0"/>
               <a:t>Fifth level</a:t>
             </a:r>
             <a:endParaRPr lang="en-US" dirty="0"/>
@@ -11808,7 +11808,7 @@
           <a:p>
             <a:fld id="{098A657A-EBD1-4E77-8896-55A16BF08872}" type="datetimeFigureOut">
               <a:rPr lang="en-IN" smtClean="0"/>
-              <a:t>16-10-2019</a:t>
+              <a:t>17-10-2019</a:t>
             </a:fld>
             <a:endParaRPr lang="en-IN"/>
           </a:p>
@@ -11902,7 +11902,7 @@
           <a:lstStyle/>
           <a:p>
             <a:r>
-              <a:rPr lang="en-US"/>
+              <a:rPr lang="en-US" smtClean="0"/>
               <a:t>Click to edit Master title style</a:t>
             </a:r>
             <a:endParaRPr lang="en-US" dirty="0"/>
@@ -11926,7 +11926,7 @@
           <a:p>
             <a:fld id="{098A657A-EBD1-4E77-8896-55A16BF08872}" type="datetimeFigureOut">
               <a:rPr lang="en-IN" smtClean="0"/>
-              <a:t>16-10-2019</a:t>
+              <a:t>17-10-2019</a:t>
             </a:fld>
             <a:endParaRPr lang="en-IN"/>
           </a:p>
@@ -12021,7 +12021,7 @@
           <a:p>
             <a:fld id="{098A657A-EBD1-4E77-8896-55A16BF08872}" type="datetimeFigureOut">
               <a:rPr lang="en-IN" smtClean="0"/>
-              <a:t>16-10-2019</a:t>
+              <a:t>17-10-2019</a:t>
             </a:fld>
             <a:endParaRPr lang="en-IN"/>
           </a:p>
@@ -12129,7 +12129,7 @@
           </a:lstStyle>
           <a:p>
             <a:r>
-              <a:rPr lang="en-US"/>
+              <a:rPr lang="en-US" smtClean="0"/>
               <a:t>Click to edit Master title style</a:t>
             </a:r>
             <a:endParaRPr lang="en-US" dirty="0"/>
@@ -12201,35 +12201,35 @@
           <a:p>
             <a:pPr lvl="0"/>
             <a:r>
-              <a:rPr lang="en-US"/>
+              <a:rPr lang="en-US" smtClean="0"/>
               <a:t>Click to edit Master text styles</a:t>
             </a:r>
           </a:p>
           <a:p>
             <a:pPr lvl="1"/>
             <a:r>
-              <a:rPr lang="en-US"/>
+              <a:rPr lang="en-US" smtClean="0"/>
               <a:t>Second level</a:t>
             </a:r>
           </a:p>
           <a:p>
             <a:pPr lvl="2"/>
             <a:r>
-              <a:rPr lang="en-US"/>
+              <a:rPr lang="en-US" smtClean="0"/>
               <a:t>Third level</a:t>
             </a:r>
           </a:p>
           <a:p>
             <a:pPr lvl="3"/>
             <a:r>
-              <a:rPr lang="en-US"/>
+              <a:rPr lang="en-US" smtClean="0"/>
               <a:t>Fourth level</a:t>
             </a:r>
           </a:p>
           <a:p>
             <a:pPr lvl="4"/>
             <a:r>
-              <a:rPr lang="en-US"/>
+              <a:rPr lang="en-US" smtClean="0"/>
               <a:t>Fifth level</a:t>
             </a:r>
             <a:endParaRPr lang="en-US" dirty="0"/>
@@ -12298,7 +12298,7 @@
           <a:p>
             <a:pPr lvl="0"/>
             <a:r>
-              <a:rPr lang="en-US"/>
+              <a:rPr lang="en-US" smtClean="0"/>
               <a:t>Click to edit Master text styles</a:t>
             </a:r>
           </a:p>
@@ -12321,7 +12321,7 @@
           <a:p>
             <a:fld id="{098A657A-EBD1-4E77-8896-55A16BF08872}" type="datetimeFigureOut">
               <a:rPr lang="en-IN" smtClean="0"/>
-              <a:t>16-10-2019</a:t>
+              <a:t>17-10-2019</a:t>
             </a:fld>
             <a:endParaRPr lang="en-IN"/>
           </a:p>
@@ -12429,7 +12429,7 @@
           </a:lstStyle>
           <a:p>
             <a:r>
-              <a:rPr lang="en-US"/>
+              <a:rPr lang="en-US" smtClean="0"/>
               <a:t>Click to edit Master title style</a:t>
             </a:r>
             <a:endParaRPr lang="en-US" dirty="0"/>
@@ -12494,7 +12494,7 @@
           </a:lstStyle>
           <a:p>
             <a:r>
-              <a:rPr lang="en-US"/>
+              <a:rPr lang="en-US" smtClean="0"/>
               <a:t>Click icon to add picture</a:t>
             </a:r>
             <a:endParaRPr lang="en-US" dirty="0"/>
@@ -12563,7 +12563,7 @@
           <a:p>
             <a:pPr lvl="0"/>
             <a:r>
-              <a:rPr lang="en-US"/>
+              <a:rPr lang="en-US" smtClean="0"/>
               <a:t>Click to edit Master text styles</a:t>
             </a:r>
           </a:p>
@@ -12586,7 +12586,7 @@
           <a:p>
             <a:fld id="{098A657A-EBD1-4E77-8896-55A16BF08872}" type="datetimeFigureOut">
               <a:rPr lang="en-IN" smtClean="0"/>
-              <a:t>16-10-2019</a:t>
+              <a:t>17-10-2019</a:t>
             </a:fld>
             <a:endParaRPr lang="en-IN"/>
           </a:p>
@@ -12898,7 +12898,7 @@
           <a:lstStyle/>
           <a:p>
             <a:r>
-              <a:rPr lang="en-US"/>
+              <a:rPr lang="en-US" smtClean="0"/>
               <a:t>Click to edit Master title style</a:t>
             </a:r>
             <a:endParaRPr lang="en-US" dirty="0"/>
@@ -12932,35 +12932,35 @@
           <a:p>
             <a:pPr lvl="0"/>
             <a:r>
-              <a:rPr lang="en-US"/>
+              <a:rPr lang="en-US" smtClean="0"/>
               <a:t>Click to edit Master text styles</a:t>
             </a:r>
           </a:p>
           <a:p>
             <a:pPr lvl="1"/>
             <a:r>
-              <a:rPr lang="en-US"/>
+              <a:rPr lang="en-US" smtClean="0"/>
               <a:t>Second level</a:t>
             </a:r>
           </a:p>
           <a:p>
             <a:pPr lvl="2"/>
             <a:r>
-              <a:rPr lang="en-US"/>
+              <a:rPr lang="en-US" smtClean="0"/>
               <a:t>Third level</a:t>
             </a:r>
           </a:p>
           <a:p>
             <a:pPr lvl="3"/>
             <a:r>
-              <a:rPr lang="en-US"/>
+              <a:rPr lang="en-US" smtClean="0"/>
               <a:t>Fourth level</a:t>
             </a:r>
           </a:p>
           <a:p>
             <a:pPr lvl="4"/>
             <a:r>
-              <a:rPr lang="en-US"/>
+              <a:rPr lang="en-US" smtClean="0"/>
               <a:t>Fifth level</a:t>
             </a:r>
             <a:endParaRPr lang="en-US" dirty="0"/>
@@ -13004,7 +13004,7 @@
           <a:p>
             <a:fld id="{098A657A-EBD1-4E77-8896-55A16BF08872}" type="datetimeFigureOut">
               <a:rPr lang="en-IN" smtClean="0"/>
-              <a:t>16-10-2019</a:t>
+              <a:t>17-10-2019</a:t>
             </a:fld>
             <a:endParaRPr lang="en-IN"/>
           </a:p>
@@ -13458,7 +13458,7 @@
       </a:lvl9pPr>
     </p:otherStyle>
   </p:txStyles>
-  <p:extLst>
+  <p:extLst mod="1">
     <p:ext uri="{27BBF7A9-308A-43DC-89C8-2F10F3537804}">
       <p15:sldGuideLst xmlns:p15="http://schemas.microsoft.com/office/powerpoint/2012/main">
         <p15:guide id="1" pos="2832">
@@ -13580,7 +13580,7 @@
           <a:lstStyle/>
           <a:p>
             <a:r>
-              <a:rPr lang="en-US"/>
+              <a:rPr lang="en-US" smtClean="0"/>
               <a:t>Click to edit Master title style</a:t>
             </a:r>
             <a:endParaRPr lang="en-US" dirty="0"/>
@@ -13614,35 +13614,35 @@
           <a:p>
             <a:pPr lvl="0"/>
             <a:r>
-              <a:rPr lang="en-US"/>
+              <a:rPr lang="en-US" smtClean="0"/>
               <a:t>Click to edit Master text styles</a:t>
             </a:r>
           </a:p>
           <a:p>
             <a:pPr lvl="1"/>
             <a:r>
-              <a:rPr lang="en-US"/>
+              <a:rPr lang="en-US" smtClean="0"/>
               <a:t>Second level</a:t>
             </a:r>
           </a:p>
           <a:p>
             <a:pPr lvl="2"/>
             <a:r>
-              <a:rPr lang="en-US"/>
+              <a:rPr lang="en-US" smtClean="0"/>
               <a:t>Third level</a:t>
             </a:r>
           </a:p>
           <a:p>
             <a:pPr lvl="3"/>
             <a:r>
-              <a:rPr lang="en-US"/>
+              <a:rPr lang="en-US" smtClean="0"/>
               <a:t>Fourth level</a:t>
             </a:r>
           </a:p>
           <a:p>
             <a:pPr lvl="4"/>
             <a:r>
-              <a:rPr lang="en-US"/>
+              <a:rPr lang="en-US" smtClean="0"/>
               <a:t>Fifth level</a:t>
             </a:r>
             <a:endParaRPr lang="en-US" dirty="0"/>
@@ -13693,7 +13693,7 @@
                 </a:solidFill>
               </a:rPr>
               <a:pPr/>
-              <a:t>16-10-2019</a:t>
+              <a:t>17-10-2019</a:t>
             </a:fld>
             <a:endParaRPr lang="en-IN">
               <a:solidFill>
@@ -14286,7 +14286,7 @@
           <a:lstStyle/>
           <a:p>
             <a:r>
-              <a:rPr lang="en-US"/>
+              <a:rPr lang="en-US" smtClean="0"/>
               <a:t>Click to edit Master title style</a:t>
             </a:r>
             <a:endParaRPr lang="en-US" dirty="0"/>
@@ -14320,35 +14320,35 @@
           <a:p>
             <a:pPr lvl="0"/>
             <a:r>
-              <a:rPr lang="en-US"/>
+              <a:rPr lang="en-US" smtClean="0"/>
               <a:t>Click to edit Master text styles</a:t>
             </a:r>
           </a:p>
           <a:p>
             <a:pPr lvl="1"/>
             <a:r>
-              <a:rPr lang="en-US"/>
+              <a:rPr lang="en-US" smtClean="0"/>
               <a:t>Second level</a:t>
             </a:r>
           </a:p>
           <a:p>
             <a:pPr lvl="2"/>
             <a:r>
-              <a:rPr lang="en-US"/>
+              <a:rPr lang="en-US" smtClean="0"/>
               <a:t>Third level</a:t>
             </a:r>
           </a:p>
           <a:p>
             <a:pPr lvl="3"/>
             <a:r>
-              <a:rPr lang="en-US"/>
+              <a:rPr lang="en-US" smtClean="0"/>
               <a:t>Fourth level</a:t>
             </a:r>
           </a:p>
           <a:p>
             <a:pPr lvl="4"/>
             <a:r>
-              <a:rPr lang="en-US"/>
+              <a:rPr lang="en-US" smtClean="0"/>
               <a:t>Fifth level</a:t>
             </a:r>
             <a:endParaRPr lang="en-US" dirty="0"/>
@@ -14399,7 +14399,7 @@
                 </a:solidFill>
               </a:rPr>
               <a:pPr/>
-              <a:t>16-10-2019</a:t>
+              <a:t>17-10-2019</a:t>
             </a:fld>
             <a:endParaRPr lang="en-IN">
               <a:solidFill>
@@ -14992,7 +14992,7 @@
           <a:lstStyle/>
           <a:p>
             <a:r>
-              <a:rPr lang="en-US"/>
+              <a:rPr lang="en-US" smtClean="0"/>
               <a:t>Click to edit Master title style</a:t>
             </a:r>
             <a:endParaRPr lang="en-US" dirty="0"/>
@@ -15026,35 +15026,35 @@
           <a:p>
             <a:pPr lvl="0"/>
             <a:r>
-              <a:rPr lang="en-US"/>
+              <a:rPr lang="en-US" smtClean="0"/>
               <a:t>Click to edit Master text styles</a:t>
             </a:r>
           </a:p>
           <a:p>
             <a:pPr lvl="1"/>
             <a:r>
-              <a:rPr lang="en-US"/>
+              <a:rPr lang="en-US" smtClean="0"/>
               <a:t>Second level</a:t>
             </a:r>
           </a:p>
           <a:p>
             <a:pPr lvl="2"/>
             <a:r>
-              <a:rPr lang="en-US"/>
+              <a:rPr lang="en-US" smtClean="0"/>
               <a:t>Third level</a:t>
             </a:r>
           </a:p>
           <a:p>
             <a:pPr lvl="3"/>
             <a:r>
-              <a:rPr lang="en-US"/>
+              <a:rPr lang="en-US" smtClean="0"/>
               <a:t>Fourth level</a:t>
             </a:r>
           </a:p>
           <a:p>
             <a:pPr lvl="4"/>
             <a:r>
-              <a:rPr lang="en-US"/>
+              <a:rPr lang="en-US" smtClean="0"/>
               <a:t>Fifth level</a:t>
             </a:r>
             <a:endParaRPr lang="en-US" dirty="0"/>
@@ -15105,7 +15105,7 @@
                 </a:solidFill>
               </a:rPr>
               <a:pPr/>
-              <a:t>16-10-2019</a:t>
+              <a:t>17-10-2019</a:t>
             </a:fld>
             <a:endParaRPr lang="en-IN">
               <a:solidFill>
@@ -15648,7 +15648,7 @@
           <a:lstStyle/>
           <a:p>
             <a:r>
-              <a:rPr lang="en-US" dirty="0"/>
+              <a:rPr lang="en-US" dirty="0" smtClean="0"/>
               <a:t>GREAT OUTDOORS</a:t>
             </a:r>
             <a:endParaRPr lang="en-IN" dirty="0"/>
@@ -15678,17 +15678,21 @@
           <a:lstStyle/>
           <a:p>
             <a:r>
+              <a:rPr lang="en-US" dirty="0" smtClean="0"/>
+              <a:t>								</a:t>
+            </a:r>
+          </a:p>
+          <a:p>
+            <a:r>
               <a:rPr lang="en-US" dirty="0"/>
-              <a:t>								</a:t>
-            </a:r>
-          </a:p>
-          <a:p>
-            <a:r>
-              <a:rPr lang="en-US" dirty="0"/>
-              <a:t>								</a:t>
-            </a:r>
-            <a:r>
-              <a:rPr lang="en-US" sz="10100" dirty="0"/>
+              <a:t>	</a:t>
+            </a:r>
+            <a:r>
+              <a:rPr lang="en-US" dirty="0" smtClean="0"/>
+              <a:t>							</a:t>
+            </a:r>
+            <a:r>
+              <a:rPr lang="en-US" sz="10100" dirty="0" smtClean="0"/>
               <a:t>TEAM - A</a:t>
             </a:r>
             <a:endParaRPr lang="en-IN" sz="10100" dirty="0"/>
@@ -15705,10 +15709,151 @@
   <p:clrMapOvr>
     <a:masterClrMapping/>
   </p:clrMapOvr>
+  <p:timing>
+    <p:tnLst>
+      <p:par>
+        <p:cTn id="1" dur="indefinite" restart="never" nodeType="tmRoot"/>
+      </p:par>
+    </p:tnLst>
+  </p:timing>
 </p:sld>
 </file>
 
 <file path=ppt/slides/slide10.xml><?xml version="1.0" encoding="utf-8"?>
+<p:sld xmlns:a="http://schemas.openxmlformats.org/drawingml/2006/main" xmlns:r="http://schemas.openxmlformats.org/officeDocument/2006/relationships" xmlns:p="http://schemas.openxmlformats.org/presentationml/2006/main">
+  <p:cSld>
+    <p:spTree>
+      <p:nvGrpSpPr>
+        <p:cNvPr id="1" name=""/>
+        <p:cNvGrpSpPr/>
+        <p:nvPr/>
+      </p:nvGrpSpPr>
+      <p:grpSpPr>
+        <a:xfrm>
+          <a:off x="0" y="0"/>
+          <a:ext cx="0" cy="0"/>
+          <a:chOff x="0" y="0"/>
+          <a:chExt cx="0" cy="0"/>
+        </a:xfrm>
+      </p:grpSpPr>
+      <p:sp>
+        <p:nvSpPr>
+          <p:cNvPr id="2" name="Title 1"/>
+          <p:cNvSpPr>
+            <a:spLocks noGrp="1"/>
+          </p:cNvSpPr>
+          <p:nvPr>
+            <p:ph type="title"/>
+          </p:nvPr>
+        </p:nvSpPr>
+        <p:spPr/>
+        <p:txBody>
+          <a:bodyPr>
+            <a:normAutofit/>
+          </a:bodyPr>
+          <a:lstStyle/>
+          <a:p>
+            <a:pPr algn="ctr"/>
+            <a:r>
+              <a:rPr lang="en-IN" dirty="0" smtClean="0">
+                <a:latin typeface="Times New Roman" panose="02020603050405020304" pitchFamily="18" charset="0"/>
+                <a:cs typeface="Times New Roman" panose="02020603050405020304" pitchFamily="18" charset="0"/>
+              </a:rPr>
+              <a:t>EPIC – Salesman should upload offline orders</a:t>
+            </a:r>
+            <a:endParaRPr lang="en-IN" dirty="0">
+              <a:latin typeface="Times New Roman" panose="02020603050405020304" pitchFamily="18" charset="0"/>
+              <a:cs typeface="Times New Roman" panose="02020603050405020304" pitchFamily="18" charset="0"/>
+            </a:endParaRPr>
+          </a:p>
+        </p:txBody>
+      </p:sp>
+      <p:sp>
+        <p:nvSpPr>
+          <p:cNvPr id="3" name="Content Placeholder 2"/>
+          <p:cNvSpPr>
+            <a:spLocks noGrp="1"/>
+          </p:cNvSpPr>
+          <p:nvPr>
+            <p:ph idx="1"/>
+          </p:nvPr>
+        </p:nvSpPr>
+        <p:spPr/>
+        <p:txBody>
+          <a:bodyPr>
+            <a:normAutofit/>
+          </a:bodyPr>
+          <a:lstStyle/>
+          <a:p>
+            <a:pPr marL="0" indent="0">
+              <a:buNone/>
+            </a:pPr>
+            <a:endParaRPr lang="en-IN" dirty="0">
+              <a:latin typeface="Times New Roman" panose="02020603050405020304" pitchFamily="18" charset="0"/>
+              <a:cs typeface="Times New Roman" panose="02020603050405020304" pitchFamily="18" charset="0"/>
+            </a:endParaRPr>
+          </a:p>
+          <a:p>
+            <a:pPr marL="0" indent="0">
+              <a:buNone/>
+            </a:pPr>
+            <a:r>
+              <a:rPr lang="en-IN" u="sng" dirty="0" smtClean="0">
+                <a:latin typeface="Times New Roman" panose="02020603050405020304" pitchFamily="18" charset="0"/>
+                <a:cs typeface="Times New Roman" panose="02020603050405020304" pitchFamily="18" charset="0"/>
+              </a:rPr>
+              <a:t>User Stories:</a:t>
+            </a:r>
+            <a:endParaRPr lang="en-IN" dirty="0">
+              <a:latin typeface="Times New Roman" panose="02020603050405020304" pitchFamily="18" charset="0"/>
+              <a:cs typeface="Times New Roman" panose="02020603050405020304" pitchFamily="18" charset="0"/>
+            </a:endParaRPr>
+          </a:p>
+          <a:p>
+            <a:r>
+              <a:rPr lang="en-IN" dirty="0" smtClean="0">
+                <a:latin typeface="Times New Roman" panose="02020603050405020304" pitchFamily="18" charset="0"/>
+                <a:cs typeface="Times New Roman" panose="02020603050405020304" pitchFamily="18" charset="0"/>
+              </a:rPr>
+              <a:t>Salesman should be able to upload order details like product ID, name and quantity along with discount and total price.</a:t>
+            </a:r>
+          </a:p>
+          <a:p>
+            <a:r>
+              <a:rPr lang="en-IN" dirty="0" smtClean="0">
+                <a:latin typeface="Times New Roman" panose="02020603050405020304" pitchFamily="18" charset="0"/>
+                <a:cs typeface="Times New Roman" panose="02020603050405020304" pitchFamily="18" charset="0"/>
+              </a:rPr>
+              <a:t>Salesman should be able to view uploaded sales.</a:t>
+            </a:r>
+            <a:endParaRPr lang="en-IN" dirty="0">
+              <a:latin typeface="Times New Roman" panose="02020603050405020304" pitchFamily="18" charset="0"/>
+              <a:cs typeface="Times New Roman" panose="02020603050405020304" pitchFamily="18" charset="0"/>
+            </a:endParaRPr>
+          </a:p>
+        </p:txBody>
+      </p:sp>
+    </p:spTree>
+    <p:extLst>
+      <p:ext uri="{BB962C8B-B14F-4D97-AF65-F5344CB8AC3E}">
+        <p14:creationId xmlns:p14="http://schemas.microsoft.com/office/powerpoint/2010/main" val="2617270424"/>
+      </p:ext>
+    </p:extLst>
+  </p:cSld>
+  <p:clrMapOvr>
+    <a:masterClrMapping/>
+  </p:clrMapOvr>
+  <p:timing>
+    <p:tnLst>
+      <p:par>
+        <p:cTn id="1" dur="indefinite" restart="never" nodeType="tmRoot"/>
+      </p:par>
+    </p:tnLst>
+  </p:timing>
+</p:sld>
+</file>
+
+<file path=ppt/slides/slide11.xml><?xml version="1.0" encoding="utf-8"?>
 <p:sld xmlns:a="http://schemas.openxmlformats.org/drawingml/2006/main" xmlns:r="http://schemas.openxmlformats.org/officeDocument/2006/relationships" xmlns:p="http://schemas.openxmlformats.org/presentationml/2006/main">
   <p:cSld>
     <p:spTree>
@@ -15778,7 +15923,7 @@
           <a:lstStyle/>
           <a:p>
             <a:r>
-              <a:rPr lang="en-US" sz="3600" dirty="0"/>
+              <a:rPr lang="en-US" sz="3600" dirty="0" smtClean="0"/>
               <a:t>Sequence diagram to upload offline order</a:t>
             </a:r>
             <a:endParaRPr lang="en-IN" sz="3600" dirty="0"/>
@@ -15789,89 +15934,6 @@
     <p:extLst>
       <p:ext uri="{BB962C8B-B14F-4D97-AF65-F5344CB8AC3E}">
         <p14:creationId xmlns:p14="http://schemas.microsoft.com/office/powerpoint/2010/main" val="4163016142"/>
-      </p:ext>
-    </p:extLst>
-  </p:cSld>
-  <p:clrMapOvr>
-    <a:masterClrMapping/>
-  </p:clrMapOvr>
-</p:sld>
-</file>
-
-<file path=ppt/slides/slide11.xml><?xml version="1.0" encoding="utf-8"?>
-<p:sld xmlns:a="http://schemas.openxmlformats.org/drawingml/2006/main" xmlns:r="http://schemas.openxmlformats.org/officeDocument/2006/relationships" xmlns:p="http://schemas.openxmlformats.org/presentationml/2006/main">
-  <p:cSld>
-    <p:spTree>
-      <p:nvGrpSpPr>
-        <p:cNvPr id="1" name=""/>
-        <p:cNvGrpSpPr/>
-        <p:nvPr/>
-      </p:nvGrpSpPr>
-      <p:grpSpPr>
-        <a:xfrm>
-          <a:off x="0" y="0"/>
-          <a:ext cx="0" cy="0"/>
-          <a:chOff x="0" y="0"/>
-          <a:chExt cx="0" cy="0"/>
-        </a:xfrm>
-      </p:grpSpPr>
-      <p:pic>
-        <p:nvPicPr>
-          <p:cNvPr id="2" name="Picture 1"/>
-          <p:cNvPicPr>
-            <a:picLocks noChangeAspect="1"/>
-          </p:cNvPicPr>
-          <p:nvPr/>
-        </p:nvPicPr>
-        <p:blipFill>
-          <a:blip r:embed="rId2">
-            <a:extLst>
-              <a:ext uri="{28A0092B-C50C-407E-A947-70E740481C1C}">
-                <a14:useLocalDpi xmlns:a14="http://schemas.microsoft.com/office/drawing/2010/main" val="0"/>
-              </a:ext>
-            </a:extLst>
-          </a:blip>
-          <a:stretch>
-            <a:fillRect/>
-          </a:stretch>
-        </p:blipFill>
-        <p:spPr>
-          <a:xfrm>
-            <a:off x="1337482" y="1317009"/>
-            <a:ext cx="9935570" cy="5540991"/>
-          </a:xfrm>
-          <a:prstGeom prst="rect">
-            <a:avLst/>
-          </a:prstGeom>
-        </p:spPr>
-      </p:pic>
-      <p:sp>
-        <p:nvSpPr>
-          <p:cNvPr id="3" name="Title 2"/>
-          <p:cNvSpPr>
-            <a:spLocks noGrp="1"/>
-          </p:cNvSpPr>
-          <p:nvPr>
-            <p:ph type="title"/>
-          </p:nvPr>
-        </p:nvSpPr>
-        <p:spPr/>
-        <p:txBody>
-          <a:bodyPr/>
-          <a:lstStyle/>
-          <a:p>
-            <a:r>
-              <a:rPr lang="en-US" dirty="0"/>
-              <a:t>Sequence diagram to add product</a:t>
-            </a:r>
-            <a:endParaRPr lang="en-IN" dirty="0"/>
-          </a:p>
-        </p:txBody>
-      </p:sp>
-    </p:spTree>
-    <p:extLst>
-      <p:ext uri="{BB962C8B-B14F-4D97-AF65-F5344CB8AC3E}">
-        <p14:creationId xmlns:p14="http://schemas.microsoft.com/office/powerpoint/2010/main" val="3422363662"/>
       </p:ext>
     </p:extLst>
   </p:cSld>
@@ -15920,8 +15982,8 @@
         </p:blipFill>
         <p:spPr>
           <a:xfrm>
-            <a:off x="0" y="1501140"/>
-            <a:ext cx="11041039" cy="5356860"/>
+            <a:off x="360006" y="1261271"/>
+            <a:ext cx="10653120" cy="4772186"/>
           </a:xfrm>
           <a:prstGeom prst="rect">
             <a:avLst/>
@@ -15938,19 +16000,14 @@
             <p:ph type="title"/>
           </p:nvPr>
         </p:nvSpPr>
-        <p:spPr>
-          <a:xfrm>
-            <a:off x="497597" y="137364"/>
-            <a:ext cx="9692640" cy="1363776"/>
-          </a:xfrm>
-        </p:spPr>
+        <p:spPr/>
         <p:txBody>
           <a:bodyPr/>
           <a:lstStyle/>
           <a:p>
             <a:r>
-              <a:rPr lang="en-US" dirty="0"/>
-              <a:t>Sequence Diagram to add new address</a:t>
+              <a:rPr lang="en-US" dirty="0" smtClean="0"/>
+              <a:t>Activity diagram to upload offline order</a:t>
             </a:r>
             <a:endParaRPr lang="en-IN" dirty="0"/>
           </a:p>
@@ -15959,7 +16016,7 @@
     </p:spTree>
     <p:extLst>
       <p:ext uri="{BB962C8B-B14F-4D97-AF65-F5344CB8AC3E}">
-        <p14:creationId xmlns:p14="http://schemas.microsoft.com/office/powerpoint/2010/main" val="2838350420"/>
+        <p14:creationId xmlns:p14="http://schemas.microsoft.com/office/powerpoint/2010/main" val="984437915"/>
       </p:ext>
     </p:extLst>
   </p:cSld>
@@ -15996,332 +16053,136 @@
             <p:ph type="title"/>
           </p:nvPr>
         </p:nvSpPr>
-        <p:spPr>
-          <a:xfrm>
-            <a:off x="552189" y="270226"/>
-            <a:ext cx="8946653" cy="999016"/>
-          </a:xfrm>
-        </p:spPr>
+        <p:spPr/>
         <p:txBody>
           <a:bodyPr>
-            <a:normAutofit fontScale="90000"/>
+            <a:normAutofit/>
           </a:bodyPr>
           <a:lstStyle/>
           <a:p>
-            <a:r>
-              <a:rPr lang="en-US" dirty="0"/>
-              <a:t>Sequence diagram to update retailer</a:t>
-            </a:r>
-            <a:endParaRPr lang="en-IN" dirty="0"/>
-          </a:p>
-        </p:txBody>
-      </p:sp>
-      <p:pic>
-        <p:nvPicPr>
-          <p:cNvPr id="1026" name="Picture 2" descr="https://raw.githubusercontent.com/gitbestsou/Great-Outdoors/master/UpdateSequenceRetailer.png"/>
-          <p:cNvPicPr>
-            <a:picLocks noChangeAspect="1" noChangeArrowheads="1"/>
-          </p:cNvPicPr>
-          <p:nvPr/>
-        </p:nvPicPr>
-        <p:blipFill>
-          <a:blip r:embed="rId2">
-            <a:extLst>
-              <a:ext uri="{28A0092B-C50C-407E-A947-70E740481C1C}">
-                <a14:useLocalDpi xmlns:a14="http://schemas.microsoft.com/office/drawing/2010/main" val="0"/>
-              </a:ext>
-            </a:extLst>
-          </a:blip>
-          <a:srcRect/>
-          <a:stretch>
-            <a:fillRect/>
-          </a:stretch>
-        </p:blipFill>
-        <p:spPr bwMode="auto">
-          <a:xfrm>
-            <a:off x="1411169" y="1691322"/>
-            <a:ext cx="7737823" cy="4777717"/>
-          </a:xfrm>
-          <a:prstGeom prst="rect">
-            <a:avLst/>
-          </a:prstGeom>
-          <a:noFill/>
-          <a:extLst>
-            <a:ext uri="{909E8E84-426E-40DD-AFC4-6F175D3DCCD1}">
-              <a14:hiddenFill xmlns:a14="http://schemas.microsoft.com/office/drawing/2010/main">
-                <a:solidFill>
-                  <a:srgbClr val="FFFFFF"/>
-                </a:solidFill>
-              </a14:hiddenFill>
-            </a:ext>
-          </a:extLst>
-        </p:spPr>
-      </p:pic>
+            <a:pPr algn="ctr"/>
+            <a:r>
+              <a:rPr lang="en-IN" dirty="0" smtClean="0">
+                <a:latin typeface="Times New Roman" panose="02020603050405020304" pitchFamily="18" charset="0"/>
+                <a:cs typeface="Times New Roman" panose="02020603050405020304" pitchFamily="18" charset="0"/>
+              </a:rPr>
+              <a:t>EPIC – Admin should add, update and delete products</a:t>
+            </a:r>
+            <a:endParaRPr lang="en-IN" dirty="0">
+              <a:latin typeface="Times New Roman" panose="02020603050405020304" pitchFamily="18" charset="0"/>
+              <a:cs typeface="Times New Roman" panose="02020603050405020304" pitchFamily="18" charset="0"/>
+            </a:endParaRPr>
+          </a:p>
+        </p:txBody>
+      </p:sp>
+      <p:sp>
+        <p:nvSpPr>
+          <p:cNvPr id="3" name="Content Placeholder 2"/>
+          <p:cNvSpPr>
+            <a:spLocks noGrp="1"/>
+          </p:cNvSpPr>
+          <p:nvPr>
+            <p:ph idx="1"/>
+          </p:nvPr>
+        </p:nvSpPr>
+        <p:spPr/>
+        <p:txBody>
+          <a:bodyPr>
+            <a:normAutofit/>
+          </a:bodyPr>
+          <a:lstStyle/>
+          <a:p>
+            <a:pPr marL="0" indent="0">
+              <a:buNone/>
+            </a:pPr>
+            <a:endParaRPr lang="en-IN" dirty="0">
+              <a:latin typeface="Times New Roman" panose="02020603050405020304" pitchFamily="18" charset="0"/>
+              <a:cs typeface="Times New Roman" panose="02020603050405020304" pitchFamily="18" charset="0"/>
+            </a:endParaRPr>
+          </a:p>
+          <a:p>
+            <a:pPr marL="0" indent="0">
+              <a:buNone/>
+            </a:pPr>
+            <a:r>
+              <a:rPr lang="en-IN" u="sng" dirty="0" smtClean="0">
+                <a:latin typeface="Times New Roman" panose="02020603050405020304" pitchFamily="18" charset="0"/>
+                <a:cs typeface="Times New Roman" panose="02020603050405020304" pitchFamily="18" charset="0"/>
+              </a:rPr>
+              <a:t>User Stories:</a:t>
+            </a:r>
+            <a:endParaRPr lang="en-IN" dirty="0">
+              <a:latin typeface="Times New Roman" panose="02020603050405020304" pitchFamily="18" charset="0"/>
+              <a:cs typeface="Times New Roman" panose="02020603050405020304" pitchFamily="18" charset="0"/>
+            </a:endParaRPr>
+          </a:p>
+          <a:p>
+            <a:r>
+              <a:rPr lang="en-IN" dirty="0" smtClean="0">
+                <a:latin typeface="Times New Roman" panose="02020603050405020304" pitchFamily="18" charset="0"/>
+                <a:cs typeface="Times New Roman" panose="02020603050405020304" pitchFamily="18" charset="0"/>
+              </a:rPr>
+              <a:t>Admin should be able to add products to the database and view the existing products.</a:t>
+            </a:r>
+          </a:p>
+          <a:p>
+            <a:r>
+              <a:rPr lang="en-IN" dirty="0">
+                <a:latin typeface="Times New Roman" panose="02020603050405020304" pitchFamily="18" charset="0"/>
+                <a:cs typeface="Times New Roman" panose="02020603050405020304" pitchFamily="18" charset="0"/>
+              </a:rPr>
+              <a:t>Admin should be able to </a:t>
+            </a:r>
+            <a:r>
+              <a:rPr lang="en-IN" dirty="0" smtClean="0">
+                <a:latin typeface="Times New Roman" panose="02020603050405020304" pitchFamily="18" charset="0"/>
+                <a:cs typeface="Times New Roman" panose="02020603050405020304" pitchFamily="18" charset="0"/>
+              </a:rPr>
+              <a:t>edit product details like – price, discount etc.</a:t>
+            </a:r>
+          </a:p>
+          <a:p>
+            <a:r>
+              <a:rPr lang="en-US" dirty="0" smtClean="0">
+                <a:latin typeface="Times New Roman" panose="02020603050405020304" pitchFamily="18" charset="0"/>
+                <a:cs typeface="Times New Roman" panose="02020603050405020304" pitchFamily="18" charset="0"/>
+              </a:rPr>
+              <a:t>Admin should be able to delete products from database.</a:t>
+            </a:r>
+            <a:endParaRPr lang="en-IN" dirty="0" smtClean="0">
+              <a:latin typeface="Times New Roman" panose="02020603050405020304" pitchFamily="18" charset="0"/>
+              <a:cs typeface="Times New Roman" panose="02020603050405020304" pitchFamily="18" charset="0"/>
+            </a:endParaRPr>
+          </a:p>
+          <a:p>
+            <a:endParaRPr lang="en-IN" dirty="0" smtClean="0">
+              <a:latin typeface="Times New Roman" panose="02020603050405020304" pitchFamily="18" charset="0"/>
+              <a:cs typeface="Times New Roman" panose="02020603050405020304" pitchFamily="18" charset="0"/>
+            </a:endParaRPr>
+          </a:p>
+        </p:txBody>
+      </p:sp>
     </p:spTree>
     <p:extLst>
       <p:ext uri="{BB962C8B-B14F-4D97-AF65-F5344CB8AC3E}">
-        <p14:creationId xmlns:p14="http://schemas.microsoft.com/office/powerpoint/2010/main" val="78674341"/>
+        <p14:creationId xmlns:p14="http://schemas.microsoft.com/office/powerpoint/2010/main" val="518830939"/>
       </p:ext>
     </p:extLst>
   </p:cSld>
   <p:clrMapOvr>
     <a:masterClrMapping/>
   </p:clrMapOvr>
+  <p:timing>
+    <p:tnLst>
+      <p:par>
+        <p:cTn id="1" dur="indefinite" restart="never" nodeType="tmRoot"/>
+      </p:par>
+    </p:tnLst>
+  </p:timing>
 </p:sld>
 </file>
 
 <file path=ppt/slides/slide14.xml><?xml version="1.0" encoding="utf-8"?>
-<p:sld xmlns:a="http://schemas.openxmlformats.org/drawingml/2006/main" xmlns:r="http://schemas.openxmlformats.org/officeDocument/2006/relationships" xmlns:p="http://schemas.openxmlformats.org/presentationml/2006/main">
-  <p:cSld>
-    <p:spTree>
-      <p:nvGrpSpPr>
-        <p:cNvPr id="1" name=""/>
-        <p:cNvGrpSpPr/>
-        <p:nvPr/>
-      </p:nvGrpSpPr>
-      <p:grpSpPr>
-        <a:xfrm>
-          <a:off x="0" y="0"/>
-          <a:ext cx="0" cy="0"/>
-          <a:chOff x="0" y="0"/>
-          <a:chExt cx="0" cy="0"/>
-        </a:xfrm>
-      </p:grpSpPr>
-      <p:sp>
-        <p:nvSpPr>
-          <p:cNvPr id="2" name="Title 1"/>
-          <p:cNvSpPr>
-            <a:spLocks noGrp="1"/>
-          </p:cNvSpPr>
-          <p:nvPr>
-            <p:ph type="title"/>
-          </p:nvPr>
-        </p:nvSpPr>
-        <p:spPr>
-          <a:xfrm>
-            <a:off x="1016212" y="0"/>
-            <a:ext cx="8619107" cy="985368"/>
-          </a:xfrm>
-        </p:spPr>
-        <p:txBody>
-          <a:bodyPr>
-            <a:normAutofit fontScale="90000"/>
-          </a:bodyPr>
-          <a:lstStyle/>
-          <a:p>
-            <a:r>
-              <a:rPr lang="en-US" dirty="0"/>
-              <a:t>Sequence diagram for return order</a:t>
-            </a:r>
-            <a:endParaRPr lang="en-IN" dirty="0"/>
-          </a:p>
-        </p:txBody>
-      </p:sp>
-      <p:pic>
-        <p:nvPicPr>
-          <p:cNvPr id="3" name="Picture 2"/>
-          <p:cNvPicPr>
-            <a:picLocks noChangeAspect="1"/>
-          </p:cNvPicPr>
-          <p:nvPr/>
-        </p:nvPicPr>
-        <p:blipFill>
-          <a:blip r:embed="rId2">
-            <a:extLst>
-              <a:ext uri="{28A0092B-C50C-407E-A947-70E740481C1C}">
-                <a14:useLocalDpi xmlns:a14="http://schemas.microsoft.com/office/drawing/2010/main" val="0"/>
-              </a:ext>
-            </a:extLst>
-          </a:blip>
-          <a:stretch>
-            <a:fillRect/>
-          </a:stretch>
-        </p:blipFill>
-        <p:spPr>
-          <a:xfrm>
-            <a:off x="2399233" y="1351128"/>
-            <a:ext cx="7236086" cy="5609799"/>
-          </a:xfrm>
-          <a:prstGeom prst="rect">
-            <a:avLst/>
-          </a:prstGeom>
-        </p:spPr>
-      </p:pic>
-    </p:spTree>
-    <p:extLst>
-      <p:ext uri="{BB962C8B-B14F-4D97-AF65-F5344CB8AC3E}">
-        <p14:creationId xmlns:p14="http://schemas.microsoft.com/office/powerpoint/2010/main" val="2900698681"/>
-      </p:ext>
-    </p:extLst>
-  </p:cSld>
-  <p:clrMapOvr>
-    <a:masterClrMapping/>
-  </p:clrMapOvr>
-</p:sld>
-</file>
-
-<file path=ppt/slides/slide15.xml><?xml version="1.0" encoding="utf-8"?>
-<p:sld xmlns:a="http://schemas.openxmlformats.org/drawingml/2006/main" xmlns:r="http://schemas.openxmlformats.org/officeDocument/2006/relationships" xmlns:p="http://schemas.openxmlformats.org/presentationml/2006/main">
-  <p:cSld>
-    <p:spTree>
-      <p:nvGrpSpPr>
-        <p:cNvPr id="1" name=""/>
-        <p:cNvGrpSpPr/>
-        <p:nvPr/>
-      </p:nvGrpSpPr>
-      <p:grpSpPr>
-        <a:xfrm>
-          <a:off x="0" y="0"/>
-          <a:ext cx="0" cy="0"/>
-          <a:chOff x="0" y="0"/>
-          <a:chExt cx="0" cy="0"/>
-        </a:xfrm>
-      </p:grpSpPr>
-      <p:sp>
-        <p:nvSpPr>
-          <p:cNvPr id="2" name="Title 1"/>
-          <p:cNvSpPr>
-            <a:spLocks noGrp="1"/>
-          </p:cNvSpPr>
-          <p:nvPr>
-            <p:ph type="title"/>
-          </p:nvPr>
-        </p:nvSpPr>
-        <p:spPr>
-          <a:xfrm>
-            <a:off x="524893" y="0"/>
-            <a:ext cx="9014892" cy="914400"/>
-          </a:xfrm>
-        </p:spPr>
-        <p:txBody>
-          <a:bodyPr/>
-          <a:lstStyle/>
-          <a:p>
-            <a:r>
-              <a:rPr lang="en-US" dirty="0"/>
-              <a:t>Sequence diagram to cancel order</a:t>
-            </a:r>
-            <a:endParaRPr lang="en-IN" dirty="0"/>
-          </a:p>
-        </p:txBody>
-      </p:sp>
-      <p:pic>
-        <p:nvPicPr>
-          <p:cNvPr id="3" name="Picture 2"/>
-          <p:cNvPicPr>
-            <a:picLocks noChangeAspect="1"/>
-          </p:cNvPicPr>
-          <p:nvPr/>
-        </p:nvPicPr>
-        <p:blipFill>
-          <a:blip r:embed="rId2">
-            <a:extLst>
-              <a:ext uri="{28A0092B-C50C-407E-A947-70E740481C1C}">
-                <a14:useLocalDpi xmlns:a14="http://schemas.microsoft.com/office/drawing/2010/main" val="0"/>
-              </a:ext>
-            </a:extLst>
-          </a:blip>
-          <a:stretch>
-            <a:fillRect/>
-          </a:stretch>
-        </p:blipFill>
-        <p:spPr>
-          <a:xfrm>
-            <a:off x="2510975" y="1323975"/>
-            <a:ext cx="6105525" cy="5534025"/>
-          </a:xfrm>
-          <a:prstGeom prst="rect">
-            <a:avLst/>
-          </a:prstGeom>
-        </p:spPr>
-      </p:pic>
-    </p:spTree>
-    <p:extLst>
-      <p:ext uri="{BB962C8B-B14F-4D97-AF65-F5344CB8AC3E}">
-        <p14:creationId xmlns:p14="http://schemas.microsoft.com/office/powerpoint/2010/main" val="1163380870"/>
-      </p:ext>
-    </p:extLst>
-  </p:cSld>
-  <p:clrMapOvr>
-    <a:masterClrMapping/>
-  </p:clrMapOvr>
-</p:sld>
-</file>
-
-<file path=ppt/slides/slide16.xml><?xml version="1.0" encoding="utf-8"?>
-<p:sld xmlns:a="http://schemas.openxmlformats.org/drawingml/2006/main" xmlns:r="http://schemas.openxmlformats.org/officeDocument/2006/relationships" xmlns:p="http://schemas.openxmlformats.org/presentationml/2006/main">
-  <p:cSld>
-    <p:spTree>
-      <p:nvGrpSpPr>
-        <p:cNvPr id="1" name=""/>
-        <p:cNvGrpSpPr/>
-        <p:nvPr/>
-      </p:nvGrpSpPr>
-      <p:grpSpPr>
-        <a:xfrm>
-          <a:off x="0" y="0"/>
-          <a:ext cx="0" cy="0"/>
-          <a:chOff x="0" y="0"/>
-          <a:chExt cx="0" cy="0"/>
-        </a:xfrm>
-      </p:grpSpPr>
-      <p:sp>
-        <p:nvSpPr>
-          <p:cNvPr id="3" name="TextBox 2">
-            <a:extLst>
-              <a:ext uri="{FF2B5EF4-FFF2-40B4-BE49-F238E27FC236}">
-                <a16:creationId xmlns:a16="http://schemas.microsoft.com/office/drawing/2014/main" id="{93E5992D-5482-43B8-8070-DD982CFE0DF3}"/>
-              </a:ext>
-            </a:extLst>
-          </p:cNvPr>
-          <p:cNvSpPr txBox="1"/>
-          <p:nvPr/>
-        </p:nvSpPr>
-        <p:spPr>
-          <a:xfrm>
-            <a:off x="2840965" y="3142891"/>
-            <a:ext cx="5489275" cy="769441"/>
-          </a:xfrm>
-          <a:prstGeom prst="rect">
-            <a:avLst/>
-          </a:prstGeom>
-          <a:noFill/>
-        </p:spPr>
-        <p:txBody>
-          <a:bodyPr rot="0" spcFirstLastPara="0" vertOverflow="overflow" horzOverflow="overflow" vert="horz" wrap="square" lIns="91440" tIns="45720" rIns="91440" bIns="45720" numCol="1" spcCol="0" rtlCol="0" fromWordArt="0" anchor="t" anchorCtr="0" forceAA="0" compatLnSpc="1">
-            <a:prstTxWarp prst="textNoShape">
-              <a:avLst/>
-            </a:prstTxWarp>
-            <a:spAutoFit/>
-          </a:bodyPr>
-          <a:lstStyle/>
-          <a:p>
-            <a:pPr algn="ctr"/>
-            <a:r>
-              <a:rPr lang="en-US" sz="4400" dirty="0">
-                <a:latin typeface="Century Schoolbook"/>
-                <a:ea typeface="+mj-lt"/>
-                <a:cs typeface="+mj-lt"/>
-              </a:rPr>
-              <a:t>Activity Diagrams</a:t>
-            </a:r>
-          </a:p>
-        </p:txBody>
-      </p:sp>
-    </p:spTree>
-    <p:extLst>
-      <p:ext uri="{BB962C8B-B14F-4D97-AF65-F5344CB8AC3E}">
-        <p14:creationId xmlns:p14="http://schemas.microsoft.com/office/powerpoint/2010/main" val="157925293"/>
-      </p:ext>
-    </p:extLst>
-  </p:cSld>
-  <p:clrMapOvr>
-    <a:masterClrMapping/>
-  </p:clrMapOvr>
-</p:sld>
-</file>
-
-<file path=ppt/slides/slide17.xml><?xml version="1.0" encoding="utf-8"?>
 <p:sld xmlns:a="http://schemas.openxmlformats.org/drawingml/2006/main" xmlns:r="http://schemas.openxmlformats.org/officeDocument/2006/relationships" xmlns:p="http://schemas.openxmlformats.org/presentationml/2006/main">
   <p:cSld>
     <p:spTree>
@@ -16360,8 +16221,8 @@
         </p:blipFill>
         <p:spPr>
           <a:xfrm>
-            <a:off x="360006" y="1261271"/>
-            <a:ext cx="10653120" cy="4772186"/>
+            <a:off x="1337482" y="1317009"/>
+            <a:ext cx="9935570" cy="5540991"/>
           </a:xfrm>
           <a:prstGeom prst="rect">
             <a:avLst/>
@@ -16384,8 +16245,8 @@
           <a:lstStyle/>
           <a:p>
             <a:r>
-              <a:rPr lang="en-US" dirty="0"/>
-              <a:t>Activity diagram to upload offline order</a:t>
+              <a:rPr lang="en-US" dirty="0" smtClean="0"/>
+              <a:t>Sequence diagram to add product</a:t>
             </a:r>
             <a:endParaRPr lang="en-IN" dirty="0"/>
           </a:p>
@@ -16394,7 +16255,7 @@
     </p:spTree>
     <p:extLst>
       <p:ext uri="{BB962C8B-B14F-4D97-AF65-F5344CB8AC3E}">
-        <p14:creationId xmlns:p14="http://schemas.microsoft.com/office/powerpoint/2010/main" val="984437915"/>
+        <p14:creationId xmlns:p14="http://schemas.microsoft.com/office/powerpoint/2010/main" val="3422363662"/>
       </p:ext>
     </p:extLst>
   </p:cSld>
@@ -16404,7 +16265,7 @@
 </p:sld>
 </file>
 
-<file path=ppt/slides/slide18.xml><?xml version="1.0" encoding="utf-8"?>
+<file path=ppt/slides/slide15.xml><?xml version="1.0" encoding="utf-8"?>
 <p:sld xmlns:a="http://schemas.openxmlformats.org/drawingml/2006/main" xmlns:r="http://schemas.openxmlformats.org/officeDocument/2006/relationships" xmlns:p="http://schemas.openxmlformats.org/presentationml/2006/main">
   <p:cSld>
     <p:spTree>
@@ -16467,8 +16328,12 @@
           <a:lstStyle/>
           <a:p>
             <a:r>
+              <a:rPr lang="en-US" dirty="0" smtClean="0"/>
+              <a:t>Activity </a:t>
+            </a:r>
+            <a:r>
               <a:rPr lang="en-US" dirty="0"/>
-              <a:t>Activity diagram to add product</a:t>
+              <a:t>diagram to add product</a:t>
             </a:r>
             <a:endParaRPr lang="en-IN" dirty="0"/>
           </a:p>
@@ -16487,816 +16352,7 @@
 </p:sld>
 </file>
 
-<file path=ppt/slides/slide19.xml><?xml version="1.0" encoding="utf-8"?>
-<p:sld xmlns:a="http://schemas.openxmlformats.org/drawingml/2006/main" xmlns:r="http://schemas.openxmlformats.org/officeDocument/2006/relationships" xmlns:p="http://schemas.openxmlformats.org/presentationml/2006/main">
-  <p:cSld>
-    <p:spTree>
-      <p:nvGrpSpPr>
-        <p:cNvPr id="1" name=""/>
-        <p:cNvGrpSpPr/>
-        <p:nvPr/>
-      </p:nvGrpSpPr>
-      <p:grpSpPr>
-        <a:xfrm>
-          <a:off x="0" y="0"/>
-          <a:ext cx="0" cy="0"/>
-          <a:chOff x="0" y="0"/>
-          <a:chExt cx="0" cy="0"/>
-        </a:xfrm>
-      </p:grpSpPr>
-      <p:sp>
-        <p:nvSpPr>
-          <p:cNvPr id="2" name="Title 1"/>
-          <p:cNvSpPr>
-            <a:spLocks noGrp="1"/>
-          </p:cNvSpPr>
-          <p:nvPr>
-            <p:ph type="title"/>
-          </p:nvPr>
-        </p:nvSpPr>
-        <p:spPr>
-          <a:xfrm>
-            <a:off x="0" y="0"/>
-            <a:ext cx="9692640" cy="1325562"/>
-          </a:xfrm>
-        </p:spPr>
-        <p:txBody>
-          <a:bodyPr/>
-          <a:lstStyle/>
-          <a:p>
-            <a:r>
-              <a:rPr lang="en-US" dirty="0"/>
-              <a:t>Activity diagram to update retailer</a:t>
-            </a:r>
-            <a:endParaRPr lang="en-IN" dirty="0"/>
-          </a:p>
-        </p:txBody>
-      </p:sp>
-      <p:pic>
-        <p:nvPicPr>
-          <p:cNvPr id="3" name="Picture 2"/>
-          <p:cNvPicPr>
-            <a:picLocks noChangeAspect="1"/>
-          </p:cNvPicPr>
-          <p:nvPr/>
-        </p:nvPicPr>
-        <p:blipFill>
-          <a:blip r:embed="rId2">
-            <a:extLst>
-              <a:ext uri="{28A0092B-C50C-407E-A947-70E740481C1C}">
-                <a14:useLocalDpi xmlns:a14="http://schemas.microsoft.com/office/drawing/2010/main" val="0"/>
-              </a:ext>
-            </a:extLst>
-          </a:blip>
-          <a:stretch>
-            <a:fillRect/>
-          </a:stretch>
-        </p:blipFill>
-        <p:spPr>
-          <a:xfrm>
-            <a:off x="2832714" y="1364776"/>
-            <a:ext cx="6526572" cy="5493224"/>
-          </a:xfrm>
-          <a:prstGeom prst="rect">
-            <a:avLst/>
-          </a:prstGeom>
-        </p:spPr>
-      </p:pic>
-    </p:spTree>
-    <p:extLst>
-      <p:ext uri="{BB962C8B-B14F-4D97-AF65-F5344CB8AC3E}">
-        <p14:creationId xmlns:p14="http://schemas.microsoft.com/office/powerpoint/2010/main" val="2143256067"/>
-      </p:ext>
-    </p:extLst>
-  </p:cSld>
-  <p:clrMapOvr>
-    <a:masterClrMapping/>
-  </p:clrMapOvr>
-</p:sld>
-</file>
-
-<file path=ppt/slides/slide2.xml><?xml version="1.0" encoding="utf-8"?>
-<p:sld xmlns:a="http://schemas.openxmlformats.org/drawingml/2006/main" xmlns:r="http://schemas.openxmlformats.org/officeDocument/2006/relationships" xmlns:p="http://schemas.openxmlformats.org/presentationml/2006/main">
-  <p:cSld>
-    <p:spTree>
-      <p:nvGrpSpPr>
-        <p:cNvPr id="1" name=""/>
-        <p:cNvGrpSpPr/>
-        <p:nvPr/>
-      </p:nvGrpSpPr>
-      <p:grpSpPr>
-        <a:xfrm>
-          <a:off x="0" y="0"/>
-          <a:ext cx="0" cy="0"/>
-          <a:chOff x="0" y="0"/>
-          <a:chExt cx="0" cy="0"/>
-        </a:xfrm>
-      </p:grpSpPr>
-      <p:sp>
-        <p:nvSpPr>
-          <p:cNvPr id="2" name="Title 1"/>
-          <p:cNvSpPr>
-            <a:spLocks noGrp="1"/>
-          </p:cNvSpPr>
-          <p:nvPr>
-            <p:ph type="title"/>
-          </p:nvPr>
-        </p:nvSpPr>
-        <p:spPr/>
-        <p:txBody>
-          <a:bodyPr/>
-          <a:lstStyle/>
-          <a:p>
-            <a:r>
-              <a:rPr lang="en-US" dirty="0"/>
-              <a:t>TEAM A</a:t>
-            </a:r>
-            <a:endParaRPr lang="en-IN" dirty="0"/>
-          </a:p>
-        </p:txBody>
-      </p:sp>
-      <p:sp>
-        <p:nvSpPr>
-          <p:cNvPr id="3" name="Content Placeholder 2"/>
-          <p:cNvSpPr>
-            <a:spLocks noGrp="1"/>
-          </p:cNvSpPr>
-          <p:nvPr>
-            <p:ph idx="1"/>
-          </p:nvPr>
-        </p:nvSpPr>
-        <p:spPr>
-          <a:xfrm>
-            <a:off x="5943602" y="1581940"/>
-            <a:ext cx="6248398" cy="5655156"/>
-          </a:xfrm>
-        </p:spPr>
-        <p:txBody>
-          <a:bodyPr/>
-          <a:lstStyle/>
-          <a:p>
-            <a:r>
-              <a:rPr lang="en-US" dirty="0"/>
-              <a:t>Madhuri Vemulapaty</a:t>
-            </a:r>
-          </a:p>
-          <a:p>
-            <a:r>
-              <a:rPr lang="en-US" dirty="0"/>
-              <a:t>Ankush Agrawal</a:t>
-            </a:r>
-          </a:p>
-          <a:p>
-            <a:r>
-              <a:rPr lang="en-US" dirty="0"/>
-              <a:t>Shreyash Pandey</a:t>
-            </a:r>
-          </a:p>
-          <a:p>
-            <a:r>
-              <a:rPr lang="en-US" dirty="0"/>
-              <a:t>Sourav Maji</a:t>
-            </a:r>
-          </a:p>
-          <a:p>
-            <a:r>
-              <a:rPr lang="en-US" dirty="0"/>
-              <a:t>Sarthak Lav</a:t>
-            </a:r>
-            <a:endParaRPr lang="en-IN" dirty="0"/>
-          </a:p>
-        </p:txBody>
-      </p:sp>
-    </p:spTree>
-    <p:extLst>
-      <p:ext uri="{BB962C8B-B14F-4D97-AF65-F5344CB8AC3E}">
-        <p14:creationId xmlns:p14="http://schemas.microsoft.com/office/powerpoint/2010/main" val="2059928269"/>
-      </p:ext>
-    </p:extLst>
-  </p:cSld>
-  <p:clrMapOvr>
-    <a:masterClrMapping/>
-  </p:clrMapOvr>
-</p:sld>
-</file>
-
-<file path=ppt/slides/slide20.xml><?xml version="1.0" encoding="utf-8"?>
-<p:sld xmlns:a="http://schemas.openxmlformats.org/drawingml/2006/main" xmlns:r="http://schemas.openxmlformats.org/officeDocument/2006/relationships" xmlns:p="http://schemas.openxmlformats.org/presentationml/2006/main">
-  <p:cSld>
-    <p:spTree>
-      <p:nvGrpSpPr>
-        <p:cNvPr id="1" name=""/>
-        <p:cNvGrpSpPr/>
-        <p:nvPr/>
-      </p:nvGrpSpPr>
-      <p:grpSpPr>
-        <a:xfrm>
-          <a:off x="0" y="0"/>
-          <a:ext cx="0" cy="0"/>
-          <a:chOff x="0" y="0"/>
-          <a:chExt cx="0" cy="0"/>
-        </a:xfrm>
-      </p:grpSpPr>
-      <p:sp>
-        <p:nvSpPr>
-          <p:cNvPr id="3" name="Title 1">
-            <a:extLst>
-              <a:ext uri="{FF2B5EF4-FFF2-40B4-BE49-F238E27FC236}">
-                <a16:creationId xmlns:a16="http://schemas.microsoft.com/office/drawing/2014/main" id="{CBCA1DCA-5ECA-4512-B999-5AC5FAB9D672}"/>
-              </a:ext>
-            </a:extLst>
-          </p:cNvPr>
-          <p:cNvSpPr txBox="1">
-            <a:spLocks/>
-          </p:cNvSpPr>
-          <p:nvPr/>
-        </p:nvSpPr>
-        <p:spPr>
-          <a:xfrm>
-            <a:off x="552189" y="270226"/>
-            <a:ext cx="8946653" cy="999016"/>
-          </a:xfrm>
-          <a:prstGeom prst="rect">
-            <a:avLst/>
-          </a:prstGeom>
-        </p:spPr>
-        <p:txBody>
-          <a:bodyPr anchor="t">
-            <a:normAutofit fontScale="97500"/>
-          </a:bodyPr>
-          <a:lstStyle>
-            <a:lvl1pPr algn="l" defTabSz="914400" rtl="0" eaLnBrk="1" latinLnBrk="0" hangingPunct="1">
-              <a:lnSpc>
-                <a:spcPct val="90000"/>
-              </a:lnSpc>
-              <a:spcBef>
-                <a:spcPct val="0"/>
-              </a:spcBef>
-              <a:buNone/>
-              <a:defRPr sz="4400" kern="1200" spc="-50" baseline="0">
-                <a:solidFill>
-                  <a:schemeClr val="tx1"/>
-                </a:solidFill>
-                <a:latin typeface="+mj-lt"/>
-                <a:ea typeface="+mj-ea"/>
-                <a:cs typeface="+mj-cs"/>
-              </a:defRPr>
-            </a:lvl1pPr>
-          </a:lstStyle>
-          <a:p>
-            <a:r>
-              <a:rPr lang="en-US" dirty="0"/>
-              <a:t>Activity Diagram to Return Order</a:t>
-            </a:r>
-            <a:endParaRPr lang="en-IN" dirty="0"/>
-          </a:p>
-        </p:txBody>
-      </p:sp>
-      <p:pic>
-        <p:nvPicPr>
-          <p:cNvPr id="4" name="Picture 4" descr="A close up of text on a white background&#10;&#10;Description generated with very high confidence">
-            <a:extLst>
-              <a:ext uri="{FF2B5EF4-FFF2-40B4-BE49-F238E27FC236}">
-                <a16:creationId xmlns:a16="http://schemas.microsoft.com/office/drawing/2014/main" id="{DBC5AE8A-3A78-49B0-86E4-6B3281F28332}"/>
-              </a:ext>
-            </a:extLst>
-          </p:cNvPr>
-          <p:cNvPicPr>
-            <a:picLocks noChangeAspect="1"/>
-          </p:cNvPicPr>
-          <p:nvPr/>
-        </p:nvPicPr>
-        <p:blipFill>
-          <a:blip r:embed="rId2"/>
-          <a:stretch>
-            <a:fillRect/>
-          </a:stretch>
-        </p:blipFill>
-        <p:spPr>
-          <a:xfrm>
-            <a:off x="195533" y="1030818"/>
-            <a:ext cx="10852027" cy="5831528"/>
-          </a:xfrm>
-          <a:prstGeom prst="rect">
-            <a:avLst/>
-          </a:prstGeom>
-        </p:spPr>
-      </p:pic>
-    </p:spTree>
-    <p:extLst>
-      <p:ext uri="{BB962C8B-B14F-4D97-AF65-F5344CB8AC3E}">
-        <p14:creationId xmlns:p14="http://schemas.microsoft.com/office/powerpoint/2010/main" val="2617831453"/>
-      </p:ext>
-    </p:extLst>
-  </p:cSld>
-  <p:clrMapOvr>
-    <a:masterClrMapping/>
-  </p:clrMapOvr>
-</p:sld>
-</file>
-
-<file path=ppt/slides/slide21.xml><?xml version="1.0" encoding="utf-8"?>
-<p:sld xmlns:a="http://schemas.openxmlformats.org/drawingml/2006/main" xmlns:r="http://schemas.openxmlformats.org/officeDocument/2006/relationships" xmlns:p="http://schemas.openxmlformats.org/presentationml/2006/main">
-  <p:cSld>
-    <p:spTree>
-      <p:nvGrpSpPr>
-        <p:cNvPr id="1" name=""/>
-        <p:cNvGrpSpPr/>
-        <p:nvPr/>
-      </p:nvGrpSpPr>
-      <p:grpSpPr>
-        <a:xfrm>
-          <a:off x="0" y="0"/>
-          <a:ext cx="0" cy="0"/>
-          <a:chOff x="0" y="0"/>
-          <a:chExt cx="0" cy="0"/>
-        </a:xfrm>
-      </p:grpSpPr>
-      <p:sp>
-        <p:nvSpPr>
-          <p:cNvPr id="3" name="Title 1">
-            <a:extLst>
-              <a:ext uri="{FF2B5EF4-FFF2-40B4-BE49-F238E27FC236}">
-                <a16:creationId xmlns:a16="http://schemas.microsoft.com/office/drawing/2014/main" id="{63388C9C-8A9F-4C27-AE8F-B95FC5F21D4B}"/>
-              </a:ext>
-            </a:extLst>
-          </p:cNvPr>
-          <p:cNvSpPr txBox="1">
-            <a:spLocks/>
-          </p:cNvSpPr>
-          <p:nvPr/>
-        </p:nvSpPr>
-        <p:spPr>
-          <a:xfrm>
-            <a:off x="552189" y="270226"/>
-            <a:ext cx="8946653" cy="999016"/>
-          </a:xfrm>
-          <a:prstGeom prst="rect">
-            <a:avLst/>
-          </a:prstGeom>
-        </p:spPr>
-        <p:txBody>
-          <a:bodyPr anchor="t">
-            <a:normAutofit fontScale="97500"/>
-          </a:bodyPr>
-          <a:lstStyle>
-            <a:lvl1pPr algn="l" defTabSz="914400" rtl="0" eaLnBrk="1" latinLnBrk="0" hangingPunct="1">
-              <a:lnSpc>
-                <a:spcPct val="90000"/>
-              </a:lnSpc>
-              <a:spcBef>
-                <a:spcPct val="0"/>
-              </a:spcBef>
-              <a:buNone/>
-              <a:defRPr sz="4400" kern="1200" spc="-50" baseline="0">
-                <a:solidFill>
-                  <a:schemeClr val="tx1"/>
-                </a:solidFill>
-                <a:latin typeface="+mj-lt"/>
-                <a:ea typeface="+mj-ea"/>
-                <a:cs typeface="+mj-cs"/>
-              </a:defRPr>
-            </a:lvl1pPr>
-          </a:lstStyle>
-          <a:p>
-            <a:r>
-              <a:rPr lang="en-US" dirty="0"/>
-              <a:t>Activity Diagram to Cancel Order</a:t>
-            </a:r>
-            <a:endParaRPr lang="en-IN" dirty="0"/>
-          </a:p>
-        </p:txBody>
-      </p:sp>
-      <p:pic>
-        <p:nvPicPr>
-          <p:cNvPr id="4" name="Picture 4" descr="A close up of text on a white background&#10;&#10;Description generated with very high confidence">
-            <a:extLst>
-              <a:ext uri="{FF2B5EF4-FFF2-40B4-BE49-F238E27FC236}">
-                <a16:creationId xmlns:a16="http://schemas.microsoft.com/office/drawing/2014/main" id="{18A35A48-1868-46ED-8152-7888870594F2}"/>
-              </a:ext>
-            </a:extLst>
-          </p:cNvPr>
-          <p:cNvPicPr>
-            <a:picLocks noChangeAspect="1"/>
-          </p:cNvPicPr>
-          <p:nvPr/>
-        </p:nvPicPr>
-        <p:blipFill>
-          <a:blip r:embed="rId2"/>
-          <a:stretch>
-            <a:fillRect/>
-          </a:stretch>
-        </p:blipFill>
-        <p:spPr>
-          <a:xfrm>
-            <a:off x="181155" y="960272"/>
-            <a:ext cx="10909538" cy="5742587"/>
-          </a:xfrm>
-          <a:prstGeom prst="rect">
-            <a:avLst/>
-          </a:prstGeom>
-        </p:spPr>
-      </p:pic>
-    </p:spTree>
-    <p:extLst>
-      <p:ext uri="{BB962C8B-B14F-4D97-AF65-F5344CB8AC3E}">
-        <p14:creationId xmlns:p14="http://schemas.microsoft.com/office/powerpoint/2010/main" val="550072158"/>
-      </p:ext>
-    </p:extLst>
-  </p:cSld>
-  <p:clrMapOvr>
-    <a:masterClrMapping/>
-  </p:clrMapOvr>
-</p:sld>
-</file>
-
-<file path=ppt/slides/slide22.xml><?xml version="1.0" encoding="utf-8"?>
-<p:sld xmlns:a="http://schemas.openxmlformats.org/drawingml/2006/main" xmlns:r="http://schemas.openxmlformats.org/officeDocument/2006/relationships" xmlns:p="http://schemas.openxmlformats.org/presentationml/2006/main">
-  <p:cSld>
-    <p:spTree>
-      <p:nvGrpSpPr>
-        <p:cNvPr id="1" name=""/>
-        <p:cNvGrpSpPr/>
-        <p:nvPr/>
-      </p:nvGrpSpPr>
-      <p:grpSpPr>
-        <a:xfrm>
-          <a:off x="0" y="0"/>
-          <a:ext cx="0" cy="0"/>
-          <a:chOff x="0" y="0"/>
-          <a:chExt cx="0" cy="0"/>
-        </a:xfrm>
-      </p:grpSpPr>
-      <p:sp>
-        <p:nvSpPr>
-          <p:cNvPr id="3" name="TextBox 2">
-            <a:extLst>
-              <a:ext uri="{FF2B5EF4-FFF2-40B4-BE49-F238E27FC236}">
-                <a16:creationId xmlns:a16="http://schemas.microsoft.com/office/drawing/2014/main" id="{4C6B9CF3-3A46-456F-9815-D51548C30D73}"/>
-              </a:ext>
-            </a:extLst>
-          </p:cNvPr>
-          <p:cNvSpPr txBox="1"/>
-          <p:nvPr/>
-        </p:nvSpPr>
-        <p:spPr>
-          <a:xfrm>
-            <a:off x="1431984" y="1805797"/>
-            <a:ext cx="8220972" cy="769441"/>
-          </a:xfrm>
-          <a:prstGeom prst="rect">
-            <a:avLst/>
-          </a:prstGeom>
-          <a:noFill/>
-        </p:spPr>
-        <p:txBody>
-          <a:bodyPr rot="0" spcFirstLastPara="0" vertOverflow="overflow" horzOverflow="overflow" vert="horz" wrap="square" lIns="91440" tIns="45720" rIns="91440" bIns="45720" numCol="1" spcCol="0" rtlCol="0" fromWordArt="0" anchor="t" anchorCtr="0" forceAA="0" compatLnSpc="1">
-            <a:prstTxWarp prst="textNoShape">
-              <a:avLst/>
-            </a:prstTxWarp>
-            <a:spAutoFit/>
-          </a:bodyPr>
-          <a:lstStyle/>
-          <a:p>
-            <a:pPr algn="ctr"/>
-            <a:r>
-              <a:rPr lang="en-US" sz="4400" dirty="0">
-                <a:latin typeface="Century Schoolbook"/>
-                <a:ea typeface="+mj-lt"/>
-                <a:cs typeface="+mj-lt"/>
-              </a:rPr>
-              <a:t>Epic and User Stories</a:t>
-            </a:r>
-            <a:endParaRPr lang="en-US" dirty="0"/>
-          </a:p>
-        </p:txBody>
-      </p:sp>
-    </p:spTree>
-    <p:extLst>
-      <p:ext uri="{BB962C8B-B14F-4D97-AF65-F5344CB8AC3E}">
-        <p14:creationId xmlns:p14="http://schemas.microsoft.com/office/powerpoint/2010/main" val="1800083496"/>
-      </p:ext>
-    </p:extLst>
-  </p:cSld>
-  <p:clrMapOvr>
-    <a:masterClrMapping/>
-  </p:clrMapOvr>
-</p:sld>
-</file>
-
-<file path=ppt/slides/slide23.xml><?xml version="1.0" encoding="utf-8"?>
-<p:sld xmlns:a="http://schemas.openxmlformats.org/drawingml/2006/main" xmlns:r="http://schemas.openxmlformats.org/officeDocument/2006/relationships" xmlns:p="http://schemas.openxmlformats.org/presentationml/2006/main">
-  <p:cSld>
-    <p:spTree>
-      <p:nvGrpSpPr>
-        <p:cNvPr id="1" name=""/>
-        <p:cNvGrpSpPr/>
-        <p:nvPr/>
-      </p:nvGrpSpPr>
-      <p:grpSpPr>
-        <a:xfrm>
-          <a:off x="0" y="0"/>
-          <a:ext cx="0" cy="0"/>
-          <a:chOff x="0" y="0"/>
-          <a:chExt cx="0" cy="0"/>
-        </a:xfrm>
-      </p:grpSpPr>
-      <p:sp>
-        <p:nvSpPr>
-          <p:cNvPr id="2" name="Title 1"/>
-          <p:cNvSpPr>
-            <a:spLocks noGrp="1"/>
-          </p:cNvSpPr>
-          <p:nvPr>
-            <p:ph type="title"/>
-          </p:nvPr>
-        </p:nvSpPr>
-        <p:spPr/>
-        <p:txBody>
-          <a:bodyPr>
-            <a:normAutofit/>
-          </a:bodyPr>
-          <a:lstStyle/>
-          <a:p>
-            <a:pPr algn="ctr"/>
-            <a:r>
-              <a:rPr lang="en-IN" dirty="0">
-                <a:latin typeface="Times New Roman" panose="02020603050405020304" pitchFamily="18" charset="0"/>
-                <a:cs typeface="Times New Roman" panose="02020603050405020304" pitchFamily="18" charset="0"/>
-              </a:rPr>
-              <a:t>EPIC – Salesman should upload offline orders</a:t>
-            </a:r>
-          </a:p>
-        </p:txBody>
-      </p:sp>
-      <p:sp>
-        <p:nvSpPr>
-          <p:cNvPr id="3" name="Content Placeholder 2"/>
-          <p:cNvSpPr>
-            <a:spLocks noGrp="1"/>
-          </p:cNvSpPr>
-          <p:nvPr>
-            <p:ph idx="1"/>
-          </p:nvPr>
-        </p:nvSpPr>
-        <p:spPr/>
-        <p:txBody>
-          <a:bodyPr>
-            <a:normAutofit/>
-          </a:bodyPr>
-          <a:lstStyle/>
-          <a:p>
-            <a:pPr marL="0" indent="0">
-              <a:buNone/>
-            </a:pPr>
-            <a:endParaRPr lang="en-IN" dirty="0">
-              <a:latin typeface="Times New Roman" panose="02020603050405020304" pitchFamily="18" charset="0"/>
-              <a:cs typeface="Times New Roman" panose="02020603050405020304" pitchFamily="18" charset="0"/>
-            </a:endParaRPr>
-          </a:p>
-          <a:p>
-            <a:pPr marL="0" indent="0">
-              <a:buNone/>
-            </a:pPr>
-            <a:r>
-              <a:rPr lang="en-IN" u="sng" dirty="0">
-                <a:latin typeface="Times New Roman" panose="02020603050405020304" pitchFamily="18" charset="0"/>
-                <a:cs typeface="Times New Roman" panose="02020603050405020304" pitchFamily="18" charset="0"/>
-              </a:rPr>
-              <a:t>User Stories:</a:t>
-            </a:r>
-            <a:endParaRPr lang="en-IN" dirty="0">
-              <a:latin typeface="Times New Roman" panose="02020603050405020304" pitchFamily="18" charset="0"/>
-              <a:cs typeface="Times New Roman" panose="02020603050405020304" pitchFamily="18" charset="0"/>
-            </a:endParaRPr>
-          </a:p>
-          <a:p>
-            <a:r>
-              <a:rPr lang="en-IN" dirty="0">
-                <a:latin typeface="Times New Roman" panose="02020603050405020304" pitchFamily="18" charset="0"/>
-                <a:cs typeface="Times New Roman" panose="02020603050405020304" pitchFamily="18" charset="0"/>
-              </a:rPr>
-              <a:t>Salesman should be able to upload order details like product ID, name and quantity along with discount and total price.</a:t>
-            </a:r>
-          </a:p>
-          <a:p>
-            <a:r>
-              <a:rPr lang="en-IN" dirty="0">
-                <a:latin typeface="Times New Roman" panose="02020603050405020304" pitchFamily="18" charset="0"/>
-                <a:cs typeface="Times New Roman" panose="02020603050405020304" pitchFamily="18" charset="0"/>
-              </a:rPr>
-              <a:t>Salesman should be able to view uploaded sales.</a:t>
-            </a:r>
-          </a:p>
-        </p:txBody>
-      </p:sp>
-    </p:spTree>
-    <p:extLst>
-      <p:ext uri="{BB962C8B-B14F-4D97-AF65-F5344CB8AC3E}">
-        <p14:creationId xmlns:p14="http://schemas.microsoft.com/office/powerpoint/2010/main" val="2617270424"/>
-      </p:ext>
-    </p:extLst>
-  </p:cSld>
-  <p:clrMapOvr>
-    <a:masterClrMapping/>
-  </p:clrMapOvr>
-</p:sld>
-</file>
-
-<file path=ppt/slides/slide24.xml><?xml version="1.0" encoding="utf-8"?>
-<p:sld xmlns:a="http://schemas.openxmlformats.org/drawingml/2006/main" xmlns:r="http://schemas.openxmlformats.org/officeDocument/2006/relationships" xmlns:p="http://schemas.openxmlformats.org/presentationml/2006/main">
-  <p:cSld>
-    <p:spTree>
-      <p:nvGrpSpPr>
-        <p:cNvPr id="1" name=""/>
-        <p:cNvGrpSpPr/>
-        <p:nvPr/>
-      </p:nvGrpSpPr>
-      <p:grpSpPr>
-        <a:xfrm>
-          <a:off x="0" y="0"/>
-          <a:ext cx="0" cy="0"/>
-          <a:chOff x="0" y="0"/>
-          <a:chExt cx="0" cy="0"/>
-        </a:xfrm>
-      </p:grpSpPr>
-      <p:pic>
-        <p:nvPicPr>
-          <p:cNvPr id="2" name="Picture 2" descr="A picture containing bird, flower&#10;&#10;Description generated with very high confidence">
-            <a:extLst>
-              <a:ext uri="{FF2B5EF4-FFF2-40B4-BE49-F238E27FC236}">
-                <a16:creationId xmlns:a16="http://schemas.microsoft.com/office/drawing/2014/main" id="{0BF01BCC-F54A-451F-B79C-758CA5B6F04E}"/>
-              </a:ext>
-            </a:extLst>
-          </p:cNvPr>
-          <p:cNvPicPr>
-            <a:picLocks noChangeAspect="1"/>
-          </p:cNvPicPr>
-          <p:nvPr/>
-        </p:nvPicPr>
-        <p:blipFill>
-          <a:blip r:embed="rId2"/>
-          <a:stretch>
-            <a:fillRect/>
-          </a:stretch>
-        </p:blipFill>
-        <p:spPr>
-          <a:xfrm>
-            <a:off x="209910" y="570546"/>
-            <a:ext cx="10104405" cy="4839885"/>
-          </a:xfrm>
-          <a:prstGeom prst="rect">
-            <a:avLst/>
-          </a:prstGeom>
-        </p:spPr>
-      </p:pic>
-    </p:spTree>
-    <p:extLst>
-      <p:ext uri="{BB962C8B-B14F-4D97-AF65-F5344CB8AC3E}">
-        <p14:creationId xmlns:p14="http://schemas.microsoft.com/office/powerpoint/2010/main" val="3030526841"/>
-      </p:ext>
-    </p:extLst>
-  </p:cSld>
-  <p:clrMapOvr>
-    <a:masterClrMapping/>
-  </p:clrMapOvr>
-</p:sld>
-</file>
-
-<file path=ppt/slides/slide25.xml><?xml version="1.0" encoding="utf-8"?>
-<p:sld xmlns:a="http://schemas.openxmlformats.org/drawingml/2006/main" xmlns:r="http://schemas.openxmlformats.org/officeDocument/2006/relationships" xmlns:p="http://schemas.openxmlformats.org/presentationml/2006/main">
-  <p:cSld>
-    <p:spTree>
-      <p:nvGrpSpPr>
-        <p:cNvPr id="1" name=""/>
-        <p:cNvGrpSpPr/>
-        <p:nvPr/>
-      </p:nvGrpSpPr>
-      <p:grpSpPr>
-        <a:xfrm>
-          <a:off x="0" y="0"/>
-          <a:ext cx="0" cy="0"/>
-          <a:chOff x="0" y="0"/>
-          <a:chExt cx="0" cy="0"/>
-        </a:xfrm>
-      </p:grpSpPr>
-      <p:pic>
-        <p:nvPicPr>
-          <p:cNvPr id="2" name="Picture 2" descr="A picture containing bird&#10;&#10;Description generated with very high confidence">
-            <a:extLst>
-              <a:ext uri="{FF2B5EF4-FFF2-40B4-BE49-F238E27FC236}">
-                <a16:creationId xmlns:a16="http://schemas.microsoft.com/office/drawing/2014/main" id="{89C675D7-8EAB-49FC-8BC0-201564F83071}"/>
-              </a:ext>
-            </a:extLst>
-          </p:cNvPr>
-          <p:cNvPicPr>
-            <a:picLocks noChangeAspect="1"/>
-          </p:cNvPicPr>
-          <p:nvPr/>
-        </p:nvPicPr>
-        <p:blipFill>
-          <a:blip r:embed="rId2"/>
-          <a:stretch>
-            <a:fillRect/>
-          </a:stretch>
-        </p:blipFill>
-        <p:spPr>
-          <a:xfrm>
-            <a:off x="-5751" y="465835"/>
-            <a:ext cx="10967049" cy="5351234"/>
-          </a:xfrm>
-          <a:prstGeom prst="rect">
-            <a:avLst/>
-          </a:prstGeom>
-        </p:spPr>
-      </p:pic>
-    </p:spTree>
-    <p:extLst>
-      <p:ext uri="{BB962C8B-B14F-4D97-AF65-F5344CB8AC3E}">
-        <p14:creationId xmlns:p14="http://schemas.microsoft.com/office/powerpoint/2010/main" val="999513637"/>
-      </p:ext>
-    </p:extLst>
-  </p:cSld>
-  <p:clrMapOvr>
-    <a:masterClrMapping/>
-  </p:clrMapOvr>
-</p:sld>
-</file>
-
-<file path=ppt/slides/slide26.xml><?xml version="1.0" encoding="utf-8"?>
-<p:sld xmlns:a="http://schemas.openxmlformats.org/drawingml/2006/main" xmlns:r="http://schemas.openxmlformats.org/officeDocument/2006/relationships" xmlns:p="http://schemas.openxmlformats.org/presentationml/2006/main">
-  <p:cSld>
-    <p:spTree>
-      <p:nvGrpSpPr>
-        <p:cNvPr id="1" name=""/>
-        <p:cNvGrpSpPr/>
-        <p:nvPr/>
-      </p:nvGrpSpPr>
-      <p:grpSpPr>
-        <a:xfrm>
-          <a:off x="0" y="0"/>
-          <a:ext cx="0" cy="0"/>
-          <a:chOff x="0" y="0"/>
-          <a:chExt cx="0" cy="0"/>
-        </a:xfrm>
-      </p:grpSpPr>
-      <p:sp>
-        <p:nvSpPr>
-          <p:cNvPr id="3" name="TextBox 2">
-            <a:extLst>
-              <a:ext uri="{FF2B5EF4-FFF2-40B4-BE49-F238E27FC236}">
-                <a16:creationId xmlns:a16="http://schemas.microsoft.com/office/drawing/2014/main" id="{93E5992D-5482-43B8-8070-DD982CFE0DF3}"/>
-              </a:ext>
-            </a:extLst>
-          </p:cNvPr>
-          <p:cNvSpPr txBox="1"/>
-          <p:nvPr/>
-        </p:nvSpPr>
-        <p:spPr>
-          <a:xfrm>
-            <a:off x="2840965" y="3142891"/>
-            <a:ext cx="5489275" cy="769441"/>
-          </a:xfrm>
-          <a:prstGeom prst="rect">
-            <a:avLst/>
-          </a:prstGeom>
-          <a:noFill/>
-        </p:spPr>
-        <p:txBody>
-          <a:bodyPr rot="0" spcFirstLastPara="0" vertOverflow="overflow" horzOverflow="overflow" vert="horz" wrap="square" lIns="91440" tIns="45720" rIns="91440" bIns="45720" numCol="1" spcCol="0" rtlCol="0" fromWordArt="0" anchor="t" anchorCtr="0" forceAA="0" compatLnSpc="1">
-            <a:prstTxWarp prst="textNoShape">
-              <a:avLst/>
-            </a:prstTxWarp>
-            <a:spAutoFit/>
-          </a:bodyPr>
-          <a:lstStyle/>
-          <a:p>
-            <a:pPr algn="ctr"/>
-            <a:r>
-              <a:rPr lang="en-US" sz="4400" dirty="0">
-                <a:latin typeface="Century Schoolbook"/>
-                <a:ea typeface="+mj-lt"/>
-                <a:cs typeface="+mj-lt"/>
-              </a:rPr>
-              <a:t>Class Diagrams</a:t>
-            </a:r>
-          </a:p>
-        </p:txBody>
-      </p:sp>
-    </p:spTree>
-    <p:extLst>
-      <p:ext uri="{BB962C8B-B14F-4D97-AF65-F5344CB8AC3E}">
-        <p14:creationId xmlns:p14="http://schemas.microsoft.com/office/powerpoint/2010/main" val="3622778750"/>
-      </p:ext>
-    </p:extLst>
-  </p:cSld>
-  <p:clrMapOvr>
-    <a:masterClrMapping/>
-  </p:clrMapOvr>
-</p:sld>
-</file>
-
-<file path=ppt/slides/slide27.xml><?xml version="1.0" encoding="utf-8"?>
+<file path=ppt/slides/slide16.xml><?xml version="1.0" encoding="utf-8"?>
 <p:sld xmlns:a="http://schemas.openxmlformats.org/drawingml/2006/main" xmlns:r="http://schemas.openxmlformats.org/officeDocument/2006/relationships" xmlns:p="http://schemas.openxmlformats.org/presentationml/2006/main">
   <p:cSld>
     <p:spTree>
@@ -17356,7 +16412,7 @@
 </p:sld>
 </file>
 
-<file path=ppt/slides/slide28.xml><?xml version="1.0" encoding="utf-8"?>
+<file path=ppt/slides/slide17.xml><?xml version="1.0" encoding="utf-8"?>
 <p:sld xmlns:a="http://schemas.openxmlformats.org/drawingml/2006/main" xmlns:r="http://schemas.openxmlformats.org/officeDocument/2006/relationships" xmlns:p="http://schemas.openxmlformats.org/presentationml/2006/main">
   <p:cSld>
     <p:spTree>
@@ -17416,7 +16472,669 @@
 </p:sld>
 </file>
 
-<file path=ppt/slides/slide29.xml><?xml version="1.0" encoding="utf-8"?>
+<file path=ppt/slides/slide18.xml><?xml version="1.0" encoding="utf-8"?>
+<p:sld xmlns:a="http://schemas.openxmlformats.org/drawingml/2006/main" xmlns:r="http://schemas.openxmlformats.org/officeDocument/2006/relationships" xmlns:p="http://schemas.openxmlformats.org/presentationml/2006/main">
+  <p:cSld>
+    <p:spTree>
+      <p:nvGrpSpPr>
+        <p:cNvPr id="1" name=""/>
+        <p:cNvGrpSpPr/>
+        <p:nvPr/>
+      </p:nvGrpSpPr>
+      <p:grpSpPr>
+        <a:xfrm>
+          <a:off x="0" y="0"/>
+          <a:ext cx="0" cy="0"/>
+          <a:chOff x="0" y="0"/>
+          <a:chExt cx="0" cy="0"/>
+        </a:xfrm>
+      </p:grpSpPr>
+      <p:sp>
+        <p:nvSpPr>
+          <p:cNvPr id="2" name="Title 1"/>
+          <p:cNvSpPr>
+            <a:spLocks noGrp="1"/>
+          </p:cNvSpPr>
+          <p:nvPr>
+            <p:ph type="title"/>
+          </p:nvPr>
+        </p:nvSpPr>
+        <p:spPr>
+          <a:xfrm>
+            <a:off x="762000" y="559678"/>
+            <a:ext cx="9200866" cy="4952492"/>
+          </a:xfrm>
+        </p:spPr>
+        <p:txBody>
+          <a:bodyPr/>
+          <a:lstStyle/>
+          <a:p>
+            <a:r>
+              <a:rPr lang="en-US" dirty="0" smtClean="0"/>
+              <a:t>Admin and Address</a:t>
+            </a:r>
+            <a:endParaRPr lang="en-IN" dirty="0"/>
+          </a:p>
+        </p:txBody>
+      </p:sp>
+    </p:spTree>
+    <p:extLst>
+      <p:ext uri="{BB962C8B-B14F-4D97-AF65-F5344CB8AC3E}">
+        <p14:creationId xmlns:p14="http://schemas.microsoft.com/office/powerpoint/2010/main" val="80383089"/>
+      </p:ext>
+    </p:extLst>
+  </p:cSld>
+  <p:clrMapOvr>
+    <a:masterClrMapping/>
+  </p:clrMapOvr>
+</p:sld>
+</file>
+
+<file path=ppt/slides/slide19.xml><?xml version="1.0" encoding="utf-8"?>
+<p:sld xmlns:a="http://schemas.openxmlformats.org/drawingml/2006/main" xmlns:r="http://schemas.openxmlformats.org/officeDocument/2006/relationships" xmlns:p="http://schemas.openxmlformats.org/presentationml/2006/main">
+  <p:cSld>
+    <p:spTree>
+      <p:nvGrpSpPr>
+        <p:cNvPr id="1" name=""/>
+        <p:cNvGrpSpPr/>
+        <p:nvPr/>
+      </p:nvGrpSpPr>
+      <p:grpSpPr>
+        <a:xfrm>
+          <a:off x="0" y="0"/>
+          <a:ext cx="0" cy="0"/>
+          <a:chOff x="0" y="0"/>
+          <a:chExt cx="0" cy="0"/>
+        </a:xfrm>
+      </p:grpSpPr>
+      <p:sp>
+        <p:nvSpPr>
+          <p:cNvPr id="2" name="Title 1"/>
+          <p:cNvSpPr>
+            <a:spLocks noGrp="1"/>
+          </p:cNvSpPr>
+          <p:nvPr>
+            <p:ph type="title"/>
+          </p:nvPr>
+        </p:nvSpPr>
+        <p:spPr/>
+        <p:txBody>
+          <a:bodyPr>
+            <a:normAutofit/>
+          </a:bodyPr>
+          <a:lstStyle/>
+          <a:p>
+            <a:pPr algn="ctr"/>
+            <a:r>
+              <a:rPr lang="en-IN" dirty="0" smtClean="0">
+                <a:latin typeface="Times New Roman" panose="02020603050405020304" pitchFamily="18" charset="0"/>
+                <a:cs typeface="Times New Roman" panose="02020603050405020304" pitchFamily="18" charset="0"/>
+              </a:rPr>
+              <a:t>EPIC – Retailer should add, update and delete addresses</a:t>
+            </a:r>
+            <a:endParaRPr lang="en-IN" dirty="0">
+              <a:latin typeface="Times New Roman" panose="02020603050405020304" pitchFamily="18" charset="0"/>
+              <a:cs typeface="Times New Roman" panose="02020603050405020304" pitchFamily="18" charset="0"/>
+            </a:endParaRPr>
+          </a:p>
+        </p:txBody>
+      </p:sp>
+      <p:sp>
+        <p:nvSpPr>
+          <p:cNvPr id="3" name="Content Placeholder 2"/>
+          <p:cNvSpPr>
+            <a:spLocks noGrp="1"/>
+          </p:cNvSpPr>
+          <p:nvPr>
+            <p:ph idx="1"/>
+          </p:nvPr>
+        </p:nvSpPr>
+        <p:spPr/>
+        <p:txBody>
+          <a:bodyPr>
+            <a:normAutofit/>
+          </a:bodyPr>
+          <a:lstStyle/>
+          <a:p>
+            <a:pPr marL="0" indent="0">
+              <a:buNone/>
+            </a:pPr>
+            <a:endParaRPr lang="en-IN" dirty="0">
+              <a:latin typeface="Times New Roman" panose="02020603050405020304" pitchFamily="18" charset="0"/>
+              <a:cs typeface="Times New Roman" panose="02020603050405020304" pitchFamily="18" charset="0"/>
+            </a:endParaRPr>
+          </a:p>
+          <a:p>
+            <a:pPr marL="0" indent="0">
+              <a:buNone/>
+            </a:pPr>
+            <a:r>
+              <a:rPr lang="en-IN" u="sng" dirty="0" smtClean="0">
+                <a:latin typeface="Times New Roman" panose="02020603050405020304" pitchFamily="18" charset="0"/>
+                <a:cs typeface="Times New Roman" panose="02020603050405020304" pitchFamily="18" charset="0"/>
+              </a:rPr>
+              <a:t>User Stories:</a:t>
+            </a:r>
+            <a:endParaRPr lang="en-IN" dirty="0">
+              <a:latin typeface="Times New Roman" panose="02020603050405020304" pitchFamily="18" charset="0"/>
+              <a:cs typeface="Times New Roman" panose="02020603050405020304" pitchFamily="18" charset="0"/>
+            </a:endParaRPr>
+          </a:p>
+          <a:p>
+            <a:r>
+              <a:rPr lang="en-IN" dirty="0" smtClean="0">
+                <a:latin typeface="Times New Roman" panose="02020603050405020304" pitchFamily="18" charset="0"/>
+                <a:cs typeface="Times New Roman" panose="02020603050405020304" pitchFamily="18" charset="0"/>
+              </a:rPr>
+              <a:t>Retailer should be able to view existing addresses.</a:t>
+            </a:r>
+          </a:p>
+          <a:p>
+            <a:r>
+              <a:rPr lang="en-IN" dirty="0">
+                <a:latin typeface="Times New Roman" panose="02020603050405020304" pitchFamily="18" charset="0"/>
+                <a:cs typeface="Times New Roman" panose="02020603050405020304" pitchFamily="18" charset="0"/>
+              </a:rPr>
+              <a:t>Admin should be able to </a:t>
+            </a:r>
+            <a:r>
+              <a:rPr lang="en-IN" dirty="0" smtClean="0">
+                <a:latin typeface="Times New Roman" panose="02020603050405020304" pitchFamily="18" charset="0"/>
+                <a:cs typeface="Times New Roman" panose="02020603050405020304" pitchFamily="18" charset="0"/>
+              </a:rPr>
+              <a:t>update addresses.</a:t>
+            </a:r>
+          </a:p>
+          <a:p>
+            <a:r>
+              <a:rPr lang="en-US" dirty="0" smtClean="0">
+                <a:latin typeface="Times New Roman" panose="02020603050405020304" pitchFamily="18" charset="0"/>
+                <a:cs typeface="Times New Roman" panose="02020603050405020304" pitchFamily="18" charset="0"/>
+              </a:rPr>
+              <a:t>Admin should be able to delete addresses.</a:t>
+            </a:r>
+            <a:endParaRPr lang="en-IN" dirty="0" smtClean="0">
+              <a:latin typeface="Times New Roman" panose="02020603050405020304" pitchFamily="18" charset="0"/>
+              <a:cs typeface="Times New Roman" panose="02020603050405020304" pitchFamily="18" charset="0"/>
+            </a:endParaRPr>
+          </a:p>
+          <a:p>
+            <a:endParaRPr lang="en-IN" dirty="0" smtClean="0">
+              <a:latin typeface="Times New Roman" panose="02020603050405020304" pitchFamily="18" charset="0"/>
+              <a:cs typeface="Times New Roman" panose="02020603050405020304" pitchFamily="18" charset="0"/>
+            </a:endParaRPr>
+          </a:p>
+        </p:txBody>
+      </p:sp>
+    </p:spTree>
+    <p:extLst>
+      <p:ext uri="{BB962C8B-B14F-4D97-AF65-F5344CB8AC3E}">
+        <p14:creationId xmlns:p14="http://schemas.microsoft.com/office/powerpoint/2010/main" val="3387212969"/>
+      </p:ext>
+    </p:extLst>
+  </p:cSld>
+  <p:clrMapOvr>
+    <a:masterClrMapping/>
+  </p:clrMapOvr>
+  <p:timing>
+    <p:tnLst>
+      <p:par>
+        <p:cTn id="1" dur="indefinite" restart="never" nodeType="tmRoot"/>
+      </p:par>
+    </p:tnLst>
+  </p:timing>
+</p:sld>
+</file>
+
+<file path=ppt/slides/slide2.xml><?xml version="1.0" encoding="utf-8"?>
+<p:sld xmlns:a="http://schemas.openxmlformats.org/drawingml/2006/main" xmlns:r="http://schemas.openxmlformats.org/officeDocument/2006/relationships" xmlns:p="http://schemas.openxmlformats.org/presentationml/2006/main">
+  <p:cSld>
+    <p:spTree>
+      <p:nvGrpSpPr>
+        <p:cNvPr id="1" name=""/>
+        <p:cNvGrpSpPr/>
+        <p:nvPr/>
+      </p:nvGrpSpPr>
+      <p:grpSpPr>
+        <a:xfrm>
+          <a:off x="0" y="0"/>
+          <a:ext cx="0" cy="0"/>
+          <a:chOff x="0" y="0"/>
+          <a:chExt cx="0" cy="0"/>
+        </a:xfrm>
+      </p:grpSpPr>
+      <p:sp>
+        <p:nvSpPr>
+          <p:cNvPr id="2" name="Title 1"/>
+          <p:cNvSpPr>
+            <a:spLocks noGrp="1"/>
+          </p:cNvSpPr>
+          <p:nvPr>
+            <p:ph type="title"/>
+          </p:nvPr>
+        </p:nvSpPr>
+        <p:spPr/>
+        <p:txBody>
+          <a:bodyPr/>
+          <a:lstStyle/>
+          <a:p>
+            <a:r>
+              <a:rPr lang="en-US" dirty="0" smtClean="0"/>
+              <a:t>TEAM A</a:t>
+            </a:r>
+            <a:endParaRPr lang="en-IN" dirty="0"/>
+          </a:p>
+        </p:txBody>
+      </p:sp>
+      <p:sp>
+        <p:nvSpPr>
+          <p:cNvPr id="3" name="Content Placeholder 2"/>
+          <p:cNvSpPr>
+            <a:spLocks noGrp="1"/>
+          </p:cNvSpPr>
+          <p:nvPr>
+            <p:ph idx="1"/>
+          </p:nvPr>
+        </p:nvSpPr>
+        <p:spPr>
+          <a:xfrm>
+            <a:off x="5943602" y="1581940"/>
+            <a:ext cx="6248398" cy="5655156"/>
+          </a:xfrm>
+        </p:spPr>
+        <p:txBody>
+          <a:bodyPr/>
+          <a:lstStyle/>
+          <a:p>
+            <a:r>
+              <a:rPr lang="en-US" dirty="0" smtClean="0"/>
+              <a:t>Madhuri Vemulapaty</a:t>
+            </a:r>
+          </a:p>
+          <a:p>
+            <a:r>
+              <a:rPr lang="en-US" dirty="0" smtClean="0"/>
+              <a:t>Ankush Agrawal</a:t>
+            </a:r>
+          </a:p>
+          <a:p>
+            <a:r>
+              <a:rPr lang="en-US" dirty="0" smtClean="0"/>
+              <a:t>Shreyash Pandey</a:t>
+            </a:r>
+          </a:p>
+          <a:p>
+            <a:r>
+              <a:rPr lang="en-US" dirty="0" smtClean="0"/>
+              <a:t>Sourav Maji</a:t>
+            </a:r>
+          </a:p>
+          <a:p>
+            <a:r>
+              <a:rPr lang="en-US" dirty="0" smtClean="0"/>
+              <a:t>Sarthak Lav</a:t>
+            </a:r>
+            <a:endParaRPr lang="en-IN" dirty="0"/>
+          </a:p>
+        </p:txBody>
+      </p:sp>
+    </p:spTree>
+    <p:extLst>
+      <p:ext uri="{BB962C8B-B14F-4D97-AF65-F5344CB8AC3E}">
+        <p14:creationId xmlns:p14="http://schemas.microsoft.com/office/powerpoint/2010/main" val="2059928269"/>
+      </p:ext>
+    </p:extLst>
+  </p:cSld>
+  <p:clrMapOvr>
+    <a:masterClrMapping/>
+  </p:clrMapOvr>
+  <p:timing>
+    <p:tnLst>
+      <p:par>
+        <p:cTn id="1" dur="indefinite" restart="never" nodeType="tmRoot"/>
+      </p:par>
+    </p:tnLst>
+  </p:timing>
+</p:sld>
+</file>
+
+<file path=ppt/slides/slide20.xml><?xml version="1.0" encoding="utf-8"?>
+<p:sld xmlns:a="http://schemas.openxmlformats.org/drawingml/2006/main" xmlns:r="http://schemas.openxmlformats.org/officeDocument/2006/relationships" xmlns:p="http://schemas.openxmlformats.org/presentationml/2006/main">
+  <p:cSld>
+    <p:spTree>
+      <p:nvGrpSpPr>
+        <p:cNvPr id="1" name=""/>
+        <p:cNvGrpSpPr/>
+        <p:nvPr/>
+      </p:nvGrpSpPr>
+      <p:grpSpPr>
+        <a:xfrm>
+          <a:off x="0" y="0"/>
+          <a:ext cx="0" cy="0"/>
+          <a:chOff x="0" y="0"/>
+          <a:chExt cx="0" cy="0"/>
+        </a:xfrm>
+      </p:grpSpPr>
+      <p:sp>
+        <p:nvSpPr>
+          <p:cNvPr id="2" name="Title 1"/>
+          <p:cNvSpPr>
+            <a:spLocks noGrp="1"/>
+          </p:cNvSpPr>
+          <p:nvPr>
+            <p:ph type="title"/>
+          </p:nvPr>
+        </p:nvSpPr>
+        <p:spPr/>
+        <p:txBody>
+          <a:bodyPr>
+            <a:normAutofit/>
+          </a:bodyPr>
+          <a:lstStyle/>
+          <a:p>
+            <a:pPr algn="ctr"/>
+            <a:r>
+              <a:rPr lang="en-IN" dirty="0" smtClean="0">
+                <a:latin typeface="Times New Roman" panose="02020603050405020304" pitchFamily="18" charset="0"/>
+                <a:cs typeface="Times New Roman" panose="02020603050405020304" pitchFamily="18" charset="0"/>
+              </a:rPr>
+              <a:t>EPIC – Retailer should add, update and delete addresses</a:t>
+            </a:r>
+            <a:endParaRPr lang="en-IN" dirty="0">
+              <a:latin typeface="Times New Roman" panose="02020603050405020304" pitchFamily="18" charset="0"/>
+              <a:cs typeface="Times New Roman" panose="02020603050405020304" pitchFamily="18" charset="0"/>
+            </a:endParaRPr>
+          </a:p>
+        </p:txBody>
+      </p:sp>
+      <p:sp>
+        <p:nvSpPr>
+          <p:cNvPr id="3" name="Content Placeholder 2"/>
+          <p:cNvSpPr>
+            <a:spLocks noGrp="1"/>
+          </p:cNvSpPr>
+          <p:nvPr>
+            <p:ph idx="1"/>
+          </p:nvPr>
+        </p:nvSpPr>
+        <p:spPr/>
+        <p:txBody>
+          <a:bodyPr>
+            <a:normAutofit/>
+          </a:bodyPr>
+          <a:lstStyle/>
+          <a:p>
+            <a:pPr marL="0" indent="0">
+              <a:buNone/>
+            </a:pPr>
+            <a:endParaRPr lang="en-IN" dirty="0">
+              <a:latin typeface="Times New Roman" panose="02020603050405020304" pitchFamily="18" charset="0"/>
+              <a:cs typeface="Times New Roman" panose="02020603050405020304" pitchFamily="18" charset="0"/>
+            </a:endParaRPr>
+          </a:p>
+          <a:p>
+            <a:pPr marL="0" indent="0">
+              <a:buNone/>
+            </a:pPr>
+            <a:r>
+              <a:rPr lang="en-IN" u="sng" dirty="0" smtClean="0">
+                <a:latin typeface="Times New Roman" panose="02020603050405020304" pitchFamily="18" charset="0"/>
+                <a:cs typeface="Times New Roman" panose="02020603050405020304" pitchFamily="18" charset="0"/>
+              </a:rPr>
+              <a:t>User Stories:</a:t>
+            </a:r>
+            <a:endParaRPr lang="en-IN" dirty="0">
+              <a:latin typeface="Times New Roman" panose="02020603050405020304" pitchFamily="18" charset="0"/>
+              <a:cs typeface="Times New Roman" panose="02020603050405020304" pitchFamily="18" charset="0"/>
+            </a:endParaRPr>
+          </a:p>
+          <a:p>
+            <a:r>
+              <a:rPr lang="en-IN" dirty="0" smtClean="0">
+                <a:latin typeface="Times New Roman" panose="02020603050405020304" pitchFamily="18" charset="0"/>
+                <a:cs typeface="Times New Roman" panose="02020603050405020304" pitchFamily="18" charset="0"/>
+              </a:rPr>
+              <a:t>Retailer should be able to view existing addresses.</a:t>
+            </a:r>
+          </a:p>
+          <a:p>
+            <a:r>
+              <a:rPr lang="en-IN" dirty="0">
+                <a:latin typeface="Times New Roman" panose="02020603050405020304" pitchFamily="18" charset="0"/>
+                <a:cs typeface="Times New Roman" panose="02020603050405020304" pitchFamily="18" charset="0"/>
+              </a:rPr>
+              <a:t>Admin should be able to </a:t>
+            </a:r>
+            <a:r>
+              <a:rPr lang="en-IN" dirty="0" smtClean="0">
+                <a:latin typeface="Times New Roman" panose="02020603050405020304" pitchFamily="18" charset="0"/>
+                <a:cs typeface="Times New Roman" panose="02020603050405020304" pitchFamily="18" charset="0"/>
+              </a:rPr>
+              <a:t>update addresses.</a:t>
+            </a:r>
+          </a:p>
+          <a:p>
+            <a:r>
+              <a:rPr lang="en-US" dirty="0" smtClean="0">
+                <a:latin typeface="Times New Roman" panose="02020603050405020304" pitchFamily="18" charset="0"/>
+                <a:cs typeface="Times New Roman" panose="02020603050405020304" pitchFamily="18" charset="0"/>
+              </a:rPr>
+              <a:t>Admin should be able to delete addresses.</a:t>
+            </a:r>
+            <a:endParaRPr lang="en-IN" dirty="0" smtClean="0">
+              <a:latin typeface="Times New Roman" panose="02020603050405020304" pitchFamily="18" charset="0"/>
+              <a:cs typeface="Times New Roman" panose="02020603050405020304" pitchFamily="18" charset="0"/>
+            </a:endParaRPr>
+          </a:p>
+          <a:p>
+            <a:endParaRPr lang="en-IN" dirty="0" smtClean="0">
+              <a:latin typeface="Times New Roman" panose="02020603050405020304" pitchFamily="18" charset="0"/>
+              <a:cs typeface="Times New Roman" panose="02020603050405020304" pitchFamily="18" charset="0"/>
+            </a:endParaRPr>
+          </a:p>
+        </p:txBody>
+      </p:sp>
+    </p:spTree>
+    <p:extLst>
+      <p:ext uri="{BB962C8B-B14F-4D97-AF65-F5344CB8AC3E}">
+        <p14:creationId xmlns:p14="http://schemas.microsoft.com/office/powerpoint/2010/main" val="3507608163"/>
+      </p:ext>
+    </p:extLst>
+  </p:cSld>
+  <p:clrMapOvr>
+    <a:masterClrMapping/>
+  </p:clrMapOvr>
+  <p:timing>
+    <p:tnLst>
+      <p:par>
+        <p:cTn id="1" dur="indefinite" restart="never" nodeType="tmRoot"/>
+      </p:par>
+    </p:tnLst>
+  </p:timing>
+</p:sld>
+</file>
+
+<file path=ppt/slides/slide21.xml><?xml version="1.0" encoding="utf-8"?>
+<p:sld xmlns:a="http://schemas.openxmlformats.org/drawingml/2006/main" xmlns:r="http://schemas.openxmlformats.org/officeDocument/2006/relationships" xmlns:p="http://schemas.openxmlformats.org/presentationml/2006/main">
+  <p:cSld>
+    <p:spTree>
+      <p:nvGrpSpPr>
+        <p:cNvPr id="1" name=""/>
+        <p:cNvGrpSpPr/>
+        <p:nvPr/>
+      </p:nvGrpSpPr>
+      <p:grpSpPr>
+        <a:xfrm>
+          <a:off x="0" y="0"/>
+          <a:ext cx="0" cy="0"/>
+          <a:chOff x="0" y="0"/>
+          <a:chExt cx="0" cy="0"/>
+        </a:xfrm>
+      </p:grpSpPr>
+      <p:pic>
+        <p:nvPicPr>
+          <p:cNvPr id="2" name="Picture 1"/>
+          <p:cNvPicPr>
+            <a:picLocks noChangeAspect="1"/>
+          </p:cNvPicPr>
+          <p:nvPr/>
+        </p:nvPicPr>
+        <p:blipFill>
+          <a:blip r:embed="rId2">
+            <a:extLst>
+              <a:ext uri="{28A0092B-C50C-407E-A947-70E740481C1C}">
+                <a14:useLocalDpi xmlns:a14="http://schemas.microsoft.com/office/drawing/2010/main" val="0"/>
+              </a:ext>
+            </a:extLst>
+          </a:blip>
+          <a:stretch>
+            <a:fillRect/>
+          </a:stretch>
+        </p:blipFill>
+        <p:spPr>
+          <a:xfrm>
+            <a:off x="0" y="1501140"/>
+            <a:ext cx="11041039" cy="5356860"/>
+          </a:xfrm>
+          <a:prstGeom prst="rect">
+            <a:avLst/>
+          </a:prstGeom>
+        </p:spPr>
+      </p:pic>
+      <p:sp>
+        <p:nvSpPr>
+          <p:cNvPr id="3" name="Title 2"/>
+          <p:cNvSpPr>
+            <a:spLocks noGrp="1"/>
+          </p:cNvSpPr>
+          <p:nvPr>
+            <p:ph type="title"/>
+          </p:nvPr>
+        </p:nvSpPr>
+        <p:spPr>
+          <a:xfrm>
+            <a:off x="497597" y="137364"/>
+            <a:ext cx="9692640" cy="1363776"/>
+          </a:xfrm>
+        </p:spPr>
+        <p:txBody>
+          <a:bodyPr/>
+          <a:lstStyle/>
+          <a:p>
+            <a:r>
+              <a:rPr lang="en-US" dirty="0" smtClean="0"/>
+              <a:t>Sequence Diagram to add new address</a:t>
+            </a:r>
+            <a:endParaRPr lang="en-IN" dirty="0"/>
+          </a:p>
+        </p:txBody>
+      </p:sp>
+    </p:spTree>
+    <p:extLst>
+      <p:ext uri="{BB962C8B-B14F-4D97-AF65-F5344CB8AC3E}">
+        <p14:creationId xmlns:p14="http://schemas.microsoft.com/office/powerpoint/2010/main" val="2838350420"/>
+      </p:ext>
+    </p:extLst>
+  </p:cSld>
+  <p:clrMapOvr>
+    <a:masterClrMapping/>
+  </p:clrMapOvr>
+</p:sld>
+</file>
+
+<file path=ppt/slides/slide22.xml><?xml version="1.0" encoding="utf-8"?>
+<p:sld xmlns:a="http://schemas.openxmlformats.org/drawingml/2006/main" xmlns:r="http://schemas.openxmlformats.org/officeDocument/2006/relationships" xmlns:p="http://schemas.openxmlformats.org/presentationml/2006/main">
+  <p:cSld>
+    <p:spTree>
+      <p:nvGrpSpPr>
+        <p:cNvPr id="1" name=""/>
+        <p:cNvGrpSpPr/>
+        <p:nvPr/>
+      </p:nvGrpSpPr>
+      <p:grpSpPr>
+        <a:xfrm>
+          <a:off x="0" y="0"/>
+          <a:ext cx="0" cy="0"/>
+          <a:chOff x="0" y="0"/>
+          <a:chExt cx="0" cy="0"/>
+        </a:xfrm>
+      </p:grpSpPr>
+      <p:sp>
+        <p:nvSpPr>
+          <p:cNvPr id="3" name="Title 2"/>
+          <p:cNvSpPr>
+            <a:spLocks noGrp="1"/>
+          </p:cNvSpPr>
+          <p:nvPr>
+            <p:ph type="title"/>
+          </p:nvPr>
+        </p:nvSpPr>
+        <p:spPr>
+          <a:xfrm>
+            <a:off x="497597" y="137364"/>
+            <a:ext cx="9692640" cy="1363776"/>
+          </a:xfrm>
+        </p:spPr>
+        <p:txBody>
+          <a:bodyPr/>
+          <a:lstStyle/>
+          <a:p>
+            <a:r>
+              <a:rPr lang="en-US" dirty="0" smtClean="0"/>
+              <a:t>Activity </a:t>
+            </a:r>
+            <a:r>
+              <a:rPr lang="en-US" dirty="0" smtClean="0"/>
+              <a:t>Diagram to add new address</a:t>
+            </a:r>
+            <a:endParaRPr lang="en-IN" dirty="0"/>
+          </a:p>
+        </p:txBody>
+      </p:sp>
+      <p:pic>
+        <p:nvPicPr>
+          <p:cNvPr id="4" name="Picture 3"/>
+          <p:cNvPicPr>
+            <a:picLocks noChangeAspect="1"/>
+          </p:cNvPicPr>
+          <p:nvPr/>
+        </p:nvPicPr>
+        <p:blipFill>
+          <a:blip r:embed="rId2">
+            <a:extLst>
+              <a:ext uri="{28A0092B-C50C-407E-A947-70E740481C1C}">
+                <a14:useLocalDpi xmlns:a14="http://schemas.microsoft.com/office/drawing/2010/main" val="0"/>
+              </a:ext>
+            </a:extLst>
+          </a:blip>
+          <a:stretch>
+            <a:fillRect/>
+          </a:stretch>
+        </p:blipFill>
+        <p:spPr>
+          <a:xfrm>
+            <a:off x="2856362" y="1501140"/>
+            <a:ext cx="5715000" cy="5019675"/>
+          </a:xfrm>
+          <a:prstGeom prst="rect">
+            <a:avLst/>
+          </a:prstGeom>
+        </p:spPr>
+      </p:pic>
+    </p:spTree>
+    <p:extLst>
+      <p:ext uri="{BB962C8B-B14F-4D97-AF65-F5344CB8AC3E}">
+        <p14:creationId xmlns:p14="http://schemas.microsoft.com/office/powerpoint/2010/main" val="1644561016"/>
+      </p:ext>
+    </p:extLst>
+  </p:cSld>
+  <p:clrMapOvr>
+    <a:masterClrMapping/>
+  </p:clrMapOvr>
+</p:sld>
+</file>
+
+<file path=ppt/slides/slide23.xml><?xml version="1.0" encoding="utf-8"?>
 <p:sld xmlns:a="http://schemas.openxmlformats.org/drawingml/2006/main" xmlns:r="http://schemas.openxmlformats.org/officeDocument/2006/relationships" xmlns:p="http://schemas.openxmlformats.org/presentationml/2006/main">
   <p:cSld>
     <p:spTree>
@@ -17476,80 +17194,7 @@
 </p:sld>
 </file>
 
-<file path=ppt/slides/slide3.xml><?xml version="1.0" encoding="utf-8"?>
-<p:sld xmlns:a="http://schemas.openxmlformats.org/drawingml/2006/main" xmlns:r="http://schemas.openxmlformats.org/officeDocument/2006/relationships" xmlns:p="http://schemas.openxmlformats.org/presentationml/2006/main">
-  <p:cSld>
-    <p:spTree>
-      <p:nvGrpSpPr>
-        <p:cNvPr id="1" name=""/>
-        <p:cNvGrpSpPr/>
-        <p:nvPr/>
-      </p:nvGrpSpPr>
-      <p:grpSpPr>
-        <a:xfrm>
-          <a:off x="0" y="0"/>
-          <a:ext cx="0" cy="0"/>
-          <a:chOff x="0" y="0"/>
-          <a:chExt cx="0" cy="0"/>
-        </a:xfrm>
-      </p:grpSpPr>
-      <p:sp>
-        <p:nvSpPr>
-          <p:cNvPr id="2" name="TextBox 1">
-            <a:extLst>
-              <a:ext uri="{FF2B5EF4-FFF2-40B4-BE49-F238E27FC236}">
-                <a16:creationId xmlns:a16="http://schemas.microsoft.com/office/drawing/2014/main" id="{F6892899-9A08-41DE-89A3-B541ED5B3284}"/>
-              </a:ext>
-            </a:extLst>
-          </p:cNvPr>
-          <p:cNvSpPr txBox="1"/>
-          <p:nvPr/>
-        </p:nvSpPr>
-        <p:spPr>
-          <a:xfrm>
-            <a:off x="2840965" y="3142891"/>
-            <a:ext cx="5489275" cy="769441"/>
-          </a:xfrm>
-          <a:prstGeom prst="rect">
-            <a:avLst/>
-          </a:prstGeom>
-          <a:noFill/>
-        </p:spPr>
-        <p:txBody>
-          <a:bodyPr rot="0" spcFirstLastPara="0" vertOverflow="overflow" horzOverflow="overflow" vert="horz" wrap="square" lIns="91440" tIns="45720" rIns="91440" bIns="45720" numCol="1" spcCol="0" rtlCol="0" fromWordArt="0" anchor="t" anchorCtr="0" forceAA="0" compatLnSpc="1">
-            <a:prstTxWarp prst="textNoShape">
-              <a:avLst/>
-            </a:prstTxWarp>
-            <a:spAutoFit/>
-          </a:bodyPr>
-          <a:lstStyle/>
-          <a:p>
-            <a:pPr algn="ctr"/>
-            <a:r>
-              <a:rPr lang="en-US" sz="4400" dirty="0">
-                <a:latin typeface="Century Schoolbook"/>
-                <a:ea typeface="+mj-lt"/>
-                <a:cs typeface="+mj-lt"/>
-              </a:rPr>
-              <a:t>Use Case Diagrams</a:t>
-            </a:r>
-          </a:p>
-        </p:txBody>
-      </p:sp>
-    </p:spTree>
-    <p:extLst>
-      <p:ext uri="{BB962C8B-B14F-4D97-AF65-F5344CB8AC3E}">
-        <p14:creationId xmlns:p14="http://schemas.microsoft.com/office/powerpoint/2010/main" val="4248889000"/>
-      </p:ext>
-    </p:extLst>
-  </p:cSld>
-  <p:clrMapOvr>
-    <a:masterClrMapping/>
-  </p:clrMapOvr>
-</p:sld>
-</file>
-
-<file path=ppt/slides/slide30.xml><?xml version="1.0" encoding="utf-8"?>
+<file path=ppt/slides/slide24.xml><?xml version="1.0" encoding="utf-8"?>
 <p:sld xmlns:a="http://schemas.openxmlformats.org/drawingml/2006/main" xmlns:r="http://schemas.openxmlformats.org/officeDocument/2006/relationships" xmlns:p="http://schemas.openxmlformats.org/presentationml/2006/main">
   <p:cSld>
     <p:spTree>
@@ -17609,7 +17254,1398 @@
 </p:sld>
 </file>
 
+<file path=ppt/slides/slide25.xml><?xml version="1.0" encoding="utf-8"?>
+<p:sld xmlns:a="http://schemas.openxmlformats.org/drawingml/2006/main" xmlns:r="http://schemas.openxmlformats.org/officeDocument/2006/relationships" xmlns:p="http://schemas.openxmlformats.org/presentationml/2006/main">
+  <p:cSld>
+    <p:spTree>
+      <p:nvGrpSpPr>
+        <p:cNvPr id="1" name=""/>
+        <p:cNvGrpSpPr/>
+        <p:nvPr/>
+      </p:nvGrpSpPr>
+      <p:grpSpPr>
+        <a:xfrm>
+          <a:off x="0" y="0"/>
+          <a:ext cx="0" cy="0"/>
+          <a:chOff x="0" y="0"/>
+          <a:chExt cx="0" cy="0"/>
+        </a:xfrm>
+      </p:grpSpPr>
+      <p:sp>
+        <p:nvSpPr>
+          <p:cNvPr id="2" name="Title 1"/>
+          <p:cNvSpPr>
+            <a:spLocks noGrp="1"/>
+          </p:cNvSpPr>
+          <p:nvPr>
+            <p:ph type="title"/>
+          </p:nvPr>
+        </p:nvSpPr>
+        <p:spPr>
+          <a:xfrm>
+            <a:off x="762000" y="559678"/>
+            <a:ext cx="9200866" cy="4952492"/>
+          </a:xfrm>
+        </p:spPr>
+        <p:txBody>
+          <a:bodyPr/>
+          <a:lstStyle/>
+          <a:p>
+            <a:r>
+              <a:rPr lang="en-US" dirty="0" smtClean="0"/>
+              <a:t>Return and Cancel</a:t>
+            </a:r>
+            <a:endParaRPr lang="en-IN" dirty="0"/>
+          </a:p>
+        </p:txBody>
+      </p:sp>
+    </p:spTree>
+    <p:extLst>
+      <p:ext uri="{BB962C8B-B14F-4D97-AF65-F5344CB8AC3E}">
+        <p14:creationId xmlns:p14="http://schemas.microsoft.com/office/powerpoint/2010/main" val="3698310212"/>
+      </p:ext>
+    </p:extLst>
+  </p:cSld>
+  <p:clrMapOvr>
+    <a:masterClrMapping/>
+  </p:clrMapOvr>
+</p:sld>
+</file>
+
+<file path=ppt/slides/slide26.xml><?xml version="1.0" encoding="utf-8"?>
+<p:sld xmlns:a="http://schemas.openxmlformats.org/drawingml/2006/main" xmlns:r="http://schemas.openxmlformats.org/officeDocument/2006/relationships" xmlns:p="http://schemas.openxmlformats.org/presentationml/2006/main">
+  <p:cSld>
+    <p:spTree>
+      <p:nvGrpSpPr>
+        <p:cNvPr id="1" name=""/>
+        <p:cNvGrpSpPr/>
+        <p:nvPr/>
+      </p:nvGrpSpPr>
+      <p:grpSpPr>
+        <a:xfrm>
+          <a:off x="0" y="0"/>
+          <a:ext cx="0" cy="0"/>
+          <a:chOff x="0" y="0"/>
+          <a:chExt cx="0" cy="0"/>
+        </a:xfrm>
+      </p:grpSpPr>
+      <p:sp>
+        <p:nvSpPr>
+          <p:cNvPr id="2" name="Title 1"/>
+          <p:cNvSpPr>
+            <a:spLocks noGrp="1"/>
+          </p:cNvSpPr>
+          <p:nvPr>
+            <p:ph type="title"/>
+          </p:nvPr>
+        </p:nvSpPr>
+        <p:spPr/>
+        <p:txBody>
+          <a:bodyPr>
+            <a:normAutofit/>
+          </a:bodyPr>
+          <a:lstStyle/>
+          <a:p>
+            <a:pPr algn="ctr"/>
+            <a:r>
+              <a:rPr lang="en-IN" dirty="0" smtClean="0">
+                <a:latin typeface="Times New Roman" panose="02020603050405020304" pitchFamily="18" charset="0"/>
+                <a:cs typeface="Times New Roman" panose="02020603050405020304" pitchFamily="18" charset="0"/>
+              </a:rPr>
+              <a:t>EPIC – Retailer should be able to return order</a:t>
+            </a:r>
+            <a:endParaRPr lang="en-IN" dirty="0">
+              <a:latin typeface="Times New Roman" panose="02020603050405020304" pitchFamily="18" charset="0"/>
+              <a:cs typeface="Times New Roman" panose="02020603050405020304" pitchFamily="18" charset="0"/>
+            </a:endParaRPr>
+          </a:p>
+        </p:txBody>
+      </p:sp>
+      <p:sp>
+        <p:nvSpPr>
+          <p:cNvPr id="3" name="Content Placeholder 2"/>
+          <p:cNvSpPr>
+            <a:spLocks noGrp="1"/>
+          </p:cNvSpPr>
+          <p:nvPr>
+            <p:ph idx="1"/>
+          </p:nvPr>
+        </p:nvSpPr>
+        <p:spPr/>
+        <p:txBody>
+          <a:bodyPr>
+            <a:normAutofit/>
+          </a:bodyPr>
+          <a:lstStyle/>
+          <a:p>
+            <a:pPr marL="0" indent="0">
+              <a:buNone/>
+            </a:pPr>
+            <a:endParaRPr lang="en-IN" dirty="0">
+              <a:latin typeface="Times New Roman" panose="02020603050405020304" pitchFamily="18" charset="0"/>
+              <a:cs typeface="Times New Roman" panose="02020603050405020304" pitchFamily="18" charset="0"/>
+            </a:endParaRPr>
+          </a:p>
+          <a:p>
+            <a:pPr marL="0" indent="0">
+              <a:buNone/>
+            </a:pPr>
+            <a:r>
+              <a:rPr lang="en-IN" u="sng" dirty="0" smtClean="0">
+                <a:latin typeface="Times New Roman" panose="02020603050405020304" pitchFamily="18" charset="0"/>
+                <a:cs typeface="Times New Roman" panose="02020603050405020304" pitchFamily="18" charset="0"/>
+              </a:rPr>
+              <a:t>User Stories:</a:t>
+            </a:r>
+            <a:endParaRPr lang="en-IN" dirty="0">
+              <a:latin typeface="Times New Roman" panose="02020603050405020304" pitchFamily="18" charset="0"/>
+              <a:cs typeface="Times New Roman" panose="02020603050405020304" pitchFamily="18" charset="0"/>
+            </a:endParaRPr>
+          </a:p>
+          <a:p>
+            <a:r>
+              <a:rPr lang="en-IN" dirty="0" smtClean="0">
+                <a:latin typeface="Times New Roman" panose="02020603050405020304" pitchFamily="18" charset="0"/>
+                <a:cs typeface="Times New Roman" panose="02020603050405020304" pitchFamily="18" charset="0"/>
+              </a:rPr>
+              <a:t>Retailer should be able to view order history.</a:t>
+            </a:r>
+          </a:p>
+          <a:p>
+            <a:r>
+              <a:rPr lang="en-IN" dirty="0">
+                <a:latin typeface="Times New Roman" panose="02020603050405020304" pitchFamily="18" charset="0"/>
+                <a:cs typeface="Times New Roman" panose="02020603050405020304" pitchFamily="18" charset="0"/>
+              </a:rPr>
+              <a:t>Retailer should be able to </a:t>
+            </a:r>
+            <a:r>
+              <a:rPr lang="en-IN" dirty="0" smtClean="0">
+                <a:latin typeface="Times New Roman" panose="02020603050405020304" pitchFamily="18" charset="0"/>
+                <a:cs typeface="Times New Roman" panose="02020603050405020304" pitchFamily="18" charset="0"/>
+              </a:rPr>
+              <a:t>select a product for return.</a:t>
+            </a:r>
+            <a:endParaRPr lang="en-IN" dirty="0">
+              <a:latin typeface="Times New Roman" panose="02020603050405020304" pitchFamily="18" charset="0"/>
+              <a:cs typeface="Times New Roman" panose="02020603050405020304" pitchFamily="18" charset="0"/>
+            </a:endParaRPr>
+          </a:p>
+          <a:p>
+            <a:r>
+              <a:rPr lang="en-US" dirty="0" smtClean="0">
+                <a:latin typeface="Times New Roman" panose="02020603050405020304" pitchFamily="18" charset="0"/>
+                <a:cs typeface="Times New Roman" panose="02020603050405020304" pitchFamily="18" charset="0"/>
+              </a:rPr>
+              <a:t>Return status should be displayed after returning.</a:t>
+            </a:r>
+          </a:p>
+          <a:p>
+            <a:endParaRPr lang="en-IN" dirty="0" smtClean="0">
+              <a:latin typeface="Times New Roman" panose="02020603050405020304" pitchFamily="18" charset="0"/>
+              <a:cs typeface="Times New Roman" panose="02020603050405020304" pitchFamily="18" charset="0"/>
+            </a:endParaRPr>
+          </a:p>
+          <a:p>
+            <a:endParaRPr lang="en-IN" dirty="0" smtClean="0">
+              <a:latin typeface="Times New Roman" panose="02020603050405020304" pitchFamily="18" charset="0"/>
+              <a:cs typeface="Times New Roman" panose="02020603050405020304" pitchFamily="18" charset="0"/>
+            </a:endParaRPr>
+          </a:p>
+        </p:txBody>
+      </p:sp>
+    </p:spTree>
+    <p:extLst>
+      <p:ext uri="{BB962C8B-B14F-4D97-AF65-F5344CB8AC3E}">
+        <p14:creationId xmlns:p14="http://schemas.microsoft.com/office/powerpoint/2010/main" val="1699722420"/>
+      </p:ext>
+    </p:extLst>
+  </p:cSld>
+  <p:clrMapOvr>
+    <a:masterClrMapping/>
+  </p:clrMapOvr>
+  <p:timing>
+    <p:tnLst>
+      <p:par>
+        <p:cTn id="1" dur="indefinite" restart="never" nodeType="tmRoot"/>
+      </p:par>
+    </p:tnLst>
+  </p:timing>
+</p:sld>
+</file>
+
+<file path=ppt/slides/slide27.xml><?xml version="1.0" encoding="utf-8"?>
+<p:sld xmlns:a="http://schemas.openxmlformats.org/drawingml/2006/main" xmlns:r="http://schemas.openxmlformats.org/officeDocument/2006/relationships" xmlns:p="http://schemas.openxmlformats.org/presentationml/2006/main">
+  <p:cSld>
+    <p:spTree>
+      <p:nvGrpSpPr>
+        <p:cNvPr id="1" name=""/>
+        <p:cNvGrpSpPr/>
+        <p:nvPr/>
+      </p:nvGrpSpPr>
+      <p:grpSpPr>
+        <a:xfrm>
+          <a:off x="0" y="0"/>
+          <a:ext cx="0" cy="0"/>
+          <a:chOff x="0" y="0"/>
+          <a:chExt cx="0" cy="0"/>
+        </a:xfrm>
+      </p:grpSpPr>
+      <p:sp>
+        <p:nvSpPr>
+          <p:cNvPr id="2" name="Title 1"/>
+          <p:cNvSpPr>
+            <a:spLocks noGrp="1"/>
+          </p:cNvSpPr>
+          <p:nvPr>
+            <p:ph type="title"/>
+          </p:nvPr>
+        </p:nvSpPr>
+        <p:spPr>
+          <a:xfrm>
+            <a:off x="1016212" y="0"/>
+            <a:ext cx="8619107" cy="985368"/>
+          </a:xfrm>
+        </p:spPr>
+        <p:txBody>
+          <a:bodyPr>
+            <a:normAutofit fontScale="90000"/>
+          </a:bodyPr>
+          <a:lstStyle/>
+          <a:p>
+            <a:r>
+              <a:rPr lang="en-US" dirty="0" smtClean="0"/>
+              <a:t>Sequence diagram for return order</a:t>
+            </a:r>
+            <a:endParaRPr lang="en-IN" dirty="0"/>
+          </a:p>
+        </p:txBody>
+      </p:sp>
+      <p:pic>
+        <p:nvPicPr>
+          <p:cNvPr id="3" name="Picture 2"/>
+          <p:cNvPicPr>
+            <a:picLocks noChangeAspect="1"/>
+          </p:cNvPicPr>
+          <p:nvPr/>
+        </p:nvPicPr>
+        <p:blipFill>
+          <a:blip r:embed="rId2">
+            <a:extLst>
+              <a:ext uri="{28A0092B-C50C-407E-A947-70E740481C1C}">
+                <a14:useLocalDpi xmlns:a14="http://schemas.microsoft.com/office/drawing/2010/main" val="0"/>
+              </a:ext>
+            </a:extLst>
+          </a:blip>
+          <a:stretch>
+            <a:fillRect/>
+          </a:stretch>
+        </p:blipFill>
+        <p:spPr>
+          <a:xfrm>
+            <a:off x="2399233" y="1351128"/>
+            <a:ext cx="7236086" cy="5609799"/>
+          </a:xfrm>
+          <a:prstGeom prst="rect">
+            <a:avLst/>
+          </a:prstGeom>
+        </p:spPr>
+      </p:pic>
+    </p:spTree>
+    <p:extLst>
+      <p:ext uri="{BB962C8B-B14F-4D97-AF65-F5344CB8AC3E}">
+        <p14:creationId xmlns:p14="http://schemas.microsoft.com/office/powerpoint/2010/main" val="2900698681"/>
+      </p:ext>
+    </p:extLst>
+  </p:cSld>
+  <p:clrMapOvr>
+    <a:masterClrMapping/>
+  </p:clrMapOvr>
+</p:sld>
+</file>
+
+<file path=ppt/slides/slide28.xml><?xml version="1.0" encoding="utf-8"?>
+<p:sld xmlns:a="http://schemas.openxmlformats.org/drawingml/2006/main" xmlns:r="http://schemas.openxmlformats.org/officeDocument/2006/relationships" xmlns:p="http://schemas.openxmlformats.org/presentationml/2006/main">
+  <p:cSld>
+    <p:spTree>
+      <p:nvGrpSpPr>
+        <p:cNvPr id="1" name=""/>
+        <p:cNvGrpSpPr/>
+        <p:nvPr/>
+      </p:nvGrpSpPr>
+      <p:grpSpPr>
+        <a:xfrm>
+          <a:off x="0" y="0"/>
+          <a:ext cx="0" cy="0"/>
+          <a:chOff x="0" y="0"/>
+          <a:chExt cx="0" cy="0"/>
+        </a:xfrm>
+      </p:grpSpPr>
+      <p:sp>
+        <p:nvSpPr>
+          <p:cNvPr id="3" name="Title 1">
+            <a:extLst>
+              <a:ext uri="{FF2B5EF4-FFF2-40B4-BE49-F238E27FC236}">
+                <a16:creationId xmlns:a16="http://schemas.microsoft.com/office/drawing/2014/main" xmlns="" id="{CBCA1DCA-5ECA-4512-B999-5AC5FAB9D672}"/>
+              </a:ext>
+            </a:extLst>
+          </p:cNvPr>
+          <p:cNvSpPr txBox="1">
+            <a:spLocks/>
+          </p:cNvSpPr>
+          <p:nvPr/>
+        </p:nvSpPr>
+        <p:spPr>
+          <a:xfrm>
+            <a:off x="552189" y="270226"/>
+            <a:ext cx="8946653" cy="999016"/>
+          </a:xfrm>
+          <a:prstGeom prst="rect">
+            <a:avLst/>
+          </a:prstGeom>
+        </p:spPr>
+        <p:txBody>
+          <a:bodyPr anchor="t">
+            <a:normAutofit fontScale="97500"/>
+          </a:bodyPr>
+          <a:lstStyle>
+            <a:lvl1pPr algn="l" defTabSz="914400" rtl="0" eaLnBrk="1" latinLnBrk="0" hangingPunct="1">
+              <a:lnSpc>
+                <a:spcPct val="90000"/>
+              </a:lnSpc>
+              <a:spcBef>
+                <a:spcPct val="0"/>
+              </a:spcBef>
+              <a:buNone/>
+              <a:defRPr sz="4400" kern="1200" spc="-50" baseline="0">
+                <a:solidFill>
+                  <a:schemeClr val="tx1"/>
+                </a:solidFill>
+                <a:latin typeface="+mj-lt"/>
+                <a:ea typeface="+mj-ea"/>
+                <a:cs typeface="+mj-cs"/>
+              </a:defRPr>
+            </a:lvl1pPr>
+          </a:lstStyle>
+          <a:p>
+            <a:r>
+              <a:rPr lang="en-US" dirty="0"/>
+              <a:t>Activity Diagram to Return Order</a:t>
+            </a:r>
+            <a:endParaRPr lang="en-IN" dirty="0"/>
+          </a:p>
+        </p:txBody>
+      </p:sp>
+      <p:pic>
+        <p:nvPicPr>
+          <p:cNvPr id="4" name="Picture 4" descr="A close up of text on a white background&#10;&#10;Description generated with very high confidence">
+            <a:extLst>
+              <a:ext uri="{FF2B5EF4-FFF2-40B4-BE49-F238E27FC236}">
+                <a16:creationId xmlns:a16="http://schemas.microsoft.com/office/drawing/2014/main" xmlns="" id="{DBC5AE8A-3A78-49B0-86E4-6B3281F28332}"/>
+              </a:ext>
+            </a:extLst>
+          </p:cNvPr>
+          <p:cNvPicPr>
+            <a:picLocks noChangeAspect="1"/>
+          </p:cNvPicPr>
+          <p:nvPr/>
+        </p:nvPicPr>
+        <p:blipFill>
+          <a:blip r:embed="rId2"/>
+          <a:stretch>
+            <a:fillRect/>
+          </a:stretch>
+        </p:blipFill>
+        <p:spPr>
+          <a:xfrm>
+            <a:off x="195533" y="1030818"/>
+            <a:ext cx="10852027" cy="5831528"/>
+          </a:xfrm>
+          <a:prstGeom prst="rect">
+            <a:avLst/>
+          </a:prstGeom>
+        </p:spPr>
+      </p:pic>
+    </p:spTree>
+    <p:extLst>
+      <p:ext uri="{BB962C8B-B14F-4D97-AF65-F5344CB8AC3E}">
+        <p14:creationId xmlns:p14="http://schemas.microsoft.com/office/powerpoint/2010/main" val="3062703896"/>
+      </p:ext>
+    </p:extLst>
+  </p:cSld>
+  <p:clrMapOvr>
+    <a:masterClrMapping/>
+  </p:clrMapOvr>
+</p:sld>
+</file>
+
+<file path=ppt/slides/slide29.xml><?xml version="1.0" encoding="utf-8"?>
+<p:sld xmlns:a="http://schemas.openxmlformats.org/drawingml/2006/main" xmlns:r="http://schemas.openxmlformats.org/officeDocument/2006/relationships" xmlns:p="http://schemas.openxmlformats.org/presentationml/2006/main">
+  <p:cSld>
+    <p:spTree>
+      <p:nvGrpSpPr>
+        <p:cNvPr id="1" name=""/>
+        <p:cNvGrpSpPr/>
+        <p:nvPr/>
+      </p:nvGrpSpPr>
+      <p:grpSpPr>
+        <a:xfrm>
+          <a:off x="0" y="0"/>
+          <a:ext cx="0" cy="0"/>
+          <a:chOff x="0" y="0"/>
+          <a:chExt cx="0" cy="0"/>
+        </a:xfrm>
+      </p:grpSpPr>
+      <p:sp>
+        <p:nvSpPr>
+          <p:cNvPr id="2" name="Title 1"/>
+          <p:cNvSpPr>
+            <a:spLocks noGrp="1"/>
+          </p:cNvSpPr>
+          <p:nvPr>
+            <p:ph type="title"/>
+          </p:nvPr>
+        </p:nvSpPr>
+        <p:spPr/>
+        <p:txBody>
+          <a:bodyPr>
+            <a:normAutofit/>
+          </a:bodyPr>
+          <a:lstStyle/>
+          <a:p>
+            <a:pPr algn="ctr"/>
+            <a:r>
+              <a:rPr lang="en-IN" dirty="0" smtClean="0">
+                <a:latin typeface="Times New Roman" panose="02020603050405020304" pitchFamily="18" charset="0"/>
+                <a:cs typeface="Times New Roman" panose="02020603050405020304" pitchFamily="18" charset="0"/>
+              </a:rPr>
+              <a:t>EPIC – Retailer should be able to cancel order</a:t>
+            </a:r>
+            <a:endParaRPr lang="en-IN" dirty="0">
+              <a:latin typeface="Times New Roman" panose="02020603050405020304" pitchFamily="18" charset="0"/>
+              <a:cs typeface="Times New Roman" panose="02020603050405020304" pitchFamily="18" charset="0"/>
+            </a:endParaRPr>
+          </a:p>
+        </p:txBody>
+      </p:sp>
+      <p:sp>
+        <p:nvSpPr>
+          <p:cNvPr id="3" name="Content Placeholder 2"/>
+          <p:cNvSpPr>
+            <a:spLocks noGrp="1"/>
+          </p:cNvSpPr>
+          <p:nvPr>
+            <p:ph idx="1"/>
+          </p:nvPr>
+        </p:nvSpPr>
+        <p:spPr/>
+        <p:txBody>
+          <a:bodyPr>
+            <a:normAutofit/>
+          </a:bodyPr>
+          <a:lstStyle/>
+          <a:p>
+            <a:pPr marL="0" indent="0">
+              <a:buNone/>
+            </a:pPr>
+            <a:endParaRPr lang="en-IN" dirty="0">
+              <a:latin typeface="Times New Roman" panose="02020603050405020304" pitchFamily="18" charset="0"/>
+              <a:cs typeface="Times New Roman" panose="02020603050405020304" pitchFamily="18" charset="0"/>
+            </a:endParaRPr>
+          </a:p>
+          <a:p>
+            <a:pPr marL="0" indent="0">
+              <a:buNone/>
+            </a:pPr>
+            <a:r>
+              <a:rPr lang="en-IN" u="sng" dirty="0" smtClean="0">
+                <a:latin typeface="Times New Roman" panose="02020603050405020304" pitchFamily="18" charset="0"/>
+                <a:cs typeface="Times New Roman" panose="02020603050405020304" pitchFamily="18" charset="0"/>
+              </a:rPr>
+              <a:t>User Stories:</a:t>
+            </a:r>
+            <a:endParaRPr lang="en-IN" dirty="0">
+              <a:latin typeface="Times New Roman" panose="02020603050405020304" pitchFamily="18" charset="0"/>
+              <a:cs typeface="Times New Roman" panose="02020603050405020304" pitchFamily="18" charset="0"/>
+            </a:endParaRPr>
+          </a:p>
+          <a:p>
+            <a:r>
+              <a:rPr lang="en-IN" dirty="0" smtClean="0">
+                <a:latin typeface="Times New Roman" panose="02020603050405020304" pitchFamily="18" charset="0"/>
+                <a:cs typeface="Times New Roman" panose="02020603050405020304" pitchFamily="18" charset="0"/>
+              </a:rPr>
+              <a:t>Retailer should be able to view order history.</a:t>
+            </a:r>
+          </a:p>
+          <a:p>
+            <a:r>
+              <a:rPr lang="en-IN" dirty="0">
+                <a:latin typeface="Times New Roman" panose="02020603050405020304" pitchFamily="18" charset="0"/>
+                <a:cs typeface="Times New Roman" panose="02020603050405020304" pitchFamily="18" charset="0"/>
+              </a:rPr>
+              <a:t>Retailer should be able to </a:t>
+            </a:r>
+            <a:r>
+              <a:rPr lang="en-IN" dirty="0" smtClean="0">
+                <a:latin typeface="Times New Roman" panose="02020603050405020304" pitchFamily="18" charset="0"/>
+                <a:cs typeface="Times New Roman" panose="02020603050405020304" pitchFamily="18" charset="0"/>
+              </a:rPr>
+              <a:t>select a product for cancellation.</a:t>
+            </a:r>
+            <a:endParaRPr lang="en-IN" dirty="0">
+              <a:latin typeface="Times New Roman" panose="02020603050405020304" pitchFamily="18" charset="0"/>
+              <a:cs typeface="Times New Roman" panose="02020603050405020304" pitchFamily="18" charset="0"/>
+            </a:endParaRPr>
+          </a:p>
+          <a:p>
+            <a:r>
+              <a:rPr lang="en-US" dirty="0" smtClean="0">
+                <a:latin typeface="Times New Roman" panose="02020603050405020304" pitchFamily="18" charset="0"/>
+                <a:cs typeface="Times New Roman" panose="02020603050405020304" pitchFamily="18" charset="0"/>
+              </a:rPr>
+              <a:t>Order status should be displayed after cancellation.</a:t>
+            </a:r>
+          </a:p>
+          <a:p>
+            <a:endParaRPr lang="en-IN" dirty="0" smtClean="0">
+              <a:latin typeface="Times New Roman" panose="02020603050405020304" pitchFamily="18" charset="0"/>
+              <a:cs typeface="Times New Roman" panose="02020603050405020304" pitchFamily="18" charset="0"/>
+            </a:endParaRPr>
+          </a:p>
+          <a:p>
+            <a:endParaRPr lang="en-IN" dirty="0" smtClean="0">
+              <a:latin typeface="Times New Roman" panose="02020603050405020304" pitchFamily="18" charset="0"/>
+              <a:cs typeface="Times New Roman" panose="02020603050405020304" pitchFamily="18" charset="0"/>
+            </a:endParaRPr>
+          </a:p>
+        </p:txBody>
+      </p:sp>
+    </p:spTree>
+    <p:extLst>
+      <p:ext uri="{BB962C8B-B14F-4D97-AF65-F5344CB8AC3E}">
+        <p14:creationId xmlns:p14="http://schemas.microsoft.com/office/powerpoint/2010/main" val="3969012709"/>
+      </p:ext>
+    </p:extLst>
+  </p:cSld>
+  <p:clrMapOvr>
+    <a:masterClrMapping/>
+  </p:clrMapOvr>
+  <p:timing>
+    <p:tnLst>
+      <p:par>
+        <p:cTn id="1" dur="indefinite" restart="never" nodeType="tmRoot"/>
+      </p:par>
+    </p:tnLst>
+  </p:timing>
+</p:sld>
+</file>
+
+<file path=ppt/slides/slide3.xml><?xml version="1.0" encoding="utf-8"?>
+<p:sld xmlns:a="http://schemas.openxmlformats.org/drawingml/2006/main" xmlns:r="http://schemas.openxmlformats.org/officeDocument/2006/relationships" xmlns:p="http://schemas.openxmlformats.org/presentationml/2006/main">
+  <p:cSld>
+    <p:spTree>
+      <p:nvGrpSpPr>
+        <p:cNvPr id="1" name=""/>
+        <p:cNvGrpSpPr/>
+        <p:nvPr/>
+      </p:nvGrpSpPr>
+      <p:grpSpPr>
+        <a:xfrm>
+          <a:off x="0" y="0"/>
+          <a:ext cx="0" cy="0"/>
+          <a:chOff x="0" y="0"/>
+          <a:chExt cx="0" cy="0"/>
+        </a:xfrm>
+      </p:grpSpPr>
+      <p:sp>
+        <p:nvSpPr>
+          <p:cNvPr id="2" name="Title 1"/>
+          <p:cNvSpPr>
+            <a:spLocks noGrp="1"/>
+          </p:cNvSpPr>
+          <p:nvPr>
+            <p:ph type="title"/>
+          </p:nvPr>
+        </p:nvSpPr>
+        <p:spPr>
+          <a:xfrm>
+            <a:off x="762000" y="559678"/>
+            <a:ext cx="11029666" cy="4952492"/>
+          </a:xfrm>
+        </p:spPr>
+        <p:txBody>
+          <a:bodyPr/>
+          <a:lstStyle/>
+          <a:p>
+            <a:r>
+              <a:rPr lang="en-US" dirty="0" smtClean="0"/>
+              <a:t>Use Case Diagrams</a:t>
+            </a:r>
+            <a:endParaRPr lang="en-IN" dirty="0"/>
+          </a:p>
+        </p:txBody>
+      </p:sp>
+    </p:spTree>
+    <p:extLst>
+      <p:ext uri="{BB962C8B-B14F-4D97-AF65-F5344CB8AC3E}">
+        <p14:creationId xmlns:p14="http://schemas.microsoft.com/office/powerpoint/2010/main" val="562138602"/>
+      </p:ext>
+    </p:extLst>
+  </p:cSld>
+  <p:clrMapOvr>
+    <a:masterClrMapping/>
+  </p:clrMapOvr>
+</p:sld>
+</file>
+
+<file path=ppt/slides/slide30.xml><?xml version="1.0" encoding="utf-8"?>
+<p:sld xmlns:a="http://schemas.openxmlformats.org/drawingml/2006/main" xmlns:r="http://schemas.openxmlformats.org/officeDocument/2006/relationships" xmlns:p="http://schemas.openxmlformats.org/presentationml/2006/main">
+  <p:cSld>
+    <p:spTree>
+      <p:nvGrpSpPr>
+        <p:cNvPr id="1" name=""/>
+        <p:cNvGrpSpPr/>
+        <p:nvPr/>
+      </p:nvGrpSpPr>
+      <p:grpSpPr>
+        <a:xfrm>
+          <a:off x="0" y="0"/>
+          <a:ext cx="0" cy="0"/>
+          <a:chOff x="0" y="0"/>
+          <a:chExt cx="0" cy="0"/>
+        </a:xfrm>
+      </p:grpSpPr>
+      <p:sp>
+        <p:nvSpPr>
+          <p:cNvPr id="2" name="Title 1"/>
+          <p:cNvSpPr>
+            <a:spLocks noGrp="1"/>
+          </p:cNvSpPr>
+          <p:nvPr>
+            <p:ph type="title"/>
+          </p:nvPr>
+        </p:nvSpPr>
+        <p:spPr>
+          <a:xfrm>
+            <a:off x="524893" y="0"/>
+            <a:ext cx="9014892" cy="914400"/>
+          </a:xfrm>
+        </p:spPr>
+        <p:txBody>
+          <a:bodyPr/>
+          <a:lstStyle/>
+          <a:p>
+            <a:r>
+              <a:rPr lang="en-US" dirty="0" smtClean="0"/>
+              <a:t>Sequence diagram to cancel order</a:t>
+            </a:r>
+            <a:endParaRPr lang="en-IN" dirty="0"/>
+          </a:p>
+        </p:txBody>
+      </p:sp>
+      <p:pic>
+        <p:nvPicPr>
+          <p:cNvPr id="3" name="Picture 2"/>
+          <p:cNvPicPr>
+            <a:picLocks noChangeAspect="1"/>
+          </p:cNvPicPr>
+          <p:nvPr/>
+        </p:nvPicPr>
+        <p:blipFill>
+          <a:blip r:embed="rId2">
+            <a:extLst>
+              <a:ext uri="{28A0092B-C50C-407E-A947-70E740481C1C}">
+                <a14:useLocalDpi xmlns:a14="http://schemas.microsoft.com/office/drawing/2010/main" val="0"/>
+              </a:ext>
+            </a:extLst>
+          </a:blip>
+          <a:stretch>
+            <a:fillRect/>
+          </a:stretch>
+        </p:blipFill>
+        <p:spPr>
+          <a:xfrm>
+            <a:off x="2510975" y="1323975"/>
+            <a:ext cx="6105525" cy="5534025"/>
+          </a:xfrm>
+          <a:prstGeom prst="rect">
+            <a:avLst/>
+          </a:prstGeom>
+        </p:spPr>
+      </p:pic>
+    </p:spTree>
+    <p:extLst>
+      <p:ext uri="{BB962C8B-B14F-4D97-AF65-F5344CB8AC3E}">
+        <p14:creationId xmlns:p14="http://schemas.microsoft.com/office/powerpoint/2010/main" val="1163380870"/>
+      </p:ext>
+    </p:extLst>
+  </p:cSld>
+  <p:clrMapOvr>
+    <a:masterClrMapping/>
+  </p:clrMapOvr>
+</p:sld>
+</file>
+
 <file path=ppt/slides/slide31.xml><?xml version="1.0" encoding="utf-8"?>
+<p:sld xmlns:a="http://schemas.openxmlformats.org/drawingml/2006/main" xmlns:r="http://schemas.openxmlformats.org/officeDocument/2006/relationships" xmlns:p="http://schemas.openxmlformats.org/presentationml/2006/main">
+  <p:cSld>
+    <p:spTree>
+      <p:nvGrpSpPr>
+        <p:cNvPr id="1" name=""/>
+        <p:cNvGrpSpPr/>
+        <p:nvPr/>
+      </p:nvGrpSpPr>
+      <p:grpSpPr>
+        <a:xfrm>
+          <a:off x="0" y="0"/>
+          <a:ext cx="0" cy="0"/>
+          <a:chOff x="0" y="0"/>
+          <a:chExt cx="0" cy="0"/>
+        </a:xfrm>
+      </p:grpSpPr>
+      <p:pic>
+        <p:nvPicPr>
+          <p:cNvPr id="2" name="Picture 4" descr="A close up of text on a white background&#10;&#10;Description generated with very high confidence">
+            <a:extLst>
+              <a:ext uri="{FF2B5EF4-FFF2-40B4-BE49-F238E27FC236}">
+                <a16:creationId xmlns:a16="http://schemas.microsoft.com/office/drawing/2014/main" xmlns="" id="{18A35A48-1868-46ED-8152-7888870594F2}"/>
+              </a:ext>
+            </a:extLst>
+          </p:cNvPr>
+          <p:cNvPicPr>
+            <a:picLocks noChangeAspect="1"/>
+          </p:cNvPicPr>
+          <p:nvPr/>
+        </p:nvPicPr>
+        <p:blipFill>
+          <a:blip r:embed="rId2"/>
+          <a:stretch>
+            <a:fillRect/>
+          </a:stretch>
+        </p:blipFill>
+        <p:spPr>
+          <a:xfrm>
+            <a:off x="181155" y="960272"/>
+            <a:ext cx="10909538" cy="5742587"/>
+          </a:xfrm>
+          <a:prstGeom prst="rect">
+            <a:avLst/>
+          </a:prstGeom>
+        </p:spPr>
+      </p:pic>
+    </p:spTree>
+    <p:extLst>
+      <p:ext uri="{BB962C8B-B14F-4D97-AF65-F5344CB8AC3E}">
+        <p14:creationId xmlns:p14="http://schemas.microsoft.com/office/powerpoint/2010/main" val="2083451937"/>
+      </p:ext>
+    </p:extLst>
+  </p:cSld>
+  <p:clrMapOvr>
+    <a:masterClrMapping/>
+  </p:clrMapOvr>
+</p:sld>
+</file>
+
+<file path=ppt/slides/slide32.xml><?xml version="1.0" encoding="utf-8"?>
+<p:sld xmlns:a="http://schemas.openxmlformats.org/drawingml/2006/main" xmlns:r="http://schemas.openxmlformats.org/officeDocument/2006/relationships" xmlns:p="http://schemas.openxmlformats.org/presentationml/2006/main">
+  <p:cSld>
+    <p:spTree>
+      <p:nvGrpSpPr>
+        <p:cNvPr id="1" name=""/>
+        <p:cNvGrpSpPr/>
+        <p:nvPr/>
+      </p:nvGrpSpPr>
+      <p:grpSpPr>
+        <a:xfrm>
+          <a:off x="0" y="0"/>
+          <a:ext cx="0" cy="0"/>
+          <a:chOff x="0" y="0"/>
+          <a:chExt cx="0" cy="0"/>
+        </a:xfrm>
+      </p:grpSpPr>
+      <p:sp>
+        <p:nvSpPr>
+          <p:cNvPr id="3" name="Title 1">
+            <a:extLst>
+              <a:ext uri="{FF2B5EF4-FFF2-40B4-BE49-F238E27FC236}">
+                <a16:creationId xmlns:a16="http://schemas.microsoft.com/office/drawing/2014/main" xmlns="" id="{37253347-6ADB-46A0-9DBF-4039C14CE576}"/>
+              </a:ext>
+            </a:extLst>
+          </p:cNvPr>
+          <p:cNvSpPr txBox="1">
+            <a:spLocks/>
+          </p:cNvSpPr>
+          <p:nvPr/>
+        </p:nvSpPr>
+        <p:spPr>
+          <a:xfrm>
+            <a:off x="552189" y="270226"/>
+            <a:ext cx="8946653" cy="999016"/>
+          </a:xfrm>
+          <a:prstGeom prst="rect">
+            <a:avLst/>
+          </a:prstGeom>
+        </p:spPr>
+        <p:txBody>
+          <a:bodyPr anchor="t">
+            <a:normAutofit fontScale="97500"/>
+          </a:bodyPr>
+          <a:lstStyle>
+            <a:lvl1pPr algn="l" defTabSz="914400" rtl="0" eaLnBrk="1" latinLnBrk="0" hangingPunct="1">
+              <a:lnSpc>
+                <a:spcPct val="90000"/>
+              </a:lnSpc>
+              <a:spcBef>
+                <a:spcPct val="0"/>
+              </a:spcBef>
+              <a:buNone/>
+              <a:defRPr sz="4400" kern="1200" spc="-50" baseline="0">
+                <a:solidFill>
+                  <a:schemeClr val="tx1"/>
+                </a:solidFill>
+                <a:latin typeface="+mj-lt"/>
+                <a:ea typeface="+mj-ea"/>
+                <a:cs typeface="+mj-cs"/>
+              </a:defRPr>
+            </a:lvl1pPr>
+          </a:lstStyle>
+          <a:p>
+            <a:r>
+              <a:rPr lang="en-US" dirty="0"/>
+              <a:t>Class Diagram - Return</a:t>
+            </a:r>
+          </a:p>
+        </p:txBody>
+      </p:sp>
+      <p:pic>
+        <p:nvPicPr>
+          <p:cNvPr id="4" name="Picture 4" descr="A screenshot of a cell phone&#10;&#10;Description generated with very high confidence">
+            <a:extLst>
+              <a:ext uri="{FF2B5EF4-FFF2-40B4-BE49-F238E27FC236}">
+                <a16:creationId xmlns:a16="http://schemas.microsoft.com/office/drawing/2014/main" xmlns="" id="{7CFE43C7-7BBF-4D48-A4B3-BCEC16F6A32D}"/>
+              </a:ext>
+            </a:extLst>
+          </p:cNvPr>
+          <p:cNvPicPr>
+            <a:picLocks noChangeAspect="1"/>
+          </p:cNvPicPr>
+          <p:nvPr/>
+        </p:nvPicPr>
+        <p:blipFill>
+          <a:blip r:embed="rId2"/>
+          <a:stretch>
+            <a:fillRect/>
+          </a:stretch>
+        </p:blipFill>
+        <p:spPr>
+          <a:xfrm>
+            <a:off x="1043796" y="1526310"/>
+            <a:ext cx="9759350" cy="5199980"/>
+          </a:xfrm>
+          <a:prstGeom prst="rect">
+            <a:avLst/>
+          </a:prstGeom>
+        </p:spPr>
+      </p:pic>
+    </p:spTree>
+    <p:extLst>
+      <p:ext uri="{BB962C8B-B14F-4D97-AF65-F5344CB8AC3E}">
+        <p14:creationId xmlns:p14="http://schemas.microsoft.com/office/powerpoint/2010/main" val="1408234879"/>
+      </p:ext>
+    </p:extLst>
+  </p:cSld>
+  <p:clrMapOvr>
+    <a:masterClrMapping/>
+  </p:clrMapOvr>
+</p:sld>
+</file>
+
+<file path=ppt/slides/slide33.xml><?xml version="1.0" encoding="utf-8"?>
+<p:sld xmlns:a="http://schemas.openxmlformats.org/drawingml/2006/main" xmlns:r="http://schemas.openxmlformats.org/officeDocument/2006/relationships" xmlns:p="http://schemas.openxmlformats.org/presentationml/2006/main">
+  <p:cSld>
+    <p:spTree>
+      <p:nvGrpSpPr>
+        <p:cNvPr id="1" name=""/>
+        <p:cNvGrpSpPr/>
+        <p:nvPr/>
+      </p:nvGrpSpPr>
+      <p:grpSpPr>
+        <a:xfrm>
+          <a:off x="0" y="0"/>
+          <a:ext cx="0" cy="0"/>
+          <a:chOff x="0" y="0"/>
+          <a:chExt cx="0" cy="0"/>
+        </a:xfrm>
+      </p:grpSpPr>
+      <p:pic>
+        <p:nvPicPr>
+          <p:cNvPr id="2" name="Picture 4" descr="A screenshot of a cell phone&#10;&#10;Description generated with very high confidence">
+            <a:extLst>
+              <a:ext uri="{FF2B5EF4-FFF2-40B4-BE49-F238E27FC236}">
+                <a16:creationId xmlns:a16="http://schemas.microsoft.com/office/drawing/2014/main" xmlns="" id="{F3755189-6D96-4A8C-8A57-23EEB7695F27}"/>
+              </a:ext>
+            </a:extLst>
+          </p:cNvPr>
+          <p:cNvPicPr>
+            <a:picLocks noChangeAspect="1"/>
+          </p:cNvPicPr>
+          <p:nvPr/>
+        </p:nvPicPr>
+        <p:blipFill>
+          <a:blip r:embed="rId2"/>
+          <a:stretch>
+            <a:fillRect/>
+          </a:stretch>
+        </p:blipFill>
+        <p:spPr>
+          <a:xfrm>
+            <a:off x="342900" y="1176647"/>
+            <a:ext cx="10693879" cy="5431206"/>
+          </a:xfrm>
+          <a:prstGeom prst="rect">
+            <a:avLst/>
+          </a:prstGeom>
+        </p:spPr>
+      </p:pic>
+    </p:spTree>
+    <p:extLst>
+      <p:ext uri="{BB962C8B-B14F-4D97-AF65-F5344CB8AC3E}">
+        <p14:creationId xmlns:p14="http://schemas.microsoft.com/office/powerpoint/2010/main" val="2376183519"/>
+      </p:ext>
+    </p:extLst>
+  </p:cSld>
+  <p:clrMapOvr>
+    <a:masterClrMapping/>
+  </p:clrMapOvr>
+</p:sld>
+</file>
+
+<file path=ppt/slides/slide34.xml><?xml version="1.0" encoding="utf-8"?>
+<p:sld xmlns:a="http://schemas.openxmlformats.org/drawingml/2006/main" xmlns:r="http://schemas.openxmlformats.org/officeDocument/2006/relationships" xmlns:p="http://schemas.openxmlformats.org/presentationml/2006/main">
+  <p:cSld>
+    <p:spTree>
+      <p:nvGrpSpPr>
+        <p:cNvPr id="1" name=""/>
+        <p:cNvGrpSpPr/>
+        <p:nvPr/>
+      </p:nvGrpSpPr>
+      <p:grpSpPr>
+        <a:xfrm>
+          <a:off x="0" y="0"/>
+          <a:ext cx="0" cy="0"/>
+          <a:chOff x="0" y="0"/>
+          <a:chExt cx="0" cy="0"/>
+        </a:xfrm>
+      </p:grpSpPr>
+      <p:sp>
+        <p:nvSpPr>
+          <p:cNvPr id="2" name="Title 1"/>
+          <p:cNvSpPr>
+            <a:spLocks noGrp="1"/>
+          </p:cNvSpPr>
+          <p:nvPr>
+            <p:ph type="title"/>
+          </p:nvPr>
+        </p:nvSpPr>
+        <p:spPr>
+          <a:xfrm>
+            <a:off x="-1708245" y="969110"/>
+            <a:ext cx="9200866" cy="4952492"/>
+          </a:xfrm>
+        </p:spPr>
+        <p:txBody>
+          <a:bodyPr/>
+          <a:lstStyle/>
+          <a:p>
+            <a:r>
+              <a:rPr lang="en-US" dirty="0" smtClean="0"/>
+              <a:t>Retailer</a:t>
+            </a:r>
+            <a:endParaRPr lang="en-IN" dirty="0"/>
+          </a:p>
+        </p:txBody>
+      </p:sp>
+    </p:spTree>
+    <p:extLst>
+      <p:ext uri="{BB962C8B-B14F-4D97-AF65-F5344CB8AC3E}">
+        <p14:creationId xmlns:p14="http://schemas.microsoft.com/office/powerpoint/2010/main" val="1049486260"/>
+      </p:ext>
+    </p:extLst>
+  </p:cSld>
+  <p:clrMapOvr>
+    <a:masterClrMapping/>
+  </p:clrMapOvr>
+</p:sld>
+</file>
+
+<file path=ppt/slides/slide35.xml><?xml version="1.0" encoding="utf-8"?>
+<p:sld xmlns:a="http://schemas.openxmlformats.org/drawingml/2006/main" xmlns:r="http://schemas.openxmlformats.org/officeDocument/2006/relationships" xmlns:p="http://schemas.openxmlformats.org/presentationml/2006/main">
+  <p:cSld>
+    <p:spTree>
+      <p:nvGrpSpPr>
+        <p:cNvPr id="1" name=""/>
+        <p:cNvGrpSpPr/>
+        <p:nvPr/>
+      </p:nvGrpSpPr>
+      <p:grpSpPr>
+        <a:xfrm>
+          <a:off x="0" y="0"/>
+          <a:ext cx="0" cy="0"/>
+          <a:chOff x="0" y="0"/>
+          <a:chExt cx="0" cy="0"/>
+        </a:xfrm>
+      </p:grpSpPr>
+      <p:sp>
+        <p:nvSpPr>
+          <p:cNvPr id="2" name="Title 1"/>
+          <p:cNvSpPr>
+            <a:spLocks noGrp="1"/>
+          </p:cNvSpPr>
+          <p:nvPr>
+            <p:ph type="title"/>
+          </p:nvPr>
+        </p:nvSpPr>
+        <p:spPr/>
+        <p:txBody>
+          <a:bodyPr>
+            <a:normAutofit/>
+          </a:bodyPr>
+          <a:lstStyle/>
+          <a:p>
+            <a:pPr algn="ctr"/>
+            <a:r>
+              <a:rPr lang="en-IN" dirty="0" smtClean="0">
+                <a:latin typeface="Times New Roman" panose="02020603050405020304" pitchFamily="18" charset="0"/>
+                <a:cs typeface="Times New Roman" panose="02020603050405020304" pitchFamily="18" charset="0"/>
+              </a:rPr>
+              <a:t>EPIC – Retailer should be able to update details</a:t>
+            </a:r>
+            <a:endParaRPr lang="en-IN" dirty="0">
+              <a:latin typeface="Times New Roman" panose="02020603050405020304" pitchFamily="18" charset="0"/>
+              <a:cs typeface="Times New Roman" panose="02020603050405020304" pitchFamily="18" charset="0"/>
+            </a:endParaRPr>
+          </a:p>
+        </p:txBody>
+      </p:sp>
+      <p:sp>
+        <p:nvSpPr>
+          <p:cNvPr id="3" name="Content Placeholder 2"/>
+          <p:cNvSpPr>
+            <a:spLocks noGrp="1"/>
+          </p:cNvSpPr>
+          <p:nvPr>
+            <p:ph idx="1"/>
+          </p:nvPr>
+        </p:nvSpPr>
+        <p:spPr/>
+        <p:txBody>
+          <a:bodyPr>
+            <a:normAutofit/>
+          </a:bodyPr>
+          <a:lstStyle/>
+          <a:p>
+            <a:pPr marL="0" indent="0">
+              <a:buNone/>
+            </a:pPr>
+            <a:endParaRPr lang="en-IN" dirty="0">
+              <a:latin typeface="Times New Roman" panose="02020603050405020304" pitchFamily="18" charset="0"/>
+              <a:cs typeface="Times New Roman" panose="02020603050405020304" pitchFamily="18" charset="0"/>
+            </a:endParaRPr>
+          </a:p>
+          <a:p>
+            <a:pPr marL="0" indent="0">
+              <a:buNone/>
+            </a:pPr>
+            <a:r>
+              <a:rPr lang="en-IN" u="sng" dirty="0" smtClean="0">
+                <a:latin typeface="Times New Roman" panose="02020603050405020304" pitchFamily="18" charset="0"/>
+                <a:cs typeface="Times New Roman" panose="02020603050405020304" pitchFamily="18" charset="0"/>
+              </a:rPr>
+              <a:t>User Stories:</a:t>
+            </a:r>
+            <a:endParaRPr lang="en-IN" dirty="0">
+              <a:latin typeface="Times New Roman" panose="02020603050405020304" pitchFamily="18" charset="0"/>
+              <a:cs typeface="Times New Roman" panose="02020603050405020304" pitchFamily="18" charset="0"/>
+            </a:endParaRPr>
+          </a:p>
+          <a:p>
+            <a:r>
+              <a:rPr lang="en-IN" dirty="0" smtClean="0">
+                <a:latin typeface="Times New Roman" panose="02020603050405020304" pitchFamily="18" charset="0"/>
+                <a:cs typeface="Times New Roman" panose="02020603050405020304" pitchFamily="18" charset="0"/>
+              </a:rPr>
+              <a:t>Retailer should be able to view his/her profile</a:t>
+            </a:r>
+          </a:p>
+          <a:p>
+            <a:r>
+              <a:rPr lang="en-IN" dirty="0">
+                <a:latin typeface="Times New Roman" panose="02020603050405020304" pitchFamily="18" charset="0"/>
+                <a:cs typeface="Times New Roman" panose="02020603050405020304" pitchFamily="18" charset="0"/>
+              </a:rPr>
+              <a:t>Retailer should be able to </a:t>
+            </a:r>
+            <a:r>
+              <a:rPr lang="en-IN" dirty="0" smtClean="0">
+                <a:latin typeface="Times New Roman" panose="02020603050405020304" pitchFamily="18" charset="0"/>
+                <a:cs typeface="Times New Roman" panose="02020603050405020304" pitchFamily="18" charset="0"/>
+              </a:rPr>
+              <a:t>edit his/her details.</a:t>
+            </a:r>
+            <a:endParaRPr lang="en-IN" dirty="0">
+              <a:latin typeface="Times New Roman" panose="02020603050405020304" pitchFamily="18" charset="0"/>
+              <a:cs typeface="Times New Roman" panose="02020603050405020304" pitchFamily="18" charset="0"/>
+            </a:endParaRPr>
+          </a:p>
+          <a:p>
+            <a:r>
+              <a:rPr lang="en-US" dirty="0" smtClean="0">
+                <a:latin typeface="Times New Roman" panose="02020603050405020304" pitchFamily="18" charset="0"/>
+                <a:cs typeface="Times New Roman" panose="02020603050405020304" pitchFamily="18" charset="0"/>
+              </a:rPr>
+              <a:t>Edited profile should then </a:t>
+            </a:r>
+            <a:r>
+              <a:rPr lang="en-US" smtClean="0">
+                <a:latin typeface="Times New Roman" panose="02020603050405020304" pitchFamily="18" charset="0"/>
+                <a:cs typeface="Times New Roman" panose="02020603050405020304" pitchFamily="18" charset="0"/>
+              </a:rPr>
+              <a:t>be displayed.</a:t>
+            </a:r>
+            <a:endParaRPr lang="en-US" dirty="0" smtClean="0">
+              <a:latin typeface="Times New Roman" panose="02020603050405020304" pitchFamily="18" charset="0"/>
+              <a:cs typeface="Times New Roman" panose="02020603050405020304" pitchFamily="18" charset="0"/>
+            </a:endParaRPr>
+          </a:p>
+          <a:p>
+            <a:endParaRPr lang="en-IN" dirty="0" smtClean="0">
+              <a:latin typeface="Times New Roman" panose="02020603050405020304" pitchFamily="18" charset="0"/>
+              <a:cs typeface="Times New Roman" panose="02020603050405020304" pitchFamily="18" charset="0"/>
+            </a:endParaRPr>
+          </a:p>
+          <a:p>
+            <a:endParaRPr lang="en-IN" dirty="0" smtClean="0">
+              <a:latin typeface="Times New Roman" panose="02020603050405020304" pitchFamily="18" charset="0"/>
+              <a:cs typeface="Times New Roman" panose="02020603050405020304" pitchFamily="18" charset="0"/>
+            </a:endParaRPr>
+          </a:p>
+        </p:txBody>
+      </p:sp>
+    </p:spTree>
+    <p:extLst>
+      <p:ext uri="{BB962C8B-B14F-4D97-AF65-F5344CB8AC3E}">
+        <p14:creationId xmlns:p14="http://schemas.microsoft.com/office/powerpoint/2010/main" val="2624097687"/>
+      </p:ext>
+    </p:extLst>
+  </p:cSld>
+  <p:clrMapOvr>
+    <a:masterClrMapping/>
+  </p:clrMapOvr>
+  <p:timing>
+    <p:tnLst>
+      <p:par>
+        <p:cTn id="1" dur="indefinite" restart="never" nodeType="tmRoot"/>
+      </p:par>
+    </p:tnLst>
+  </p:timing>
+</p:sld>
+</file>
+
+<file path=ppt/slides/slide36.xml><?xml version="1.0" encoding="utf-8"?>
+<p:sld xmlns:a="http://schemas.openxmlformats.org/drawingml/2006/main" xmlns:r="http://schemas.openxmlformats.org/officeDocument/2006/relationships" xmlns:p="http://schemas.openxmlformats.org/presentationml/2006/main">
+  <p:cSld>
+    <p:spTree>
+      <p:nvGrpSpPr>
+        <p:cNvPr id="1" name=""/>
+        <p:cNvGrpSpPr/>
+        <p:nvPr/>
+      </p:nvGrpSpPr>
+      <p:grpSpPr>
+        <a:xfrm>
+          <a:off x="0" y="0"/>
+          <a:ext cx="0" cy="0"/>
+          <a:chOff x="0" y="0"/>
+          <a:chExt cx="0" cy="0"/>
+        </a:xfrm>
+      </p:grpSpPr>
+      <p:sp>
+        <p:nvSpPr>
+          <p:cNvPr id="2" name="Title 1"/>
+          <p:cNvSpPr>
+            <a:spLocks noGrp="1"/>
+          </p:cNvSpPr>
+          <p:nvPr>
+            <p:ph type="title"/>
+          </p:nvPr>
+        </p:nvSpPr>
+        <p:spPr>
+          <a:xfrm>
+            <a:off x="0" y="0"/>
+            <a:ext cx="9692640" cy="1325562"/>
+          </a:xfrm>
+        </p:spPr>
+        <p:txBody>
+          <a:bodyPr/>
+          <a:lstStyle/>
+          <a:p>
+            <a:r>
+              <a:rPr lang="en-US" dirty="0" smtClean="0"/>
+              <a:t>Activity diagram to update retailer</a:t>
+            </a:r>
+            <a:endParaRPr lang="en-IN" dirty="0"/>
+          </a:p>
+        </p:txBody>
+      </p:sp>
+      <p:pic>
+        <p:nvPicPr>
+          <p:cNvPr id="3" name="Picture 2"/>
+          <p:cNvPicPr>
+            <a:picLocks noChangeAspect="1"/>
+          </p:cNvPicPr>
+          <p:nvPr/>
+        </p:nvPicPr>
+        <p:blipFill>
+          <a:blip r:embed="rId2">
+            <a:extLst>
+              <a:ext uri="{28A0092B-C50C-407E-A947-70E740481C1C}">
+                <a14:useLocalDpi xmlns:a14="http://schemas.microsoft.com/office/drawing/2010/main" val="0"/>
+              </a:ext>
+            </a:extLst>
+          </a:blip>
+          <a:stretch>
+            <a:fillRect/>
+          </a:stretch>
+        </p:blipFill>
+        <p:spPr>
+          <a:xfrm>
+            <a:off x="2832714" y="1364776"/>
+            <a:ext cx="6526572" cy="5493224"/>
+          </a:xfrm>
+          <a:prstGeom prst="rect">
+            <a:avLst/>
+          </a:prstGeom>
+        </p:spPr>
+      </p:pic>
+    </p:spTree>
+    <p:extLst>
+      <p:ext uri="{BB962C8B-B14F-4D97-AF65-F5344CB8AC3E}">
+        <p14:creationId xmlns:p14="http://schemas.microsoft.com/office/powerpoint/2010/main" val="2143256067"/>
+      </p:ext>
+    </p:extLst>
+  </p:cSld>
+  <p:clrMapOvr>
+    <a:masterClrMapping/>
+  </p:clrMapOvr>
+</p:sld>
+</file>
+
+<file path=ppt/slides/slide37.xml><?xml version="1.0" encoding="utf-8"?>
+<p:sld xmlns:a="http://schemas.openxmlformats.org/drawingml/2006/main" xmlns:r="http://schemas.openxmlformats.org/officeDocument/2006/relationships" xmlns:p="http://schemas.openxmlformats.org/presentationml/2006/main">
+  <p:cSld>
+    <p:spTree>
+      <p:nvGrpSpPr>
+        <p:cNvPr id="1" name=""/>
+        <p:cNvGrpSpPr/>
+        <p:nvPr/>
+      </p:nvGrpSpPr>
+      <p:grpSpPr>
+        <a:xfrm>
+          <a:off x="0" y="0"/>
+          <a:ext cx="0" cy="0"/>
+          <a:chOff x="0" y="0"/>
+          <a:chExt cx="0" cy="0"/>
+        </a:xfrm>
+      </p:grpSpPr>
+      <p:sp>
+        <p:nvSpPr>
+          <p:cNvPr id="2" name="Title 1"/>
+          <p:cNvSpPr>
+            <a:spLocks noGrp="1"/>
+          </p:cNvSpPr>
+          <p:nvPr>
+            <p:ph type="title"/>
+          </p:nvPr>
+        </p:nvSpPr>
+        <p:spPr>
+          <a:xfrm>
+            <a:off x="552189" y="270226"/>
+            <a:ext cx="8946653" cy="999016"/>
+          </a:xfrm>
+        </p:spPr>
+        <p:txBody>
+          <a:bodyPr>
+            <a:normAutofit fontScale="90000"/>
+          </a:bodyPr>
+          <a:lstStyle/>
+          <a:p>
+            <a:r>
+              <a:rPr lang="en-US" dirty="0" smtClean="0"/>
+              <a:t>Sequence diagram </a:t>
+            </a:r>
+            <a:r>
+              <a:rPr lang="en-US" dirty="0"/>
+              <a:t>to update retailer</a:t>
+            </a:r>
+            <a:endParaRPr lang="en-IN" dirty="0"/>
+          </a:p>
+        </p:txBody>
+      </p:sp>
+      <p:pic>
+        <p:nvPicPr>
+          <p:cNvPr id="1026" name="Picture 2" descr="https://raw.githubusercontent.com/gitbestsou/Great-Outdoors/master/UpdateSequenceRetailer.png"/>
+          <p:cNvPicPr>
+            <a:picLocks noChangeAspect="1" noChangeArrowheads="1"/>
+          </p:cNvPicPr>
+          <p:nvPr/>
+        </p:nvPicPr>
+        <p:blipFill>
+          <a:blip r:embed="rId2">
+            <a:extLst>
+              <a:ext uri="{28A0092B-C50C-407E-A947-70E740481C1C}">
+                <a14:useLocalDpi xmlns:a14="http://schemas.microsoft.com/office/drawing/2010/main" val="0"/>
+              </a:ext>
+            </a:extLst>
+          </a:blip>
+          <a:srcRect/>
+          <a:stretch>
+            <a:fillRect/>
+          </a:stretch>
+        </p:blipFill>
+        <p:spPr bwMode="auto">
+          <a:xfrm>
+            <a:off x="1411169" y="1691322"/>
+            <a:ext cx="7737823" cy="4777717"/>
+          </a:xfrm>
+          <a:prstGeom prst="rect">
+            <a:avLst/>
+          </a:prstGeom>
+          <a:noFill/>
+          <a:extLst>
+            <a:ext uri="{909E8E84-426E-40DD-AFC4-6F175D3DCCD1}">
+              <a14:hiddenFill xmlns:a14="http://schemas.microsoft.com/office/drawing/2010/main">
+                <a:solidFill>
+                  <a:srgbClr val="FFFFFF"/>
+                </a:solidFill>
+              </a14:hiddenFill>
+            </a:ext>
+          </a:extLst>
+        </p:spPr>
+      </p:pic>
+    </p:spTree>
+    <p:extLst>
+      <p:ext uri="{BB962C8B-B14F-4D97-AF65-F5344CB8AC3E}">
+        <p14:creationId xmlns:p14="http://schemas.microsoft.com/office/powerpoint/2010/main" val="78674341"/>
+      </p:ext>
+    </p:extLst>
+  </p:cSld>
+  <p:clrMapOvr>
+    <a:masterClrMapping/>
+  </p:clrMapOvr>
+</p:sld>
+</file>
+
+<file path=ppt/slides/slide38.xml><?xml version="1.0" encoding="utf-8"?>
 <p:sld xmlns:a="http://schemas.openxmlformats.org/drawingml/2006/main" xmlns:r="http://schemas.openxmlformats.org/officeDocument/2006/relationships" xmlns:p="http://schemas.openxmlformats.org/presentationml/2006/main">
   <p:cSld>
     <p:spTree>
@@ -17654,6 +18690,7 @@
             <a:avLst/>
           </a:prstGeom>
           <a:noFill/>
+          <a:extLst/>
         </p:spPr>
       </p:pic>
     </p:spTree>
@@ -17669,7 +18706,7 @@
 </p:sld>
 </file>
 
-<file path=ppt/slides/slide32.xml><?xml version="1.0" encoding="utf-8"?>
+<file path=ppt/slides/slide39.xml><?xml version="1.0" encoding="utf-8"?>
 <p:sld xmlns:a="http://schemas.openxmlformats.org/drawingml/2006/main" xmlns:r="http://schemas.openxmlformats.org/officeDocument/2006/relationships" xmlns:p="http://schemas.openxmlformats.org/presentationml/2006/main">
   <p:cSld>
     <p:spTree>
@@ -17688,236 +18725,36 @@
       </p:grpSpPr>
       <p:sp>
         <p:nvSpPr>
-          <p:cNvPr id="3" name="Title 1">
-            <a:extLst>
-              <a:ext uri="{FF2B5EF4-FFF2-40B4-BE49-F238E27FC236}">
-                <a16:creationId xmlns:a16="http://schemas.microsoft.com/office/drawing/2014/main" id="{37253347-6ADB-46A0-9DBF-4039C14CE576}"/>
-              </a:ext>
-            </a:extLst>
-          </p:cNvPr>
-          <p:cNvSpPr txBox="1">
-            <a:spLocks/>
-          </p:cNvSpPr>
-          <p:nvPr/>
+          <p:cNvPr id="2" name="Title 1"/>
+          <p:cNvSpPr>
+            <a:spLocks noGrp="1"/>
+          </p:cNvSpPr>
+          <p:nvPr>
+            <p:ph type="title"/>
+          </p:nvPr>
         </p:nvSpPr>
         <p:spPr>
           <a:xfrm>
-            <a:off x="552189" y="270226"/>
-            <a:ext cx="8946653" cy="999016"/>
+            <a:off x="898477" y="955463"/>
+            <a:ext cx="9200866" cy="4952492"/>
           </a:xfrm>
-          <a:prstGeom prst="rect">
-            <a:avLst/>
-          </a:prstGeom>
         </p:spPr>
         <p:txBody>
-          <a:bodyPr anchor="t">
-            <a:normAutofit fontScale="97500"/>
-          </a:bodyPr>
-          <a:lstStyle>
-            <a:lvl1pPr algn="l" defTabSz="914400" rtl="0" eaLnBrk="1" latinLnBrk="0" hangingPunct="1">
-              <a:lnSpc>
-                <a:spcPct val="90000"/>
-              </a:lnSpc>
-              <a:spcBef>
-                <a:spcPct val="0"/>
-              </a:spcBef>
-              <a:buNone/>
-              <a:defRPr sz="4400" kern="1200" spc="-50" baseline="0">
-                <a:solidFill>
-                  <a:schemeClr val="tx1"/>
-                </a:solidFill>
-                <a:latin typeface="+mj-lt"/>
-                <a:ea typeface="+mj-ea"/>
-                <a:cs typeface="+mj-cs"/>
-              </a:defRPr>
-            </a:lvl1pPr>
-          </a:lstStyle>
-          <a:p>
-            <a:r>
-              <a:rPr lang="en-US" dirty="0"/>
-              <a:t>Class Diagram - Return</a:t>
-            </a:r>
-          </a:p>
-        </p:txBody>
-      </p:sp>
-      <p:pic>
-        <p:nvPicPr>
-          <p:cNvPr id="4" name="Picture 4" descr="A screenshot of a cell phone&#10;&#10;Description generated with very high confidence">
-            <a:extLst>
-              <a:ext uri="{FF2B5EF4-FFF2-40B4-BE49-F238E27FC236}">
-                <a16:creationId xmlns:a16="http://schemas.microsoft.com/office/drawing/2014/main" id="{7CFE43C7-7BBF-4D48-A4B3-BCEC16F6A32D}"/>
-              </a:ext>
-            </a:extLst>
-          </p:cNvPr>
-          <p:cNvPicPr>
-            <a:picLocks noChangeAspect="1"/>
-          </p:cNvPicPr>
-          <p:nvPr/>
-        </p:nvPicPr>
-        <p:blipFill>
-          <a:blip r:embed="rId2"/>
-          <a:stretch>
-            <a:fillRect/>
-          </a:stretch>
-        </p:blipFill>
-        <p:spPr>
-          <a:xfrm>
-            <a:off x="1043796" y="1526310"/>
-            <a:ext cx="9759350" cy="5199980"/>
-          </a:xfrm>
-          <a:prstGeom prst="rect">
-            <a:avLst/>
-          </a:prstGeom>
-        </p:spPr>
-      </p:pic>
+          <a:bodyPr/>
+          <a:lstStyle/>
+          <a:p>
+            <a:r>
+              <a:rPr lang="en-US" dirty="0" smtClean="0"/>
+              <a:t>Order and Order Details</a:t>
+            </a:r>
+            <a:endParaRPr lang="en-IN" dirty="0"/>
+          </a:p>
+        </p:txBody>
+      </p:sp>
     </p:spTree>
     <p:extLst>
       <p:ext uri="{BB962C8B-B14F-4D97-AF65-F5344CB8AC3E}">
-        <p14:creationId xmlns:p14="http://schemas.microsoft.com/office/powerpoint/2010/main" val="101269459"/>
-      </p:ext>
-    </p:extLst>
-  </p:cSld>
-  <p:clrMapOvr>
-    <a:masterClrMapping/>
-  </p:clrMapOvr>
-</p:sld>
-</file>
-
-<file path=ppt/slides/slide33.xml><?xml version="1.0" encoding="utf-8"?>
-<p:sld xmlns:a="http://schemas.openxmlformats.org/drawingml/2006/main" xmlns:r="http://schemas.openxmlformats.org/officeDocument/2006/relationships" xmlns:p="http://schemas.openxmlformats.org/presentationml/2006/main">
-  <p:cSld>
-    <p:spTree>
-      <p:nvGrpSpPr>
-        <p:cNvPr id="1" name=""/>
-        <p:cNvGrpSpPr/>
-        <p:nvPr/>
-      </p:nvGrpSpPr>
-      <p:grpSpPr>
-        <a:xfrm>
-          <a:off x="0" y="0"/>
-          <a:ext cx="0" cy="0"/>
-          <a:chOff x="0" y="0"/>
-          <a:chExt cx="0" cy="0"/>
-        </a:xfrm>
-      </p:grpSpPr>
-      <p:sp>
-        <p:nvSpPr>
-          <p:cNvPr id="3" name="Title 1">
-            <a:extLst>
-              <a:ext uri="{FF2B5EF4-FFF2-40B4-BE49-F238E27FC236}">
-                <a16:creationId xmlns:a16="http://schemas.microsoft.com/office/drawing/2014/main" id="{0D1D2A9B-5639-4E99-9B07-EB0E03928507}"/>
-              </a:ext>
-            </a:extLst>
-          </p:cNvPr>
-          <p:cNvSpPr txBox="1">
-            <a:spLocks/>
-          </p:cNvSpPr>
-          <p:nvPr/>
-        </p:nvSpPr>
-        <p:spPr>
-          <a:xfrm>
-            <a:off x="552189" y="270226"/>
-            <a:ext cx="8946653" cy="999016"/>
-          </a:xfrm>
-          <a:prstGeom prst="rect">
-            <a:avLst/>
-          </a:prstGeom>
-        </p:spPr>
-        <p:txBody>
-          <a:bodyPr anchor="t">
-            <a:normAutofit fontScale="97500"/>
-          </a:bodyPr>
-          <a:lstStyle>
-            <a:lvl1pPr algn="l" defTabSz="914400" rtl="0" eaLnBrk="1" latinLnBrk="0" hangingPunct="1">
-              <a:lnSpc>
-                <a:spcPct val="90000"/>
-              </a:lnSpc>
-              <a:spcBef>
-                <a:spcPct val="0"/>
-              </a:spcBef>
-              <a:buNone/>
-              <a:defRPr sz="4400" kern="1200" spc="-50" baseline="0">
-                <a:solidFill>
-                  <a:schemeClr val="tx1"/>
-                </a:solidFill>
-                <a:latin typeface="+mj-lt"/>
-                <a:ea typeface="+mj-ea"/>
-                <a:cs typeface="+mj-cs"/>
-              </a:defRPr>
-            </a:lvl1pPr>
-          </a:lstStyle>
-          <a:p>
-            <a:r>
-              <a:rPr lang="en-US" dirty="0"/>
-              <a:t>Class Diagram – Return Details</a:t>
-            </a:r>
-          </a:p>
-        </p:txBody>
-      </p:sp>
-      <p:pic>
-        <p:nvPicPr>
-          <p:cNvPr id="4" name="Picture 4" descr="A screenshot of a cell phone&#10;&#10;Description generated with very high confidence">
-            <a:extLst>
-              <a:ext uri="{FF2B5EF4-FFF2-40B4-BE49-F238E27FC236}">
-                <a16:creationId xmlns:a16="http://schemas.microsoft.com/office/drawing/2014/main" id="{F3755189-6D96-4A8C-8A57-23EEB7695F27}"/>
-              </a:ext>
-            </a:extLst>
-          </p:cNvPr>
-          <p:cNvPicPr>
-            <a:picLocks noChangeAspect="1"/>
-          </p:cNvPicPr>
-          <p:nvPr/>
-        </p:nvPicPr>
-        <p:blipFill>
-          <a:blip r:embed="rId2"/>
-          <a:stretch>
-            <a:fillRect/>
-          </a:stretch>
-        </p:blipFill>
-        <p:spPr>
-          <a:xfrm>
-            <a:off x="342900" y="1176647"/>
-            <a:ext cx="10693879" cy="5431206"/>
-          </a:xfrm>
-          <a:prstGeom prst="rect">
-            <a:avLst/>
-          </a:prstGeom>
-        </p:spPr>
-      </p:pic>
-    </p:spTree>
-    <p:extLst>
-      <p:ext uri="{BB962C8B-B14F-4D97-AF65-F5344CB8AC3E}">
-        <p14:creationId xmlns:p14="http://schemas.microsoft.com/office/powerpoint/2010/main" val="2765753398"/>
-      </p:ext>
-    </p:extLst>
-  </p:cSld>
-  <p:clrMapOvr>
-    <a:masterClrMapping/>
-  </p:clrMapOvr>
-</p:sld>
-</file>
-
-<file path=ppt/slides/slide34.xml><?xml version="1.0" encoding="utf-8"?>
-<p:sld xmlns:a="http://schemas.openxmlformats.org/drawingml/2006/main" xmlns:r="http://schemas.openxmlformats.org/officeDocument/2006/relationships" xmlns:p="http://schemas.openxmlformats.org/presentationml/2006/main">
-  <p:cSld>
-    <p:spTree>
-      <p:nvGrpSpPr>
-        <p:cNvPr id="1" name=""/>
-        <p:cNvGrpSpPr/>
-        <p:nvPr/>
-      </p:nvGrpSpPr>
-      <p:grpSpPr>
-        <a:xfrm>
-          <a:off x="0" y="0"/>
-          <a:ext cx="0" cy="0"/>
-          <a:chOff x="0" y="0"/>
-          <a:chExt cx="0" cy="0"/>
-        </a:xfrm>
-      </p:grpSpPr>
-    </p:spTree>
-    <p:extLst>
-      <p:ext uri="{BB962C8B-B14F-4D97-AF65-F5344CB8AC3E}">
-        <p14:creationId xmlns:p14="http://schemas.microsoft.com/office/powerpoint/2010/main" val="3203061967"/>
+        <p14:creationId xmlns:p14="http://schemas.microsoft.com/office/powerpoint/2010/main" val="2439078979"/>
       </p:ext>
     </p:extLst>
   </p:cSld>
@@ -17949,7 +18786,7 @@
           <p:cNvPr id="2" name="Picture 1" descr="A close up of a map&#10;&#10;Description generated with high confidence">
             <a:extLst>
               <a:ext uri="{FF2B5EF4-FFF2-40B4-BE49-F238E27FC236}">
-                <a16:creationId xmlns:a16="http://schemas.microsoft.com/office/drawing/2014/main" id="{2CBA1176-2A8C-4BE9-99DB-2AE56931C657}"/>
+                <a16:creationId xmlns="" xmlns:a16="http://schemas.microsoft.com/office/drawing/2014/main" xmlns:lc="http://schemas.openxmlformats.org/drawingml/2006/lockedCanvas" id="{2CBA1176-2A8C-4BE9-99DB-2AE56931C657}"/>
               </a:ext>
             </a:extLst>
           </p:cNvPr>
@@ -17997,9 +18834,10 @@
           <a:lstStyle/>
           <a:p>
             <a:r>
-              <a:rPr lang="en-IN" dirty="0"/>
+              <a:rPr lang="en-IN" dirty="0" smtClean="0"/>
               <a:t>Use Case Diagram - Admin</a:t>
             </a:r>
+            <a:endParaRPr lang="en-IN" dirty="0"/>
           </a:p>
         </p:txBody>
       </p:sp>
@@ -18007,6 +18845,350 @@
     <p:extLst>
       <p:ext uri="{BB962C8B-B14F-4D97-AF65-F5344CB8AC3E}">
         <p14:creationId xmlns:p14="http://schemas.microsoft.com/office/powerpoint/2010/main" val="2792168885"/>
+      </p:ext>
+    </p:extLst>
+  </p:cSld>
+  <p:clrMapOvr>
+    <a:masterClrMapping/>
+  </p:clrMapOvr>
+  <p:timing>
+    <p:tnLst>
+      <p:par>
+        <p:cTn id="1" dur="indefinite" restart="never" nodeType="tmRoot"/>
+      </p:par>
+    </p:tnLst>
+  </p:timing>
+</p:sld>
+</file>
+
+<file path=ppt/slides/slide40.xml><?xml version="1.0" encoding="utf-8"?>
+<p:sld xmlns:a="http://schemas.openxmlformats.org/drawingml/2006/main" xmlns:r="http://schemas.openxmlformats.org/officeDocument/2006/relationships" xmlns:p="http://schemas.openxmlformats.org/presentationml/2006/main">
+  <p:cSld>
+    <p:spTree>
+      <p:nvGrpSpPr>
+        <p:cNvPr id="1" name=""/>
+        <p:cNvGrpSpPr/>
+        <p:nvPr/>
+      </p:nvGrpSpPr>
+      <p:grpSpPr>
+        <a:xfrm>
+          <a:off x="0" y="0"/>
+          <a:ext cx="0" cy="0"/>
+          <a:chOff x="0" y="0"/>
+          <a:chExt cx="0" cy="0"/>
+        </a:xfrm>
+      </p:grpSpPr>
+      <p:sp>
+        <p:nvSpPr>
+          <p:cNvPr id="2" name="Title 1"/>
+          <p:cNvSpPr>
+            <a:spLocks noGrp="1"/>
+          </p:cNvSpPr>
+          <p:nvPr>
+            <p:ph type="title"/>
+          </p:nvPr>
+        </p:nvSpPr>
+        <p:spPr/>
+        <p:txBody>
+          <a:bodyPr>
+            <a:normAutofit/>
+          </a:bodyPr>
+          <a:lstStyle/>
+          <a:p>
+            <a:pPr algn="ctr"/>
+            <a:r>
+              <a:rPr lang="en-IN" dirty="0" smtClean="0">
+                <a:latin typeface="Times New Roman" panose="02020603050405020304" pitchFamily="18" charset="0"/>
+                <a:cs typeface="Times New Roman" panose="02020603050405020304" pitchFamily="18" charset="0"/>
+              </a:rPr>
+              <a:t>EPIC – Retailer should be able to </a:t>
+            </a:r>
+            <a:r>
+              <a:rPr lang="en-IN" dirty="0" smtClean="0">
+                <a:latin typeface="Times New Roman" panose="02020603050405020304" pitchFamily="18" charset="0"/>
+                <a:cs typeface="Times New Roman" panose="02020603050405020304" pitchFamily="18" charset="0"/>
+              </a:rPr>
+              <a:t>place order</a:t>
+            </a:r>
+            <a:endParaRPr lang="en-IN" dirty="0">
+              <a:latin typeface="Times New Roman" panose="02020603050405020304" pitchFamily="18" charset="0"/>
+              <a:cs typeface="Times New Roman" panose="02020603050405020304" pitchFamily="18" charset="0"/>
+            </a:endParaRPr>
+          </a:p>
+        </p:txBody>
+      </p:sp>
+      <p:sp>
+        <p:nvSpPr>
+          <p:cNvPr id="3" name="Content Placeholder 2"/>
+          <p:cNvSpPr>
+            <a:spLocks noGrp="1"/>
+          </p:cNvSpPr>
+          <p:nvPr>
+            <p:ph idx="1"/>
+          </p:nvPr>
+        </p:nvSpPr>
+        <p:spPr/>
+        <p:txBody>
+          <a:bodyPr>
+            <a:normAutofit/>
+          </a:bodyPr>
+          <a:lstStyle/>
+          <a:p>
+            <a:pPr marL="0" indent="0">
+              <a:buNone/>
+            </a:pPr>
+            <a:endParaRPr lang="en-IN" dirty="0">
+              <a:latin typeface="Times New Roman" panose="02020603050405020304" pitchFamily="18" charset="0"/>
+              <a:cs typeface="Times New Roman" panose="02020603050405020304" pitchFamily="18" charset="0"/>
+            </a:endParaRPr>
+          </a:p>
+          <a:p>
+            <a:pPr marL="0" indent="0">
+              <a:buNone/>
+            </a:pPr>
+            <a:r>
+              <a:rPr lang="en-IN" u="sng" dirty="0" smtClean="0">
+                <a:latin typeface="Times New Roman" panose="02020603050405020304" pitchFamily="18" charset="0"/>
+                <a:cs typeface="Times New Roman" panose="02020603050405020304" pitchFamily="18" charset="0"/>
+              </a:rPr>
+              <a:t>User Stories:</a:t>
+            </a:r>
+            <a:endParaRPr lang="en-IN" dirty="0">
+              <a:latin typeface="Times New Roman" panose="02020603050405020304" pitchFamily="18" charset="0"/>
+              <a:cs typeface="Times New Roman" panose="02020603050405020304" pitchFamily="18" charset="0"/>
+            </a:endParaRPr>
+          </a:p>
+          <a:p>
+            <a:r>
+              <a:rPr lang="en-IN" dirty="0" smtClean="0">
+                <a:latin typeface="Times New Roman" panose="02020603050405020304" pitchFamily="18" charset="0"/>
+                <a:cs typeface="Times New Roman" panose="02020603050405020304" pitchFamily="18" charset="0"/>
+              </a:rPr>
+              <a:t>Retailer should be able to view </a:t>
+            </a:r>
+            <a:r>
+              <a:rPr lang="en-IN" dirty="0" smtClean="0">
+                <a:latin typeface="Times New Roman" panose="02020603050405020304" pitchFamily="18" charset="0"/>
+                <a:cs typeface="Times New Roman" panose="02020603050405020304" pitchFamily="18" charset="0"/>
+              </a:rPr>
+              <a:t>products by category</a:t>
+            </a:r>
+            <a:endParaRPr lang="en-IN" dirty="0" smtClean="0">
+              <a:latin typeface="Times New Roman" panose="02020603050405020304" pitchFamily="18" charset="0"/>
+              <a:cs typeface="Times New Roman" panose="02020603050405020304" pitchFamily="18" charset="0"/>
+            </a:endParaRPr>
+          </a:p>
+          <a:p>
+            <a:r>
+              <a:rPr lang="en-IN" dirty="0">
+                <a:latin typeface="Times New Roman" panose="02020603050405020304" pitchFamily="18" charset="0"/>
+                <a:cs typeface="Times New Roman" panose="02020603050405020304" pitchFamily="18" charset="0"/>
+              </a:rPr>
+              <a:t>Retailer should be able to </a:t>
+            </a:r>
+            <a:r>
+              <a:rPr lang="en-IN" dirty="0" smtClean="0">
+                <a:latin typeface="Times New Roman" panose="02020603050405020304" pitchFamily="18" charset="0"/>
+                <a:cs typeface="Times New Roman" panose="02020603050405020304" pitchFamily="18" charset="0"/>
+              </a:rPr>
+              <a:t>add product to cart after viewing details and changing quantity.</a:t>
+            </a:r>
+            <a:endParaRPr lang="en-IN" dirty="0">
+              <a:latin typeface="Times New Roman" panose="02020603050405020304" pitchFamily="18" charset="0"/>
+              <a:cs typeface="Times New Roman" panose="02020603050405020304" pitchFamily="18" charset="0"/>
+            </a:endParaRPr>
+          </a:p>
+          <a:p>
+            <a:r>
+              <a:rPr lang="en-US" dirty="0" smtClean="0">
+                <a:latin typeface="Times New Roman" panose="02020603050405020304" pitchFamily="18" charset="0"/>
+                <a:cs typeface="Times New Roman" panose="02020603050405020304" pitchFamily="18" charset="0"/>
+              </a:rPr>
+              <a:t>Retailer should be able to select address for each </a:t>
+            </a:r>
+            <a:r>
+              <a:rPr lang="en-US" smtClean="0">
+                <a:latin typeface="Times New Roman" panose="02020603050405020304" pitchFamily="18" charset="0"/>
+                <a:cs typeface="Times New Roman" panose="02020603050405020304" pitchFamily="18" charset="0"/>
+              </a:rPr>
+              <a:t>product.</a:t>
+            </a:r>
+            <a:endParaRPr lang="en-US" dirty="0" smtClean="0">
+              <a:latin typeface="Times New Roman" panose="02020603050405020304" pitchFamily="18" charset="0"/>
+              <a:cs typeface="Times New Roman" panose="02020603050405020304" pitchFamily="18" charset="0"/>
+            </a:endParaRPr>
+          </a:p>
+          <a:p>
+            <a:endParaRPr lang="en-IN" dirty="0" smtClean="0">
+              <a:latin typeface="Times New Roman" panose="02020603050405020304" pitchFamily="18" charset="0"/>
+              <a:cs typeface="Times New Roman" panose="02020603050405020304" pitchFamily="18" charset="0"/>
+            </a:endParaRPr>
+          </a:p>
+          <a:p>
+            <a:endParaRPr lang="en-IN" dirty="0" smtClean="0">
+              <a:latin typeface="Times New Roman" panose="02020603050405020304" pitchFamily="18" charset="0"/>
+              <a:cs typeface="Times New Roman" panose="02020603050405020304" pitchFamily="18" charset="0"/>
+            </a:endParaRPr>
+          </a:p>
+        </p:txBody>
+      </p:sp>
+    </p:spTree>
+    <p:extLst>
+      <p:ext uri="{BB962C8B-B14F-4D97-AF65-F5344CB8AC3E}">
+        <p14:creationId xmlns:p14="http://schemas.microsoft.com/office/powerpoint/2010/main" val="1930783604"/>
+      </p:ext>
+    </p:extLst>
+  </p:cSld>
+  <p:clrMapOvr>
+    <a:masterClrMapping/>
+  </p:clrMapOvr>
+  <p:timing>
+    <p:tnLst>
+      <p:par>
+        <p:cTn id="1" dur="indefinite" restart="never" nodeType="tmRoot"/>
+      </p:par>
+    </p:tnLst>
+  </p:timing>
+</p:sld>
+</file>
+
+<file path=ppt/slides/slide41.xml><?xml version="1.0" encoding="utf-8"?>
+<p:sld xmlns:a="http://schemas.openxmlformats.org/drawingml/2006/main" xmlns:r="http://schemas.openxmlformats.org/officeDocument/2006/relationships" xmlns:p="http://schemas.openxmlformats.org/presentationml/2006/main">
+  <p:cSld>
+    <p:spTree>
+      <p:nvGrpSpPr>
+        <p:cNvPr id="1" name=""/>
+        <p:cNvGrpSpPr/>
+        <p:nvPr/>
+      </p:nvGrpSpPr>
+      <p:grpSpPr>
+        <a:xfrm>
+          <a:off x="0" y="0"/>
+          <a:ext cx="0" cy="0"/>
+          <a:chOff x="0" y="0"/>
+          <a:chExt cx="0" cy="0"/>
+        </a:xfrm>
+      </p:grpSpPr>
+      <p:sp>
+        <p:nvSpPr>
+          <p:cNvPr id="2" name="Title 1"/>
+          <p:cNvSpPr>
+            <a:spLocks noGrp="1"/>
+          </p:cNvSpPr>
+          <p:nvPr>
+            <p:ph type="title"/>
+          </p:nvPr>
+        </p:nvSpPr>
+        <p:spPr>
+          <a:xfrm>
+            <a:off x="0" y="0"/>
+            <a:ext cx="9239534" cy="750627"/>
+          </a:xfrm>
+        </p:spPr>
+        <p:txBody>
+          <a:bodyPr/>
+          <a:lstStyle/>
+          <a:p>
+            <a:r>
+              <a:rPr lang="en-US" dirty="0" smtClean="0"/>
+              <a:t>Activity diagram to </a:t>
+            </a:r>
+            <a:r>
+              <a:rPr lang="en-US" dirty="0" smtClean="0"/>
+              <a:t>place order</a:t>
+            </a:r>
+            <a:endParaRPr lang="en-IN" dirty="0"/>
+          </a:p>
+        </p:txBody>
+      </p:sp>
+      <p:pic>
+        <p:nvPicPr>
+          <p:cNvPr id="4" name="Picture 3"/>
+          <p:cNvPicPr>
+            <a:picLocks noChangeAspect="1"/>
+          </p:cNvPicPr>
+          <p:nvPr/>
+        </p:nvPicPr>
+        <p:blipFill>
+          <a:blip r:embed="rId2"/>
+          <a:stretch>
+            <a:fillRect/>
+          </a:stretch>
+        </p:blipFill>
+        <p:spPr>
+          <a:xfrm>
+            <a:off x="1124364" y="750627"/>
+            <a:ext cx="9752202" cy="5820770"/>
+          </a:xfrm>
+          <a:prstGeom prst="rect">
+            <a:avLst/>
+          </a:prstGeom>
+        </p:spPr>
+      </p:pic>
+    </p:spTree>
+    <p:extLst>
+      <p:ext uri="{BB962C8B-B14F-4D97-AF65-F5344CB8AC3E}">
+        <p14:creationId xmlns:p14="http://schemas.microsoft.com/office/powerpoint/2010/main" val="4041656195"/>
+      </p:ext>
+    </p:extLst>
+  </p:cSld>
+  <p:clrMapOvr>
+    <a:masterClrMapping/>
+  </p:clrMapOvr>
+</p:sld>
+</file>
+
+<file path=ppt/slides/slide42.xml><?xml version="1.0" encoding="utf-8"?>
+<p:sld xmlns:a="http://schemas.openxmlformats.org/drawingml/2006/main" xmlns:r="http://schemas.openxmlformats.org/officeDocument/2006/relationships" xmlns:p="http://schemas.openxmlformats.org/presentationml/2006/main">
+  <p:cSld>
+    <p:spTree>
+      <p:nvGrpSpPr>
+        <p:cNvPr id="1" name=""/>
+        <p:cNvGrpSpPr/>
+        <p:nvPr/>
+      </p:nvGrpSpPr>
+      <p:grpSpPr>
+        <a:xfrm>
+          <a:off x="0" y="0"/>
+          <a:ext cx="0" cy="0"/>
+          <a:chOff x="0" y="0"/>
+          <a:chExt cx="0" cy="0"/>
+        </a:xfrm>
+      </p:grpSpPr>
+      <p:pic>
+        <p:nvPicPr>
+          <p:cNvPr id="2" name="Picture 1"/>
+          <p:cNvPicPr>
+            <a:picLocks noChangeAspect="1"/>
+          </p:cNvPicPr>
+          <p:nvPr/>
+        </p:nvPicPr>
+        <p:blipFill>
+          <a:blip r:embed="rId2">
+            <a:extLst>
+              <a:ext uri="{28A0092B-C50C-407E-A947-70E740481C1C}">
+                <a14:useLocalDpi xmlns:a14="http://schemas.microsoft.com/office/drawing/2010/main" val="0"/>
+              </a:ext>
+            </a:extLst>
+          </a:blip>
+          <a:stretch>
+            <a:fillRect/>
+          </a:stretch>
+        </p:blipFill>
+        <p:spPr>
+          <a:xfrm>
+            <a:off x="142044" y="190048"/>
+            <a:ext cx="10571449" cy="6477904"/>
+          </a:xfrm>
+          <a:prstGeom prst="rect">
+            <a:avLst/>
+          </a:prstGeom>
+        </p:spPr>
+      </p:pic>
+    </p:spTree>
+    <p:extLst>
+      <p:ext uri="{BB962C8B-B14F-4D97-AF65-F5344CB8AC3E}">
+        <p14:creationId xmlns:p14="http://schemas.microsoft.com/office/powerpoint/2010/main" val="337647902"/>
       </p:ext>
     </p:extLst>
   </p:cSld>
@@ -18038,7 +19220,7 @@
           <p:cNvPr id="2" name="Picture 1" descr="A close up of a map&#10;&#10;Description generated with high confidence">
             <a:extLst>
               <a:ext uri="{FF2B5EF4-FFF2-40B4-BE49-F238E27FC236}">
-                <a16:creationId xmlns:a16="http://schemas.microsoft.com/office/drawing/2014/main" id="{262376CC-5C18-41A2-8E11-40AD854DFE4C}"/>
+                <a16:creationId xmlns="" xmlns:a16="http://schemas.microsoft.com/office/drawing/2014/main" xmlns:lc="http://schemas.openxmlformats.org/drawingml/2006/lockedCanvas" id="{262376CC-5C18-41A2-8E11-40AD854DFE4C}"/>
               </a:ext>
             </a:extLst>
           </p:cNvPr>
@@ -18086,9 +19268,18 @@
           <a:lstStyle/>
           <a:p>
             <a:r>
+              <a:rPr lang="en-IN" dirty="0" smtClean="0"/>
+              <a:t>Use Case </a:t>
+            </a:r>
+            <a:r>
               <a:rPr lang="en-IN" dirty="0"/>
-              <a:t>Use Case Diagram – Salesperson</a:t>
-            </a:r>
+              <a:t>D</a:t>
+            </a:r>
+            <a:r>
+              <a:rPr lang="en-IN" dirty="0" smtClean="0"/>
+              <a:t>iagram – Salesperson</a:t>
+            </a:r>
+            <a:endParaRPr lang="en-IN" dirty="0"/>
           </a:p>
         </p:txBody>
       </p:sp>
@@ -18102,6 +19293,13 @@
   <p:clrMapOvr>
     <a:masterClrMapping/>
   </p:clrMapOvr>
+  <p:timing>
+    <p:tnLst>
+      <p:par>
+        <p:cTn id="1" dur="indefinite" restart="never" nodeType="tmRoot"/>
+      </p:par>
+    </p:tnLst>
+  </p:timing>
 </p:sld>
 </file>
 
@@ -18127,7 +19325,7 @@
           <p:cNvPr id="2" name="Picture 1" descr="A close up of a map&#10;&#10;Description generated with high confidence">
             <a:extLst>
               <a:ext uri="{FF2B5EF4-FFF2-40B4-BE49-F238E27FC236}">
-                <a16:creationId xmlns:a16="http://schemas.microsoft.com/office/drawing/2014/main" id="{99EDCDC5-0C2B-4A72-AC70-4FBC0D1550DC}"/>
+                <a16:creationId xmlns="" xmlns:a16="http://schemas.microsoft.com/office/drawing/2014/main" xmlns:lc="http://schemas.openxmlformats.org/drawingml/2006/lockedCanvas" id="{99EDCDC5-0C2B-4A72-AC70-4FBC0D1550DC}"/>
               </a:ext>
             </a:extLst>
           </p:cNvPr>
@@ -18175,9 +19373,18 @@
           <a:lstStyle/>
           <a:p>
             <a:r>
+              <a:rPr lang="en-IN" dirty="0" smtClean="0"/>
+              <a:t>Use Case </a:t>
+            </a:r>
+            <a:r>
               <a:rPr lang="en-IN" dirty="0"/>
-              <a:t>Use Case Diagram - Retailer</a:t>
-            </a:r>
+              <a:t>D</a:t>
+            </a:r>
+            <a:r>
+              <a:rPr lang="en-IN" dirty="0" smtClean="0"/>
+              <a:t>iagram - Retailer</a:t>
+            </a:r>
+            <a:endParaRPr lang="en-IN" dirty="0"/>
           </a:p>
         </p:txBody>
       </p:sp>
@@ -18191,6 +19398,13 @@
   <p:clrMapOvr>
     <a:masterClrMapping/>
   </p:clrMapOvr>
+  <p:timing>
+    <p:tnLst>
+      <p:par>
+        <p:cTn id="1" dur="indefinite" restart="never" nodeType="tmRoot"/>
+      </p:par>
+    </p:tnLst>
+  </p:timing>
 </p:sld>
 </file>
 
@@ -18213,51 +19427,36 @@
       </p:grpSpPr>
       <p:sp>
         <p:nvSpPr>
-          <p:cNvPr id="3" name="TextBox 2">
-            <a:extLst>
-              <a:ext uri="{FF2B5EF4-FFF2-40B4-BE49-F238E27FC236}">
-                <a16:creationId xmlns:a16="http://schemas.microsoft.com/office/drawing/2014/main" id="{EB026274-A7E9-48F4-AE1D-2E0C75F0F709}"/>
-              </a:ext>
-            </a:extLst>
-          </p:cNvPr>
-          <p:cNvSpPr txBox="1"/>
-          <p:nvPr/>
+          <p:cNvPr id="2" name="Title 1"/>
+          <p:cNvSpPr>
+            <a:spLocks noGrp="1"/>
+          </p:cNvSpPr>
+          <p:nvPr>
+            <p:ph type="title"/>
+          </p:nvPr>
         </p:nvSpPr>
         <p:spPr>
           <a:xfrm>
-            <a:off x="2840965" y="3142891"/>
-            <a:ext cx="5489275" cy="769441"/>
+            <a:off x="-1380698" y="750747"/>
+            <a:ext cx="9200866" cy="4952492"/>
           </a:xfrm>
-          <a:prstGeom prst="rect">
-            <a:avLst/>
-          </a:prstGeom>
-          <a:noFill/>
         </p:spPr>
         <p:txBody>
-          <a:bodyPr rot="0" spcFirstLastPara="0" vertOverflow="overflow" horzOverflow="overflow" vert="horz" wrap="square" lIns="91440" tIns="45720" rIns="91440" bIns="45720" numCol="1" spcCol="0" rtlCol="0" fromWordArt="0" anchor="t" anchorCtr="0" forceAA="0" compatLnSpc="1">
-            <a:prstTxWarp prst="textNoShape">
-              <a:avLst/>
-            </a:prstTxWarp>
-            <a:spAutoFit/>
-          </a:bodyPr>
+          <a:bodyPr/>
           <a:lstStyle/>
           <a:p>
-            <a:pPr algn="ctr"/>
-            <a:r>
-              <a:rPr lang="en-US" sz="4400" dirty="0">
-                <a:latin typeface="Century Schoolbook"/>
-                <a:ea typeface="+mj-lt"/>
-                <a:cs typeface="+mj-lt"/>
-              </a:rPr>
+            <a:r>
+              <a:rPr lang="en-US" dirty="0" smtClean="0"/>
               <a:t>ER Diagram</a:t>
             </a:r>
+            <a:endParaRPr lang="en-IN" dirty="0"/>
           </a:p>
         </p:txBody>
       </p:sp>
     </p:spTree>
     <p:extLst>
       <p:ext uri="{BB962C8B-B14F-4D97-AF65-F5344CB8AC3E}">
-        <p14:creationId xmlns:p14="http://schemas.microsoft.com/office/powerpoint/2010/main" val="2131089455"/>
+        <p14:creationId xmlns:p14="http://schemas.microsoft.com/office/powerpoint/2010/main" val="525626278"/>
       </p:ext>
     </p:extLst>
   </p:cSld>
@@ -18346,51 +19545,36 @@
       </p:grpSpPr>
       <p:sp>
         <p:nvSpPr>
-          <p:cNvPr id="3" name="TextBox 2">
-            <a:extLst>
-              <a:ext uri="{FF2B5EF4-FFF2-40B4-BE49-F238E27FC236}">
-                <a16:creationId xmlns:a16="http://schemas.microsoft.com/office/drawing/2014/main" id="{93E5992D-5482-43B8-8070-DD982CFE0DF3}"/>
-              </a:ext>
-            </a:extLst>
-          </p:cNvPr>
-          <p:cNvSpPr txBox="1"/>
-          <p:nvPr/>
+          <p:cNvPr id="2" name="Title 1"/>
+          <p:cNvSpPr>
+            <a:spLocks noGrp="1"/>
+          </p:cNvSpPr>
+          <p:nvPr>
+            <p:ph type="title"/>
+          </p:nvPr>
         </p:nvSpPr>
         <p:spPr>
           <a:xfrm>
-            <a:off x="2840965" y="3142891"/>
-            <a:ext cx="5489275" cy="769441"/>
+            <a:off x="762000" y="559678"/>
+            <a:ext cx="9200866" cy="4952492"/>
           </a:xfrm>
-          <a:prstGeom prst="rect">
-            <a:avLst/>
-          </a:prstGeom>
-          <a:noFill/>
         </p:spPr>
         <p:txBody>
-          <a:bodyPr rot="0" spcFirstLastPara="0" vertOverflow="overflow" horzOverflow="overflow" vert="horz" wrap="square" lIns="91440" tIns="45720" rIns="91440" bIns="45720" numCol="1" spcCol="0" rtlCol="0" fromWordArt="0" anchor="t" anchorCtr="0" forceAA="0" compatLnSpc="1">
-            <a:prstTxWarp prst="textNoShape">
-              <a:avLst/>
-            </a:prstTxWarp>
-            <a:spAutoFit/>
-          </a:bodyPr>
+          <a:bodyPr/>
           <a:lstStyle/>
           <a:p>
-            <a:pPr algn="ctr"/>
-            <a:r>
-              <a:rPr lang="en-US" sz="4400" dirty="0">
-                <a:latin typeface="Century Schoolbook"/>
-                <a:ea typeface="+mj-lt"/>
-                <a:cs typeface="+mj-lt"/>
-              </a:rPr>
-              <a:t>Sequence Diagrams</a:t>
-            </a:r>
+            <a:r>
+              <a:rPr lang="en-US" dirty="0" smtClean="0"/>
+              <a:t>Salesperson and Product</a:t>
+            </a:r>
+            <a:endParaRPr lang="en-IN" dirty="0"/>
           </a:p>
         </p:txBody>
       </p:sp>
     </p:spTree>
     <p:extLst>
       <p:ext uri="{BB962C8B-B14F-4D97-AF65-F5344CB8AC3E}">
-        <p14:creationId xmlns:p14="http://schemas.microsoft.com/office/powerpoint/2010/main" val="3018130974"/>
+        <p14:creationId xmlns:p14="http://schemas.microsoft.com/office/powerpoint/2010/main" val="3477988187"/>
       </p:ext>
     </p:extLst>
   </p:cSld>
